--- a/경북과고 ICARUS 통합 PPT.pptx
+++ b/경북과고 ICARUS 통합 PPT.pptx
@@ -9,25 +9,31 @@
     <p:sldId id="257" r:id="rId3"/>
     <p:sldId id="277" r:id="rId4"/>
     <p:sldId id="278" r:id="rId5"/>
-    <p:sldId id="279" r:id="rId6"/>
-    <p:sldId id="265" r:id="rId7"/>
-    <p:sldId id="266" r:id="rId8"/>
-    <p:sldId id="267" r:id="rId9"/>
-    <p:sldId id="268" r:id="rId10"/>
-    <p:sldId id="269" r:id="rId11"/>
-    <p:sldId id="270" r:id="rId12"/>
-    <p:sldId id="271" r:id="rId13"/>
-    <p:sldId id="272" r:id="rId14"/>
-    <p:sldId id="273" r:id="rId15"/>
-    <p:sldId id="274" r:id="rId16"/>
-    <p:sldId id="275" r:id="rId17"/>
-    <p:sldId id="282" r:id="rId18"/>
-    <p:sldId id="281" r:id="rId19"/>
-    <p:sldId id="258" r:id="rId20"/>
-    <p:sldId id="259" r:id="rId21"/>
-    <p:sldId id="280" r:id="rId22"/>
-    <p:sldId id="261" r:id="rId23"/>
-    <p:sldId id="262" r:id="rId24"/>
+    <p:sldId id="285" r:id="rId6"/>
+    <p:sldId id="287" r:id="rId7"/>
+    <p:sldId id="279" r:id="rId8"/>
+    <p:sldId id="265" r:id="rId9"/>
+    <p:sldId id="266" r:id="rId10"/>
+    <p:sldId id="267" r:id="rId11"/>
+    <p:sldId id="268" r:id="rId12"/>
+    <p:sldId id="269" r:id="rId13"/>
+    <p:sldId id="270" r:id="rId14"/>
+    <p:sldId id="283" r:id="rId15"/>
+    <p:sldId id="271" r:id="rId16"/>
+    <p:sldId id="288" r:id="rId17"/>
+    <p:sldId id="289" r:id="rId18"/>
+    <p:sldId id="290" r:id="rId19"/>
+    <p:sldId id="272" r:id="rId20"/>
+    <p:sldId id="273" r:id="rId21"/>
+    <p:sldId id="274" r:id="rId22"/>
+    <p:sldId id="275" r:id="rId23"/>
+    <p:sldId id="282" r:id="rId24"/>
+    <p:sldId id="281" r:id="rId25"/>
+    <p:sldId id="258" r:id="rId26"/>
+    <p:sldId id="259" r:id="rId27"/>
+    <p:sldId id="280" r:id="rId28"/>
+    <p:sldId id="261" r:id="rId29"/>
+    <p:sldId id="262" r:id="rId30"/>
   </p:sldIdLst>
   <p:sldSz cx="12192000" cy="6858000"/>
   <p:notesSz cx="6858000" cy="9144000"/>
@@ -126,6 +132,22 @@
       </a:defRPr>
     </a:lvl9pPr>
   </p:defaultTextStyle>
+  <p:extLst>
+    <p:ext uri="{EFAFB233-063F-42B5-8137-9DF3F51BA10A}">
+      <p15:sldGuideLst xmlns:p15="http://schemas.microsoft.com/office/powerpoint/2012/main">
+        <p15:guide id="1" orient="horz" pos="2160">
+          <p15:clr>
+            <a:srgbClr val="A4A3A4"/>
+          </p15:clr>
+        </p15:guide>
+        <p15:guide id="2" pos="3840">
+          <p15:clr>
+            <a:srgbClr val="A4A3A4"/>
+          </p15:clr>
+        </p15:guide>
+      </p15:sldGuideLst>
+    </p:ext>
+  </p:extLst>
 </p:presentation>
 </file>
 
@@ -260,7 +282,7 @@
           <a:p>
             <a:fld id="{0A837266-5F83-43E5-8B4C-B854B0D57007}" type="datetimeFigureOut">
               <a:rPr lang="ko-KR" altLang="en-US" smtClean="0"/>
-              <a:t>2018-10-28</a:t>
+              <a:t>2018-11-23</a:t>
             </a:fld>
             <a:endParaRPr lang="ko-KR" altLang="en-US"/>
           </a:p>
@@ -430,7 +452,7 @@
           <a:p>
             <a:fld id="{0A837266-5F83-43E5-8B4C-B854B0D57007}" type="datetimeFigureOut">
               <a:rPr lang="ko-KR" altLang="en-US" smtClean="0"/>
-              <a:t>2018-10-28</a:t>
+              <a:t>2018-11-23</a:t>
             </a:fld>
             <a:endParaRPr lang="ko-KR" altLang="en-US"/>
           </a:p>
@@ -610,7 +632,7 @@
           <a:p>
             <a:fld id="{0A837266-5F83-43E5-8B4C-B854B0D57007}" type="datetimeFigureOut">
               <a:rPr lang="ko-KR" altLang="en-US" smtClean="0"/>
-              <a:t>2018-10-28</a:t>
+              <a:t>2018-11-23</a:t>
             </a:fld>
             <a:endParaRPr lang="ko-KR" altLang="en-US"/>
           </a:p>
@@ -790,7 +812,7 @@
           <a:p>
             <a:fld id="{0A837266-5F83-43E5-8B4C-B854B0D57007}" type="datetimeFigureOut">
               <a:rPr lang="ko-KR" altLang="en-US" smtClean="0"/>
-              <a:t>2018-10-28</a:t>
+              <a:t>2018-11-23</a:t>
             </a:fld>
             <a:endParaRPr lang="ko-KR" altLang="en-US"/>
           </a:p>
@@ -1036,7 +1058,7 @@
           <a:p>
             <a:fld id="{0A837266-5F83-43E5-8B4C-B854B0D57007}" type="datetimeFigureOut">
               <a:rPr lang="ko-KR" altLang="en-US" smtClean="0"/>
-              <a:t>2018-10-28</a:t>
+              <a:t>2018-11-23</a:t>
             </a:fld>
             <a:endParaRPr lang="ko-KR" altLang="en-US"/>
           </a:p>
@@ -1268,7 +1290,7 @@
           <a:p>
             <a:fld id="{0A837266-5F83-43E5-8B4C-B854B0D57007}" type="datetimeFigureOut">
               <a:rPr lang="ko-KR" altLang="en-US" smtClean="0"/>
-              <a:t>2018-10-28</a:t>
+              <a:t>2018-11-23</a:t>
             </a:fld>
             <a:endParaRPr lang="ko-KR" altLang="en-US"/>
           </a:p>
@@ -1635,7 +1657,7 @@
           <a:p>
             <a:fld id="{0A837266-5F83-43E5-8B4C-B854B0D57007}" type="datetimeFigureOut">
               <a:rPr lang="ko-KR" altLang="en-US" smtClean="0"/>
-              <a:t>2018-10-28</a:t>
+              <a:t>2018-11-23</a:t>
             </a:fld>
             <a:endParaRPr lang="ko-KR" altLang="en-US"/>
           </a:p>
@@ -1753,7 +1775,7 @@
           <a:p>
             <a:fld id="{0A837266-5F83-43E5-8B4C-B854B0D57007}" type="datetimeFigureOut">
               <a:rPr lang="ko-KR" altLang="en-US" smtClean="0"/>
-              <a:t>2018-10-28</a:t>
+              <a:t>2018-11-23</a:t>
             </a:fld>
             <a:endParaRPr lang="ko-KR" altLang="en-US"/>
           </a:p>
@@ -1848,7 +1870,7 @@
           <a:p>
             <a:fld id="{0A837266-5F83-43E5-8B4C-B854B0D57007}" type="datetimeFigureOut">
               <a:rPr lang="ko-KR" altLang="en-US" smtClean="0"/>
-              <a:t>2018-10-28</a:t>
+              <a:t>2018-11-23</a:t>
             </a:fld>
             <a:endParaRPr lang="ko-KR" altLang="en-US"/>
           </a:p>
@@ -2125,7 +2147,7 @@
           <a:p>
             <a:fld id="{0A837266-5F83-43E5-8B4C-B854B0D57007}" type="datetimeFigureOut">
               <a:rPr lang="ko-KR" altLang="en-US" smtClean="0"/>
-              <a:t>2018-10-28</a:t>
+              <a:t>2018-11-23</a:t>
             </a:fld>
             <a:endParaRPr lang="ko-KR" altLang="en-US"/>
           </a:p>
@@ -2378,7 +2400,7 @@
           <a:p>
             <a:fld id="{0A837266-5F83-43E5-8B4C-B854B0D57007}" type="datetimeFigureOut">
               <a:rPr lang="ko-KR" altLang="en-US" smtClean="0"/>
-              <a:t>2018-10-28</a:t>
+              <a:t>2018-11-23</a:t>
             </a:fld>
             <a:endParaRPr lang="ko-KR" altLang="en-US"/>
           </a:p>
@@ -2594,7 +2616,7 @@
             <a:fld id="{0A837266-5F83-43E5-8B4C-B854B0D57007}" type="datetimeFigureOut">
               <a:rPr lang="ko-KR" altLang="en-US" smtClean="0"/>
               <a:pPr/>
-              <a:t>2018-10-28</a:t>
+              <a:t>2018-11-23</a:t>
             </a:fld>
             <a:endParaRPr lang="ko-KR" altLang="en-US" dirty="0"/>
           </a:p>
@@ -3807,7 +3829,7 @@
 </file>
 
 <file path=ppt/slides/slide10.xml><?xml version="1.0" encoding="utf-8"?>
-<p:sld xmlns:a="http://schemas.openxmlformats.org/drawingml/2006/main" xmlns:r="http://schemas.openxmlformats.org/officeDocument/2006/relationships" xmlns:p="http://schemas.openxmlformats.org/presentationml/2006/main" show="0">
+<p:sld xmlns:a="http://schemas.openxmlformats.org/drawingml/2006/main" xmlns:r="http://schemas.openxmlformats.org/officeDocument/2006/relationships" xmlns:p="http://schemas.openxmlformats.org/presentationml/2006/main">
   <p:cSld>
     <p:bg>
       <p:bgPr>
@@ -3893,7 +3915,7 @@
         <p:spPr bwMode="auto">
           <a:xfrm>
             <a:off x="2406377" y="608585"/>
-            <a:ext cx="6456269" cy="738664"/>
+            <a:ext cx="4352674" cy="676532"/>
           </a:xfrm>
           <a:prstGeom prst="rect">
             <a:avLst/>
@@ -4025,7 +4047,7 @@
             </a:lvl9pPr>
           </a:lstStyle>
           <a:p>
-            <a:pPr eaLnBrk="1" hangingPunct="1">
+            <a:pPr>
               <a:lnSpc>
                 <a:spcPct val="150000"/>
               </a:lnSpc>
@@ -4036,7 +4058,7 @@
                 <a:ea typeface="나눔스퀘어 Bold" panose="020B0600000101010101" pitchFamily="50" charset="-127"/>
                 <a:cs typeface="Calibri" panose="020F0502020204030204" pitchFamily="34" charset="0"/>
               </a:rPr>
-              <a:t>Development Operating Environment</a:t>
+              <a:t>Software Component</a:t>
             </a:r>
             <a:endParaRPr lang="ru-RU" altLang="ko-KR" sz="2800" b="1" dirty="0">
               <a:latin typeface="나눔스퀘어 Bold" panose="020B0600000101010101" pitchFamily="50" charset="-127"/>
@@ -4170,7 +4192,7 @@
           </a:ln>
           <a:extLst>
             <a:ext uri="{C572A759-6A51-4108-AA02-DFA0A04FC94B}">
-              <ma14:wrappingTextBoxFlag xmlns="" xmlns:ma14="http://schemas.microsoft.com/office/mac/drawingml/2011/main" val="1"/>
+              <ma14:wrappingTextBoxFlag xmlns:ma14="http://schemas.microsoft.com/office/mac/drawingml/2011/main" xmlns="" val="1"/>
             </a:ext>
           </a:extLst>
         </p:spPr>
@@ -4179,6 +4201,155 @@
             <a:normAutofit/>
           </a:bodyPr>
           <a:lstStyle/>
+          <a:p>
+            <a:pPr marL="285750" indent="-285750" fontAlgn="base">
+              <a:lnSpc>
+                <a:spcPct val="150000"/>
+              </a:lnSpc>
+              <a:buFontTx/>
+              <a:buChar char="-"/>
+            </a:pPr>
+            <a:r>
+              <a:rPr lang="ko-KR" altLang="en-US" dirty="0" smtClean="0">
+                <a:latin typeface="나눔고딕 Light" pitchFamily="50" charset="-127"/>
+                <a:ea typeface="나눔고딕 Light" pitchFamily="50" charset="-127"/>
+              </a:rPr>
+              <a:t>개발 언어</a:t>
+            </a:r>
+            <a:r>
+              <a:rPr lang="en-US" altLang="ko-KR" dirty="0" smtClean="0">
+                <a:latin typeface="나눔고딕 Light" pitchFamily="50" charset="-127"/>
+                <a:ea typeface="나눔고딕 Light" pitchFamily="50" charset="-127"/>
+              </a:rPr>
+              <a:t>: Python</a:t>
+            </a:r>
+          </a:p>
+          <a:p>
+            <a:pPr marL="285750" indent="-285750" fontAlgn="base">
+              <a:lnSpc>
+                <a:spcPct val="150000"/>
+              </a:lnSpc>
+              <a:buFontTx/>
+              <a:buChar char="-"/>
+            </a:pPr>
+            <a:r>
+              <a:rPr lang="ko-KR" altLang="en-US" dirty="0" smtClean="0">
+                <a:latin typeface="나눔고딕 Light" pitchFamily="50" charset="-127"/>
+                <a:ea typeface="나눔고딕 Light" pitchFamily="50" charset="-127"/>
+              </a:rPr>
+              <a:t>사용 라이브러리</a:t>
+            </a:r>
+            <a:r>
+              <a:rPr lang="en-US" altLang="ko-KR" dirty="0" smtClean="0">
+                <a:latin typeface="나눔고딕 Light" pitchFamily="50" charset="-127"/>
+                <a:ea typeface="나눔고딕 Light" pitchFamily="50" charset="-127"/>
+              </a:rPr>
+              <a:t>: </a:t>
+            </a:r>
+          </a:p>
+          <a:p>
+            <a:pPr fontAlgn="base">
+              <a:lnSpc>
+                <a:spcPct val="150000"/>
+              </a:lnSpc>
+            </a:pPr>
+            <a:r>
+              <a:rPr lang="en-US" altLang="ko-KR" dirty="0" smtClean="0">
+                <a:latin typeface="나눔고딕 Light" pitchFamily="50" charset="-127"/>
+                <a:ea typeface="나눔고딕 Light" pitchFamily="50" charset="-127"/>
+              </a:rPr>
+              <a:t>	</a:t>
+            </a:r>
+            <a:r>
+              <a:rPr lang="en-US" altLang="ko-KR" dirty="0" err="1" smtClean="0">
+                <a:latin typeface="나눔고딕 Light" pitchFamily="50" charset="-127"/>
+                <a:ea typeface="나눔고딕 Light" pitchFamily="50" charset="-127"/>
+              </a:rPr>
+              <a:t>OpenCV</a:t>
+            </a:r>
+            <a:r>
+              <a:rPr lang="en-US" altLang="ko-KR" dirty="0" smtClean="0">
+                <a:latin typeface="나눔고딕 Light" pitchFamily="50" charset="-127"/>
+                <a:ea typeface="나눔고딕 Light" pitchFamily="50" charset="-127"/>
+              </a:rPr>
+              <a:t>-Python: </a:t>
+            </a:r>
+            <a:r>
+              <a:rPr lang="ko-KR" altLang="en-US" dirty="0" smtClean="0">
+                <a:latin typeface="나눔고딕 Light" pitchFamily="50" charset="-127"/>
+                <a:ea typeface="나눔고딕 Light" pitchFamily="50" charset="-127"/>
+              </a:rPr>
+              <a:t>영상처리에 활용</a:t>
+            </a:r>
+            <a:endParaRPr lang="en-US" altLang="ko-KR" dirty="0" smtClean="0">
+              <a:latin typeface="나눔고딕 Light" pitchFamily="50" charset="-127"/>
+              <a:ea typeface="나눔고딕 Light" pitchFamily="50" charset="-127"/>
+            </a:endParaRPr>
+          </a:p>
+          <a:p>
+            <a:pPr fontAlgn="base">
+              <a:lnSpc>
+                <a:spcPct val="150000"/>
+              </a:lnSpc>
+            </a:pPr>
+            <a:r>
+              <a:rPr lang="en-US" altLang="ko-KR" dirty="0" smtClean="0">
+                <a:latin typeface="나눔고딕 Light" pitchFamily="50" charset="-127"/>
+                <a:ea typeface="나눔고딕 Light" pitchFamily="50" charset="-127"/>
+              </a:rPr>
+              <a:t>	</a:t>
+            </a:r>
+            <a:r>
+              <a:rPr lang="en-US" altLang="ko-KR" dirty="0" err="1" smtClean="0">
+                <a:latin typeface="나눔고딕 Light" pitchFamily="50" charset="-127"/>
+                <a:ea typeface="나눔고딕 Light" pitchFamily="50" charset="-127"/>
+              </a:rPr>
+              <a:t>Tensorflow</a:t>
+            </a:r>
+            <a:r>
+              <a:rPr lang="en-US" altLang="ko-KR" dirty="0" smtClean="0">
+                <a:latin typeface="나눔고딕 Light" pitchFamily="50" charset="-127"/>
+                <a:ea typeface="나눔고딕 Light" pitchFamily="50" charset="-127"/>
+              </a:rPr>
+              <a:t>: </a:t>
+            </a:r>
+            <a:r>
+              <a:rPr lang="ko-KR" altLang="en-US" dirty="0" smtClean="0">
+                <a:latin typeface="나눔고딕 Light" pitchFamily="50" charset="-127"/>
+                <a:ea typeface="나눔고딕 Light" pitchFamily="50" charset="-127"/>
+              </a:rPr>
+              <a:t>인공지능 모델 구현 및 학습에 활용</a:t>
+            </a:r>
+            <a:endParaRPr lang="en-US" altLang="ko-KR" dirty="0" smtClean="0">
+              <a:latin typeface="나눔고딕 Light" pitchFamily="50" charset="-127"/>
+              <a:ea typeface="나눔고딕 Light" pitchFamily="50" charset="-127"/>
+            </a:endParaRPr>
+          </a:p>
+          <a:p>
+            <a:pPr fontAlgn="base">
+              <a:lnSpc>
+                <a:spcPct val="150000"/>
+              </a:lnSpc>
+            </a:pPr>
+            <a:r>
+              <a:rPr lang="en-US" altLang="ko-KR" dirty="0" smtClean="0">
+                <a:latin typeface="나눔고딕 Light" pitchFamily="50" charset="-127"/>
+                <a:ea typeface="나눔고딕 Light" pitchFamily="50" charset="-127"/>
+              </a:rPr>
+              <a:t>	</a:t>
+            </a:r>
+            <a:r>
+              <a:rPr lang="ko-KR" altLang="en-US" dirty="0" smtClean="0">
+                <a:latin typeface="나눔고딕 Light" pitchFamily="50" charset="-127"/>
+                <a:ea typeface="나눔고딕 Light" pitchFamily="50" charset="-127"/>
+              </a:rPr>
+              <a:t>기타 모듈</a:t>
+            </a:r>
+            <a:endParaRPr lang="en-US" altLang="ko-KR" dirty="0" smtClean="0">
+              <a:latin typeface="나눔고딕 Light" pitchFamily="50" charset="-127"/>
+              <a:ea typeface="나눔고딕 Light" pitchFamily="50" charset="-127"/>
+            </a:endParaRPr>
+          </a:p>
           <a:p>
             <a:pPr marL="285750" indent="-285750" fontAlgn="base">
               <a:lnSpc>
@@ -4200,212 +4371,33 @@
               <a:buFontTx/>
               <a:buChar char="-"/>
             </a:pPr>
-            <a:endParaRPr lang="en-US" altLang="ko-KR" dirty="0" smtClean="0">
-              <a:latin typeface="나눔고딕 Light" pitchFamily="50" charset="-127"/>
-              <a:ea typeface="나눔고딕 Light" pitchFamily="50" charset="-127"/>
-            </a:endParaRPr>
-          </a:p>
-          <a:p>
-            <a:pPr fontAlgn="base">
-              <a:lnSpc>
-                <a:spcPct val="120000"/>
-              </a:lnSpc>
-            </a:pPr>
+            <a:r>
+              <a:rPr lang="en-US" altLang="ko-KR" dirty="0" smtClean="0">
+                <a:latin typeface="나눔고딕 Light" pitchFamily="50" charset="-127"/>
+                <a:ea typeface="나눔고딕 Light" pitchFamily="50" charset="-127"/>
+              </a:rPr>
+              <a:t>Raspberry Pi</a:t>
+            </a:r>
             <a:r>
               <a:rPr lang="ko-KR" altLang="en-US" dirty="0" smtClean="0">
                 <a:latin typeface="나눔고딕 Light" pitchFamily="50" charset="-127"/>
                 <a:ea typeface="나눔고딕 Light" pitchFamily="50" charset="-127"/>
               </a:rPr>
-              <a:t> </a:t>
-            </a:r>
-          </a:p>
-        </p:txBody>
-      </p:sp>
-      <p:sp>
-        <p:nvSpPr>
-          <p:cNvPr id="9" name="Shape 388"/>
-          <p:cNvSpPr/>
-          <p:nvPr/>
-        </p:nvSpPr>
-        <p:spPr>
-          <a:xfrm>
-            <a:off x="2621503" y="2288123"/>
-            <a:ext cx="8951372" cy="3936831"/>
-          </a:xfrm>
-          <a:prstGeom prst="rect">
-            <a:avLst/>
-          </a:prstGeom>
-          <a:ln w="3175">
-            <a:miter lim="400000"/>
-          </a:ln>
-          <a:extLst>
-            <a:ext uri="{C572A759-6A51-4108-AA02-DFA0A04FC94B}">
-              <ma14:wrappingTextBoxFlag xmlns="" xmlns:ma14="http://schemas.microsoft.com/office/mac/drawingml/2011/main" val="1"/>
-            </a:ext>
-          </a:extLst>
-        </p:spPr>
-        <p:txBody>
-          <a:bodyPr lIns="38100" tIns="38100" rIns="38100" bIns="38100">
-            <a:normAutofit/>
-          </a:bodyPr>
-          <a:lstStyle/>
-          <a:p>
-            <a:pPr marL="285750" indent="-285750" fontAlgn="base">
-              <a:lnSpc>
-                <a:spcPct val="150000"/>
-              </a:lnSpc>
-              <a:buFontTx/>
-              <a:buChar char="-"/>
-            </a:pPr>
-            <a:r>
-              <a:rPr lang="ko-KR" altLang="en-US" dirty="0" smtClean="0">
-                <a:latin typeface="나눔고딕 Light" pitchFamily="50" charset="-127"/>
-                <a:ea typeface="나눔고딕 Light" pitchFamily="50" charset="-127"/>
-              </a:rPr>
-              <a:t>개발 언어</a:t>
+              <a:t> 설치 </a:t>
             </a:r>
             <a:r>
               <a:rPr lang="en-US" altLang="ko-KR" dirty="0" smtClean="0">
                 <a:latin typeface="나눔고딕 Light" pitchFamily="50" charset="-127"/>
                 <a:ea typeface="나눔고딕 Light" pitchFamily="50" charset="-127"/>
               </a:rPr>
-              <a:t>: </a:t>
-            </a:r>
-            <a:r>
-              <a:rPr lang="en-US" altLang="ko-KR" dirty="0" smtClean="0">
-                <a:latin typeface="나눔고딕 Light" pitchFamily="50" charset="-127"/>
-                <a:ea typeface="나눔고딕 Light" pitchFamily="50" charset="-127"/>
-              </a:rPr>
-              <a:t>P</a:t>
-            </a:r>
-            <a:r>
-              <a:rPr lang="en-US" altLang="ko-KR" dirty="0" smtClean="0">
-                <a:latin typeface="나눔고딕 Light" pitchFamily="50" charset="-127"/>
-                <a:ea typeface="나눔고딕 Light" pitchFamily="50" charset="-127"/>
-              </a:rPr>
-              <a:t>ython</a:t>
-            </a:r>
-          </a:p>
-          <a:p>
-            <a:pPr marL="285750" indent="-285750" fontAlgn="base">
-              <a:lnSpc>
-                <a:spcPct val="150000"/>
-              </a:lnSpc>
-              <a:buFontTx/>
-              <a:buChar char="-"/>
-            </a:pPr>
-            <a:r>
-              <a:rPr lang="ko-KR" altLang="en-US" dirty="0" smtClean="0">
-                <a:latin typeface="나눔고딕 Light" pitchFamily="50" charset="-127"/>
-                <a:ea typeface="나눔고딕 Light" pitchFamily="50" charset="-127"/>
-              </a:rPr>
-              <a:t>사용 라이브러리</a:t>
-            </a:r>
-            <a:r>
-              <a:rPr lang="en-US" altLang="ko-KR" dirty="0" smtClean="0">
-                <a:latin typeface="나눔고딕 Light" pitchFamily="50" charset="-127"/>
-                <a:ea typeface="나눔고딕 Light" pitchFamily="50" charset="-127"/>
-              </a:rPr>
-              <a:t>: </a:t>
-            </a:r>
-          </a:p>
-          <a:p>
-            <a:pPr fontAlgn="base">
-              <a:lnSpc>
-                <a:spcPct val="150000"/>
-              </a:lnSpc>
-            </a:pPr>
-            <a:r>
-              <a:rPr lang="en-US" altLang="ko-KR" dirty="0" smtClean="0">
-                <a:latin typeface="나눔고딕 Light" pitchFamily="50" charset="-127"/>
-                <a:ea typeface="나눔고딕 Light" pitchFamily="50" charset="-127"/>
-              </a:rPr>
-              <a:t>	</a:t>
-            </a:r>
-            <a:r>
-              <a:rPr lang="en-US" altLang="ko-KR" dirty="0" err="1" smtClean="0">
-                <a:latin typeface="나눔고딕 Light" pitchFamily="50" charset="-127"/>
-                <a:ea typeface="나눔고딕 Light" pitchFamily="50" charset="-127"/>
-              </a:rPr>
-              <a:t>OpenCV</a:t>
-            </a:r>
-            <a:r>
-              <a:rPr lang="en-US" altLang="ko-KR" dirty="0" smtClean="0">
-                <a:latin typeface="나눔고딕 Light" pitchFamily="50" charset="-127"/>
-                <a:ea typeface="나눔고딕 Light" pitchFamily="50" charset="-127"/>
-              </a:rPr>
-              <a:t>-Python: </a:t>
-            </a:r>
-            <a:r>
-              <a:rPr lang="ko-KR" altLang="en-US" dirty="0" smtClean="0">
-                <a:latin typeface="나눔고딕 Light" pitchFamily="50" charset="-127"/>
-                <a:ea typeface="나눔고딕 Light" pitchFamily="50" charset="-127"/>
-              </a:rPr>
-              <a:t>영상처리에 활용</a:t>
-            </a:r>
-            <a:endParaRPr lang="en-US" altLang="ko-KR" dirty="0" smtClean="0">
-              <a:latin typeface="나눔고딕 Light" pitchFamily="50" charset="-127"/>
-              <a:ea typeface="나눔고딕 Light" pitchFamily="50" charset="-127"/>
-            </a:endParaRPr>
-          </a:p>
-          <a:p>
-            <a:pPr fontAlgn="base">
-              <a:lnSpc>
-                <a:spcPct val="150000"/>
-              </a:lnSpc>
-            </a:pPr>
-            <a:r>
-              <a:rPr lang="en-US" altLang="ko-KR" dirty="0" smtClean="0">
-                <a:latin typeface="나눔고딕 Light" pitchFamily="50" charset="-127"/>
-                <a:ea typeface="나눔고딕 Light" pitchFamily="50" charset="-127"/>
-              </a:rPr>
-              <a:t>	</a:t>
-            </a:r>
-            <a:r>
-              <a:rPr lang="en-US" altLang="ko-KR" dirty="0" err="1" smtClean="0">
-                <a:latin typeface="나눔고딕 Light" pitchFamily="50" charset="-127"/>
-                <a:ea typeface="나눔고딕 Light" pitchFamily="50" charset="-127"/>
-              </a:rPr>
-              <a:t>Tensorflow</a:t>
-            </a:r>
-            <a:r>
-              <a:rPr lang="en-US" altLang="ko-KR" dirty="0" smtClean="0">
-                <a:latin typeface="나눔고딕 Light" pitchFamily="50" charset="-127"/>
-                <a:ea typeface="나눔고딕 Light" pitchFamily="50" charset="-127"/>
-              </a:rPr>
-              <a:t>: </a:t>
-            </a:r>
-            <a:r>
-              <a:rPr lang="ko-KR" altLang="en-US" dirty="0" smtClean="0">
-                <a:latin typeface="나눔고딕 Light" pitchFamily="50" charset="-127"/>
-                <a:ea typeface="나눔고딕 Light" pitchFamily="50" charset="-127"/>
-              </a:rPr>
-              <a:t>인공지능 모델 구현 및 학습에 활용</a:t>
-            </a:r>
-            <a:endParaRPr lang="en-US" altLang="ko-KR" dirty="0" smtClean="0">
-              <a:latin typeface="나눔고딕 Light" pitchFamily="50" charset="-127"/>
-              <a:ea typeface="나눔고딕 Light" pitchFamily="50" charset="-127"/>
-            </a:endParaRPr>
-          </a:p>
-          <a:p>
-            <a:pPr fontAlgn="base">
-              <a:lnSpc>
-                <a:spcPct val="150000"/>
-              </a:lnSpc>
-            </a:pPr>
-            <a:r>
-              <a:rPr lang="en-US" altLang="ko-KR" dirty="0" smtClean="0">
-                <a:latin typeface="나눔고딕 Light" pitchFamily="50" charset="-127"/>
-                <a:ea typeface="나눔고딕 Light" pitchFamily="50" charset="-127"/>
-              </a:rPr>
-              <a:t>	</a:t>
-            </a:r>
-            <a:r>
-              <a:rPr lang="ko-KR" altLang="en-US" dirty="0" smtClean="0">
-                <a:latin typeface="나눔고딕 Light" pitchFamily="50" charset="-127"/>
-                <a:ea typeface="나눔고딕 Light" pitchFamily="50" charset="-127"/>
-              </a:rPr>
-              <a:t>기타 모듈</a:t>
+              <a:t>OS: </a:t>
+            </a:r>
+            <a:r>
+              <a:rPr lang="ko-KR" altLang="en-US" dirty="0" err="1" smtClean="0">
+                <a:latin typeface="나눔고딕 Light" pitchFamily="50" charset="-127"/>
+                <a:ea typeface="나눔고딕 Light" pitchFamily="50" charset="-127"/>
+              </a:rPr>
+              <a:t>라즈비안</a:t>
             </a:r>
             <a:endParaRPr lang="en-US" altLang="ko-KR" dirty="0" smtClean="0">
               <a:latin typeface="나눔고딕 Light" pitchFamily="50" charset="-127"/>
@@ -4426,60 +4418,6 @@
             </a:endParaRPr>
           </a:p>
           <a:p>
-            <a:pPr marL="285750" indent="-285750" fontAlgn="base">
-              <a:lnSpc>
-                <a:spcPct val="150000"/>
-              </a:lnSpc>
-              <a:buFontTx/>
-              <a:buChar char="-"/>
-            </a:pPr>
-            <a:r>
-              <a:rPr lang="en-US" altLang="ko-KR" dirty="0" smtClean="0">
-                <a:latin typeface="나눔고딕 Light" pitchFamily="50" charset="-127"/>
-                <a:ea typeface="나눔고딕 Light" pitchFamily="50" charset="-127"/>
-              </a:rPr>
-              <a:t>Raspberry Pi</a:t>
-            </a:r>
-            <a:r>
-              <a:rPr lang="ko-KR" altLang="en-US" dirty="0" smtClean="0">
-                <a:latin typeface="나눔고딕 Light" pitchFamily="50" charset="-127"/>
-                <a:ea typeface="나눔고딕 Light" pitchFamily="50" charset="-127"/>
-              </a:rPr>
-              <a:t> 설치 </a:t>
-            </a:r>
-            <a:r>
-              <a:rPr lang="en-US" altLang="ko-KR" dirty="0" smtClean="0">
-                <a:latin typeface="나눔고딕 Light" pitchFamily="50" charset="-127"/>
-                <a:ea typeface="나눔고딕 Light" pitchFamily="50" charset="-127"/>
-              </a:rPr>
-              <a:t>OS: </a:t>
-            </a:r>
-            <a:r>
-              <a:rPr lang="ko-KR" altLang="en-US" dirty="0" err="1" smtClean="0">
-                <a:latin typeface="나눔고딕 Light" pitchFamily="50" charset="-127"/>
-                <a:ea typeface="나눔고딕 Light" pitchFamily="50" charset="-127"/>
-              </a:rPr>
-              <a:t>라즈비안</a:t>
-            </a:r>
-            <a:endParaRPr lang="en-US" altLang="ko-KR" dirty="0" smtClean="0">
-              <a:latin typeface="나눔고딕 Light" pitchFamily="50" charset="-127"/>
-              <a:ea typeface="나눔고딕 Light" pitchFamily="50" charset="-127"/>
-            </a:endParaRPr>
-          </a:p>
-          <a:p>
-            <a:pPr marL="285750" indent="-285750" fontAlgn="base">
-              <a:lnSpc>
-                <a:spcPct val="150000"/>
-              </a:lnSpc>
-              <a:buFontTx/>
-              <a:buChar char="-"/>
-            </a:pPr>
-            <a:endParaRPr lang="en-US" altLang="ko-KR" dirty="0" smtClean="0">
-              <a:latin typeface="나눔고딕 Light" pitchFamily="50" charset="-127"/>
-              <a:ea typeface="나눔고딕 Light" pitchFamily="50" charset="-127"/>
-            </a:endParaRPr>
-          </a:p>
-          <a:p>
             <a:pPr fontAlgn="base">
               <a:lnSpc>
                 <a:spcPct val="120000"/>
@@ -4498,21 +4436,13 @@
     </p:spTree>
     <p:extLst>
       <p:ext uri="{BB962C8B-B14F-4D97-AF65-F5344CB8AC3E}">
-        <p14:creationId xmlns:p14="http://schemas.microsoft.com/office/powerpoint/2010/main" val="3622201820"/>
+        <p14:creationId xmlns:p14="http://schemas.microsoft.com/office/powerpoint/2010/main" val="343325444"/>
       </p:ext>
     </p:extLst>
   </p:cSld>
   <p:clrMapOvr>
     <a:masterClrMapping/>
   </p:clrMapOvr>
-  <mc:AlternateContent xmlns:mc="http://schemas.openxmlformats.org/markup-compatibility/2006">
-    <mc:Choice xmlns:p14="http://schemas.microsoft.com/office/powerpoint/2010/main" Requires="p14">
-      <p:transition spd="slow" p14:dur="2000"/>
-    </mc:Choice>
-    <mc:Fallback>
-      <p:transition spd="slow"/>
-    </mc:Fallback>
-  </mc:AlternateContent>
   <p:timing>
     <p:tnLst>
       <p:par>
@@ -4524,7 +4454,7 @@
 </file>
 
 <file path=ppt/slides/slide11.xml><?xml version="1.0" encoding="utf-8"?>
-<p:sld xmlns:a="http://schemas.openxmlformats.org/drawingml/2006/main" xmlns:r="http://schemas.openxmlformats.org/officeDocument/2006/relationships" xmlns:p="http://schemas.openxmlformats.org/presentationml/2006/main">
+<p:sld xmlns:a="http://schemas.openxmlformats.org/drawingml/2006/main" xmlns:r="http://schemas.openxmlformats.org/officeDocument/2006/relationships" xmlns:p="http://schemas.openxmlformats.org/presentationml/2006/main" show="0">
   <p:cSld>
     <p:bg>
       <p:bgPr>
@@ -4610,7 +4540,7 @@
         <p:spPr bwMode="auto">
           <a:xfrm>
             <a:off x="2406377" y="608585"/>
-            <a:ext cx="4352674" cy="738664"/>
+            <a:ext cx="4352674" cy="676532"/>
           </a:xfrm>
           <a:prstGeom prst="rect">
             <a:avLst/>
@@ -4748,20 +4678,12 @@
               </a:lnSpc>
             </a:pPr>
             <a:r>
-              <a:rPr lang="ko-KR" altLang="en-US" sz="2800" b="1" dirty="0" smtClean="0">
+              <a:rPr lang="en-US" altLang="ko-KR" sz="2800" b="1" dirty="0" smtClean="0">
                 <a:latin typeface="나눔스퀘어 Bold" panose="020B0600000101010101" pitchFamily="50" charset="-127"/>
                 <a:ea typeface="나눔스퀘어 Bold" panose="020B0600000101010101" pitchFamily="50" charset="-127"/>
                 <a:cs typeface="Calibri" panose="020F0502020204030204" pitchFamily="34" charset="0"/>
               </a:rPr>
-              <a:t>개발 단계별 기간 및 </a:t>
-            </a:r>
-            <a:r>
-              <a:rPr lang="ko-KR" altLang="en-US" sz="2800" b="1" dirty="0" smtClean="0">
-                <a:latin typeface="나눔스퀘어 Bold" panose="020B0600000101010101" pitchFamily="50" charset="-127"/>
-                <a:ea typeface="나눔스퀘어 Bold" panose="020B0600000101010101" pitchFamily="50" charset="-127"/>
-                <a:cs typeface="Calibri" panose="020F0502020204030204" pitchFamily="34" charset="0"/>
-              </a:rPr>
-              <a:t>인원</a:t>
+              <a:t>Use tools</a:t>
             </a:r>
             <a:endParaRPr lang="ru-RU" altLang="ko-KR" sz="2800" b="1" dirty="0">
               <a:latin typeface="나눔스퀘어 Bold" panose="020B0600000101010101" pitchFamily="50" charset="-127"/>
@@ -4895,13 +4817,13 @@
           </a:ln>
           <a:extLst>
             <a:ext uri="{C572A759-6A51-4108-AA02-DFA0A04FC94B}">
-              <ma14:wrappingTextBoxFlag xmlns="" xmlns:ma14="http://schemas.microsoft.com/office/mac/drawingml/2011/main" val="1"/>
+              <ma14:wrappingTextBoxFlag xmlns:ma14="http://schemas.microsoft.com/office/mac/drawingml/2011/main" xmlns="" val="1"/>
             </a:ext>
           </a:extLst>
         </p:spPr>
         <p:txBody>
           <a:bodyPr lIns="38100" tIns="38100" rIns="38100" bIns="38100">
-            <a:normAutofit lnSpcReduction="10000"/>
+            <a:normAutofit/>
           </a:bodyPr>
           <a:lstStyle/>
           <a:p>
@@ -4917,86 +4839,138 @@
                 <a:latin typeface="나눔고딕 Light" pitchFamily="50" charset="-127"/>
                 <a:ea typeface="나눔고딕 Light" pitchFamily="50" charset="-127"/>
               </a:rPr>
-              <a:t>참여 인원</a:t>
+              <a:t>개발 언어</a:t>
             </a:r>
             <a:r>
               <a:rPr lang="en-US" altLang="ko-KR" dirty="0" smtClean="0">
                 <a:latin typeface="나눔고딕 Light" pitchFamily="50" charset="-127"/>
                 <a:ea typeface="나눔고딕 Light" pitchFamily="50" charset="-127"/>
               </a:rPr>
-              <a:t>(4</a:t>
-            </a:r>
+              <a:t>: Python</a:t>
+            </a:r>
+          </a:p>
+          <a:p>
+            <a:pPr marL="285750" indent="-285750" fontAlgn="base">
+              <a:lnSpc>
+                <a:spcPct val="150000"/>
+              </a:lnSpc>
+              <a:buFontTx/>
+              <a:buChar char="-"/>
+            </a:pPr>
             <a:r>
               <a:rPr lang="ko-KR" altLang="en-US" dirty="0" smtClean="0">
                 <a:latin typeface="나눔고딕 Light" pitchFamily="50" charset="-127"/>
                 <a:ea typeface="나눔고딕 Light" pitchFamily="50" charset="-127"/>
               </a:rPr>
-              <a:t>명</a:t>
+              <a:t>사용 라이브러리</a:t>
             </a:r>
             <a:r>
               <a:rPr lang="en-US" altLang="ko-KR" dirty="0" smtClean="0">
                 <a:latin typeface="나눔고딕 Light" pitchFamily="50" charset="-127"/>
                 <a:ea typeface="나눔고딕 Light" pitchFamily="50" charset="-127"/>
               </a:rPr>
-              <a:t>):</a:t>
-            </a:r>
+              <a:t>: </a:t>
+            </a:r>
+          </a:p>
+          <a:p>
+            <a:pPr fontAlgn="base">
+              <a:lnSpc>
+                <a:spcPct val="150000"/>
+              </a:lnSpc>
+            </a:pPr>
             <a:r>
               <a:rPr lang="en-US" altLang="ko-KR" dirty="0" smtClean="0">
                 <a:latin typeface="나눔고딕 Light" pitchFamily="50" charset="-127"/>
                 <a:ea typeface="나눔고딕 Light" pitchFamily="50" charset="-127"/>
               </a:rPr>
-              <a:t> </a:t>
-            </a:r>
-            <a:r>
-              <a:rPr lang="ko-KR" altLang="en-US" dirty="0" err="1" smtClean="0">
-                <a:latin typeface="나눔고딕 Light" pitchFamily="50" charset="-127"/>
-                <a:ea typeface="나눔고딕 Light" pitchFamily="50" charset="-127"/>
-              </a:rPr>
-              <a:t>김무선</a:t>
+              <a:t>	</a:t>
+            </a:r>
+            <a:r>
+              <a:rPr lang="en-US" altLang="ko-KR" dirty="0" err="1" smtClean="0">
+                <a:latin typeface="나눔고딕 Light" pitchFamily="50" charset="-127"/>
+                <a:ea typeface="나눔고딕 Light" pitchFamily="50" charset="-127"/>
+              </a:rPr>
+              <a:t>OpenCV</a:t>
             </a:r>
             <a:r>
               <a:rPr lang="en-US" altLang="ko-KR" dirty="0" smtClean="0">
                 <a:latin typeface="나눔고딕 Light" pitchFamily="50" charset="-127"/>
                 <a:ea typeface="나눔고딕 Light" pitchFamily="50" charset="-127"/>
               </a:rPr>
-              <a:t>, </a:t>
+              <a:t>-Python: </a:t>
             </a:r>
             <a:r>
               <a:rPr lang="ko-KR" altLang="en-US" dirty="0" smtClean="0">
                 <a:latin typeface="나눔고딕 Light" pitchFamily="50" charset="-127"/>
                 <a:ea typeface="나눔고딕 Light" pitchFamily="50" charset="-127"/>
               </a:rPr>
-              <a:t>강문재</a:t>
-            </a:r>
+              <a:t>영상처리에 활용</a:t>
+            </a:r>
+            <a:endParaRPr lang="en-US" altLang="ko-KR" dirty="0" smtClean="0">
+              <a:latin typeface="나눔고딕 Light" pitchFamily="50" charset="-127"/>
+              <a:ea typeface="나눔고딕 Light" pitchFamily="50" charset="-127"/>
+            </a:endParaRPr>
+          </a:p>
+          <a:p>
+            <a:pPr fontAlgn="base">
+              <a:lnSpc>
+                <a:spcPct val="150000"/>
+              </a:lnSpc>
+            </a:pPr>
             <a:r>
               <a:rPr lang="en-US" altLang="ko-KR" dirty="0" smtClean="0">
                 <a:latin typeface="나눔고딕 Light" pitchFamily="50" charset="-127"/>
                 <a:ea typeface="나눔고딕 Light" pitchFamily="50" charset="-127"/>
               </a:rPr>
-              <a:t>, </a:t>
+              <a:t>	</a:t>
+            </a:r>
+            <a:r>
+              <a:rPr lang="en-US" altLang="ko-KR" dirty="0" err="1" smtClean="0">
+                <a:latin typeface="나눔고딕 Light" pitchFamily="50" charset="-127"/>
+                <a:ea typeface="나눔고딕 Light" pitchFamily="50" charset="-127"/>
+              </a:rPr>
+              <a:t>Tensorflow</a:t>
+            </a:r>
+            <a:r>
+              <a:rPr lang="en-US" altLang="ko-KR" dirty="0" smtClean="0">
+                <a:latin typeface="나눔고딕 Light" pitchFamily="50" charset="-127"/>
+                <a:ea typeface="나눔고딕 Light" pitchFamily="50" charset="-127"/>
+              </a:rPr>
+              <a:t>: </a:t>
             </a:r>
             <a:r>
               <a:rPr lang="ko-KR" altLang="en-US" dirty="0" smtClean="0">
                 <a:latin typeface="나눔고딕 Light" pitchFamily="50" charset="-127"/>
                 <a:ea typeface="나눔고딕 Light" pitchFamily="50" charset="-127"/>
               </a:rPr>
-              <a:t>이준서</a:t>
-            </a:r>
+              <a:t>인공지능 모델 구현 및 학습에 활용</a:t>
+            </a:r>
+            <a:endParaRPr lang="en-US" altLang="ko-KR" dirty="0" smtClean="0">
+              <a:latin typeface="나눔고딕 Light" pitchFamily="50" charset="-127"/>
+              <a:ea typeface="나눔고딕 Light" pitchFamily="50" charset="-127"/>
+            </a:endParaRPr>
+          </a:p>
+          <a:p>
+            <a:pPr fontAlgn="base">
+              <a:lnSpc>
+                <a:spcPct val="150000"/>
+              </a:lnSpc>
+            </a:pPr>
             <a:r>
               <a:rPr lang="en-US" altLang="ko-KR" dirty="0" smtClean="0">
                 <a:latin typeface="나눔고딕 Light" pitchFamily="50" charset="-127"/>
                 <a:ea typeface="나눔고딕 Light" pitchFamily="50" charset="-127"/>
               </a:rPr>
-              <a:t>, </a:t>
+              <a:t>	</a:t>
             </a:r>
             <a:r>
               <a:rPr lang="ko-KR" altLang="en-US" dirty="0" smtClean="0">
                 <a:latin typeface="나눔고딕 Light" pitchFamily="50" charset="-127"/>
                 <a:ea typeface="나눔고딕 Light" pitchFamily="50" charset="-127"/>
               </a:rPr>
-              <a:t>김석준</a:t>
-            </a:r>
-            <a:endParaRPr lang="en-US" altLang="ko-KR" dirty="0">
+              <a:t>기타 모듈</a:t>
+            </a:r>
+            <a:endParaRPr lang="en-US" altLang="ko-KR" dirty="0" smtClean="0">
               <a:latin typeface="나눔고딕 Light" pitchFamily="50" charset="-127"/>
               <a:ea typeface="나눔고딕 Light" pitchFamily="50" charset="-127"/>
             </a:endParaRPr>
@@ -5027,28 +5001,28 @@
                 <a:latin typeface="나눔고딕 Light" pitchFamily="50" charset="-127"/>
                 <a:ea typeface="나눔고딕 Light" pitchFamily="50" charset="-127"/>
               </a:rPr>
-              <a:t>0: R&amp;E</a:t>
+              <a:t>Raspberry Pi</a:t>
             </a:r>
             <a:r>
               <a:rPr lang="ko-KR" altLang="en-US" dirty="0" smtClean="0">
                 <a:latin typeface="나눔고딕 Light" pitchFamily="50" charset="-127"/>
                 <a:ea typeface="나눔고딕 Light" pitchFamily="50" charset="-127"/>
               </a:rPr>
-              <a:t>를 통하여 컴퓨터 공학과 윤은영 교수님께 다양한 지도</a:t>
-            </a:r>
-            <a:r>
-              <a:rPr lang="ko-KR" altLang="en-US" dirty="0">
-                <a:latin typeface="나눔고딕 Light" pitchFamily="50" charset="-127"/>
-                <a:ea typeface="나눔고딕 Light" pitchFamily="50" charset="-127"/>
-              </a:rPr>
-              <a:t>를</a:t>
-            </a:r>
-            <a:r>
-              <a:rPr lang="ko-KR" altLang="en-US" dirty="0" smtClean="0">
-                <a:latin typeface="나눔고딕 Light" pitchFamily="50" charset="-127"/>
-                <a:ea typeface="나눔고딕 Light" pitchFamily="50" charset="-127"/>
-              </a:rPr>
-              <a:t> 받음</a:t>
+              <a:t> 설치 </a:t>
+            </a:r>
+            <a:r>
+              <a:rPr lang="en-US" altLang="ko-KR" dirty="0" smtClean="0">
+                <a:latin typeface="나눔고딕 Light" pitchFamily="50" charset="-127"/>
+                <a:ea typeface="나눔고딕 Light" pitchFamily="50" charset="-127"/>
+              </a:rPr>
+              <a:t>OS: </a:t>
+            </a:r>
+            <a:r>
+              <a:rPr lang="ko-KR" altLang="en-US" dirty="0" err="1" smtClean="0">
+                <a:latin typeface="나눔고딕 Light" pitchFamily="50" charset="-127"/>
+                <a:ea typeface="나눔고딕 Light" pitchFamily="50" charset="-127"/>
+              </a:rPr>
+              <a:t>라즈비안</a:t>
             </a:r>
             <a:endParaRPr lang="en-US" altLang="ko-KR" dirty="0" smtClean="0">
               <a:latin typeface="나눔고딕 Light" pitchFamily="50" charset="-127"/>
@@ -5063,295 +5037,6 @@
               <a:buFontTx/>
               <a:buChar char="-"/>
             </a:pPr>
-            <a:r>
-              <a:rPr lang="en-US" altLang="ko-KR" dirty="0" smtClean="0">
-                <a:latin typeface="나눔고딕 Light" pitchFamily="50" charset="-127"/>
-                <a:ea typeface="나눔고딕 Light" pitchFamily="50" charset="-127"/>
-              </a:rPr>
-              <a:t>1: </a:t>
-            </a:r>
-            <a:r>
-              <a:rPr lang="ko-KR" altLang="en-US" dirty="0" err="1" smtClean="0">
-                <a:latin typeface="나눔고딕 Light" pitchFamily="50" charset="-127"/>
-                <a:ea typeface="나눔고딕 Light" pitchFamily="50" charset="-127"/>
-              </a:rPr>
-              <a:t>라즈베리</a:t>
-            </a:r>
-            <a:r>
-              <a:rPr lang="ko-KR" altLang="en-US" dirty="0" smtClean="0">
-                <a:latin typeface="나눔고딕 Light" pitchFamily="50" charset="-127"/>
-                <a:ea typeface="나눔고딕 Light" pitchFamily="50" charset="-127"/>
-              </a:rPr>
-              <a:t> 파이를 통한 </a:t>
-            </a:r>
-            <a:r>
-              <a:rPr lang="en-US" altLang="ko-KR" dirty="0" smtClean="0">
-                <a:latin typeface="나눔고딕 Light" pitchFamily="50" charset="-127"/>
-                <a:ea typeface="나눔고딕 Light" pitchFamily="50" charset="-127"/>
-              </a:rPr>
-              <a:t>RC</a:t>
-            </a:r>
-            <a:r>
-              <a:rPr lang="ko-KR" altLang="en-US" dirty="0" smtClean="0">
-                <a:latin typeface="나눔고딕 Light" pitchFamily="50" charset="-127"/>
-                <a:ea typeface="나눔고딕 Light" pitchFamily="50" charset="-127"/>
-              </a:rPr>
-              <a:t>카 기본적인 작동 테스트</a:t>
-            </a:r>
-            <a:endParaRPr lang="en-US" altLang="ko-KR" dirty="0" smtClean="0">
-              <a:latin typeface="나눔고딕 Light" pitchFamily="50" charset="-127"/>
-              <a:ea typeface="나눔고딕 Light" pitchFamily="50" charset="-127"/>
-            </a:endParaRPr>
-          </a:p>
-          <a:p>
-            <a:pPr marL="285750" indent="-285750" fontAlgn="base">
-              <a:lnSpc>
-                <a:spcPct val="150000"/>
-              </a:lnSpc>
-              <a:buFontTx/>
-              <a:buChar char="-"/>
-            </a:pPr>
-            <a:r>
-              <a:rPr lang="en-US" altLang="ko-KR" dirty="0" smtClean="0">
-                <a:latin typeface="나눔고딕 Light" pitchFamily="50" charset="-127"/>
-                <a:ea typeface="나눔고딕 Light" pitchFamily="50" charset="-127"/>
-              </a:rPr>
-              <a:t>2: RNN</a:t>
-            </a:r>
-            <a:r>
-              <a:rPr lang="ko-KR" altLang="en-US" dirty="0" smtClean="0">
-                <a:latin typeface="나눔고딕 Light" pitchFamily="50" charset="-127"/>
-                <a:ea typeface="나눔고딕 Light" pitchFamily="50" charset="-127"/>
-              </a:rPr>
-              <a:t>과 </a:t>
-            </a:r>
-            <a:r>
-              <a:rPr lang="en-US" altLang="ko-KR" dirty="0" smtClean="0">
-                <a:latin typeface="나눔고딕 Light" pitchFamily="50" charset="-127"/>
-                <a:ea typeface="나눔고딕 Light" pitchFamily="50" charset="-127"/>
-              </a:rPr>
-              <a:t>CNN</a:t>
-            </a:r>
-            <a:r>
-              <a:rPr lang="ko-KR" altLang="en-US" dirty="0" smtClean="0">
-                <a:latin typeface="나눔고딕 Light" pitchFamily="50" charset="-127"/>
-                <a:ea typeface="나눔고딕 Light" pitchFamily="50" charset="-127"/>
-              </a:rPr>
-              <a:t>을 활용하여 자율주행 인공지능 개발</a:t>
-            </a:r>
-            <a:endParaRPr lang="en-US" altLang="ko-KR" dirty="0" smtClean="0">
-              <a:latin typeface="나눔고딕 Light" pitchFamily="50" charset="-127"/>
-              <a:ea typeface="나눔고딕 Light" pitchFamily="50" charset="-127"/>
-            </a:endParaRPr>
-          </a:p>
-          <a:p>
-            <a:pPr marL="285750" indent="-285750" fontAlgn="base">
-              <a:lnSpc>
-                <a:spcPct val="150000"/>
-              </a:lnSpc>
-              <a:buFontTx/>
-              <a:buChar char="-"/>
-            </a:pPr>
-            <a:r>
-              <a:rPr lang="en-US" altLang="ko-KR" dirty="0">
-                <a:latin typeface="나눔고딕 Light" pitchFamily="50" charset="-127"/>
-                <a:ea typeface="나눔고딕 Light" pitchFamily="50" charset="-127"/>
-              </a:rPr>
-              <a:t>3</a:t>
-            </a:r>
-            <a:r>
-              <a:rPr lang="en-US" altLang="ko-KR" dirty="0" smtClean="0">
-                <a:latin typeface="나눔고딕 Light" pitchFamily="50" charset="-127"/>
-                <a:ea typeface="나눔고딕 Light" pitchFamily="50" charset="-127"/>
-              </a:rPr>
-              <a:t>: </a:t>
-            </a:r>
-            <a:r>
-              <a:rPr lang="ko-KR" altLang="en-US" dirty="0" smtClean="0">
-                <a:latin typeface="나눔고딕 Light" pitchFamily="50" charset="-127"/>
-                <a:ea typeface="나눔고딕 Light" pitchFamily="50" charset="-127"/>
-              </a:rPr>
-              <a:t>자율주행 인공지능 학습에 사용할 데이터 </a:t>
-            </a:r>
-            <a:r>
-              <a:rPr lang="ko-KR" altLang="en-US" dirty="0" err="1" smtClean="0">
-                <a:latin typeface="나눔고딕 Light" pitchFamily="50" charset="-127"/>
-                <a:ea typeface="나눔고딕 Light" pitchFamily="50" charset="-127"/>
-              </a:rPr>
-              <a:t>라벨링</a:t>
-            </a:r>
-            <a:r>
-              <a:rPr lang="ko-KR" altLang="en-US" dirty="0" smtClean="0">
-                <a:latin typeface="나눔고딕 Light" pitchFamily="50" charset="-127"/>
-                <a:ea typeface="나눔고딕 Light" pitchFamily="50" charset="-127"/>
-              </a:rPr>
-              <a:t> </a:t>
-            </a:r>
-            <a:endParaRPr lang="en-US" altLang="ko-KR" dirty="0" smtClean="0">
-              <a:latin typeface="나눔고딕 Light" pitchFamily="50" charset="-127"/>
-              <a:ea typeface="나눔고딕 Light" pitchFamily="50" charset="-127"/>
-            </a:endParaRPr>
-          </a:p>
-          <a:p>
-            <a:pPr marL="285750" indent="-285750" fontAlgn="base">
-              <a:lnSpc>
-                <a:spcPct val="150000"/>
-              </a:lnSpc>
-              <a:buFontTx/>
-              <a:buChar char="-"/>
-            </a:pPr>
-            <a:r>
-              <a:rPr lang="en-US" altLang="ko-KR" dirty="0">
-                <a:latin typeface="나눔고딕 Light" pitchFamily="50" charset="-127"/>
-                <a:ea typeface="나눔고딕 Light" pitchFamily="50" charset="-127"/>
-              </a:rPr>
-              <a:t>4</a:t>
-            </a:r>
-            <a:r>
-              <a:rPr lang="en-US" altLang="ko-KR" dirty="0" smtClean="0">
-                <a:latin typeface="나눔고딕 Light" pitchFamily="50" charset="-127"/>
-                <a:ea typeface="나눔고딕 Light" pitchFamily="50" charset="-127"/>
-              </a:rPr>
-              <a:t>: </a:t>
-            </a:r>
-            <a:r>
-              <a:rPr lang="ko-KR" altLang="en-US" dirty="0" smtClean="0">
-                <a:latin typeface="나눔고딕 Light" pitchFamily="50" charset="-127"/>
-                <a:ea typeface="나눔고딕 Light" pitchFamily="50" charset="-127"/>
-              </a:rPr>
-              <a:t>위 데이터를 이용하여 </a:t>
-            </a:r>
-            <a:r>
-              <a:rPr lang="ko-KR" altLang="en-US" dirty="0" smtClean="0">
-                <a:latin typeface="나눔고딕 Light" pitchFamily="50" charset="-127"/>
-                <a:ea typeface="나눔고딕 Light" pitchFamily="50" charset="-127"/>
-              </a:rPr>
-              <a:t>자율주행 인공지능 학습</a:t>
-            </a:r>
-            <a:endParaRPr lang="en-US" altLang="ko-KR" dirty="0" smtClean="0">
-              <a:latin typeface="나눔고딕 Light" pitchFamily="50" charset="-127"/>
-              <a:ea typeface="나눔고딕 Light" pitchFamily="50" charset="-127"/>
-            </a:endParaRPr>
-          </a:p>
-          <a:p>
-            <a:pPr marL="285750" indent="-285750" fontAlgn="base">
-              <a:lnSpc>
-                <a:spcPct val="150000"/>
-              </a:lnSpc>
-              <a:buFontTx/>
-              <a:buChar char="-"/>
-            </a:pPr>
-            <a:r>
-              <a:rPr lang="en-US" altLang="ko-KR" dirty="0" smtClean="0">
-                <a:latin typeface="나눔고딕 Light" pitchFamily="50" charset="-127"/>
-                <a:ea typeface="나눔고딕 Light" pitchFamily="50" charset="-127"/>
-              </a:rPr>
-              <a:t>5: </a:t>
-            </a:r>
-            <a:r>
-              <a:rPr lang="en-US" altLang="ko-KR" dirty="0" err="1" smtClean="0">
-                <a:latin typeface="나눔고딕 Light" pitchFamily="50" charset="-127"/>
-                <a:ea typeface="나눔고딕 Light" pitchFamily="50" charset="-127"/>
-              </a:rPr>
-              <a:t>Wifi</a:t>
-            </a:r>
-            <a:r>
-              <a:rPr lang="ko-KR" altLang="en-US" dirty="0" smtClean="0">
-                <a:latin typeface="나눔고딕 Light" pitchFamily="50" charset="-127"/>
-                <a:ea typeface="나눔고딕 Light" pitchFamily="50" charset="-127"/>
-              </a:rPr>
-              <a:t>를 이용하여 </a:t>
-            </a:r>
-            <a:r>
-              <a:rPr lang="en-US" altLang="ko-KR" dirty="0" smtClean="0">
-                <a:latin typeface="나눔고딕 Light" pitchFamily="50" charset="-127"/>
-                <a:ea typeface="나눔고딕 Light" pitchFamily="50" charset="-127"/>
-              </a:rPr>
-              <a:t>RC</a:t>
-            </a:r>
-            <a:r>
-              <a:rPr lang="ko-KR" altLang="en-US" dirty="0" err="1" smtClean="0">
-                <a:latin typeface="나눔고딕 Light" pitchFamily="50" charset="-127"/>
-                <a:ea typeface="나눔고딕 Light" pitchFamily="50" charset="-127"/>
-              </a:rPr>
-              <a:t>카와</a:t>
-            </a:r>
-            <a:r>
-              <a:rPr lang="ko-KR" altLang="en-US" dirty="0" smtClean="0">
-                <a:latin typeface="나눔고딕 Light" pitchFamily="50" charset="-127"/>
-                <a:ea typeface="나눔고딕 Light" pitchFamily="50" charset="-127"/>
-              </a:rPr>
-              <a:t> </a:t>
-            </a:r>
-            <a:r>
-              <a:rPr lang="en-US" altLang="ko-KR" dirty="0" smtClean="0">
-                <a:latin typeface="나눔고딕 Light" pitchFamily="50" charset="-127"/>
-                <a:ea typeface="나눔고딕 Light" pitchFamily="50" charset="-127"/>
-              </a:rPr>
-              <a:t>TCP </a:t>
-            </a:r>
-            <a:r>
-              <a:rPr lang="ko-KR" altLang="en-US" dirty="0" smtClean="0">
-                <a:latin typeface="나눔고딕 Light" pitchFamily="50" charset="-127"/>
-                <a:ea typeface="나눔고딕 Light" pitchFamily="50" charset="-127"/>
-              </a:rPr>
-              <a:t>서버간 통신을 통해 자율주행 구현</a:t>
-            </a:r>
-            <a:endParaRPr lang="en-US" altLang="ko-KR" dirty="0" smtClean="0">
-              <a:latin typeface="나눔고딕 Light" pitchFamily="50" charset="-127"/>
-              <a:ea typeface="나눔고딕 Light" pitchFamily="50" charset="-127"/>
-            </a:endParaRPr>
-          </a:p>
-          <a:p>
-            <a:pPr marL="285750" indent="-285750" fontAlgn="base">
-              <a:lnSpc>
-                <a:spcPct val="150000"/>
-              </a:lnSpc>
-              <a:buFontTx/>
-              <a:buChar char="-"/>
-            </a:pPr>
-            <a:r>
-              <a:rPr lang="en-US" altLang="ko-KR" dirty="0">
-                <a:latin typeface="나눔고딕 Light" pitchFamily="50" charset="-127"/>
-                <a:ea typeface="나눔고딕 Light" pitchFamily="50" charset="-127"/>
-              </a:rPr>
-              <a:t>6</a:t>
-            </a:r>
-            <a:r>
-              <a:rPr lang="en-US" altLang="ko-KR" dirty="0" smtClean="0">
-                <a:latin typeface="나눔고딕 Light" pitchFamily="50" charset="-127"/>
-                <a:ea typeface="나눔고딕 Light" pitchFamily="50" charset="-127"/>
-              </a:rPr>
-              <a:t>: </a:t>
-            </a:r>
-            <a:r>
-              <a:rPr lang="ko-KR" altLang="en-US" dirty="0" smtClean="0">
-                <a:latin typeface="나눔고딕 Light" pitchFamily="50" charset="-127"/>
-                <a:ea typeface="나눔고딕 Light" pitchFamily="50" charset="-127"/>
-              </a:rPr>
-              <a:t>기본적인 코스 제작 후 </a:t>
-            </a:r>
-            <a:r>
-              <a:rPr lang="en-US" altLang="ko-KR" dirty="0" smtClean="0">
-                <a:latin typeface="나눔고딕 Light" pitchFamily="50" charset="-127"/>
-                <a:ea typeface="나눔고딕 Light" pitchFamily="50" charset="-127"/>
-              </a:rPr>
-              <a:t>RC</a:t>
-            </a:r>
-            <a:r>
-              <a:rPr lang="ko-KR" altLang="en-US" dirty="0" smtClean="0">
-                <a:latin typeface="나눔고딕 Light" pitchFamily="50" charset="-127"/>
-                <a:ea typeface="나눔고딕 Light" pitchFamily="50" charset="-127"/>
-              </a:rPr>
-              <a:t>카 자율주행 테스트</a:t>
-            </a:r>
-            <a:r>
-              <a:rPr lang="en-US" altLang="ko-KR" dirty="0" smtClean="0">
-                <a:latin typeface="나눔고딕 Light" pitchFamily="50" charset="-127"/>
-                <a:ea typeface="나눔고딕 Light" pitchFamily="50" charset="-127"/>
-              </a:rPr>
-              <a:t> </a:t>
-            </a:r>
             <a:endParaRPr lang="en-US" altLang="ko-KR" dirty="0" smtClean="0">
               <a:latin typeface="나눔고딕 Light" pitchFamily="50" charset="-127"/>
               <a:ea typeface="나눔고딕 Light" pitchFamily="50" charset="-127"/>
@@ -5376,13 +5061,21 @@
     </p:spTree>
     <p:extLst>
       <p:ext uri="{BB962C8B-B14F-4D97-AF65-F5344CB8AC3E}">
-        <p14:creationId xmlns:p14="http://schemas.microsoft.com/office/powerpoint/2010/main" val="1814160990"/>
+        <p14:creationId xmlns:p14="http://schemas.microsoft.com/office/powerpoint/2010/main" val="2095279965"/>
       </p:ext>
     </p:extLst>
   </p:cSld>
   <p:clrMapOvr>
     <a:masterClrMapping/>
   </p:clrMapOvr>
+  <mc:AlternateContent xmlns:mc="http://schemas.openxmlformats.org/markup-compatibility/2006" xmlns:p14="http://schemas.microsoft.com/office/powerpoint/2010/main">
+    <mc:Choice Requires="p14">
+      <p:transition spd="slow" p14:dur="2000"/>
+    </mc:Choice>
+    <mc:Fallback xmlns="">
+      <p:transition spd="slow"/>
+    </mc:Fallback>
+  </mc:AlternateContent>
   <p:timing>
     <p:tnLst>
       <p:par>
@@ -5394,7 +5087,7 @@
 </file>
 
 <file path=ppt/slides/slide12.xml><?xml version="1.0" encoding="utf-8"?>
-<p:sld xmlns:a="http://schemas.openxmlformats.org/drawingml/2006/main" xmlns:r="http://schemas.openxmlformats.org/officeDocument/2006/relationships" xmlns:p="http://schemas.openxmlformats.org/presentationml/2006/main">
+<p:sld xmlns:a="http://schemas.openxmlformats.org/drawingml/2006/main" xmlns:r="http://schemas.openxmlformats.org/officeDocument/2006/relationships" xmlns:p="http://schemas.openxmlformats.org/presentationml/2006/main" show="0">
   <p:cSld>
     <p:bg>
       <p:bgPr>
@@ -5480,7 +5173,7 @@
         <p:spPr bwMode="auto">
           <a:xfrm>
             <a:off x="2406377" y="608585"/>
-            <a:ext cx="4352674" cy="676532"/>
+            <a:ext cx="6456269" cy="738664"/>
           </a:xfrm>
           <a:prstGeom prst="rect">
             <a:avLst/>
@@ -5623,7 +5316,7 @@
                 <a:ea typeface="나눔스퀘어 Bold" panose="020B0600000101010101" pitchFamily="50" charset="-127"/>
                 <a:cs typeface="Calibri" panose="020F0502020204030204" pitchFamily="34" charset="0"/>
               </a:rPr>
-              <a:t>Algorithm</a:t>
+              <a:t>Development Operating Environment</a:t>
             </a:r>
             <a:endParaRPr lang="ru-RU" altLang="ko-KR" sz="2800" b="1" dirty="0">
               <a:latin typeface="나눔스퀘어 Bold" panose="020B0600000101010101" pitchFamily="50" charset="-127"/>
@@ -5757,7 +5450,7 @@
           </a:ln>
           <a:extLst>
             <a:ext uri="{C572A759-6A51-4108-AA02-DFA0A04FC94B}">
-              <ma14:wrappingTextBoxFlag xmlns="" xmlns:ma14="http://schemas.microsoft.com/office/mac/drawingml/2011/main" val="1"/>
+              <ma14:wrappingTextBoxFlag xmlns:ma14="http://schemas.microsoft.com/office/mac/drawingml/2011/main" xmlns="" val="1"/>
             </a:ext>
           </a:extLst>
         </p:spPr>
@@ -5774,20 +5467,6 @@
               <a:buFontTx/>
               <a:buChar char="-"/>
             </a:pPr>
-            <a:r>
-              <a:rPr lang="en-US" altLang="ko-KR" dirty="0" smtClean="0">
-                <a:latin typeface="나눔고딕 Light" pitchFamily="50" charset="-127"/>
-                <a:ea typeface="나눔고딕 Light" pitchFamily="50" charset="-127"/>
-              </a:rPr>
-              <a:t>1: </a:t>
-            </a:r>
-            <a:r>
-              <a:rPr lang="ko-KR" altLang="en-US" dirty="0" smtClean="0">
-                <a:latin typeface="나눔고딕 Light" pitchFamily="50" charset="-127"/>
-                <a:ea typeface="나눔고딕 Light" pitchFamily="50" charset="-127"/>
-              </a:rPr>
-              <a:t>추가바람</a:t>
-            </a:r>
             <a:endParaRPr lang="en-US" altLang="ko-KR" dirty="0" smtClean="0">
               <a:latin typeface="나눔고딕 Light" pitchFamily="50" charset="-127"/>
               <a:ea typeface="나눔고딕 Light" pitchFamily="50" charset="-127"/>
@@ -5801,25 +5480,55 @@
               <a:buFontTx/>
               <a:buChar char="-"/>
             </a:pPr>
-            <a:r>
-              <a:rPr lang="en-US" altLang="ko-KR" dirty="0" smtClean="0">
-                <a:latin typeface="나눔고딕 Light" pitchFamily="50" charset="-127"/>
-                <a:ea typeface="나눔고딕 Light" pitchFamily="50" charset="-127"/>
-              </a:rPr>
-              <a:t>2: </a:t>
-            </a:r>
-            <a:r>
-              <a:rPr lang="ko-KR" altLang="en-US" dirty="0" smtClean="0">
-                <a:latin typeface="나눔고딕 Light" pitchFamily="50" charset="-127"/>
-                <a:ea typeface="나눔고딕 Light" pitchFamily="50" charset="-127"/>
-              </a:rPr>
-              <a:t>추가바람</a:t>
-            </a:r>
             <a:endParaRPr lang="en-US" altLang="ko-KR" dirty="0" smtClean="0">
               <a:latin typeface="나눔고딕 Light" pitchFamily="50" charset="-127"/>
               <a:ea typeface="나눔고딕 Light" pitchFamily="50" charset="-127"/>
             </a:endParaRPr>
           </a:p>
+          <a:p>
+            <a:pPr fontAlgn="base">
+              <a:lnSpc>
+                <a:spcPct val="120000"/>
+              </a:lnSpc>
+            </a:pPr>
+            <a:r>
+              <a:rPr lang="ko-KR" altLang="en-US" dirty="0" smtClean="0">
+                <a:latin typeface="나눔고딕 Light" pitchFamily="50" charset="-127"/>
+                <a:ea typeface="나눔고딕 Light" pitchFamily="50" charset="-127"/>
+              </a:rPr>
+              <a:t> </a:t>
+            </a:r>
+          </a:p>
+        </p:txBody>
+      </p:sp>
+      <p:sp>
+        <p:nvSpPr>
+          <p:cNvPr id="9" name="Shape 388"/>
+          <p:cNvSpPr/>
+          <p:nvPr/>
+        </p:nvSpPr>
+        <p:spPr>
+          <a:xfrm>
+            <a:off x="2621503" y="2288123"/>
+            <a:ext cx="8951372" cy="3936831"/>
+          </a:xfrm>
+          <a:prstGeom prst="rect">
+            <a:avLst/>
+          </a:prstGeom>
+          <a:ln w="3175">
+            <a:miter lim="400000"/>
+          </a:ln>
+          <a:extLst>
+            <a:ext uri="{C572A759-6A51-4108-AA02-DFA0A04FC94B}">
+              <ma14:wrappingTextBoxFlag xmlns:ma14="http://schemas.microsoft.com/office/mac/drawingml/2011/main" xmlns="" val="1"/>
+            </a:ext>
+          </a:extLst>
+        </p:spPr>
+        <p:txBody>
+          <a:bodyPr lIns="38100" tIns="38100" rIns="38100" bIns="38100">
+            <a:normAutofit/>
+          </a:bodyPr>
+          <a:lstStyle/>
           <a:p>
             <a:pPr marL="285750" indent="-285750" fontAlgn="base">
               <a:lnSpc>
@@ -5829,23 +5538,19 @@
               <a:buChar char="-"/>
             </a:pPr>
             <a:r>
+              <a:rPr lang="ko-KR" altLang="en-US" dirty="0" smtClean="0">
+                <a:latin typeface="나눔고딕 Light" pitchFamily="50" charset="-127"/>
+                <a:ea typeface="나눔고딕 Light" pitchFamily="50" charset="-127"/>
+              </a:rPr>
+              <a:t>개발 언어</a:t>
+            </a:r>
+            <a:r>
               <a:rPr lang="en-US" altLang="ko-KR" dirty="0" smtClean="0">
                 <a:latin typeface="나눔고딕 Light" pitchFamily="50" charset="-127"/>
                 <a:ea typeface="나눔고딕 Light" pitchFamily="50" charset="-127"/>
               </a:rPr>
-              <a:t>3: </a:t>
-            </a:r>
-            <a:r>
-              <a:rPr lang="ko-KR" altLang="en-US" dirty="0" smtClean="0">
-                <a:latin typeface="나눔고딕 Light" pitchFamily="50" charset="-127"/>
-                <a:ea typeface="나눔고딕 Light" pitchFamily="50" charset="-127"/>
-              </a:rPr>
-              <a:t>추가바람</a:t>
-            </a:r>
-            <a:endParaRPr lang="en-US" altLang="ko-KR" dirty="0" smtClean="0">
-              <a:latin typeface="나눔고딕 Light" pitchFamily="50" charset="-127"/>
-              <a:ea typeface="나눔고딕 Light" pitchFamily="50" charset="-127"/>
-            </a:endParaRPr>
+              <a:t>: Python</a:t>
+            </a:r>
           </a:p>
           <a:p>
             <a:pPr marL="285750" indent="-285750" fontAlgn="base">
@@ -5856,18 +5561,117 @@
               <a:buChar char="-"/>
             </a:pPr>
             <a:r>
+              <a:rPr lang="ko-KR" altLang="en-US" dirty="0" smtClean="0">
+                <a:latin typeface="나눔고딕 Light" pitchFamily="50" charset="-127"/>
+                <a:ea typeface="나눔고딕 Light" pitchFamily="50" charset="-127"/>
+              </a:rPr>
+              <a:t>사용 라이브러리</a:t>
+            </a:r>
+            <a:r>
               <a:rPr lang="en-US" altLang="ko-KR" dirty="0" smtClean="0">
                 <a:latin typeface="나눔고딕 Light" pitchFamily="50" charset="-127"/>
                 <a:ea typeface="나눔고딕 Light" pitchFamily="50" charset="-127"/>
               </a:rPr>
-              <a:t>4: </a:t>
+              <a:t>: </a:t>
+            </a:r>
+          </a:p>
+          <a:p>
+            <a:pPr fontAlgn="base">
+              <a:lnSpc>
+                <a:spcPct val="150000"/>
+              </a:lnSpc>
+            </a:pPr>
+            <a:r>
+              <a:rPr lang="en-US" altLang="ko-KR" dirty="0" smtClean="0">
+                <a:latin typeface="나눔고딕 Light" pitchFamily="50" charset="-127"/>
+                <a:ea typeface="나눔고딕 Light" pitchFamily="50" charset="-127"/>
+              </a:rPr>
+              <a:t>	</a:t>
+            </a:r>
+            <a:r>
+              <a:rPr lang="en-US" altLang="ko-KR" dirty="0" err="1" smtClean="0">
+                <a:latin typeface="나눔고딕 Light" pitchFamily="50" charset="-127"/>
+                <a:ea typeface="나눔고딕 Light" pitchFamily="50" charset="-127"/>
+              </a:rPr>
+              <a:t>OpenCV</a:t>
+            </a:r>
+            <a:r>
+              <a:rPr lang="en-US" altLang="ko-KR" dirty="0" smtClean="0">
+                <a:latin typeface="나눔고딕 Light" pitchFamily="50" charset="-127"/>
+                <a:ea typeface="나눔고딕 Light" pitchFamily="50" charset="-127"/>
+              </a:rPr>
+              <a:t>-Python: </a:t>
             </a:r>
             <a:r>
               <a:rPr lang="ko-KR" altLang="en-US" dirty="0" smtClean="0">
                 <a:latin typeface="나눔고딕 Light" pitchFamily="50" charset="-127"/>
                 <a:ea typeface="나눔고딕 Light" pitchFamily="50" charset="-127"/>
               </a:rPr>
-              <a:t>추가바람</a:t>
+              <a:t>영상처리에 활용</a:t>
+            </a:r>
+            <a:endParaRPr lang="en-US" altLang="ko-KR" dirty="0" smtClean="0">
+              <a:latin typeface="나눔고딕 Light" pitchFamily="50" charset="-127"/>
+              <a:ea typeface="나눔고딕 Light" pitchFamily="50" charset="-127"/>
+            </a:endParaRPr>
+          </a:p>
+          <a:p>
+            <a:pPr fontAlgn="base">
+              <a:lnSpc>
+                <a:spcPct val="150000"/>
+              </a:lnSpc>
+            </a:pPr>
+            <a:r>
+              <a:rPr lang="en-US" altLang="ko-KR" dirty="0" smtClean="0">
+                <a:latin typeface="나눔고딕 Light" pitchFamily="50" charset="-127"/>
+                <a:ea typeface="나눔고딕 Light" pitchFamily="50" charset="-127"/>
+              </a:rPr>
+              <a:t>	</a:t>
+            </a:r>
+            <a:r>
+              <a:rPr lang="en-US" altLang="ko-KR" dirty="0" err="1" smtClean="0">
+                <a:latin typeface="나눔고딕 Light" pitchFamily="50" charset="-127"/>
+                <a:ea typeface="나눔고딕 Light" pitchFamily="50" charset="-127"/>
+              </a:rPr>
+              <a:t>Tensorflow</a:t>
+            </a:r>
+            <a:r>
+              <a:rPr lang="en-US" altLang="ko-KR" dirty="0" smtClean="0">
+                <a:latin typeface="나눔고딕 Light" pitchFamily="50" charset="-127"/>
+                <a:ea typeface="나눔고딕 Light" pitchFamily="50" charset="-127"/>
+              </a:rPr>
+              <a:t>: </a:t>
+            </a:r>
+            <a:r>
+              <a:rPr lang="ko-KR" altLang="en-US" dirty="0" smtClean="0">
+                <a:latin typeface="나눔고딕 Light" pitchFamily="50" charset="-127"/>
+                <a:ea typeface="나눔고딕 Light" pitchFamily="50" charset="-127"/>
+              </a:rPr>
+              <a:t>인공지능 모델 구현 및 학습에 활용</a:t>
+            </a:r>
+            <a:endParaRPr lang="en-US" altLang="ko-KR" dirty="0" smtClean="0">
+              <a:latin typeface="나눔고딕 Light" pitchFamily="50" charset="-127"/>
+              <a:ea typeface="나눔고딕 Light" pitchFamily="50" charset="-127"/>
+            </a:endParaRPr>
+          </a:p>
+          <a:p>
+            <a:pPr fontAlgn="base">
+              <a:lnSpc>
+                <a:spcPct val="150000"/>
+              </a:lnSpc>
+            </a:pPr>
+            <a:r>
+              <a:rPr lang="en-US" altLang="ko-KR" dirty="0" smtClean="0">
+                <a:latin typeface="나눔고딕 Light" pitchFamily="50" charset="-127"/>
+                <a:ea typeface="나눔고딕 Light" pitchFamily="50" charset="-127"/>
+              </a:rPr>
+              <a:t>	</a:t>
+            </a:r>
+            <a:r>
+              <a:rPr lang="ko-KR" altLang="en-US" dirty="0" smtClean="0">
+                <a:latin typeface="나눔고딕 Light" pitchFamily="50" charset="-127"/>
+                <a:ea typeface="나눔고딕 Light" pitchFamily="50" charset="-127"/>
+              </a:rPr>
+              <a:t>기타 모듈</a:t>
             </a:r>
             <a:endParaRPr lang="en-US" altLang="ko-KR" dirty="0" smtClean="0">
               <a:latin typeface="나눔고딕 Light" pitchFamily="50" charset="-127"/>
@@ -5882,20 +5686,60 @@
               <a:buFontTx/>
               <a:buChar char="-"/>
             </a:pPr>
+            <a:endParaRPr lang="en-US" altLang="ko-KR" dirty="0" smtClean="0">
+              <a:latin typeface="나눔고딕 Light" pitchFamily="50" charset="-127"/>
+              <a:ea typeface="나눔고딕 Light" pitchFamily="50" charset="-127"/>
+            </a:endParaRPr>
+          </a:p>
+          <a:p>
+            <a:pPr marL="285750" indent="-285750" fontAlgn="base">
+              <a:lnSpc>
+                <a:spcPct val="150000"/>
+              </a:lnSpc>
+              <a:buFontTx/>
+              <a:buChar char="-"/>
+            </a:pPr>
             <a:r>
               <a:rPr lang="en-US" altLang="ko-KR" dirty="0" smtClean="0">
                 <a:latin typeface="나눔고딕 Light" pitchFamily="50" charset="-127"/>
                 <a:ea typeface="나눔고딕 Light" pitchFamily="50" charset="-127"/>
               </a:rPr>
-              <a:t>5: </a:t>
+              <a:t>Raspberry Pi</a:t>
             </a:r>
             <a:r>
               <a:rPr lang="ko-KR" altLang="en-US" dirty="0" smtClean="0">
                 <a:latin typeface="나눔고딕 Light" pitchFamily="50" charset="-127"/>
                 <a:ea typeface="나눔고딕 Light" pitchFamily="50" charset="-127"/>
               </a:rPr>
-              <a:t>추가바람</a:t>
-            </a:r>
+              <a:t> 설치 </a:t>
+            </a:r>
+            <a:r>
+              <a:rPr lang="en-US" altLang="ko-KR" dirty="0" smtClean="0">
+                <a:latin typeface="나눔고딕 Light" pitchFamily="50" charset="-127"/>
+                <a:ea typeface="나눔고딕 Light" pitchFamily="50" charset="-127"/>
+              </a:rPr>
+              <a:t>OS: </a:t>
+            </a:r>
+            <a:r>
+              <a:rPr lang="ko-KR" altLang="en-US" dirty="0" err="1" smtClean="0">
+                <a:latin typeface="나눔고딕 Light" pitchFamily="50" charset="-127"/>
+                <a:ea typeface="나눔고딕 Light" pitchFamily="50" charset="-127"/>
+              </a:rPr>
+              <a:t>라즈비안</a:t>
+            </a:r>
+            <a:endParaRPr lang="en-US" altLang="ko-KR" dirty="0" smtClean="0">
+              <a:latin typeface="나눔고딕 Light" pitchFamily="50" charset="-127"/>
+              <a:ea typeface="나눔고딕 Light" pitchFamily="50" charset="-127"/>
+            </a:endParaRPr>
+          </a:p>
+          <a:p>
+            <a:pPr marL="285750" indent="-285750" fontAlgn="base">
+              <a:lnSpc>
+                <a:spcPct val="150000"/>
+              </a:lnSpc>
+              <a:buFontTx/>
+              <a:buChar char="-"/>
+            </a:pPr>
             <a:endParaRPr lang="en-US" altLang="ko-KR" dirty="0" smtClean="0">
               <a:latin typeface="나눔고딕 Light" pitchFamily="50" charset="-127"/>
               <a:ea typeface="나눔고딕 Light" pitchFamily="50" charset="-127"/>
@@ -5920,13 +5764,21 @@
     </p:spTree>
     <p:extLst>
       <p:ext uri="{BB962C8B-B14F-4D97-AF65-F5344CB8AC3E}">
-        <p14:creationId xmlns:p14="http://schemas.microsoft.com/office/powerpoint/2010/main" val="3997819259"/>
+        <p14:creationId xmlns:p14="http://schemas.microsoft.com/office/powerpoint/2010/main" val="3622201820"/>
       </p:ext>
     </p:extLst>
   </p:cSld>
   <p:clrMapOvr>
     <a:masterClrMapping/>
   </p:clrMapOvr>
+  <mc:AlternateContent xmlns:mc="http://schemas.openxmlformats.org/markup-compatibility/2006" xmlns:p14="http://schemas.microsoft.com/office/powerpoint/2010/main">
+    <mc:Choice Requires="p14">
+      <p:transition spd="slow" p14:dur="2000"/>
+    </mc:Choice>
+    <mc:Fallback xmlns="">
+      <p:transition spd="slow"/>
+    </mc:Fallback>
+  </mc:AlternateContent>
   <p:timing>
     <p:tnLst>
       <p:par>
@@ -5938,7 +5790,7 @@
 </file>
 
 <file path=ppt/slides/slide13.xml><?xml version="1.0" encoding="utf-8"?>
-<p:sld xmlns:a="http://schemas.openxmlformats.org/drawingml/2006/main" xmlns:r="http://schemas.openxmlformats.org/officeDocument/2006/relationships" xmlns:p="http://schemas.openxmlformats.org/presentationml/2006/main" show="0">
+<p:sld xmlns:a="http://schemas.openxmlformats.org/drawingml/2006/main" xmlns:r="http://schemas.openxmlformats.org/officeDocument/2006/relationships" xmlns:p="http://schemas.openxmlformats.org/presentationml/2006/main">
   <p:cSld>
     <p:bg>
       <p:bgPr>
@@ -6024,7 +5876,7 @@
         <p:spPr bwMode="auto">
           <a:xfrm>
             <a:off x="2406377" y="608585"/>
-            <a:ext cx="4352674" cy="676532"/>
+            <a:ext cx="4352674" cy="738664"/>
           </a:xfrm>
           <a:prstGeom prst="rect">
             <a:avLst/>
@@ -6162,12 +6014,12 @@
               </a:lnSpc>
             </a:pPr>
             <a:r>
-              <a:rPr lang="en-US" altLang="ko-KR" sz="2800" b="1" dirty="0" smtClean="0">
+              <a:rPr lang="ko-KR" altLang="en-US" sz="2800" b="1" dirty="0" smtClean="0">
                 <a:latin typeface="나눔스퀘어 Bold" panose="020B0600000101010101" pitchFamily="50" charset="-127"/>
                 <a:ea typeface="나눔스퀘어 Bold" panose="020B0600000101010101" pitchFamily="50" charset="-127"/>
                 <a:cs typeface="Calibri" panose="020F0502020204030204" pitchFamily="34" charset="0"/>
               </a:rPr>
-              <a:t>Development method</a:t>
+              <a:t>개발 단계별 기간 및 인원</a:t>
             </a:r>
             <a:endParaRPr lang="ru-RU" altLang="ko-KR" sz="2800" b="1" dirty="0">
               <a:latin typeface="나눔스퀘어 Bold" panose="020B0600000101010101" pitchFamily="50" charset="-127"/>
@@ -6301,7 +6153,841 @@
           </a:ln>
           <a:extLst>
             <a:ext uri="{C572A759-6A51-4108-AA02-DFA0A04FC94B}">
-              <ma14:wrappingTextBoxFlag xmlns="" xmlns:ma14="http://schemas.microsoft.com/office/mac/drawingml/2011/main" val="1"/>
+              <ma14:wrappingTextBoxFlag xmlns:ma14="http://schemas.microsoft.com/office/mac/drawingml/2011/main" xmlns="" val="1"/>
+            </a:ext>
+          </a:extLst>
+        </p:spPr>
+        <p:txBody>
+          <a:bodyPr lIns="38100" tIns="38100" rIns="38100" bIns="38100">
+            <a:normAutofit lnSpcReduction="10000"/>
+          </a:bodyPr>
+          <a:lstStyle/>
+          <a:p>
+            <a:pPr marL="285750" indent="-285750" fontAlgn="base">
+              <a:lnSpc>
+                <a:spcPct val="150000"/>
+              </a:lnSpc>
+              <a:buFontTx/>
+              <a:buChar char="-"/>
+            </a:pPr>
+            <a:r>
+              <a:rPr lang="ko-KR" altLang="en-US" dirty="0" smtClean="0">
+                <a:latin typeface="나눔고딕 Light" pitchFamily="50" charset="-127"/>
+                <a:ea typeface="나눔고딕 Light" pitchFamily="50" charset="-127"/>
+              </a:rPr>
+              <a:t>참여 인원</a:t>
+            </a:r>
+            <a:r>
+              <a:rPr lang="en-US" altLang="ko-KR" dirty="0" smtClean="0">
+                <a:latin typeface="나눔고딕 Light" pitchFamily="50" charset="-127"/>
+                <a:ea typeface="나눔고딕 Light" pitchFamily="50" charset="-127"/>
+              </a:rPr>
+              <a:t>(4</a:t>
+            </a:r>
+            <a:r>
+              <a:rPr lang="ko-KR" altLang="en-US" dirty="0" smtClean="0">
+                <a:latin typeface="나눔고딕 Light" pitchFamily="50" charset="-127"/>
+                <a:ea typeface="나눔고딕 Light" pitchFamily="50" charset="-127"/>
+              </a:rPr>
+              <a:t>명</a:t>
+            </a:r>
+            <a:r>
+              <a:rPr lang="en-US" altLang="ko-KR" dirty="0" smtClean="0">
+                <a:latin typeface="나눔고딕 Light" pitchFamily="50" charset="-127"/>
+                <a:ea typeface="나눔고딕 Light" pitchFamily="50" charset="-127"/>
+              </a:rPr>
+              <a:t>): </a:t>
+            </a:r>
+            <a:r>
+              <a:rPr lang="ko-KR" altLang="en-US" dirty="0" err="1" smtClean="0">
+                <a:latin typeface="나눔고딕 Light" pitchFamily="50" charset="-127"/>
+                <a:ea typeface="나눔고딕 Light" pitchFamily="50" charset="-127"/>
+              </a:rPr>
+              <a:t>김무선</a:t>
+            </a:r>
+            <a:r>
+              <a:rPr lang="en-US" altLang="ko-KR" dirty="0" smtClean="0">
+                <a:latin typeface="나눔고딕 Light" pitchFamily="50" charset="-127"/>
+                <a:ea typeface="나눔고딕 Light" pitchFamily="50" charset="-127"/>
+              </a:rPr>
+              <a:t>, </a:t>
+            </a:r>
+            <a:r>
+              <a:rPr lang="ko-KR" altLang="en-US" dirty="0" smtClean="0">
+                <a:latin typeface="나눔고딕 Light" pitchFamily="50" charset="-127"/>
+                <a:ea typeface="나눔고딕 Light" pitchFamily="50" charset="-127"/>
+              </a:rPr>
+              <a:t>강문재</a:t>
+            </a:r>
+            <a:r>
+              <a:rPr lang="en-US" altLang="ko-KR" dirty="0" smtClean="0">
+                <a:latin typeface="나눔고딕 Light" pitchFamily="50" charset="-127"/>
+                <a:ea typeface="나눔고딕 Light" pitchFamily="50" charset="-127"/>
+              </a:rPr>
+              <a:t>, </a:t>
+            </a:r>
+            <a:r>
+              <a:rPr lang="ko-KR" altLang="en-US" dirty="0" smtClean="0">
+                <a:latin typeface="나눔고딕 Light" pitchFamily="50" charset="-127"/>
+                <a:ea typeface="나눔고딕 Light" pitchFamily="50" charset="-127"/>
+              </a:rPr>
+              <a:t>이준서</a:t>
+            </a:r>
+            <a:r>
+              <a:rPr lang="en-US" altLang="ko-KR" dirty="0" smtClean="0">
+                <a:latin typeface="나눔고딕 Light" pitchFamily="50" charset="-127"/>
+                <a:ea typeface="나눔고딕 Light" pitchFamily="50" charset="-127"/>
+              </a:rPr>
+              <a:t>, </a:t>
+            </a:r>
+            <a:r>
+              <a:rPr lang="ko-KR" altLang="en-US" dirty="0" smtClean="0">
+                <a:latin typeface="나눔고딕 Light" pitchFamily="50" charset="-127"/>
+                <a:ea typeface="나눔고딕 Light" pitchFamily="50" charset="-127"/>
+              </a:rPr>
+              <a:t>김석준</a:t>
+            </a:r>
+            <a:endParaRPr lang="en-US" altLang="ko-KR" dirty="0">
+              <a:latin typeface="나눔고딕 Light" pitchFamily="50" charset="-127"/>
+              <a:ea typeface="나눔고딕 Light" pitchFamily="50" charset="-127"/>
+            </a:endParaRPr>
+          </a:p>
+          <a:p>
+            <a:pPr marL="285750" indent="-285750" fontAlgn="base">
+              <a:lnSpc>
+                <a:spcPct val="150000"/>
+              </a:lnSpc>
+              <a:buFontTx/>
+              <a:buChar char="-"/>
+            </a:pPr>
+            <a:endParaRPr lang="en-US" altLang="ko-KR" dirty="0" smtClean="0">
+              <a:latin typeface="나눔고딕 Light" pitchFamily="50" charset="-127"/>
+              <a:ea typeface="나눔고딕 Light" pitchFamily="50" charset="-127"/>
+            </a:endParaRPr>
+          </a:p>
+          <a:p>
+            <a:pPr marL="285750" indent="-285750" fontAlgn="base">
+              <a:lnSpc>
+                <a:spcPct val="150000"/>
+              </a:lnSpc>
+              <a:buFontTx/>
+              <a:buChar char="-"/>
+            </a:pPr>
+            <a:r>
+              <a:rPr lang="en-US" altLang="ko-KR" dirty="0" smtClean="0">
+                <a:latin typeface="나눔고딕 Light" pitchFamily="50" charset="-127"/>
+                <a:ea typeface="나눔고딕 Light" pitchFamily="50" charset="-127"/>
+              </a:rPr>
+              <a:t>0: R&amp;E</a:t>
+            </a:r>
+            <a:r>
+              <a:rPr lang="ko-KR" altLang="en-US" dirty="0" smtClean="0">
+                <a:latin typeface="나눔고딕 Light" pitchFamily="50" charset="-127"/>
+                <a:ea typeface="나눔고딕 Light" pitchFamily="50" charset="-127"/>
+              </a:rPr>
+              <a:t>를 통하여 컴퓨터 공학과 윤은영 교수님께 다양한 지도</a:t>
+            </a:r>
+            <a:r>
+              <a:rPr lang="ko-KR" altLang="en-US" dirty="0">
+                <a:latin typeface="나눔고딕 Light" pitchFamily="50" charset="-127"/>
+                <a:ea typeface="나눔고딕 Light" pitchFamily="50" charset="-127"/>
+              </a:rPr>
+              <a:t>를</a:t>
+            </a:r>
+            <a:r>
+              <a:rPr lang="ko-KR" altLang="en-US" dirty="0" smtClean="0">
+                <a:latin typeface="나눔고딕 Light" pitchFamily="50" charset="-127"/>
+                <a:ea typeface="나눔고딕 Light" pitchFamily="50" charset="-127"/>
+              </a:rPr>
+              <a:t> 받음</a:t>
+            </a:r>
+            <a:endParaRPr lang="en-US" altLang="ko-KR" dirty="0" smtClean="0">
+              <a:latin typeface="나눔고딕 Light" pitchFamily="50" charset="-127"/>
+              <a:ea typeface="나눔고딕 Light" pitchFamily="50" charset="-127"/>
+            </a:endParaRPr>
+          </a:p>
+          <a:p>
+            <a:pPr marL="285750" indent="-285750" fontAlgn="base">
+              <a:lnSpc>
+                <a:spcPct val="150000"/>
+              </a:lnSpc>
+              <a:buFontTx/>
+              <a:buChar char="-"/>
+            </a:pPr>
+            <a:r>
+              <a:rPr lang="en-US" altLang="ko-KR" dirty="0" smtClean="0">
+                <a:latin typeface="나눔고딕 Light" pitchFamily="50" charset="-127"/>
+                <a:ea typeface="나눔고딕 Light" pitchFamily="50" charset="-127"/>
+              </a:rPr>
+              <a:t>1: </a:t>
+            </a:r>
+            <a:r>
+              <a:rPr lang="ko-KR" altLang="en-US" dirty="0" err="1" smtClean="0">
+                <a:latin typeface="나눔고딕 Light" pitchFamily="50" charset="-127"/>
+                <a:ea typeface="나눔고딕 Light" pitchFamily="50" charset="-127"/>
+              </a:rPr>
+              <a:t>라즈베리</a:t>
+            </a:r>
+            <a:r>
+              <a:rPr lang="ko-KR" altLang="en-US" dirty="0" smtClean="0">
+                <a:latin typeface="나눔고딕 Light" pitchFamily="50" charset="-127"/>
+                <a:ea typeface="나눔고딕 Light" pitchFamily="50" charset="-127"/>
+              </a:rPr>
+              <a:t> 파이를 통한 </a:t>
+            </a:r>
+            <a:r>
+              <a:rPr lang="en-US" altLang="ko-KR" dirty="0" smtClean="0">
+                <a:latin typeface="나눔고딕 Light" pitchFamily="50" charset="-127"/>
+                <a:ea typeface="나눔고딕 Light" pitchFamily="50" charset="-127"/>
+              </a:rPr>
+              <a:t>RC</a:t>
+            </a:r>
+            <a:r>
+              <a:rPr lang="ko-KR" altLang="en-US" dirty="0" smtClean="0">
+                <a:latin typeface="나눔고딕 Light" pitchFamily="50" charset="-127"/>
+                <a:ea typeface="나눔고딕 Light" pitchFamily="50" charset="-127"/>
+              </a:rPr>
+              <a:t>카 기본적인 작동 테스트</a:t>
+            </a:r>
+            <a:endParaRPr lang="en-US" altLang="ko-KR" dirty="0" smtClean="0">
+              <a:latin typeface="나눔고딕 Light" pitchFamily="50" charset="-127"/>
+              <a:ea typeface="나눔고딕 Light" pitchFamily="50" charset="-127"/>
+            </a:endParaRPr>
+          </a:p>
+          <a:p>
+            <a:pPr marL="285750" indent="-285750" fontAlgn="base">
+              <a:lnSpc>
+                <a:spcPct val="150000"/>
+              </a:lnSpc>
+              <a:buFontTx/>
+              <a:buChar char="-"/>
+            </a:pPr>
+            <a:r>
+              <a:rPr lang="en-US" altLang="ko-KR" dirty="0" smtClean="0">
+                <a:latin typeface="나눔고딕 Light" pitchFamily="50" charset="-127"/>
+                <a:ea typeface="나눔고딕 Light" pitchFamily="50" charset="-127"/>
+              </a:rPr>
+              <a:t>2: RNN</a:t>
+            </a:r>
+            <a:r>
+              <a:rPr lang="ko-KR" altLang="en-US" dirty="0" smtClean="0">
+                <a:latin typeface="나눔고딕 Light" pitchFamily="50" charset="-127"/>
+                <a:ea typeface="나눔고딕 Light" pitchFamily="50" charset="-127"/>
+              </a:rPr>
+              <a:t>과 </a:t>
+            </a:r>
+            <a:r>
+              <a:rPr lang="en-US" altLang="ko-KR" dirty="0" smtClean="0">
+                <a:latin typeface="나눔고딕 Light" pitchFamily="50" charset="-127"/>
+                <a:ea typeface="나눔고딕 Light" pitchFamily="50" charset="-127"/>
+              </a:rPr>
+              <a:t>CNN</a:t>
+            </a:r>
+            <a:r>
+              <a:rPr lang="ko-KR" altLang="en-US" dirty="0" smtClean="0">
+                <a:latin typeface="나눔고딕 Light" pitchFamily="50" charset="-127"/>
+                <a:ea typeface="나눔고딕 Light" pitchFamily="50" charset="-127"/>
+              </a:rPr>
+              <a:t>을 활용하여 자율주행 인공지능 개발</a:t>
+            </a:r>
+            <a:endParaRPr lang="en-US" altLang="ko-KR" dirty="0" smtClean="0">
+              <a:latin typeface="나눔고딕 Light" pitchFamily="50" charset="-127"/>
+              <a:ea typeface="나눔고딕 Light" pitchFamily="50" charset="-127"/>
+            </a:endParaRPr>
+          </a:p>
+          <a:p>
+            <a:pPr marL="285750" indent="-285750" fontAlgn="base">
+              <a:lnSpc>
+                <a:spcPct val="150000"/>
+              </a:lnSpc>
+              <a:buFontTx/>
+              <a:buChar char="-"/>
+            </a:pPr>
+            <a:r>
+              <a:rPr lang="en-US" altLang="ko-KR" dirty="0">
+                <a:latin typeface="나눔고딕 Light" pitchFamily="50" charset="-127"/>
+                <a:ea typeface="나눔고딕 Light" pitchFamily="50" charset="-127"/>
+              </a:rPr>
+              <a:t>3</a:t>
+            </a:r>
+            <a:r>
+              <a:rPr lang="en-US" altLang="ko-KR" dirty="0" smtClean="0">
+                <a:latin typeface="나눔고딕 Light" pitchFamily="50" charset="-127"/>
+                <a:ea typeface="나눔고딕 Light" pitchFamily="50" charset="-127"/>
+              </a:rPr>
+              <a:t>: </a:t>
+            </a:r>
+            <a:r>
+              <a:rPr lang="ko-KR" altLang="en-US" dirty="0" smtClean="0">
+                <a:latin typeface="나눔고딕 Light" pitchFamily="50" charset="-127"/>
+                <a:ea typeface="나눔고딕 Light" pitchFamily="50" charset="-127"/>
+              </a:rPr>
+              <a:t>자율주행 인공지능 학습에 사용할 데이터 </a:t>
+            </a:r>
+            <a:r>
+              <a:rPr lang="ko-KR" altLang="en-US" dirty="0" err="1" smtClean="0">
+                <a:latin typeface="나눔고딕 Light" pitchFamily="50" charset="-127"/>
+                <a:ea typeface="나눔고딕 Light" pitchFamily="50" charset="-127"/>
+              </a:rPr>
+              <a:t>라벨링</a:t>
+            </a:r>
+            <a:r>
+              <a:rPr lang="ko-KR" altLang="en-US" dirty="0" smtClean="0">
+                <a:latin typeface="나눔고딕 Light" pitchFamily="50" charset="-127"/>
+                <a:ea typeface="나눔고딕 Light" pitchFamily="50" charset="-127"/>
+              </a:rPr>
+              <a:t> </a:t>
+            </a:r>
+            <a:endParaRPr lang="en-US" altLang="ko-KR" dirty="0" smtClean="0">
+              <a:latin typeface="나눔고딕 Light" pitchFamily="50" charset="-127"/>
+              <a:ea typeface="나눔고딕 Light" pitchFamily="50" charset="-127"/>
+            </a:endParaRPr>
+          </a:p>
+          <a:p>
+            <a:pPr marL="285750" indent="-285750" fontAlgn="base">
+              <a:lnSpc>
+                <a:spcPct val="150000"/>
+              </a:lnSpc>
+              <a:buFontTx/>
+              <a:buChar char="-"/>
+            </a:pPr>
+            <a:r>
+              <a:rPr lang="en-US" altLang="ko-KR" dirty="0">
+                <a:latin typeface="나눔고딕 Light" pitchFamily="50" charset="-127"/>
+                <a:ea typeface="나눔고딕 Light" pitchFamily="50" charset="-127"/>
+              </a:rPr>
+              <a:t>4</a:t>
+            </a:r>
+            <a:r>
+              <a:rPr lang="en-US" altLang="ko-KR" dirty="0" smtClean="0">
+                <a:latin typeface="나눔고딕 Light" pitchFamily="50" charset="-127"/>
+                <a:ea typeface="나눔고딕 Light" pitchFamily="50" charset="-127"/>
+              </a:rPr>
+              <a:t>: </a:t>
+            </a:r>
+            <a:r>
+              <a:rPr lang="ko-KR" altLang="en-US" dirty="0" smtClean="0">
+                <a:latin typeface="나눔고딕 Light" pitchFamily="50" charset="-127"/>
+                <a:ea typeface="나눔고딕 Light" pitchFamily="50" charset="-127"/>
+              </a:rPr>
+              <a:t>위 데이터를 이용하여 자율주행 인공지능 학습</a:t>
+            </a:r>
+            <a:endParaRPr lang="en-US" altLang="ko-KR" dirty="0" smtClean="0">
+              <a:latin typeface="나눔고딕 Light" pitchFamily="50" charset="-127"/>
+              <a:ea typeface="나눔고딕 Light" pitchFamily="50" charset="-127"/>
+            </a:endParaRPr>
+          </a:p>
+          <a:p>
+            <a:pPr marL="285750" indent="-285750" fontAlgn="base">
+              <a:lnSpc>
+                <a:spcPct val="150000"/>
+              </a:lnSpc>
+              <a:buFontTx/>
+              <a:buChar char="-"/>
+            </a:pPr>
+            <a:r>
+              <a:rPr lang="en-US" altLang="ko-KR" dirty="0" smtClean="0">
+                <a:latin typeface="나눔고딕 Light" pitchFamily="50" charset="-127"/>
+                <a:ea typeface="나눔고딕 Light" pitchFamily="50" charset="-127"/>
+              </a:rPr>
+              <a:t>5: </a:t>
+            </a:r>
+            <a:r>
+              <a:rPr lang="en-US" altLang="ko-KR" dirty="0" err="1" smtClean="0">
+                <a:latin typeface="나눔고딕 Light" pitchFamily="50" charset="-127"/>
+                <a:ea typeface="나눔고딕 Light" pitchFamily="50" charset="-127"/>
+              </a:rPr>
+              <a:t>Wifi</a:t>
+            </a:r>
+            <a:r>
+              <a:rPr lang="ko-KR" altLang="en-US" dirty="0" smtClean="0">
+                <a:latin typeface="나눔고딕 Light" pitchFamily="50" charset="-127"/>
+                <a:ea typeface="나눔고딕 Light" pitchFamily="50" charset="-127"/>
+              </a:rPr>
+              <a:t>를 이용하여 </a:t>
+            </a:r>
+            <a:r>
+              <a:rPr lang="en-US" altLang="ko-KR" dirty="0" smtClean="0">
+                <a:latin typeface="나눔고딕 Light" pitchFamily="50" charset="-127"/>
+                <a:ea typeface="나눔고딕 Light" pitchFamily="50" charset="-127"/>
+              </a:rPr>
+              <a:t>RC</a:t>
+            </a:r>
+            <a:r>
+              <a:rPr lang="ko-KR" altLang="en-US" dirty="0" err="1" smtClean="0">
+                <a:latin typeface="나눔고딕 Light" pitchFamily="50" charset="-127"/>
+                <a:ea typeface="나눔고딕 Light" pitchFamily="50" charset="-127"/>
+              </a:rPr>
+              <a:t>카와</a:t>
+            </a:r>
+            <a:r>
+              <a:rPr lang="ko-KR" altLang="en-US" dirty="0" smtClean="0">
+                <a:latin typeface="나눔고딕 Light" pitchFamily="50" charset="-127"/>
+                <a:ea typeface="나눔고딕 Light" pitchFamily="50" charset="-127"/>
+              </a:rPr>
+              <a:t> </a:t>
+            </a:r>
+            <a:r>
+              <a:rPr lang="en-US" altLang="ko-KR" dirty="0" smtClean="0">
+                <a:latin typeface="나눔고딕 Light" pitchFamily="50" charset="-127"/>
+                <a:ea typeface="나눔고딕 Light" pitchFamily="50" charset="-127"/>
+              </a:rPr>
+              <a:t>TCP </a:t>
+            </a:r>
+            <a:r>
+              <a:rPr lang="ko-KR" altLang="en-US" dirty="0" smtClean="0">
+                <a:latin typeface="나눔고딕 Light" pitchFamily="50" charset="-127"/>
+                <a:ea typeface="나눔고딕 Light" pitchFamily="50" charset="-127"/>
+              </a:rPr>
+              <a:t>서버간 통신을 통해 자율주행 구현</a:t>
+            </a:r>
+            <a:endParaRPr lang="en-US" altLang="ko-KR" dirty="0" smtClean="0">
+              <a:latin typeface="나눔고딕 Light" pitchFamily="50" charset="-127"/>
+              <a:ea typeface="나눔고딕 Light" pitchFamily="50" charset="-127"/>
+            </a:endParaRPr>
+          </a:p>
+          <a:p>
+            <a:pPr marL="285750" indent="-285750" fontAlgn="base">
+              <a:lnSpc>
+                <a:spcPct val="150000"/>
+              </a:lnSpc>
+              <a:buFontTx/>
+              <a:buChar char="-"/>
+            </a:pPr>
+            <a:r>
+              <a:rPr lang="en-US" altLang="ko-KR" dirty="0">
+                <a:latin typeface="나눔고딕 Light" pitchFamily="50" charset="-127"/>
+                <a:ea typeface="나눔고딕 Light" pitchFamily="50" charset="-127"/>
+              </a:rPr>
+              <a:t>6</a:t>
+            </a:r>
+            <a:r>
+              <a:rPr lang="en-US" altLang="ko-KR" dirty="0" smtClean="0">
+                <a:latin typeface="나눔고딕 Light" pitchFamily="50" charset="-127"/>
+                <a:ea typeface="나눔고딕 Light" pitchFamily="50" charset="-127"/>
+              </a:rPr>
+              <a:t>: </a:t>
+            </a:r>
+            <a:r>
+              <a:rPr lang="ko-KR" altLang="en-US" dirty="0" smtClean="0">
+                <a:latin typeface="나눔고딕 Light" pitchFamily="50" charset="-127"/>
+                <a:ea typeface="나눔고딕 Light" pitchFamily="50" charset="-127"/>
+              </a:rPr>
+              <a:t>기본적인 코스 제작 후 </a:t>
+            </a:r>
+            <a:r>
+              <a:rPr lang="en-US" altLang="ko-KR" dirty="0" smtClean="0">
+                <a:latin typeface="나눔고딕 Light" pitchFamily="50" charset="-127"/>
+                <a:ea typeface="나눔고딕 Light" pitchFamily="50" charset="-127"/>
+              </a:rPr>
+              <a:t>RC</a:t>
+            </a:r>
+            <a:r>
+              <a:rPr lang="ko-KR" altLang="en-US" dirty="0" smtClean="0">
+                <a:latin typeface="나눔고딕 Light" pitchFamily="50" charset="-127"/>
+                <a:ea typeface="나눔고딕 Light" pitchFamily="50" charset="-127"/>
+              </a:rPr>
+              <a:t>카 자율주행 테스트</a:t>
+            </a:r>
+            <a:r>
+              <a:rPr lang="en-US" altLang="ko-KR" dirty="0" smtClean="0">
+                <a:latin typeface="나눔고딕 Light" pitchFamily="50" charset="-127"/>
+                <a:ea typeface="나눔고딕 Light" pitchFamily="50" charset="-127"/>
+              </a:rPr>
+              <a:t> </a:t>
+            </a:r>
+          </a:p>
+          <a:p>
+            <a:pPr fontAlgn="base">
+              <a:lnSpc>
+                <a:spcPct val="120000"/>
+              </a:lnSpc>
+            </a:pPr>
+            <a:r>
+              <a:rPr lang="ko-KR" altLang="en-US" dirty="0" smtClean="0">
+                <a:latin typeface="나눔고딕 Light" pitchFamily="50" charset="-127"/>
+                <a:ea typeface="나눔고딕 Light" pitchFamily="50" charset="-127"/>
+              </a:rPr>
+              <a:t> </a:t>
+            </a:r>
+          </a:p>
+        </p:txBody>
+      </p:sp>
+    </p:spTree>
+    <p:extLst>
+      <p:ext uri="{BB962C8B-B14F-4D97-AF65-F5344CB8AC3E}">
+        <p14:creationId xmlns:p14="http://schemas.microsoft.com/office/powerpoint/2010/main" val="1814160990"/>
+      </p:ext>
+    </p:extLst>
+  </p:cSld>
+  <p:clrMapOvr>
+    <a:masterClrMapping/>
+  </p:clrMapOvr>
+  <p:timing>
+    <p:tnLst>
+      <p:par>
+        <p:cTn id="1" dur="indefinite" restart="never" nodeType="tmRoot"/>
+      </p:par>
+    </p:tnLst>
+  </p:timing>
+</p:sld>
+</file>
+
+<file path=ppt/slides/slide14.xml><?xml version="1.0" encoding="utf-8"?>
+<p:sld xmlns:a="http://schemas.openxmlformats.org/drawingml/2006/main" xmlns:r="http://schemas.openxmlformats.org/officeDocument/2006/relationships" xmlns:p="http://schemas.openxmlformats.org/presentationml/2006/main">
+  <p:cSld>
+    <p:spTree>
+      <p:nvGrpSpPr>
+        <p:cNvPr id="1" name=""/>
+        <p:cNvGrpSpPr/>
+        <p:nvPr/>
+      </p:nvGrpSpPr>
+      <p:grpSpPr>
+        <a:xfrm>
+          <a:off x="0" y="0"/>
+          <a:ext cx="0" cy="0"/>
+          <a:chOff x="0" y="0"/>
+          <a:chExt cx="0" cy="0"/>
+        </a:xfrm>
+      </p:grpSpPr>
+      <p:sp>
+        <p:nvSpPr>
+          <p:cNvPr id="4" name="직사각형 3"/>
+          <p:cNvSpPr/>
+          <p:nvPr/>
+        </p:nvSpPr>
+        <p:spPr>
+          <a:xfrm>
+            <a:off x="0" y="-16001"/>
+            <a:ext cx="1657350" cy="6238875"/>
+          </a:xfrm>
+          <a:prstGeom prst="rect">
+            <a:avLst/>
+          </a:prstGeom>
+          <a:solidFill>
+            <a:srgbClr val="EDD0BE"/>
+          </a:solidFill>
+          <a:ln>
+            <a:noFill/>
+          </a:ln>
+        </p:spPr>
+        <p:style>
+          <a:lnRef idx="2">
+            <a:schemeClr val="accent1">
+              <a:shade val="50000"/>
+            </a:schemeClr>
+          </a:lnRef>
+          <a:fillRef idx="1">
+            <a:schemeClr val="accent1"/>
+          </a:fillRef>
+          <a:effectRef idx="0">
+            <a:schemeClr val="accent1"/>
+          </a:effectRef>
+          <a:fontRef idx="minor">
+            <a:schemeClr val="lt1"/>
+          </a:fontRef>
+        </p:style>
+        <p:txBody>
+          <a:bodyPr rtlCol="0" anchor="ctr"/>
+          <a:lstStyle/>
+          <a:p>
+            <a:pPr algn="ctr"/>
+            <a:endParaRPr lang="ko-KR" altLang="en-US" dirty="0">
+              <a:latin typeface="나눔고딕 Light" pitchFamily="50" charset="-127"/>
+              <a:ea typeface="나눔고딕 Light" pitchFamily="50" charset="-127"/>
+            </a:endParaRPr>
+          </a:p>
+        </p:txBody>
+      </p:sp>
+      <p:sp>
+        <p:nvSpPr>
+          <p:cNvPr id="5" name="TextBox 7"/>
+          <p:cNvSpPr txBox="1">
+            <a:spLocks noChangeArrowheads="1"/>
+          </p:cNvSpPr>
+          <p:nvPr/>
+        </p:nvSpPr>
+        <p:spPr bwMode="auto">
+          <a:xfrm>
+            <a:off x="2406377" y="608585"/>
+            <a:ext cx="4352674" cy="649280"/>
+          </a:xfrm>
+          <a:prstGeom prst="rect">
+            <a:avLst/>
+          </a:prstGeom>
+          <a:noFill/>
+          <a:ln>
+            <a:noFill/>
+          </a:ln>
+          <a:extLst>
+            <a:ext uri="{909E8E84-426E-40DD-AFC4-6F175D3DCCD1}">
+              <a14:hiddenFill xmlns:a14="http://schemas.microsoft.com/office/drawing/2010/main">
+                <a:solidFill>
+                  <a:srgbClr val="FFFFFF"/>
+                </a:solidFill>
+              </a14:hiddenFill>
+            </a:ext>
+            <a:ext uri="{91240B29-F687-4F45-9708-019B960494DF}">
+              <a14:hiddenLine xmlns:a14="http://schemas.microsoft.com/office/drawing/2010/main" w="9525">
+                <a:solidFill>
+                  <a:srgbClr val="000000"/>
+                </a:solidFill>
+                <a:miter lim="800000"/>
+                <a:headEnd/>
+                <a:tailEnd/>
+              </a14:hiddenLine>
+            </a:ext>
+          </a:extLst>
+        </p:spPr>
+        <p:txBody>
+          <a:bodyPr wrap="square">
+            <a:spAutoFit/>
+          </a:bodyPr>
+          <a:lstStyle>
+            <a:lvl1pPr>
+              <a:defRPr sz="3600">
+                <a:solidFill>
+                  <a:schemeClr val="tx1"/>
+                </a:solidFill>
+                <a:latin typeface="Lato Light" pitchFamily="34" charset="0"/>
+              </a:defRPr>
+            </a:lvl1pPr>
+            <a:lvl2pPr marL="742950" indent="-285750">
+              <a:defRPr sz="3600">
+                <a:solidFill>
+                  <a:schemeClr val="tx1"/>
+                </a:solidFill>
+                <a:latin typeface="Lato Light" pitchFamily="34" charset="0"/>
+              </a:defRPr>
+            </a:lvl2pPr>
+            <a:lvl3pPr marL="1143000" indent="-228600">
+              <a:defRPr sz="3600">
+                <a:solidFill>
+                  <a:schemeClr val="tx1"/>
+                </a:solidFill>
+                <a:latin typeface="Lato Light" pitchFamily="34" charset="0"/>
+              </a:defRPr>
+            </a:lvl3pPr>
+            <a:lvl4pPr marL="1600200" indent="-228600">
+              <a:defRPr sz="3600">
+                <a:solidFill>
+                  <a:schemeClr val="tx1"/>
+                </a:solidFill>
+                <a:latin typeface="Lato Light" pitchFamily="34" charset="0"/>
+              </a:defRPr>
+            </a:lvl4pPr>
+            <a:lvl5pPr marL="2057400" indent="-228600">
+              <a:defRPr sz="3600">
+                <a:solidFill>
+                  <a:schemeClr val="tx1"/>
+                </a:solidFill>
+                <a:latin typeface="Lato Light" pitchFamily="34" charset="0"/>
+              </a:defRPr>
+            </a:lvl5pPr>
+            <a:lvl6pPr marL="2514600" indent="-228600" defTabSz="1827213" fontAlgn="base">
+              <a:spcBef>
+                <a:spcPct val="0"/>
+              </a:spcBef>
+              <a:spcAft>
+                <a:spcPct val="0"/>
+              </a:spcAft>
+              <a:defRPr sz="3600">
+                <a:solidFill>
+                  <a:schemeClr val="tx1"/>
+                </a:solidFill>
+                <a:latin typeface="Lato Light" pitchFamily="34" charset="0"/>
+              </a:defRPr>
+            </a:lvl6pPr>
+            <a:lvl7pPr marL="2971800" indent="-228600" defTabSz="1827213" fontAlgn="base">
+              <a:spcBef>
+                <a:spcPct val="0"/>
+              </a:spcBef>
+              <a:spcAft>
+                <a:spcPct val="0"/>
+              </a:spcAft>
+              <a:defRPr sz="3600">
+                <a:solidFill>
+                  <a:schemeClr val="tx1"/>
+                </a:solidFill>
+                <a:latin typeface="Lato Light" pitchFamily="34" charset="0"/>
+              </a:defRPr>
+            </a:lvl7pPr>
+            <a:lvl8pPr marL="3429000" indent="-228600" defTabSz="1827213" fontAlgn="base">
+              <a:spcBef>
+                <a:spcPct val="0"/>
+              </a:spcBef>
+              <a:spcAft>
+                <a:spcPct val="0"/>
+              </a:spcAft>
+              <a:defRPr sz="3600">
+                <a:solidFill>
+                  <a:schemeClr val="tx1"/>
+                </a:solidFill>
+                <a:latin typeface="Lato Light" pitchFamily="34" charset="0"/>
+              </a:defRPr>
+            </a:lvl8pPr>
+            <a:lvl9pPr marL="3886200" indent="-228600" defTabSz="1827213" fontAlgn="base">
+              <a:spcBef>
+                <a:spcPct val="0"/>
+              </a:spcBef>
+              <a:spcAft>
+                <a:spcPct val="0"/>
+              </a:spcAft>
+              <a:defRPr sz="3600">
+                <a:solidFill>
+                  <a:schemeClr val="tx1"/>
+                </a:solidFill>
+                <a:latin typeface="Lato Light" pitchFamily="34" charset="0"/>
+              </a:defRPr>
+            </a:lvl9pPr>
+          </a:lstStyle>
+          <a:p>
+            <a:pPr eaLnBrk="1" hangingPunct="1">
+              <a:lnSpc>
+                <a:spcPct val="150000"/>
+              </a:lnSpc>
+            </a:pPr>
+            <a:r>
+              <a:rPr lang="ko-KR" altLang="en-US" sz="2800" b="1" dirty="0" smtClean="0">
+                <a:latin typeface="나눔스퀘어 Bold" panose="020B0600000101010101" pitchFamily="50" charset="-127"/>
+                <a:ea typeface="나눔스퀘어 Bold" panose="020B0600000101010101" pitchFamily="50" charset="-127"/>
+                <a:cs typeface="Calibri" panose="020F0502020204030204" pitchFamily="34" charset="0"/>
+              </a:rPr>
+              <a:t>역할분담</a:t>
+            </a:r>
+            <a:endParaRPr lang="ru-RU" altLang="ko-KR" sz="2800" b="1" dirty="0">
+              <a:latin typeface="나눔스퀘어 Bold" panose="020B0600000101010101" pitchFamily="50" charset="-127"/>
+              <a:ea typeface="나눔스퀘어 Bold" panose="020B0600000101010101" pitchFamily="50" charset="-127"/>
+              <a:cs typeface="Calibri" panose="020F0502020204030204" pitchFamily="34" charset="0"/>
+            </a:endParaRPr>
+          </a:p>
+        </p:txBody>
+      </p:sp>
+      <p:grpSp>
+        <p:nvGrpSpPr>
+          <p:cNvPr id="11" name="Group 392"/>
+          <p:cNvGrpSpPr/>
+          <p:nvPr/>
+        </p:nvGrpSpPr>
+        <p:grpSpPr>
+          <a:xfrm>
+            <a:off x="2469103" y="1587290"/>
+            <a:ext cx="8675147" cy="127210"/>
+            <a:chOff x="0" y="0"/>
+            <a:chExt cx="11657498" cy="0"/>
+          </a:xfrm>
+        </p:grpSpPr>
+        <p:sp>
+          <p:nvSpPr>
+            <p:cNvPr id="12" name="Shape 390"/>
+            <p:cNvSpPr/>
+            <p:nvPr/>
+          </p:nvSpPr>
+          <p:spPr>
+            <a:xfrm>
+              <a:off x="0" y="0"/>
+              <a:ext cx="11657498" cy="0"/>
+            </a:xfrm>
+            <a:prstGeom prst="line">
+              <a:avLst/>
+            </a:prstGeom>
+            <a:noFill/>
+            <a:ln w="25400" cap="flat">
+              <a:solidFill>
+                <a:srgbClr val="E5E5E5"/>
+              </a:solidFill>
+              <a:prstDash val="solid"/>
+              <a:miter lim="400000"/>
+            </a:ln>
+            <a:effectLst/>
+          </p:spPr>
+          <p:txBody>
+            <a:bodyPr wrap="square" lIns="38100" tIns="38100" rIns="38100" bIns="38100" numCol="1" anchor="ctr">
+              <a:noAutofit/>
+            </a:bodyPr>
+            <a:lstStyle/>
+            <a:p>
+              <a:pPr algn="ctr">
+                <a:defRPr sz="3000">
+                  <a:solidFill>
+                    <a:srgbClr val="000000"/>
+                  </a:solidFill>
+                  <a:latin typeface="Helvetica Light"/>
+                  <a:ea typeface="Helvetica Light"/>
+                  <a:cs typeface="Helvetica Light"/>
+                  <a:sym typeface="Helvetica Light"/>
+                </a:defRPr>
+              </a:pPr>
+              <a:endParaRPr/>
+            </a:p>
+          </p:txBody>
+        </p:sp>
+        <p:sp>
+          <p:nvSpPr>
+            <p:cNvPr id="13" name="Shape 391"/>
+            <p:cNvSpPr/>
+            <p:nvPr/>
+          </p:nvSpPr>
+          <p:spPr>
+            <a:xfrm>
+              <a:off x="12700" y="0"/>
+              <a:ext cx="1456385" cy="0"/>
+            </a:xfrm>
+            <a:prstGeom prst="line">
+              <a:avLst/>
+            </a:prstGeom>
+            <a:noFill/>
+            <a:ln w="25400" cap="flat">
+              <a:solidFill>
+                <a:srgbClr val="000000"/>
+              </a:solidFill>
+              <a:prstDash val="solid"/>
+              <a:miter lim="400000"/>
+            </a:ln>
+            <a:effectLst/>
+          </p:spPr>
+          <p:txBody>
+            <a:bodyPr wrap="square" lIns="38100" tIns="38100" rIns="38100" bIns="38100" numCol="1" anchor="ctr">
+              <a:noAutofit/>
+            </a:bodyPr>
+            <a:lstStyle/>
+            <a:p>
+              <a:pPr algn="ctr">
+                <a:defRPr sz="3000">
+                  <a:solidFill>
+                    <a:srgbClr val="000000"/>
+                  </a:solidFill>
+                  <a:latin typeface="Helvetica Light"/>
+                  <a:ea typeface="Helvetica Light"/>
+                  <a:cs typeface="Helvetica Light"/>
+                  <a:sym typeface="Helvetica Light"/>
+                </a:defRPr>
+              </a:pPr>
+              <a:endParaRPr/>
+            </a:p>
+          </p:txBody>
+        </p:sp>
+      </p:grpSp>
+      <p:sp>
+        <p:nvSpPr>
+          <p:cNvPr id="8" name="Shape 388"/>
+          <p:cNvSpPr/>
+          <p:nvPr/>
+        </p:nvSpPr>
+        <p:spPr>
+          <a:xfrm>
+            <a:off x="2469103" y="2135723"/>
+            <a:ext cx="8951372" cy="3936831"/>
+          </a:xfrm>
+          <a:prstGeom prst="rect">
+            <a:avLst/>
+          </a:prstGeom>
+          <a:ln w="3175">
+            <a:miter lim="400000"/>
+          </a:ln>
+          <a:extLst>
+            <a:ext uri="{C572A759-6A51-4108-AA02-DFA0A04FC94B}">
+              <ma14:wrappingTextBoxFlag xmlns:ma14="http://schemas.microsoft.com/office/mac/drawingml/2011/main" xmlns="" val="1"/>
             </a:ext>
           </a:extLst>
         </p:spPr>
@@ -6319,25 +7005,78 @@
               <a:buChar char="-"/>
             </a:pPr>
             <a:r>
-              <a:rPr lang="en-US" altLang="ko-KR" dirty="0">
-                <a:latin typeface="나눔고딕 Light" pitchFamily="50" charset="-127"/>
-                <a:ea typeface="나눔고딕 Light" pitchFamily="50" charset="-127"/>
-              </a:rPr>
-              <a:t>https://</a:t>
-            </a:r>
-            <a:r>
-              <a:rPr lang="en-US" altLang="ko-KR" dirty="0" smtClean="0">
-                <a:latin typeface="나눔고딕 Light" pitchFamily="50" charset="-127"/>
-                <a:ea typeface="나눔고딕 Light" pitchFamily="50" charset="-127"/>
-              </a:rPr>
-              <a:t>github.com/hamuchiwa/AutoRCCar </a:t>
-            </a:r>
+              <a:rPr lang="ko-KR" altLang="en-US" dirty="0" err="1" smtClean="0">
+                <a:latin typeface="나눔고딕 Light" pitchFamily="50" charset="-127"/>
+                <a:ea typeface="나눔고딕 Light" pitchFamily="50" charset="-127"/>
+              </a:rPr>
+              <a:t>강문재</a:t>
+            </a:r>
+            <a:endParaRPr lang="en-US" altLang="ko-KR" dirty="0" smtClean="0">
+              <a:latin typeface="나눔고딕 Light" pitchFamily="50" charset="-127"/>
+              <a:ea typeface="나눔고딕 Light" pitchFamily="50" charset="-127"/>
+            </a:endParaRPr>
+          </a:p>
+          <a:p>
+            <a:pPr marL="285750" indent="-285750" fontAlgn="base">
+              <a:lnSpc>
+                <a:spcPct val="150000"/>
+              </a:lnSpc>
+              <a:buFontTx/>
+              <a:buChar char="-"/>
+            </a:pPr>
+            <a:r>
+              <a:rPr lang="ko-KR" altLang="en-US" dirty="0" err="1" smtClean="0">
+                <a:latin typeface="나눔고딕 Light" pitchFamily="50" charset="-127"/>
+                <a:ea typeface="나눔고딕 Light" pitchFamily="50" charset="-127"/>
+              </a:rPr>
+              <a:t>김무선</a:t>
+            </a:r>
+            <a:endParaRPr lang="en-US" altLang="ko-KR" dirty="0" smtClean="0">
+              <a:latin typeface="나눔고딕 Light" pitchFamily="50" charset="-127"/>
+              <a:ea typeface="나눔고딕 Light" pitchFamily="50" charset="-127"/>
+            </a:endParaRPr>
+          </a:p>
+          <a:p>
+            <a:pPr marL="285750" indent="-285750" fontAlgn="base">
+              <a:lnSpc>
+                <a:spcPct val="150000"/>
+              </a:lnSpc>
+              <a:buFontTx/>
+              <a:buChar char="-"/>
+            </a:pPr>
             <a:r>
               <a:rPr lang="ko-KR" altLang="en-US" dirty="0" smtClean="0">
                 <a:latin typeface="나눔고딕 Light" pitchFamily="50" charset="-127"/>
                 <a:ea typeface="나눔고딕 Light" pitchFamily="50" charset="-127"/>
               </a:rPr>
-              <a:t>참고</a:t>
+              <a:t>김석준</a:t>
+            </a:r>
+            <a:endParaRPr lang="en-US" altLang="ko-KR" dirty="0" smtClean="0">
+              <a:latin typeface="나눔고딕 Light" pitchFamily="50" charset="-127"/>
+              <a:ea typeface="나눔고딕 Light" pitchFamily="50" charset="-127"/>
+            </a:endParaRPr>
+          </a:p>
+          <a:p>
+            <a:pPr marL="285750" indent="-285750" fontAlgn="base">
+              <a:lnSpc>
+                <a:spcPct val="150000"/>
+              </a:lnSpc>
+              <a:buFontTx/>
+              <a:buChar char="-"/>
+            </a:pPr>
+            <a:r>
+              <a:rPr lang="ko-KR" altLang="en-US" dirty="0" smtClean="0">
+                <a:latin typeface="나눔고딕 Light" pitchFamily="50" charset="-127"/>
+                <a:ea typeface="나눔고딕 Light" pitchFamily="50" charset="-127"/>
+              </a:rPr>
+              <a:t>이준서</a:t>
+            </a:r>
+            <a:r>
+              <a:rPr lang="ko-KR" altLang="en-US" dirty="0" smtClean="0">
+                <a:latin typeface="나눔고딕 Light" pitchFamily="50" charset="-127"/>
+                <a:ea typeface="나눔고딕 Light" pitchFamily="50" charset="-127"/>
+              </a:rPr>
+              <a:t> </a:t>
             </a:r>
             <a:endParaRPr lang="ko-KR" altLang="en-US" dirty="0" smtClean="0">
               <a:latin typeface="나눔고딕 Light" pitchFamily="50" charset="-127"/>
@@ -6349,18 +7088,1205 @@
     </p:spTree>
     <p:extLst>
       <p:ext uri="{BB962C8B-B14F-4D97-AF65-F5344CB8AC3E}">
-        <p14:creationId xmlns:p14="http://schemas.microsoft.com/office/powerpoint/2010/main" val="1174557929"/>
+        <p14:creationId xmlns:p14="http://schemas.microsoft.com/office/powerpoint/2010/main" val="2512438827"/>
       </p:ext>
     </p:extLst>
   </p:cSld>
   <p:clrMapOvr>
     <a:masterClrMapping/>
   </p:clrMapOvr>
-  <mc:AlternateContent xmlns:mc="http://schemas.openxmlformats.org/markup-compatibility/2006">
-    <mc:Choice xmlns:p14="http://schemas.microsoft.com/office/powerpoint/2010/main" Requires="p14">
+  <p:timing>
+    <p:tnLst>
+      <p:par>
+        <p:cTn id="1" dur="indefinite" restart="never" nodeType="tmRoot"/>
+      </p:par>
+    </p:tnLst>
+  </p:timing>
+</p:sld>
+</file>
+
+<file path=ppt/slides/slide15.xml><?xml version="1.0" encoding="utf-8"?>
+<p:sld xmlns:a="http://schemas.openxmlformats.org/drawingml/2006/main" xmlns:r="http://schemas.openxmlformats.org/officeDocument/2006/relationships" xmlns:p="http://schemas.openxmlformats.org/presentationml/2006/main">
+  <p:cSld>
+    <p:bg>
+      <p:bgPr>
+        <a:solidFill>
+          <a:schemeClr val="bg1">
+            <a:lumMod val="95000"/>
+          </a:schemeClr>
+        </a:solidFill>
+        <a:effectLst/>
+      </p:bgPr>
+    </p:bg>
+    <p:spTree>
+      <p:nvGrpSpPr>
+        <p:cNvPr id="1" name=""/>
+        <p:cNvGrpSpPr/>
+        <p:nvPr/>
+      </p:nvGrpSpPr>
+      <p:grpSpPr>
+        <a:xfrm>
+          <a:off x="0" y="0"/>
+          <a:ext cx="0" cy="0"/>
+          <a:chOff x="0" y="0"/>
+          <a:chExt cx="0" cy="0"/>
+        </a:xfrm>
+      </p:grpSpPr>
+      <p:sp>
+        <p:nvSpPr>
+          <p:cNvPr id="4" name="직사각형 3"/>
+          <p:cNvSpPr/>
+          <p:nvPr/>
+        </p:nvSpPr>
+        <p:spPr>
+          <a:xfrm>
+            <a:off x="0" y="-16001"/>
+            <a:ext cx="1657350" cy="6238875"/>
+          </a:xfrm>
+          <a:prstGeom prst="rect">
+            <a:avLst/>
+          </a:prstGeom>
+          <a:solidFill>
+            <a:srgbClr val="EDD0BE"/>
+          </a:solidFill>
+          <a:ln>
+            <a:noFill/>
+          </a:ln>
+        </p:spPr>
+        <p:style>
+          <a:lnRef idx="2">
+            <a:schemeClr val="accent1">
+              <a:shade val="50000"/>
+            </a:schemeClr>
+          </a:lnRef>
+          <a:fillRef idx="1">
+            <a:schemeClr val="accent1"/>
+          </a:fillRef>
+          <a:effectRef idx="0">
+            <a:schemeClr val="accent1"/>
+          </a:effectRef>
+          <a:fontRef idx="minor">
+            <a:schemeClr val="lt1"/>
+          </a:fontRef>
+        </p:style>
+        <p:txBody>
+          <a:bodyPr rtlCol="0" anchor="ctr"/>
+          <a:lstStyle/>
+          <a:p>
+            <a:pPr algn="ctr"/>
+            <a:endParaRPr lang="ko-KR" altLang="en-US" dirty="0">
+              <a:latin typeface="나눔고딕 Light" pitchFamily="50" charset="-127"/>
+              <a:ea typeface="나눔고딕 Light" pitchFamily="50" charset="-127"/>
+            </a:endParaRPr>
+          </a:p>
+        </p:txBody>
+      </p:sp>
+      <p:sp>
+        <p:nvSpPr>
+          <p:cNvPr id="5" name="TextBox 7"/>
+          <p:cNvSpPr txBox="1">
+            <a:spLocks noChangeArrowheads="1"/>
+          </p:cNvSpPr>
+          <p:nvPr/>
+        </p:nvSpPr>
+        <p:spPr bwMode="auto">
+          <a:xfrm>
+            <a:off x="2406377" y="608585"/>
+            <a:ext cx="4352674" cy="676532"/>
+          </a:xfrm>
+          <a:prstGeom prst="rect">
+            <a:avLst/>
+          </a:prstGeom>
+          <a:noFill/>
+          <a:ln>
+            <a:noFill/>
+          </a:ln>
+          <a:extLst>
+            <a:ext uri="{909E8E84-426E-40DD-AFC4-6F175D3DCCD1}">
+              <a14:hiddenFill xmlns:a14="http://schemas.microsoft.com/office/drawing/2010/main">
+                <a:solidFill>
+                  <a:srgbClr val="FFFFFF"/>
+                </a:solidFill>
+              </a14:hiddenFill>
+            </a:ext>
+            <a:ext uri="{91240B29-F687-4F45-9708-019B960494DF}">
+              <a14:hiddenLine xmlns:a14="http://schemas.microsoft.com/office/drawing/2010/main" w="9525">
+                <a:solidFill>
+                  <a:srgbClr val="000000"/>
+                </a:solidFill>
+                <a:miter lim="800000"/>
+                <a:headEnd/>
+                <a:tailEnd/>
+              </a14:hiddenLine>
+            </a:ext>
+          </a:extLst>
+        </p:spPr>
+        <p:txBody>
+          <a:bodyPr wrap="square">
+            <a:spAutoFit/>
+          </a:bodyPr>
+          <a:lstStyle>
+            <a:lvl1pPr>
+              <a:defRPr sz="3600">
+                <a:solidFill>
+                  <a:schemeClr val="tx1"/>
+                </a:solidFill>
+                <a:latin typeface="Lato Light" pitchFamily="34" charset="0"/>
+              </a:defRPr>
+            </a:lvl1pPr>
+            <a:lvl2pPr marL="742950" indent="-285750">
+              <a:defRPr sz="3600">
+                <a:solidFill>
+                  <a:schemeClr val="tx1"/>
+                </a:solidFill>
+                <a:latin typeface="Lato Light" pitchFamily="34" charset="0"/>
+              </a:defRPr>
+            </a:lvl2pPr>
+            <a:lvl3pPr marL="1143000" indent="-228600">
+              <a:defRPr sz="3600">
+                <a:solidFill>
+                  <a:schemeClr val="tx1"/>
+                </a:solidFill>
+                <a:latin typeface="Lato Light" pitchFamily="34" charset="0"/>
+              </a:defRPr>
+            </a:lvl3pPr>
+            <a:lvl4pPr marL="1600200" indent="-228600">
+              <a:defRPr sz="3600">
+                <a:solidFill>
+                  <a:schemeClr val="tx1"/>
+                </a:solidFill>
+                <a:latin typeface="Lato Light" pitchFamily="34" charset="0"/>
+              </a:defRPr>
+            </a:lvl4pPr>
+            <a:lvl5pPr marL="2057400" indent="-228600">
+              <a:defRPr sz="3600">
+                <a:solidFill>
+                  <a:schemeClr val="tx1"/>
+                </a:solidFill>
+                <a:latin typeface="Lato Light" pitchFamily="34" charset="0"/>
+              </a:defRPr>
+            </a:lvl5pPr>
+            <a:lvl6pPr marL="2514600" indent="-228600" defTabSz="1827213" fontAlgn="base">
+              <a:spcBef>
+                <a:spcPct val="0"/>
+              </a:spcBef>
+              <a:spcAft>
+                <a:spcPct val="0"/>
+              </a:spcAft>
+              <a:defRPr sz="3600">
+                <a:solidFill>
+                  <a:schemeClr val="tx1"/>
+                </a:solidFill>
+                <a:latin typeface="Lato Light" pitchFamily="34" charset="0"/>
+              </a:defRPr>
+            </a:lvl6pPr>
+            <a:lvl7pPr marL="2971800" indent="-228600" defTabSz="1827213" fontAlgn="base">
+              <a:spcBef>
+                <a:spcPct val="0"/>
+              </a:spcBef>
+              <a:spcAft>
+                <a:spcPct val="0"/>
+              </a:spcAft>
+              <a:defRPr sz="3600">
+                <a:solidFill>
+                  <a:schemeClr val="tx1"/>
+                </a:solidFill>
+                <a:latin typeface="Lato Light" pitchFamily="34" charset="0"/>
+              </a:defRPr>
+            </a:lvl7pPr>
+            <a:lvl8pPr marL="3429000" indent="-228600" defTabSz="1827213" fontAlgn="base">
+              <a:spcBef>
+                <a:spcPct val="0"/>
+              </a:spcBef>
+              <a:spcAft>
+                <a:spcPct val="0"/>
+              </a:spcAft>
+              <a:defRPr sz="3600">
+                <a:solidFill>
+                  <a:schemeClr val="tx1"/>
+                </a:solidFill>
+                <a:latin typeface="Lato Light" pitchFamily="34" charset="0"/>
+              </a:defRPr>
+            </a:lvl8pPr>
+            <a:lvl9pPr marL="3886200" indent="-228600" defTabSz="1827213" fontAlgn="base">
+              <a:spcBef>
+                <a:spcPct val="0"/>
+              </a:spcBef>
+              <a:spcAft>
+                <a:spcPct val="0"/>
+              </a:spcAft>
+              <a:defRPr sz="3600">
+                <a:solidFill>
+                  <a:schemeClr val="tx1"/>
+                </a:solidFill>
+                <a:latin typeface="Lato Light" pitchFamily="34" charset="0"/>
+              </a:defRPr>
+            </a:lvl9pPr>
+          </a:lstStyle>
+          <a:p>
+            <a:pPr eaLnBrk="1" hangingPunct="1">
+              <a:lnSpc>
+                <a:spcPct val="150000"/>
+              </a:lnSpc>
+            </a:pPr>
+            <a:r>
+              <a:rPr lang="en-US" altLang="ko-KR" sz="2800" b="1" dirty="0" smtClean="0">
+                <a:latin typeface="나눔스퀘어 Bold" panose="020B0600000101010101" pitchFamily="50" charset="-127"/>
+                <a:ea typeface="나눔스퀘어 Bold" panose="020B0600000101010101" pitchFamily="50" charset="-127"/>
+                <a:cs typeface="Calibri" panose="020F0502020204030204" pitchFamily="34" charset="0"/>
+              </a:rPr>
+              <a:t>Algorithm</a:t>
+            </a:r>
+            <a:endParaRPr lang="ru-RU" altLang="ko-KR" sz="2800" b="1" dirty="0">
+              <a:latin typeface="나눔스퀘어 Bold" panose="020B0600000101010101" pitchFamily="50" charset="-127"/>
+              <a:ea typeface="나눔스퀘어 Bold" panose="020B0600000101010101" pitchFamily="50" charset="-127"/>
+              <a:cs typeface="Calibri" panose="020F0502020204030204" pitchFamily="34" charset="0"/>
+            </a:endParaRPr>
+          </a:p>
+        </p:txBody>
+      </p:sp>
+      <p:grpSp>
+        <p:nvGrpSpPr>
+          <p:cNvPr id="11" name="Group 392"/>
+          <p:cNvGrpSpPr/>
+          <p:nvPr/>
+        </p:nvGrpSpPr>
+        <p:grpSpPr>
+          <a:xfrm>
+            <a:off x="2469103" y="1587290"/>
+            <a:ext cx="8675147" cy="127210"/>
+            <a:chOff x="0" y="0"/>
+            <a:chExt cx="11657498" cy="0"/>
+          </a:xfrm>
+        </p:grpSpPr>
+        <p:sp>
+          <p:nvSpPr>
+            <p:cNvPr id="12" name="Shape 390"/>
+            <p:cNvSpPr/>
+            <p:nvPr/>
+          </p:nvSpPr>
+          <p:spPr>
+            <a:xfrm>
+              <a:off x="0" y="0"/>
+              <a:ext cx="11657498" cy="0"/>
+            </a:xfrm>
+            <a:prstGeom prst="line">
+              <a:avLst/>
+            </a:prstGeom>
+            <a:noFill/>
+            <a:ln w="25400" cap="flat">
+              <a:solidFill>
+                <a:srgbClr val="E5E5E5"/>
+              </a:solidFill>
+              <a:prstDash val="solid"/>
+              <a:miter lim="400000"/>
+            </a:ln>
+            <a:effectLst/>
+          </p:spPr>
+          <p:txBody>
+            <a:bodyPr wrap="square" lIns="38100" tIns="38100" rIns="38100" bIns="38100" numCol="1" anchor="ctr">
+              <a:noAutofit/>
+            </a:bodyPr>
+            <a:lstStyle/>
+            <a:p>
+              <a:pPr algn="ctr">
+                <a:defRPr sz="3000">
+                  <a:solidFill>
+                    <a:srgbClr val="000000"/>
+                  </a:solidFill>
+                  <a:latin typeface="Helvetica Light"/>
+                  <a:ea typeface="Helvetica Light"/>
+                  <a:cs typeface="Helvetica Light"/>
+                  <a:sym typeface="Helvetica Light"/>
+                </a:defRPr>
+              </a:pPr>
+              <a:endParaRPr/>
+            </a:p>
+          </p:txBody>
+        </p:sp>
+        <p:sp>
+          <p:nvSpPr>
+            <p:cNvPr id="13" name="Shape 391"/>
+            <p:cNvSpPr/>
+            <p:nvPr/>
+          </p:nvSpPr>
+          <p:spPr>
+            <a:xfrm>
+              <a:off x="12700" y="0"/>
+              <a:ext cx="1456385" cy="0"/>
+            </a:xfrm>
+            <a:prstGeom prst="line">
+              <a:avLst/>
+            </a:prstGeom>
+            <a:noFill/>
+            <a:ln w="25400" cap="flat">
+              <a:solidFill>
+                <a:srgbClr val="000000"/>
+              </a:solidFill>
+              <a:prstDash val="solid"/>
+              <a:miter lim="400000"/>
+            </a:ln>
+            <a:effectLst/>
+          </p:spPr>
+          <p:txBody>
+            <a:bodyPr wrap="square" lIns="38100" tIns="38100" rIns="38100" bIns="38100" numCol="1" anchor="ctr">
+              <a:noAutofit/>
+            </a:bodyPr>
+            <a:lstStyle/>
+            <a:p>
+              <a:pPr algn="ctr">
+                <a:defRPr sz="3000">
+                  <a:solidFill>
+                    <a:srgbClr val="000000"/>
+                  </a:solidFill>
+                  <a:latin typeface="Helvetica Light"/>
+                  <a:ea typeface="Helvetica Light"/>
+                  <a:cs typeface="Helvetica Light"/>
+                  <a:sym typeface="Helvetica Light"/>
+                </a:defRPr>
+              </a:pPr>
+              <a:endParaRPr/>
+            </a:p>
+          </p:txBody>
+        </p:sp>
+      </p:grpSp>
+      <p:sp>
+        <p:nvSpPr>
+          <p:cNvPr id="8" name="Shape 388"/>
+          <p:cNvSpPr/>
+          <p:nvPr/>
+        </p:nvSpPr>
+        <p:spPr>
+          <a:xfrm>
+            <a:off x="2469103" y="2135723"/>
+            <a:ext cx="8951372" cy="3936831"/>
+          </a:xfrm>
+          <a:prstGeom prst="rect">
+            <a:avLst/>
+          </a:prstGeom>
+          <a:ln w="3175">
+            <a:miter lim="400000"/>
+          </a:ln>
+          <a:extLst>
+            <a:ext uri="{C572A759-6A51-4108-AA02-DFA0A04FC94B}">
+              <ma14:wrappingTextBoxFlag xmlns:ma14="http://schemas.microsoft.com/office/mac/drawingml/2011/main" xmlns="" val="1"/>
+            </a:ext>
+          </a:extLst>
+        </p:spPr>
+        <p:txBody>
+          <a:bodyPr lIns="38100" tIns="38100" rIns="38100" bIns="38100">
+            <a:normAutofit/>
+          </a:bodyPr>
+          <a:lstStyle/>
+          <a:p>
+            <a:pPr marL="285750" indent="-285750" fontAlgn="base">
+              <a:lnSpc>
+                <a:spcPct val="150000"/>
+              </a:lnSpc>
+              <a:buFontTx/>
+              <a:buChar char="-"/>
+            </a:pPr>
+            <a:r>
+              <a:rPr lang="en-US" altLang="ko-KR" dirty="0" smtClean="0">
+                <a:latin typeface="나눔고딕 Light" pitchFamily="50" charset="-127"/>
+                <a:ea typeface="나눔고딕 Light" pitchFamily="50" charset="-127"/>
+              </a:rPr>
+              <a:t>1: </a:t>
+            </a:r>
+            <a:r>
+              <a:rPr lang="ko-KR" altLang="en-US" dirty="0" smtClean="0">
+                <a:latin typeface="나눔고딕 Light" pitchFamily="50" charset="-127"/>
+                <a:ea typeface="나눔고딕 Light" pitchFamily="50" charset="-127"/>
+              </a:rPr>
+              <a:t>추가바람</a:t>
+            </a:r>
+            <a:endParaRPr lang="en-US" altLang="ko-KR" dirty="0" smtClean="0">
+              <a:latin typeface="나눔고딕 Light" pitchFamily="50" charset="-127"/>
+              <a:ea typeface="나눔고딕 Light" pitchFamily="50" charset="-127"/>
+            </a:endParaRPr>
+          </a:p>
+          <a:p>
+            <a:pPr marL="285750" indent="-285750" fontAlgn="base">
+              <a:lnSpc>
+                <a:spcPct val="150000"/>
+              </a:lnSpc>
+              <a:buFontTx/>
+              <a:buChar char="-"/>
+            </a:pPr>
+            <a:r>
+              <a:rPr lang="en-US" altLang="ko-KR" dirty="0" smtClean="0">
+                <a:latin typeface="나눔고딕 Light" pitchFamily="50" charset="-127"/>
+                <a:ea typeface="나눔고딕 Light" pitchFamily="50" charset="-127"/>
+              </a:rPr>
+              <a:t>2: </a:t>
+            </a:r>
+            <a:r>
+              <a:rPr lang="ko-KR" altLang="en-US" dirty="0" smtClean="0">
+                <a:latin typeface="나눔고딕 Light" pitchFamily="50" charset="-127"/>
+                <a:ea typeface="나눔고딕 Light" pitchFamily="50" charset="-127"/>
+              </a:rPr>
+              <a:t>추가바람</a:t>
+            </a:r>
+            <a:endParaRPr lang="en-US" altLang="ko-KR" dirty="0" smtClean="0">
+              <a:latin typeface="나눔고딕 Light" pitchFamily="50" charset="-127"/>
+              <a:ea typeface="나눔고딕 Light" pitchFamily="50" charset="-127"/>
+            </a:endParaRPr>
+          </a:p>
+          <a:p>
+            <a:pPr marL="285750" indent="-285750" fontAlgn="base">
+              <a:lnSpc>
+                <a:spcPct val="150000"/>
+              </a:lnSpc>
+              <a:buFontTx/>
+              <a:buChar char="-"/>
+            </a:pPr>
+            <a:r>
+              <a:rPr lang="en-US" altLang="ko-KR" dirty="0" smtClean="0">
+                <a:latin typeface="나눔고딕 Light" pitchFamily="50" charset="-127"/>
+                <a:ea typeface="나눔고딕 Light" pitchFamily="50" charset="-127"/>
+              </a:rPr>
+              <a:t>3: </a:t>
+            </a:r>
+            <a:r>
+              <a:rPr lang="ko-KR" altLang="en-US" dirty="0" smtClean="0">
+                <a:latin typeface="나눔고딕 Light" pitchFamily="50" charset="-127"/>
+                <a:ea typeface="나눔고딕 Light" pitchFamily="50" charset="-127"/>
+              </a:rPr>
+              <a:t>추가바람</a:t>
+            </a:r>
+            <a:endParaRPr lang="en-US" altLang="ko-KR" dirty="0" smtClean="0">
+              <a:latin typeface="나눔고딕 Light" pitchFamily="50" charset="-127"/>
+              <a:ea typeface="나눔고딕 Light" pitchFamily="50" charset="-127"/>
+            </a:endParaRPr>
+          </a:p>
+          <a:p>
+            <a:pPr marL="285750" indent="-285750" fontAlgn="base">
+              <a:lnSpc>
+                <a:spcPct val="150000"/>
+              </a:lnSpc>
+              <a:buFontTx/>
+              <a:buChar char="-"/>
+            </a:pPr>
+            <a:r>
+              <a:rPr lang="en-US" altLang="ko-KR" dirty="0" smtClean="0">
+                <a:latin typeface="나눔고딕 Light" pitchFamily="50" charset="-127"/>
+                <a:ea typeface="나눔고딕 Light" pitchFamily="50" charset="-127"/>
+              </a:rPr>
+              <a:t>4: </a:t>
+            </a:r>
+            <a:r>
+              <a:rPr lang="ko-KR" altLang="en-US" dirty="0" smtClean="0">
+                <a:latin typeface="나눔고딕 Light" pitchFamily="50" charset="-127"/>
+                <a:ea typeface="나눔고딕 Light" pitchFamily="50" charset="-127"/>
+              </a:rPr>
+              <a:t>추가바람</a:t>
+            </a:r>
+            <a:endParaRPr lang="en-US" altLang="ko-KR" dirty="0" smtClean="0">
+              <a:latin typeface="나눔고딕 Light" pitchFamily="50" charset="-127"/>
+              <a:ea typeface="나눔고딕 Light" pitchFamily="50" charset="-127"/>
+            </a:endParaRPr>
+          </a:p>
+          <a:p>
+            <a:pPr marL="285750" indent="-285750" fontAlgn="base">
+              <a:lnSpc>
+                <a:spcPct val="150000"/>
+              </a:lnSpc>
+              <a:buFontTx/>
+              <a:buChar char="-"/>
+            </a:pPr>
+            <a:r>
+              <a:rPr lang="en-US" altLang="ko-KR" dirty="0" smtClean="0">
+                <a:latin typeface="나눔고딕 Light" pitchFamily="50" charset="-127"/>
+                <a:ea typeface="나눔고딕 Light" pitchFamily="50" charset="-127"/>
+              </a:rPr>
+              <a:t>5: </a:t>
+            </a:r>
+            <a:r>
+              <a:rPr lang="ko-KR" altLang="en-US" dirty="0" smtClean="0">
+                <a:latin typeface="나눔고딕 Light" pitchFamily="50" charset="-127"/>
+                <a:ea typeface="나눔고딕 Light" pitchFamily="50" charset="-127"/>
+              </a:rPr>
+              <a:t>추가바람</a:t>
+            </a:r>
+            <a:endParaRPr lang="en-US" altLang="ko-KR" dirty="0" smtClean="0">
+              <a:latin typeface="나눔고딕 Light" pitchFamily="50" charset="-127"/>
+              <a:ea typeface="나눔고딕 Light" pitchFamily="50" charset="-127"/>
+            </a:endParaRPr>
+          </a:p>
+          <a:p>
+            <a:pPr fontAlgn="base">
+              <a:lnSpc>
+                <a:spcPct val="120000"/>
+              </a:lnSpc>
+            </a:pPr>
+            <a:r>
+              <a:rPr lang="ko-KR" altLang="en-US" dirty="0" smtClean="0">
+                <a:latin typeface="나눔고딕 Light" pitchFamily="50" charset="-127"/>
+                <a:ea typeface="나눔고딕 Light" pitchFamily="50" charset="-127"/>
+              </a:rPr>
+              <a:t> </a:t>
+            </a:r>
+          </a:p>
+        </p:txBody>
+      </p:sp>
+    </p:spTree>
+    <p:extLst>
+      <p:ext uri="{BB962C8B-B14F-4D97-AF65-F5344CB8AC3E}">
+        <p14:creationId xmlns:p14="http://schemas.microsoft.com/office/powerpoint/2010/main" val="3997819259"/>
+      </p:ext>
+    </p:extLst>
+  </p:cSld>
+  <p:clrMapOvr>
+    <a:masterClrMapping/>
+  </p:clrMapOvr>
+  <p:timing>
+    <p:tnLst>
+      <p:par>
+        <p:cTn id="1" dur="indefinite" restart="never" nodeType="tmRoot"/>
+      </p:par>
+    </p:tnLst>
+  </p:timing>
+</p:sld>
+</file>
+
+<file path=ppt/slides/slide16.xml><?xml version="1.0" encoding="utf-8"?>
+<p:sld xmlns:a="http://schemas.openxmlformats.org/drawingml/2006/main" xmlns:r="http://schemas.openxmlformats.org/officeDocument/2006/relationships" xmlns:p="http://schemas.openxmlformats.org/presentationml/2006/main" show="0">
+  <p:cSld>
+    <p:spTree>
+      <p:nvGrpSpPr>
+        <p:cNvPr id="1" name=""/>
+        <p:cNvGrpSpPr/>
+        <p:nvPr/>
+      </p:nvGrpSpPr>
+      <p:grpSpPr>
+        <a:xfrm>
+          <a:off x="0" y="0"/>
+          <a:ext cx="0" cy="0"/>
+          <a:chOff x="0" y="0"/>
+          <a:chExt cx="0" cy="0"/>
+        </a:xfrm>
+      </p:grpSpPr>
+      <p:sp>
+        <p:nvSpPr>
+          <p:cNvPr id="4" name="직사각형 3"/>
+          <p:cNvSpPr/>
+          <p:nvPr/>
+        </p:nvSpPr>
+        <p:spPr>
+          <a:xfrm>
+            <a:off x="0" y="-16001"/>
+            <a:ext cx="1657350" cy="6238875"/>
+          </a:xfrm>
+          <a:prstGeom prst="rect">
+            <a:avLst/>
+          </a:prstGeom>
+          <a:solidFill>
+            <a:srgbClr val="EDD0BE"/>
+          </a:solidFill>
+          <a:ln>
+            <a:noFill/>
+          </a:ln>
+        </p:spPr>
+        <p:style>
+          <a:lnRef idx="2">
+            <a:schemeClr val="accent1">
+              <a:shade val="50000"/>
+            </a:schemeClr>
+          </a:lnRef>
+          <a:fillRef idx="1">
+            <a:schemeClr val="accent1"/>
+          </a:fillRef>
+          <a:effectRef idx="0">
+            <a:schemeClr val="accent1"/>
+          </a:effectRef>
+          <a:fontRef idx="minor">
+            <a:schemeClr val="lt1"/>
+          </a:fontRef>
+        </p:style>
+        <p:txBody>
+          <a:bodyPr rtlCol="0" anchor="ctr"/>
+          <a:lstStyle/>
+          <a:p>
+            <a:pPr algn="ctr"/>
+            <a:endParaRPr lang="ko-KR" altLang="en-US" dirty="0">
+              <a:latin typeface="나눔고딕 Light" pitchFamily="50" charset="-127"/>
+              <a:ea typeface="나눔고딕 Light" pitchFamily="50" charset="-127"/>
+            </a:endParaRPr>
+          </a:p>
+        </p:txBody>
+      </p:sp>
+      <p:sp>
+        <p:nvSpPr>
+          <p:cNvPr id="5" name="TextBox 7"/>
+          <p:cNvSpPr txBox="1">
+            <a:spLocks noChangeArrowheads="1"/>
+          </p:cNvSpPr>
+          <p:nvPr/>
+        </p:nvSpPr>
+        <p:spPr bwMode="auto">
+          <a:xfrm>
+            <a:off x="2406377" y="608585"/>
+            <a:ext cx="4352674" cy="649280"/>
+          </a:xfrm>
+          <a:prstGeom prst="rect">
+            <a:avLst/>
+          </a:prstGeom>
+          <a:noFill/>
+          <a:ln>
+            <a:noFill/>
+          </a:ln>
+          <a:extLst>
+            <a:ext uri="{909E8E84-426E-40DD-AFC4-6F175D3DCCD1}">
+              <a14:hiddenFill xmlns:a14="http://schemas.microsoft.com/office/drawing/2010/main">
+                <a:solidFill>
+                  <a:srgbClr val="FFFFFF"/>
+                </a:solidFill>
+              </a14:hiddenFill>
+            </a:ext>
+            <a:ext uri="{91240B29-F687-4F45-9708-019B960494DF}">
+              <a14:hiddenLine xmlns:a14="http://schemas.microsoft.com/office/drawing/2010/main" w="9525">
+                <a:solidFill>
+                  <a:srgbClr val="000000"/>
+                </a:solidFill>
+                <a:miter lim="800000"/>
+                <a:headEnd/>
+                <a:tailEnd/>
+              </a14:hiddenLine>
+            </a:ext>
+          </a:extLst>
+        </p:spPr>
+        <p:txBody>
+          <a:bodyPr wrap="square">
+            <a:spAutoFit/>
+          </a:bodyPr>
+          <a:lstStyle>
+            <a:lvl1pPr>
+              <a:defRPr sz="3600">
+                <a:solidFill>
+                  <a:schemeClr val="tx1"/>
+                </a:solidFill>
+                <a:latin typeface="Lato Light" pitchFamily="34" charset="0"/>
+              </a:defRPr>
+            </a:lvl1pPr>
+            <a:lvl2pPr marL="742950" indent="-285750">
+              <a:defRPr sz="3600">
+                <a:solidFill>
+                  <a:schemeClr val="tx1"/>
+                </a:solidFill>
+                <a:latin typeface="Lato Light" pitchFamily="34" charset="0"/>
+              </a:defRPr>
+            </a:lvl2pPr>
+            <a:lvl3pPr marL="1143000" indent="-228600">
+              <a:defRPr sz="3600">
+                <a:solidFill>
+                  <a:schemeClr val="tx1"/>
+                </a:solidFill>
+                <a:latin typeface="Lato Light" pitchFamily="34" charset="0"/>
+              </a:defRPr>
+            </a:lvl3pPr>
+            <a:lvl4pPr marL="1600200" indent="-228600">
+              <a:defRPr sz="3600">
+                <a:solidFill>
+                  <a:schemeClr val="tx1"/>
+                </a:solidFill>
+                <a:latin typeface="Lato Light" pitchFamily="34" charset="0"/>
+              </a:defRPr>
+            </a:lvl4pPr>
+            <a:lvl5pPr marL="2057400" indent="-228600">
+              <a:defRPr sz="3600">
+                <a:solidFill>
+                  <a:schemeClr val="tx1"/>
+                </a:solidFill>
+                <a:latin typeface="Lato Light" pitchFamily="34" charset="0"/>
+              </a:defRPr>
+            </a:lvl5pPr>
+            <a:lvl6pPr marL="2514600" indent="-228600" defTabSz="1827213" fontAlgn="base">
+              <a:spcBef>
+                <a:spcPct val="0"/>
+              </a:spcBef>
+              <a:spcAft>
+                <a:spcPct val="0"/>
+              </a:spcAft>
+              <a:defRPr sz="3600">
+                <a:solidFill>
+                  <a:schemeClr val="tx1"/>
+                </a:solidFill>
+                <a:latin typeface="Lato Light" pitchFamily="34" charset="0"/>
+              </a:defRPr>
+            </a:lvl6pPr>
+            <a:lvl7pPr marL="2971800" indent="-228600" defTabSz="1827213" fontAlgn="base">
+              <a:spcBef>
+                <a:spcPct val="0"/>
+              </a:spcBef>
+              <a:spcAft>
+                <a:spcPct val="0"/>
+              </a:spcAft>
+              <a:defRPr sz="3600">
+                <a:solidFill>
+                  <a:schemeClr val="tx1"/>
+                </a:solidFill>
+                <a:latin typeface="Lato Light" pitchFamily="34" charset="0"/>
+              </a:defRPr>
+            </a:lvl7pPr>
+            <a:lvl8pPr marL="3429000" indent="-228600" defTabSz="1827213" fontAlgn="base">
+              <a:spcBef>
+                <a:spcPct val="0"/>
+              </a:spcBef>
+              <a:spcAft>
+                <a:spcPct val="0"/>
+              </a:spcAft>
+              <a:defRPr sz="3600">
+                <a:solidFill>
+                  <a:schemeClr val="tx1"/>
+                </a:solidFill>
+                <a:latin typeface="Lato Light" pitchFamily="34" charset="0"/>
+              </a:defRPr>
+            </a:lvl8pPr>
+            <a:lvl9pPr marL="3886200" indent="-228600" defTabSz="1827213" fontAlgn="base">
+              <a:spcBef>
+                <a:spcPct val="0"/>
+              </a:spcBef>
+              <a:spcAft>
+                <a:spcPct val="0"/>
+              </a:spcAft>
+              <a:defRPr sz="3600">
+                <a:solidFill>
+                  <a:schemeClr val="tx1"/>
+                </a:solidFill>
+                <a:latin typeface="Lato Light" pitchFamily="34" charset="0"/>
+              </a:defRPr>
+            </a:lvl9pPr>
+          </a:lstStyle>
+          <a:p>
+            <a:pPr eaLnBrk="1" hangingPunct="1">
+              <a:lnSpc>
+                <a:spcPct val="150000"/>
+              </a:lnSpc>
+            </a:pPr>
+            <a:r>
+              <a:rPr lang="ko-KR" altLang="en-US" sz="2800" b="1" dirty="0" smtClean="0">
+                <a:latin typeface="나눔스퀘어 Bold" panose="020B0600000101010101" pitchFamily="50" charset="-127"/>
+                <a:ea typeface="나눔스퀘어 Bold" panose="020B0600000101010101" pitchFamily="50" charset="-127"/>
+                <a:cs typeface="Calibri" panose="020F0502020204030204" pitchFamily="34" charset="0"/>
+              </a:rPr>
+              <a:t>사용 도구</a:t>
+            </a:r>
+            <a:endParaRPr lang="ru-RU" altLang="ko-KR" sz="2800" b="1" dirty="0">
+              <a:latin typeface="나눔스퀘어 Bold" panose="020B0600000101010101" pitchFamily="50" charset="-127"/>
+              <a:ea typeface="나눔스퀘어 Bold" panose="020B0600000101010101" pitchFamily="50" charset="-127"/>
+              <a:cs typeface="Calibri" panose="020F0502020204030204" pitchFamily="34" charset="0"/>
+            </a:endParaRPr>
+          </a:p>
+        </p:txBody>
+      </p:sp>
+      <p:grpSp>
+        <p:nvGrpSpPr>
+          <p:cNvPr id="11" name="Group 392"/>
+          <p:cNvGrpSpPr/>
+          <p:nvPr/>
+        </p:nvGrpSpPr>
+        <p:grpSpPr>
+          <a:xfrm>
+            <a:off x="2469103" y="1587290"/>
+            <a:ext cx="8675147" cy="127210"/>
+            <a:chOff x="0" y="0"/>
+            <a:chExt cx="11657498" cy="0"/>
+          </a:xfrm>
+        </p:grpSpPr>
+        <p:sp>
+          <p:nvSpPr>
+            <p:cNvPr id="12" name="Shape 390"/>
+            <p:cNvSpPr/>
+            <p:nvPr/>
+          </p:nvSpPr>
+          <p:spPr>
+            <a:xfrm>
+              <a:off x="0" y="0"/>
+              <a:ext cx="11657498" cy="0"/>
+            </a:xfrm>
+            <a:prstGeom prst="line">
+              <a:avLst/>
+            </a:prstGeom>
+            <a:noFill/>
+            <a:ln w="25400" cap="flat">
+              <a:solidFill>
+                <a:srgbClr val="E5E5E5"/>
+              </a:solidFill>
+              <a:prstDash val="solid"/>
+              <a:miter lim="400000"/>
+            </a:ln>
+            <a:effectLst/>
+          </p:spPr>
+          <p:txBody>
+            <a:bodyPr wrap="square" lIns="38100" tIns="38100" rIns="38100" bIns="38100" numCol="1" anchor="ctr">
+              <a:noAutofit/>
+            </a:bodyPr>
+            <a:lstStyle/>
+            <a:p>
+              <a:pPr algn="ctr">
+                <a:defRPr sz="3000">
+                  <a:solidFill>
+                    <a:srgbClr val="000000"/>
+                  </a:solidFill>
+                  <a:latin typeface="Helvetica Light"/>
+                  <a:ea typeface="Helvetica Light"/>
+                  <a:cs typeface="Helvetica Light"/>
+                  <a:sym typeface="Helvetica Light"/>
+                </a:defRPr>
+              </a:pPr>
+              <a:endParaRPr/>
+            </a:p>
+          </p:txBody>
+        </p:sp>
+        <p:sp>
+          <p:nvSpPr>
+            <p:cNvPr id="13" name="Shape 391"/>
+            <p:cNvSpPr/>
+            <p:nvPr/>
+          </p:nvSpPr>
+          <p:spPr>
+            <a:xfrm>
+              <a:off x="12700" y="0"/>
+              <a:ext cx="1456385" cy="0"/>
+            </a:xfrm>
+            <a:prstGeom prst="line">
+              <a:avLst/>
+            </a:prstGeom>
+            <a:noFill/>
+            <a:ln w="25400" cap="flat">
+              <a:solidFill>
+                <a:srgbClr val="000000"/>
+              </a:solidFill>
+              <a:prstDash val="solid"/>
+              <a:miter lim="400000"/>
+            </a:ln>
+            <a:effectLst/>
+          </p:spPr>
+          <p:txBody>
+            <a:bodyPr wrap="square" lIns="38100" tIns="38100" rIns="38100" bIns="38100" numCol="1" anchor="ctr">
+              <a:noAutofit/>
+            </a:bodyPr>
+            <a:lstStyle/>
+            <a:p>
+              <a:pPr algn="ctr">
+                <a:defRPr sz="3000">
+                  <a:solidFill>
+                    <a:srgbClr val="000000"/>
+                  </a:solidFill>
+                  <a:latin typeface="Helvetica Light"/>
+                  <a:ea typeface="Helvetica Light"/>
+                  <a:cs typeface="Helvetica Light"/>
+                  <a:sym typeface="Helvetica Light"/>
+                </a:defRPr>
+              </a:pPr>
+              <a:endParaRPr/>
+            </a:p>
+          </p:txBody>
+        </p:sp>
+      </p:grpSp>
+      <p:graphicFrame>
+        <p:nvGraphicFramePr>
+          <p:cNvPr id="2" name="표 1"/>
+          <p:cNvGraphicFramePr>
+            <a:graphicFrameLocks noGrp="1"/>
+          </p:cNvGraphicFramePr>
+          <p:nvPr>
+            <p:extLst>
+              <p:ext uri="{D42A27DB-BD31-4B8C-83A1-F6EECF244321}">
+                <p14:modId xmlns:p14="http://schemas.microsoft.com/office/powerpoint/2010/main" val="2487851740"/>
+              </p:ext>
+            </p:extLst>
+          </p:nvPr>
+        </p:nvGraphicFramePr>
+        <p:xfrm>
+          <a:off x="2742676" y="1797820"/>
+          <a:ext cx="8128000" cy="4661168"/>
+        </p:xfrm>
+        <a:graphic>
+          <a:graphicData uri="http://schemas.openxmlformats.org/drawingml/2006/table">
+            <a:tbl>
+              <a:tblPr firstRow="1" bandRow="1">
+                <a:tableStyleId>{5C22544A-7EE6-4342-B048-85BDC9FD1C3A}</a:tableStyleId>
+              </a:tblPr>
+              <a:tblGrid>
+                <a:gridCol w="4064000">
+                  <a:extLst>
+                    <a:ext uri="{9D8B030D-6E8A-4147-A177-3AD203B41FA5}">
+                      <a16:colId xmlns:a16="http://schemas.microsoft.com/office/drawing/2014/main" val="1706536396"/>
+                    </a:ext>
+                  </a:extLst>
+                </a:gridCol>
+                <a:gridCol w="4064000">
+                  <a:extLst>
+                    <a:ext uri="{9D8B030D-6E8A-4147-A177-3AD203B41FA5}">
+                      <a16:colId xmlns:a16="http://schemas.microsoft.com/office/drawing/2014/main" val="180925292"/>
+                    </a:ext>
+                  </a:extLst>
+                </a:gridCol>
+              </a:tblGrid>
+              <a:tr h="582646">
+                <a:tc>
+                  <a:txBody>
+                    <a:bodyPr/>
+                    <a:lstStyle/>
+                    <a:p>
+                      <a:pPr latinLnBrk="1"/>
+                      <a:endParaRPr lang="ko-KR" altLang="en-US" dirty="0"/>
+                    </a:p>
+                  </a:txBody>
+                  <a:tcPr/>
+                </a:tc>
+                <a:tc>
+                  <a:txBody>
+                    <a:bodyPr/>
+                    <a:lstStyle/>
+                    <a:p>
+                      <a:pPr latinLnBrk="1"/>
+                      <a:endParaRPr lang="ko-KR" altLang="en-US" dirty="0"/>
+                    </a:p>
+                  </a:txBody>
+                  <a:tcPr/>
+                </a:tc>
+                <a:extLst>
+                  <a:ext uri="{0D108BD9-81ED-4DB2-BD59-A6C34878D82A}">
+                    <a16:rowId xmlns:a16="http://schemas.microsoft.com/office/drawing/2014/main" val="120179758"/>
+                  </a:ext>
+                </a:extLst>
+              </a:tr>
+              <a:tr h="582646">
+                <a:tc>
+                  <a:txBody>
+                    <a:bodyPr/>
+                    <a:lstStyle/>
+                    <a:p>
+                      <a:pPr latinLnBrk="1"/>
+                      <a:endParaRPr lang="ko-KR" altLang="en-US" dirty="0"/>
+                    </a:p>
+                  </a:txBody>
+                  <a:tcPr/>
+                </a:tc>
+                <a:tc>
+                  <a:txBody>
+                    <a:bodyPr/>
+                    <a:lstStyle/>
+                    <a:p>
+                      <a:pPr latinLnBrk="1"/>
+                      <a:r>
+                        <a:rPr lang="en-US" altLang="ko-KR" dirty="0" smtClean="0"/>
+                        <a:t>Python</a:t>
+                      </a:r>
+                      <a:r>
+                        <a:rPr lang="en-US" altLang="ko-KR" baseline="0" dirty="0" smtClean="0"/>
+                        <a:t> 3.6</a:t>
+                      </a:r>
+                      <a:endParaRPr lang="ko-KR" altLang="en-US" dirty="0"/>
+                    </a:p>
+                  </a:txBody>
+                  <a:tcPr/>
+                </a:tc>
+                <a:extLst>
+                  <a:ext uri="{0D108BD9-81ED-4DB2-BD59-A6C34878D82A}">
+                    <a16:rowId xmlns:a16="http://schemas.microsoft.com/office/drawing/2014/main" val="2157843232"/>
+                  </a:ext>
+                </a:extLst>
+              </a:tr>
+              <a:tr h="582646">
+                <a:tc>
+                  <a:txBody>
+                    <a:bodyPr/>
+                    <a:lstStyle/>
+                    <a:p>
+                      <a:pPr latinLnBrk="1"/>
+                      <a:endParaRPr lang="ko-KR" altLang="en-US"/>
+                    </a:p>
+                  </a:txBody>
+                  <a:tcPr/>
+                </a:tc>
+                <a:tc>
+                  <a:txBody>
+                    <a:bodyPr/>
+                    <a:lstStyle/>
+                    <a:p>
+                      <a:pPr latinLnBrk="1"/>
+                      <a:r>
+                        <a:rPr lang="en-US" altLang="ko-KR" dirty="0" err="1" smtClean="0"/>
+                        <a:t>opencv</a:t>
+                      </a:r>
+                      <a:endParaRPr lang="ko-KR" altLang="en-US" dirty="0"/>
+                    </a:p>
+                  </a:txBody>
+                  <a:tcPr/>
+                </a:tc>
+                <a:extLst>
+                  <a:ext uri="{0D108BD9-81ED-4DB2-BD59-A6C34878D82A}">
+                    <a16:rowId xmlns:a16="http://schemas.microsoft.com/office/drawing/2014/main" val="3478002515"/>
+                  </a:ext>
+                </a:extLst>
+              </a:tr>
+              <a:tr h="582646">
+                <a:tc>
+                  <a:txBody>
+                    <a:bodyPr/>
+                    <a:lstStyle/>
+                    <a:p>
+                      <a:pPr latinLnBrk="1"/>
+                      <a:endParaRPr lang="ko-KR" altLang="en-US"/>
+                    </a:p>
+                  </a:txBody>
+                  <a:tcPr/>
+                </a:tc>
+                <a:tc>
+                  <a:txBody>
+                    <a:bodyPr/>
+                    <a:lstStyle/>
+                    <a:p>
+                      <a:pPr latinLnBrk="1"/>
+                      <a:endParaRPr lang="ko-KR" altLang="en-US" dirty="0"/>
+                    </a:p>
+                  </a:txBody>
+                  <a:tcPr/>
+                </a:tc>
+                <a:extLst>
+                  <a:ext uri="{0D108BD9-81ED-4DB2-BD59-A6C34878D82A}">
+                    <a16:rowId xmlns:a16="http://schemas.microsoft.com/office/drawing/2014/main" val="1173269682"/>
+                  </a:ext>
+                </a:extLst>
+              </a:tr>
+              <a:tr h="582646">
+                <a:tc>
+                  <a:txBody>
+                    <a:bodyPr/>
+                    <a:lstStyle/>
+                    <a:p>
+                      <a:pPr latinLnBrk="1"/>
+                      <a:endParaRPr lang="ko-KR" altLang="en-US"/>
+                    </a:p>
+                  </a:txBody>
+                  <a:tcPr/>
+                </a:tc>
+                <a:tc>
+                  <a:txBody>
+                    <a:bodyPr/>
+                    <a:lstStyle/>
+                    <a:p>
+                      <a:pPr latinLnBrk="1"/>
+                      <a:endParaRPr lang="ko-KR" altLang="en-US"/>
+                    </a:p>
+                  </a:txBody>
+                  <a:tcPr/>
+                </a:tc>
+                <a:extLst>
+                  <a:ext uri="{0D108BD9-81ED-4DB2-BD59-A6C34878D82A}">
+                    <a16:rowId xmlns:a16="http://schemas.microsoft.com/office/drawing/2014/main" val="1666862093"/>
+                  </a:ext>
+                </a:extLst>
+              </a:tr>
+              <a:tr h="582646">
+                <a:tc>
+                  <a:txBody>
+                    <a:bodyPr/>
+                    <a:lstStyle/>
+                    <a:p>
+                      <a:pPr latinLnBrk="1"/>
+                      <a:endParaRPr lang="ko-KR" altLang="en-US"/>
+                    </a:p>
+                  </a:txBody>
+                  <a:tcPr/>
+                </a:tc>
+                <a:tc>
+                  <a:txBody>
+                    <a:bodyPr/>
+                    <a:lstStyle/>
+                    <a:p>
+                      <a:pPr latinLnBrk="1"/>
+                      <a:endParaRPr lang="ko-KR" altLang="en-US"/>
+                    </a:p>
+                  </a:txBody>
+                  <a:tcPr/>
+                </a:tc>
+                <a:extLst>
+                  <a:ext uri="{0D108BD9-81ED-4DB2-BD59-A6C34878D82A}">
+                    <a16:rowId xmlns:a16="http://schemas.microsoft.com/office/drawing/2014/main" val="639746645"/>
+                  </a:ext>
+                </a:extLst>
+              </a:tr>
+              <a:tr h="582646">
+                <a:tc>
+                  <a:txBody>
+                    <a:bodyPr/>
+                    <a:lstStyle/>
+                    <a:p>
+                      <a:pPr latinLnBrk="1"/>
+                      <a:endParaRPr lang="ko-KR" altLang="en-US"/>
+                    </a:p>
+                  </a:txBody>
+                  <a:tcPr/>
+                </a:tc>
+                <a:tc>
+                  <a:txBody>
+                    <a:bodyPr/>
+                    <a:lstStyle/>
+                    <a:p>
+                      <a:pPr latinLnBrk="1"/>
+                      <a:endParaRPr lang="ko-KR" altLang="en-US"/>
+                    </a:p>
+                  </a:txBody>
+                  <a:tcPr/>
+                </a:tc>
+                <a:extLst>
+                  <a:ext uri="{0D108BD9-81ED-4DB2-BD59-A6C34878D82A}">
+                    <a16:rowId xmlns:a16="http://schemas.microsoft.com/office/drawing/2014/main" val="3271477911"/>
+                  </a:ext>
+                </a:extLst>
+              </a:tr>
+              <a:tr h="582646">
+                <a:tc>
+                  <a:txBody>
+                    <a:bodyPr/>
+                    <a:lstStyle/>
+                    <a:p>
+                      <a:pPr latinLnBrk="1"/>
+                      <a:endParaRPr lang="ko-KR" altLang="en-US"/>
+                    </a:p>
+                  </a:txBody>
+                  <a:tcPr/>
+                </a:tc>
+                <a:tc>
+                  <a:txBody>
+                    <a:bodyPr/>
+                    <a:lstStyle/>
+                    <a:p>
+                      <a:pPr latinLnBrk="1"/>
+                      <a:endParaRPr lang="ko-KR" altLang="en-US" dirty="0"/>
+                    </a:p>
+                  </a:txBody>
+                  <a:tcPr/>
+                </a:tc>
+                <a:extLst>
+                  <a:ext uri="{0D108BD9-81ED-4DB2-BD59-A6C34878D82A}">
+                    <a16:rowId xmlns:a16="http://schemas.microsoft.com/office/drawing/2014/main" val="3060747583"/>
+                  </a:ext>
+                </a:extLst>
+              </a:tr>
+            </a:tbl>
+          </a:graphicData>
+        </a:graphic>
+      </p:graphicFrame>
+    </p:spTree>
+    <p:extLst>
+      <p:ext uri="{BB962C8B-B14F-4D97-AF65-F5344CB8AC3E}">
+        <p14:creationId xmlns:p14="http://schemas.microsoft.com/office/powerpoint/2010/main" val="2307443884"/>
+      </p:ext>
+    </p:extLst>
+  </p:cSld>
+  <p:clrMapOvr>
+    <a:masterClrMapping/>
+  </p:clrMapOvr>
+  <mc:AlternateContent xmlns:mc="http://schemas.openxmlformats.org/markup-compatibility/2006" xmlns:p14="http://schemas.microsoft.com/office/powerpoint/2010/main">
+    <mc:Choice Requires="p14">
       <p:transition spd="slow" p14:dur="2000"/>
     </mc:Choice>
-    <mc:Fallback>
+    <mc:Fallback xmlns="">
       <p:transition spd="slow"/>
     </mc:Fallback>
   </mc:AlternateContent>
@@ -6374,7 +8300,2258 @@
 </p:sld>
 </file>
 
-<file path=ppt/slides/slide14.xml><?xml version="1.0" encoding="utf-8"?>
+<file path=ppt/slides/slide17.xml><?xml version="1.0" encoding="utf-8"?>
+<p:sld xmlns:a="http://schemas.openxmlformats.org/drawingml/2006/main" xmlns:r="http://schemas.openxmlformats.org/officeDocument/2006/relationships" xmlns:p="http://schemas.openxmlformats.org/presentationml/2006/main" show="0">
+  <p:cSld>
+    <p:spTree>
+      <p:nvGrpSpPr>
+        <p:cNvPr id="1" name=""/>
+        <p:cNvGrpSpPr/>
+        <p:nvPr/>
+      </p:nvGrpSpPr>
+      <p:grpSpPr>
+        <a:xfrm>
+          <a:off x="0" y="0"/>
+          <a:ext cx="0" cy="0"/>
+          <a:chOff x="0" y="0"/>
+          <a:chExt cx="0" cy="0"/>
+        </a:xfrm>
+      </p:grpSpPr>
+      <p:sp>
+        <p:nvSpPr>
+          <p:cNvPr id="4" name="직사각형 3"/>
+          <p:cNvSpPr/>
+          <p:nvPr/>
+        </p:nvSpPr>
+        <p:spPr>
+          <a:xfrm>
+            <a:off x="0" y="0"/>
+            <a:ext cx="1657350" cy="6238875"/>
+          </a:xfrm>
+          <a:prstGeom prst="rect">
+            <a:avLst/>
+          </a:prstGeom>
+          <a:solidFill>
+            <a:srgbClr val="EDD0BE"/>
+          </a:solidFill>
+          <a:ln>
+            <a:noFill/>
+          </a:ln>
+        </p:spPr>
+        <p:style>
+          <a:lnRef idx="2">
+            <a:schemeClr val="accent1">
+              <a:shade val="50000"/>
+            </a:schemeClr>
+          </a:lnRef>
+          <a:fillRef idx="1">
+            <a:schemeClr val="accent1"/>
+          </a:fillRef>
+          <a:effectRef idx="0">
+            <a:schemeClr val="accent1"/>
+          </a:effectRef>
+          <a:fontRef idx="minor">
+            <a:schemeClr val="lt1"/>
+          </a:fontRef>
+        </p:style>
+        <p:txBody>
+          <a:bodyPr rtlCol="0" anchor="ctr"/>
+          <a:lstStyle/>
+          <a:p>
+            <a:pPr algn="ctr"/>
+            <a:endParaRPr lang="ko-KR" altLang="en-US" dirty="0">
+              <a:latin typeface="나눔고딕 Light" pitchFamily="50" charset="-127"/>
+              <a:ea typeface="나눔고딕 Light" pitchFamily="50" charset="-127"/>
+            </a:endParaRPr>
+          </a:p>
+        </p:txBody>
+      </p:sp>
+      <p:sp>
+        <p:nvSpPr>
+          <p:cNvPr id="5" name="TextBox 7"/>
+          <p:cNvSpPr txBox="1">
+            <a:spLocks noChangeArrowheads="1"/>
+          </p:cNvSpPr>
+          <p:nvPr/>
+        </p:nvSpPr>
+        <p:spPr bwMode="auto">
+          <a:xfrm>
+            <a:off x="2406377" y="608585"/>
+            <a:ext cx="4352674" cy="649280"/>
+          </a:xfrm>
+          <a:prstGeom prst="rect">
+            <a:avLst/>
+          </a:prstGeom>
+          <a:noFill/>
+          <a:ln>
+            <a:noFill/>
+          </a:ln>
+          <a:extLst>
+            <a:ext uri="{909E8E84-426E-40DD-AFC4-6F175D3DCCD1}">
+              <a14:hiddenFill xmlns:a14="http://schemas.microsoft.com/office/drawing/2010/main">
+                <a:solidFill>
+                  <a:srgbClr val="FFFFFF"/>
+                </a:solidFill>
+              </a14:hiddenFill>
+            </a:ext>
+            <a:ext uri="{91240B29-F687-4F45-9708-019B960494DF}">
+              <a14:hiddenLine xmlns:a14="http://schemas.microsoft.com/office/drawing/2010/main" w="9525">
+                <a:solidFill>
+                  <a:srgbClr val="000000"/>
+                </a:solidFill>
+                <a:miter lim="800000"/>
+                <a:headEnd/>
+                <a:tailEnd/>
+              </a14:hiddenLine>
+            </a:ext>
+          </a:extLst>
+        </p:spPr>
+        <p:txBody>
+          <a:bodyPr wrap="square">
+            <a:spAutoFit/>
+          </a:bodyPr>
+          <a:lstStyle>
+            <a:lvl1pPr>
+              <a:defRPr sz="3600">
+                <a:solidFill>
+                  <a:schemeClr val="tx1"/>
+                </a:solidFill>
+                <a:latin typeface="Lato Light" pitchFamily="34" charset="0"/>
+              </a:defRPr>
+            </a:lvl1pPr>
+            <a:lvl2pPr marL="742950" indent="-285750">
+              <a:defRPr sz="3600">
+                <a:solidFill>
+                  <a:schemeClr val="tx1"/>
+                </a:solidFill>
+                <a:latin typeface="Lato Light" pitchFamily="34" charset="0"/>
+              </a:defRPr>
+            </a:lvl2pPr>
+            <a:lvl3pPr marL="1143000" indent="-228600">
+              <a:defRPr sz="3600">
+                <a:solidFill>
+                  <a:schemeClr val="tx1"/>
+                </a:solidFill>
+                <a:latin typeface="Lato Light" pitchFamily="34" charset="0"/>
+              </a:defRPr>
+            </a:lvl3pPr>
+            <a:lvl4pPr marL="1600200" indent="-228600">
+              <a:defRPr sz="3600">
+                <a:solidFill>
+                  <a:schemeClr val="tx1"/>
+                </a:solidFill>
+                <a:latin typeface="Lato Light" pitchFamily="34" charset="0"/>
+              </a:defRPr>
+            </a:lvl4pPr>
+            <a:lvl5pPr marL="2057400" indent="-228600">
+              <a:defRPr sz="3600">
+                <a:solidFill>
+                  <a:schemeClr val="tx1"/>
+                </a:solidFill>
+                <a:latin typeface="Lato Light" pitchFamily="34" charset="0"/>
+              </a:defRPr>
+            </a:lvl5pPr>
+            <a:lvl6pPr marL="2514600" indent="-228600" defTabSz="1827213" fontAlgn="base">
+              <a:spcBef>
+                <a:spcPct val="0"/>
+              </a:spcBef>
+              <a:spcAft>
+                <a:spcPct val="0"/>
+              </a:spcAft>
+              <a:defRPr sz="3600">
+                <a:solidFill>
+                  <a:schemeClr val="tx1"/>
+                </a:solidFill>
+                <a:latin typeface="Lato Light" pitchFamily="34" charset="0"/>
+              </a:defRPr>
+            </a:lvl6pPr>
+            <a:lvl7pPr marL="2971800" indent="-228600" defTabSz="1827213" fontAlgn="base">
+              <a:spcBef>
+                <a:spcPct val="0"/>
+              </a:spcBef>
+              <a:spcAft>
+                <a:spcPct val="0"/>
+              </a:spcAft>
+              <a:defRPr sz="3600">
+                <a:solidFill>
+                  <a:schemeClr val="tx1"/>
+                </a:solidFill>
+                <a:latin typeface="Lato Light" pitchFamily="34" charset="0"/>
+              </a:defRPr>
+            </a:lvl7pPr>
+            <a:lvl8pPr marL="3429000" indent="-228600" defTabSz="1827213" fontAlgn="base">
+              <a:spcBef>
+                <a:spcPct val="0"/>
+              </a:spcBef>
+              <a:spcAft>
+                <a:spcPct val="0"/>
+              </a:spcAft>
+              <a:defRPr sz="3600">
+                <a:solidFill>
+                  <a:schemeClr val="tx1"/>
+                </a:solidFill>
+                <a:latin typeface="Lato Light" pitchFamily="34" charset="0"/>
+              </a:defRPr>
+            </a:lvl8pPr>
+            <a:lvl9pPr marL="3886200" indent="-228600" defTabSz="1827213" fontAlgn="base">
+              <a:spcBef>
+                <a:spcPct val="0"/>
+              </a:spcBef>
+              <a:spcAft>
+                <a:spcPct val="0"/>
+              </a:spcAft>
+              <a:defRPr sz="3600">
+                <a:solidFill>
+                  <a:schemeClr val="tx1"/>
+                </a:solidFill>
+                <a:latin typeface="Lato Light" pitchFamily="34" charset="0"/>
+              </a:defRPr>
+            </a:lvl9pPr>
+          </a:lstStyle>
+          <a:p>
+            <a:pPr eaLnBrk="1" hangingPunct="1">
+              <a:lnSpc>
+                <a:spcPct val="150000"/>
+              </a:lnSpc>
+            </a:pPr>
+            <a:r>
+              <a:rPr lang="ko-KR" altLang="en-US" sz="2800" b="1" dirty="0" smtClean="0">
+                <a:latin typeface="나눔스퀘어 Bold" panose="020B0600000101010101" pitchFamily="50" charset="-127"/>
+                <a:ea typeface="나눔스퀘어 Bold" panose="020B0600000101010101" pitchFamily="50" charset="-127"/>
+                <a:cs typeface="Calibri" panose="020F0502020204030204" pitchFamily="34" charset="0"/>
+              </a:rPr>
+              <a:t>데이터 </a:t>
+            </a:r>
+            <a:r>
+              <a:rPr lang="ko-KR" altLang="en-US" sz="2800" b="1" dirty="0" err="1" smtClean="0">
+                <a:latin typeface="나눔스퀘어 Bold" panose="020B0600000101010101" pitchFamily="50" charset="-127"/>
+                <a:ea typeface="나눔스퀘어 Bold" panose="020B0600000101010101" pitchFamily="50" charset="-127"/>
+                <a:cs typeface="Calibri" panose="020F0502020204030204" pitchFamily="34" charset="0"/>
+              </a:rPr>
+              <a:t>레이블링</a:t>
+            </a:r>
+            <a:endParaRPr lang="ru-RU" altLang="ko-KR" sz="2800" b="1" dirty="0">
+              <a:latin typeface="나눔스퀘어 Bold" panose="020B0600000101010101" pitchFamily="50" charset="-127"/>
+              <a:ea typeface="나눔스퀘어 Bold" panose="020B0600000101010101" pitchFamily="50" charset="-127"/>
+              <a:cs typeface="Calibri" panose="020F0502020204030204" pitchFamily="34" charset="0"/>
+            </a:endParaRPr>
+          </a:p>
+        </p:txBody>
+      </p:sp>
+      <p:grpSp>
+        <p:nvGrpSpPr>
+          <p:cNvPr id="11" name="Group 392"/>
+          <p:cNvGrpSpPr/>
+          <p:nvPr/>
+        </p:nvGrpSpPr>
+        <p:grpSpPr>
+          <a:xfrm>
+            <a:off x="2331462" y="1656810"/>
+            <a:ext cx="8675147" cy="127210"/>
+            <a:chOff x="0" y="0"/>
+            <a:chExt cx="11657498" cy="0"/>
+          </a:xfrm>
+        </p:grpSpPr>
+        <p:sp>
+          <p:nvSpPr>
+            <p:cNvPr id="12" name="Shape 390"/>
+            <p:cNvSpPr/>
+            <p:nvPr/>
+          </p:nvSpPr>
+          <p:spPr>
+            <a:xfrm>
+              <a:off x="0" y="0"/>
+              <a:ext cx="11657498" cy="0"/>
+            </a:xfrm>
+            <a:prstGeom prst="line">
+              <a:avLst/>
+            </a:prstGeom>
+            <a:noFill/>
+            <a:ln w="25400" cap="flat">
+              <a:solidFill>
+                <a:srgbClr val="E5E5E5"/>
+              </a:solidFill>
+              <a:prstDash val="solid"/>
+              <a:miter lim="400000"/>
+            </a:ln>
+            <a:effectLst/>
+          </p:spPr>
+          <p:txBody>
+            <a:bodyPr wrap="square" lIns="38100" tIns="38100" rIns="38100" bIns="38100" numCol="1" anchor="ctr">
+              <a:noAutofit/>
+            </a:bodyPr>
+            <a:lstStyle/>
+            <a:p>
+              <a:pPr algn="ctr">
+                <a:defRPr sz="3000">
+                  <a:solidFill>
+                    <a:srgbClr val="000000"/>
+                  </a:solidFill>
+                  <a:latin typeface="Helvetica Light"/>
+                  <a:ea typeface="Helvetica Light"/>
+                  <a:cs typeface="Helvetica Light"/>
+                  <a:sym typeface="Helvetica Light"/>
+                </a:defRPr>
+              </a:pPr>
+              <a:endParaRPr/>
+            </a:p>
+          </p:txBody>
+        </p:sp>
+        <p:sp>
+          <p:nvSpPr>
+            <p:cNvPr id="13" name="Shape 391"/>
+            <p:cNvSpPr/>
+            <p:nvPr/>
+          </p:nvSpPr>
+          <p:spPr>
+            <a:xfrm>
+              <a:off x="12700" y="0"/>
+              <a:ext cx="1456385" cy="0"/>
+            </a:xfrm>
+            <a:prstGeom prst="line">
+              <a:avLst/>
+            </a:prstGeom>
+            <a:noFill/>
+            <a:ln w="25400" cap="flat">
+              <a:solidFill>
+                <a:srgbClr val="000000"/>
+              </a:solidFill>
+              <a:prstDash val="solid"/>
+              <a:miter lim="400000"/>
+            </a:ln>
+            <a:effectLst/>
+          </p:spPr>
+          <p:txBody>
+            <a:bodyPr wrap="square" lIns="38100" tIns="38100" rIns="38100" bIns="38100" numCol="1" anchor="ctr">
+              <a:noAutofit/>
+            </a:bodyPr>
+            <a:lstStyle/>
+            <a:p>
+              <a:pPr algn="ctr">
+                <a:defRPr sz="3000">
+                  <a:solidFill>
+                    <a:srgbClr val="000000"/>
+                  </a:solidFill>
+                  <a:latin typeface="Helvetica Light"/>
+                  <a:ea typeface="Helvetica Light"/>
+                  <a:cs typeface="Helvetica Light"/>
+                  <a:sym typeface="Helvetica Light"/>
+                </a:defRPr>
+              </a:pPr>
+              <a:endParaRPr/>
+            </a:p>
+          </p:txBody>
+        </p:sp>
+      </p:grpSp>
+      <p:pic>
+        <p:nvPicPr>
+          <p:cNvPr id="3" name="그림 2"/>
+          <p:cNvPicPr>
+            <a:picLocks noChangeAspect="1"/>
+          </p:cNvPicPr>
+          <p:nvPr/>
+        </p:nvPicPr>
+        <p:blipFill>
+          <a:blip r:embed="rId2"/>
+          <a:stretch>
+            <a:fillRect/>
+          </a:stretch>
+        </p:blipFill>
+        <p:spPr>
+          <a:xfrm>
+            <a:off x="2298312" y="3027015"/>
+            <a:ext cx="1143606" cy="1143606"/>
+          </a:xfrm>
+          <a:prstGeom prst="rect">
+            <a:avLst/>
+          </a:prstGeom>
+        </p:spPr>
+      </p:pic>
+      <p:sp>
+        <p:nvSpPr>
+          <p:cNvPr id="7" name="오른쪽 화살표 6"/>
+          <p:cNvSpPr/>
+          <p:nvPr/>
+        </p:nvSpPr>
+        <p:spPr>
+          <a:xfrm>
+            <a:off x="4190945" y="3219760"/>
+            <a:ext cx="534416" cy="473825"/>
+          </a:xfrm>
+          <a:prstGeom prst="rightArrow">
+            <a:avLst/>
+          </a:prstGeom>
+        </p:spPr>
+        <p:style>
+          <a:lnRef idx="2">
+            <a:schemeClr val="accent1">
+              <a:shade val="50000"/>
+            </a:schemeClr>
+          </a:lnRef>
+          <a:fillRef idx="1">
+            <a:schemeClr val="accent1"/>
+          </a:fillRef>
+          <a:effectRef idx="0">
+            <a:schemeClr val="accent1"/>
+          </a:effectRef>
+          <a:fontRef idx="minor">
+            <a:schemeClr val="lt1"/>
+          </a:fontRef>
+        </p:style>
+        <p:txBody>
+          <a:bodyPr rtlCol="0" anchor="ctr"/>
+          <a:lstStyle/>
+          <a:p>
+            <a:pPr algn="ctr"/>
+            <a:endParaRPr lang="ko-KR" altLang="en-US"/>
+          </a:p>
+        </p:txBody>
+      </p:sp>
+      <p:sp>
+        <p:nvSpPr>
+          <p:cNvPr id="9" name="TextBox 8"/>
+          <p:cNvSpPr txBox="1"/>
+          <p:nvPr/>
+        </p:nvSpPr>
+        <p:spPr>
+          <a:xfrm>
+            <a:off x="3721493" y="3903436"/>
+            <a:ext cx="1716231" cy="646331"/>
+          </a:xfrm>
+          <a:prstGeom prst="rect">
+            <a:avLst/>
+          </a:prstGeom>
+          <a:noFill/>
+        </p:spPr>
+        <p:txBody>
+          <a:bodyPr wrap="square" rtlCol="0">
+            <a:spAutoFit/>
+          </a:bodyPr>
+          <a:lstStyle/>
+          <a:p>
+            <a:r>
+              <a:rPr lang="ko-KR" altLang="en-US" sz="1200" dirty="0" smtClean="0"/>
+              <a:t>네트워크를 이용해 </a:t>
+            </a:r>
+            <a:endParaRPr lang="en-US" altLang="ko-KR" sz="1200" dirty="0" smtClean="0"/>
+          </a:p>
+          <a:p>
+            <a:r>
+              <a:rPr lang="ko-KR" altLang="en-US" sz="1200" dirty="0" err="1" smtClean="0"/>
+              <a:t>직접만든</a:t>
+            </a:r>
+            <a:r>
+              <a:rPr lang="ko-KR" altLang="en-US" sz="1200" dirty="0" smtClean="0"/>
+              <a:t> 도로를 따라</a:t>
+            </a:r>
+            <a:endParaRPr lang="en-US" altLang="ko-KR" sz="1200" dirty="0" smtClean="0"/>
+          </a:p>
+          <a:p>
+            <a:r>
+              <a:rPr lang="ko-KR" altLang="en-US" sz="1200" dirty="0" smtClean="0"/>
+              <a:t>키보드로 </a:t>
+            </a:r>
+            <a:r>
+              <a:rPr lang="en-US" altLang="ko-KR" sz="1200" dirty="0" smtClean="0"/>
+              <a:t>RC</a:t>
+            </a:r>
+            <a:r>
+              <a:rPr lang="ko-KR" altLang="en-US" sz="1200" dirty="0" smtClean="0"/>
+              <a:t>카 조종</a:t>
+            </a:r>
+            <a:endParaRPr lang="ko-KR" altLang="en-US" sz="1200" dirty="0"/>
+          </a:p>
+        </p:txBody>
+      </p:sp>
+      <p:pic>
+        <p:nvPicPr>
+          <p:cNvPr id="14" name="그림 13"/>
+          <p:cNvPicPr>
+            <a:picLocks noChangeAspect="1"/>
+          </p:cNvPicPr>
+          <p:nvPr/>
+        </p:nvPicPr>
+        <p:blipFill>
+          <a:blip r:embed="rId3"/>
+          <a:stretch>
+            <a:fillRect/>
+          </a:stretch>
+        </p:blipFill>
+        <p:spPr>
+          <a:xfrm>
+            <a:off x="5555241" y="2880993"/>
+            <a:ext cx="2466975" cy="1847850"/>
+          </a:xfrm>
+          <a:prstGeom prst="rect">
+            <a:avLst/>
+          </a:prstGeom>
+        </p:spPr>
+      </p:pic>
+      <p:pic>
+        <p:nvPicPr>
+          <p:cNvPr id="6" name="그림 5"/>
+          <p:cNvPicPr>
+            <a:picLocks noChangeAspect="1"/>
+          </p:cNvPicPr>
+          <p:nvPr/>
+        </p:nvPicPr>
+        <p:blipFill>
+          <a:blip r:embed="rId4"/>
+          <a:stretch>
+            <a:fillRect/>
+          </a:stretch>
+        </p:blipFill>
+        <p:spPr>
+          <a:xfrm>
+            <a:off x="6001688" y="4023010"/>
+            <a:ext cx="681745" cy="542692"/>
+          </a:xfrm>
+          <a:prstGeom prst="rect">
+            <a:avLst/>
+          </a:prstGeom>
+        </p:spPr>
+      </p:pic>
+      <p:pic>
+        <p:nvPicPr>
+          <p:cNvPr id="10" name="Picture 2" descr="íì¼:external/www.raspberrypi.org/pi3.jpg"/>
+          <p:cNvPicPr>
+            <a:picLocks noChangeAspect="1" noChangeArrowheads="1"/>
+          </p:cNvPicPr>
+          <p:nvPr/>
+        </p:nvPicPr>
+        <p:blipFill>
+          <a:blip r:embed="rId5" cstate="print">
+            <a:extLst>
+              <a:ext uri="{28A0092B-C50C-407E-A947-70E740481C1C}">
+                <a14:useLocalDpi xmlns:a14="http://schemas.microsoft.com/office/drawing/2010/main" val="0"/>
+              </a:ext>
+            </a:extLst>
+          </a:blip>
+          <a:srcRect/>
+          <a:stretch>
+            <a:fillRect/>
+          </a:stretch>
+        </p:blipFill>
+        <p:spPr bwMode="auto">
+          <a:xfrm>
+            <a:off x="6001688" y="3606815"/>
+            <a:ext cx="681745" cy="454724"/>
+          </a:xfrm>
+          <a:prstGeom prst="rect">
+            <a:avLst/>
+          </a:prstGeom>
+          <a:noFill/>
+          <a:extLst>
+            <a:ext uri="{909E8E84-426E-40DD-AFC4-6F175D3DCCD1}">
+              <a14:hiddenFill xmlns:a14="http://schemas.microsoft.com/office/drawing/2010/main">
+                <a:solidFill>
+                  <a:srgbClr val="FFFFFF"/>
+                </a:solidFill>
+              </a14:hiddenFill>
+            </a:ext>
+          </a:extLst>
+        </p:spPr>
+      </p:pic>
+      <p:pic>
+        <p:nvPicPr>
+          <p:cNvPr id="15" name="그림 14"/>
+          <p:cNvPicPr>
+            <a:picLocks noChangeAspect="1"/>
+          </p:cNvPicPr>
+          <p:nvPr/>
+        </p:nvPicPr>
+        <p:blipFill>
+          <a:blip r:embed="rId6"/>
+          <a:stretch>
+            <a:fillRect/>
+          </a:stretch>
+        </p:blipFill>
+        <p:spPr>
+          <a:xfrm>
+            <a:off x="6621846" y="4050696"/>
+            <a:ext cx="515006" cy="515006"/>
+          </a:xfrm>
+          <a:prstGeom prst="rect">
+            <a:avLst/>
+          </a:prstGeom>
+        </p:spPr>
+      </p:pic>
+      <p:sp>
+        <p:nvSpPr>
+          <p:cNvPr id="16" name="오른쪽 화살표 15"/>
+          <p:cNvSpPr/>
+          <p:nvPr/>
+        </p:nvSpPr>
+        <p:spPr>
+          <a:xfrm>
+            <a:off x="8317680" y="3331093"/>
+            <a:ext cx="534416" cy="473825"/>
+          </a:xfrm>
+          <a:prstGeom prst="rightArrow">
+            <a:avLst/>
+          </a:prstGeom>
+        </p:spPr>
+        <p:style>
+          <a:lnRef idx="2">
+            <a:schemeClr val="accent1">
+              <a:shade val="50000"/>
+            </a:schemeClr>
+          </a:lnRef>
+          <a:fillRef idx="1">
+            <a:schemeClr val="accent1"/>
+          </a:fillRef>
+          <a:effectRef idx="0">
+            <a:schemeClr val="accent1"/>
+          </a:effectRef>
+          <a:fontRef idx="minor">
+            <a:schemeClr val="lt1"/>
+          </a:fontRef>
+        </p:style>
+        <p:txBody>
+          <a:bodyPr rtlCol="0" anchor="ctr"/>
+          <a:lstStyle/>
+          <a:p>
+            <a:pPr algn="ctr"/>
+            <a:endParaRPr lang="ko-KR" altLang="en-US"/>
+          </a:p>
+        </p:txBody>
+      </p:sp>
+      <p:sp>
+        <p:nvSpPr>
+          <p:cNvPr id="17" name="TextBox 16"/>
+          <p:cNvSpPr txBox="1"/>
+          <p:nvPr/>
+        </p:nvSpPr>
+        <p:spPr>
+          <a:xfrm>
+            <a:off x="8984225" y="3154958"/>
+            <a:ext cx="2537215" cy="1015663"/>
+          </a:xfrm>
+          <a:prstGeom prst="rect">
+            <a:avLst/>
+          </a:prstGeom>
+          <a:noFill/>
+        </p:spPr>
+        <p:txBody>
+          <a:bodyPr wrap="square" rtlCol="0">
+            <a:spAutoFit/>
+          </a:bodyPr>
+          <a:lstStyle/>
+          <a:p>
+            <a:pPr marL="228600" indent="-228600">
+              <a:buAutoNum type="arabicPeriod"/>
+            </a:pPr>
+            <a:r>
+              <a:rPr lang="en-US" altLang="ko-KR" sz="1200" dirty="0" smtClean="0"/>
+              <a:t>Pi camera</a:t>
+            </a:r>
+            <a:r>
+              <a:rPr lang="ko-KR" altLang="en-US" sz="1200" dirty="0" smtClean="0"/>
+              <a:t>가 실시간으로 사진을 찍고 이미지를 픽셀로 변환</a:t>
+            </a:r>
+            <a:endParaRPr lang="en-US" altLang="ko-KR" sz="1200" dirty="0" smtClean="0"/>
+          </a:p>
+          <a:p>
+            <a:pPr marL="228600" indent="-228600">
+              <a:buAutoNum type="arabicPeriod"/>
+            </a:pPr>
+            <a:r>
+              <a:rPr lang="ko-KR" altLang="en-US" sz="1200" dirty="0" smtClean="0"/>
+              <a:t>당시 </a:t>
+            </a:r>
+            <a:r>
+              <a:rPr lang="en-US" altLang="ko-KR" sz="1200" dirty="0" smtClean="0"/>
+              <a:t>RC</a:t>
+            </a:r>
+            <a:r>
+              <a:rPr lang="ko-KR" altLang="en-US" sz="1200" dirty="0" err="1" smtClean="0"/>
+              <a:t>카의</a:t>
+            </a:r>
+            <a:r>
+              <a:rPr lang="ko-KR" altLang="en-US" sz="1200" dirty="0" smtClean="0"/>
+              <a:t> </a:t>
+            </a:r>
+            <a:r>
+              <a:rPr lang="ko-KR" altLang="en-US" sz="1200" dirty="0" err="1" smtClean="0"/>
+              <a:t>주행방향</a:t>
+            </a:r>
+            <a:r>
+              <a:rPr lang="ko-KR" altLang="en-US" sz="1200" dirty="0" smtClean="0"/>
+              <a:t> 정보</a:t>
+            </a:r>
+            <a:r>
+              <a:rPr lang="en-US" altLang="ko-KR" sz="1200" dirty="0" smtClean="0"/>
+              <a:t>(</a:t>
+            </a:r>
+            <a:r>
+              <a:rPr lang="ko-KR" altLang="en-US" sz="1200" dirty="0" smtClean="0"/>
+              <a:t>키보드 </a:t>
+            </a:r>
+            <a:r>
+              <a:rPr lang="en-US" altLang="ko-KR" sz="1200" dirty="0" smtClean="0"/>
+              <a:t>: </a:t>
+            </a:r>
+            <a:r>
+              <a:rPr lang="ko-KR" altLang="en-US" sz="1200" dirty="0" smtClean="0"/>
+              <a:t>앞</a:t>
+            </a:r>
+            <a:r>
+              <a:rPr lang="en-US" altLang="ko-KR" sz="1200" dirty="0" smtClean="0"/>
+              <a:t>, </a:t>
+            </a:r>
+            <a:r>
+              <a:rPr lang="ko-KR" altLang="en-US" sz="1200" dirty="0" smtClean="0"/>
+              <a:t>뒤</a:t>
+            </a:r>
+            <a:r>
+              <a:rPr lang="en-US" altLang="ko-KR" sz="1200" dirty="0" smtClean="0"/>
+              <a:t>, </a:t>
+            </a:r>
+            <a:r>
+              <a:rPr lang="ko-KR" altLang="en-US" sz="1200" dirty="0" smtClean="0"/>
+              <a:t>왼</a:t>
+            </a:r>
+            <a:r>
+              <a:rPr lang="en-US" altLang="ko-KR" sz="1200" dirty="0" smtClean="0"/>
+              <a:t>, </a:t>
+            </a:r>
+            <a:r>
+              <a:rPr lang="ko-KR" altLang="en-US" sz="1200" dirty="0" smtClean="0"/>
+              <a:t>오</a:t>
+            </a:r>
+            <a:r>
+              <a:rPr lang="en-US" altLang="ko-KR" sz="1200" dirty="0" smtClean="0"/>
+              <a:t>)</a:t>
+            </a:r>
+            <a:r>
+              <a:rPr lang="ko-KR" altLang="en-US" sz="1200" dirty="0" smtClean="0"/>
+              <a:t>와 함께</a:t>
+            </a:r>
+            <a:endParaRPr lang="en-US" altLang="ko-KR" sz="1200" dirty="0" smtClean="0"/>
+          </a:p>
+          <a:p>
+            <a:r>
+              <a:rPr lang="en-US" altLang="ko-KR" sz="1200" dirty="0"/>
+              <a:t> </a:t>
+            </a:r>
+            <a:r>
+              <a:rPr lang="en-US" altLang="ko-KR" sz="1200" dirty="0" smtClean="0"/>
+              <a:t>  </a:t>
+            </a:r>
+            <a:r>
+              <a:rPr lang="ko-KR" altLang="en-US" sz="1200" dirty="0" smtClean="0"/>
+              <a:t> 행렬 데이터로 저장 </a:t>
+            </a:r>
+            <a:endParaRPr lang="ko-KR" altLang="en-US" sz="1200" dirty="0"/>
+          </a:p>
+        </p:txBody>
+      </p:sp>
+      <p:sp>
+        <p:nvSpPr>
+          <p:cNvPr id="18" name="직사각형 17"/>
+          <p:cNvSpPr/>
+          <p:nvPr/>
+        </p:nvSpPr>
+        <p:spPr>
+          <a:xfrm>
+            <a:off x="8984225" y="4308199"/>
+            <a:ext cx="2610196" cy="339722"/>
+          </a:xfrm>
+          <a:prstGeom prst="rect">
+            <a:avLst/>
+          </a:prstGeom>
+        </p:spPr>
+        <p:style>
+          <a:lnRef idx="2">
+            <a:schemeClr val="accent1">
+              <a:shade val="50000"/>
+            </a:schemeClr>
+          </a:lnRef>
+          <a:fillRef idx="1">
+            <a:schemeClr val="accent1"/>
+          </a:fillRef>
+          <a:effectRef idx="0">
+            <a:schemeClr val="accent1"/>
+          </a:effectRef>
+          <a:fontRef idx="minor">
+            <a:schemeClr val="lt1"/>
+          </a:fontRef>
+        </p:style>
+        <p:txBody>
+          <a:bodyPr rtlCol="0" anchor="ctr"/>
+          <a:lstStyle/>
+          <a:p>
+            <a:pPr algn="ctr"/>
+            <a:r>
+              <a:rPr lang="ko-KR" altLang="en-US" dirty="0" smtClean="0"/>
+              <a:t>레이블 된 데이터 생성</a:t>
+            </a:r>
+            <a:endParaRPr lang="ko-KR" altLang="en-US" dirty="0"/>
+          </a:p>
+        </p:txBody>
+      </p:sp>
+    </p:spTree>
+    <p:extLst>
+      <p:ext uri="{BB962C8B-B14F-4D97-AF65-F5344CB8AC3E}">
+        <p14:creationId xmlns:p14="http://schemas.microsoft.com/office/powerpoint/2010/main" val="4042649978"/>
+      </p:ext>
+    </p:extLst>
+  </p:cSld>
+  <p:clrMapOvr>
+    <a:masterClrMapping/>
+  </p:clrMapOvr>
+  <mc:AlternateContent xmlns:mc="http://schemas.openxmlformats.org/markup-compatibility/2006" xmlns:p14="http://schemas.microsoft.com/office/powerpoint/2010/main">
+    <mc:Choice Requires="p14">
+      <p:transition spd="slow" p14:dur="2000"/>
+    </mc:Choice>
+    <mc:Fallback xmlns="">
+      <p:transition spd="slow"/>
+    </mc:Fallback>
+  </mc:AlternateContent>
+  <p:timing>
+    <p:tnLst>
+      <p:par>
+        <p:cTn id="1" dur="indefinite" restart="never" nodeType="tmRoot"/>
+      </p:par>
+    </p:tnLst>
+  </p:timing>
+</p:sld>
+</file>
+
+<file path=ppt/slides/slide18.xml><?xml version="1.0" encoding="utf-8"?>
+<p:sld xmlns:a="http://schemas.openxmlformats.org/drawingml/2006/main" xmlns:r="http://schemas.openxmlformats.org/officeDocument/2006/relationships" xmlns:p="http://schemas.openxmlformats.org/presentationml/2006/main" show="0">
+  <p:cSld>
+    <p:spTree>
+      <p:nvGrpSpPr>
+        <p:cNvPr id="1" name=""/>
+        <p:cNvGrpSpPr/>
+        <p:nvPr/>
+      </p:nvGrpSpPr>
+      <p:grpSpPr>
+        <a:xfrm>
+          <a:off x="0" y="0"/>
+          <a:ext cx="0" cy="0"/>
+          <a:chOff x="0" y="0"/>
+          <a:chExt cx="0" cy="0"/>
+        </a:xfrm>
+      </p:grpSpPr>
+      <p:sp>
+        <p:nvSpPr>
+          <p:cNvPr id="4" name="직사각형 3"/>
+          <p:cNvSpPr/>
+          <p:nvPr/>
+        </p:nvSpPr>
+        <p:spPr>
+          <a:xfrm>
+            <a:off x="0" y="-16001"/>
+            <a:ext cx="1657350" cy="6238875"/>
+          </a:xfrm>
+          <a:prstGeom prst="rect">
+            <a:avLst/>
+          </a:prstGeom>
+          <a:solidFill>
+            <a:srgbClr val="EDD0BE"/>
+          </a:solidFill>
+          <a:ln>
+            <a:noFill/>
+          </a:ln>
+        </p:spPr>
+        <p:style>
+          <a:lnRef idx="2">
+            <a:schemeClr val="accent1">
+              <a:shade val="50000"/>
+            </a:schemeClr>
+          </a:lnRef>
+          <a:fillRef idx="1">
+            <a:schemeClr val="accent1"/>
+          </a:fillRef>
+          <a:effectRef idx="0">
+            <a:schemeClr val="accent1"/>
+          </a:effectRef>
+          <a:fontRef idx="minor">
+            <a:schemeClr val="lt1"/>
+          </a:fontRef>
+        </p:style>
+        <p:txBody>
+          <a:bodyPr rtlCol="0" anchor="ctr"/>
+          <a:lstStyle/>
+          <a:p>
+            <a:pPr algn="ctr"/>
+            <a:endParaRPr lang="ko-KR" altLang="en-US" dirty="0">
+              <a:latin typeface="나눔고딕 Light" pitchFamily="50" charset="-127"/>
+              <a:ea typeface="나눔고딕 Light" pitchFamily="50" charset="-127"/>
+            </a:endParaRPr>
+          </a:p>
+        </p:txBody>
+      </p:sp>
+      <p:sp>
+        <p:nvSpPr>
+          <p:cNvPr id="5" name="TextBox 7"/>
+          <p:cNvSpPr txBox="1">
+            <a:spLocks noChangeArrowheads="1"/>
+          </p:cNvSpPr>
+          <p:nvPr/>
+        </p:nvSpPr>
+        <p:spPr bwMode="auto">
+          <a:xfrm>
+            <a:off x="2406377" y="608585"/>
+            <a:ext cx="4352674" cy="649280"/>
+          </a:xfrm>
+          <a:prstGeom prst="rect">
+            <a:avLst/>
+          </a:prstGeom>
+          <a:noFill/>
+          <a:ln>
+            <a:noFill/>
+          </a:ln>
+          <a:extLst>
+            <a:ext uri="{909E8E84-426E-40DD-AFC4-6F175D3DCCD1}">
+              <a14:hiddenFill xmlns:a14="http://schemas.microsoft.com/office/drawing/2010/main">
+                <a:solidFill>
+                  <a:srgbClr val="FFFFFF"/>
+                </a:solidFill>
+              </a14:hiddenFill>
+            </a:ext>
+            <a:ext uri="{91240B29-F687-4F45-9708-019B960494DF}">
+              <a14:hiddenLine xmlns:a14="http://schemas.microsoft.com/office/drawing/2010/main" w="9525">
+                <a:solidFill>
+                  <a:srgbClr val="000000"/>
+                </a:solidFill>
+                <a:miter lim="800000"/>
+                <a:headEnd/>
+                <a:tailEnd/>
+              </a14:hiddenLine>
+            </a:ext>
+          </a:extLst>
+        </p:spPr>
+        <p:txBody>
+          <a:bodyPr wrap="square">
+            <a:spAutoFit/>
+          </a:bodyPr>
+          <a:lstStyle>
+            <a:lvl1pPr>
+              <a:defRPr sz="3600">
+                <a:solidFill>
+                  <a:schemeClr val="tx1"/>
+                </a:solidFill>
+                <a:latin typeface="Lato Light" pitchFamily="34" charset="0"/>
+              </a:defRPr>
+            </a:lvl1pPr>
+            <a:lvl2pPr marL="742950" indent="-285750">
+              <a:defRPr sz="3600">
+                <a:solidFill>
+                  <a:schemeClr val="tx1"/>
+                </a:solidFill>
+                <a:latin typeface="Lato Light" pitchFamily="34" charset="0"/>
+              </a:defRPr>
+            </a:lvl2pPr>
+            <a:lvl3pPr marL="1143000" indent="-228600">
+              <a:defRPr sz="3600">
+                <a:solidFill>
+                  <a:schemeClr val="tx1"/>
+                </a:solidFill>
+                <a:latin typeface="Lato Light" pitchFamily="34" charset="0"/>
+              </a:defRPr>
+            </a:lvl3pPr>
+            <a:lvl4pPr marL="1600200" indent="-228600">
+              <a:defRPr sz="3600">
+                <a:solidFill>
+                  <a:schemeClr val="tx1"/>
+                </a:solidFill>
+                <a:latin typeface="Lato Light" pitchFamily="34" charset="0"/>
+              </a:defRPr>
+            </a:lvl4pPr>
+            <a:lvl5pPr marL="2057400" indent="-228600">
+              <a:defRPr sz="3600">
+                <a:solidFill>
+                  <a:schemeClr val="tx1"/>
+                </a:solidFill>
+                <a:latin typeface="Lato Light" pitchFamily="34" charset="0"/>
+              </a:defRPr>
+            </a:lvl5pPr>
+            <a:lvl6pPr marL="2514600" indent="-228600" defTabSz="1827213" fontAlgn="base">
+              <a:spcBef>
+                <a:spcPct val="0"/>
+              </a:spcBef>
+              <a:spcAft>
+                <a:spcPct val="0"/>
+              </a:spcAft>
+              <a:defRPr sz="3600">
+                <a:solidFill>
+                  <a:schemeClr val="tx1"/>
+                </a:solidFill>
+                <a:latin typeface="Lato Light" pitchFamily="34" charset="0"/>
+              </a:defRPr>
+            </a:lvl6pPr>
+            <a:lvl7pPr marL="2971800" indent="-228600" defTabSz="1827213" fontAlgn="base">
+              <a:spcBef>
+                <a:spcPct val="0"/>
+              </a:spcBef>
+              <a:spcAft>
+                <a:spcPct val="0"/>
+              </a:spcAft>
+              <a:defRPr sz="3600">
+                <a:solidFill>
+                  <a:schemeClr val="tx1"/>
+                </a:solidFill>
+                <a:latin typeface="Lato Light" pitchFamily="34" charset="0"/>
+              </a:defRPr>
+            </a:lvl7pPr>
+            <a:lvl8pPr marL="3429000" indent="-228600" defTabSz="1827213" fontAlgn="base">
+              <a:spcBef>
+                <a:spcPct val="0"/>
+              </a:spcBef>
+              <a:spcAft>
+                <a:spcPct val="0"/>
+              </a:spcAft>
+              <a:defRPr sz="3600">
+                <a:solidFill>
+                  <a:schemeClr val="tx1"/>
+                </a:solidFill>
+                <a:latin typeface="Lato Light" pitchFamily="34" charset="0"/>
+              </a:defRPr>
+            </a:lvl8pPr>
+            <a:lvl9pPr marL="3886200" indent="-228600" defTabSz="1827213" fontAlgn="base">
+              <a:spcBef>
+                <a:spcPct val="0"/>
+              </a:spcBef>
+              <a:spcAft>
+                <a:spcPct val="0"/>
+              </a:spcAft>
+              <a:defRPr sz="3600">
+                <a:solidFill>
+                  <a:schemeClr val="tx1"/>
+                </a:solidFill>
+                <a:latin typeface="Lato Light" pitchFamily="34" charset="0"/>
+              </a:defRPr>
+            </a:lvl9pPr>
+          </a:lstStyle>
+          <a:p>
+            <a:pPr eaLnBrk="1" hangingPunct="1">
+              <a:lnSpc>
+                <a:spcPct val="150000"/>
+              </a:lnSpc>
+            </a:pPr>
+            <a:r>
+              <a:rPr lang="ko-KR" altLang="en-US" sz="2800" b="1" dirty="0" smtClean="0">
+                <a:latin typeface="나눔스퀘어 Bold" panose="020B0600000101010101" pitchFamily="50" charset="-127"/>
+                <a:ea typeface="나눔스퀘어 Bold" panose="020B0600000101010101" pitchFamily="50" charset="-127"/>
+                <a:cs typeface="Calibri" panose="020F0502020204030204" pitchFamily="34" charset="0"/>
+              </a:rPr>
+              <a:t>학습</a:t>
+            </a:r>
+            <a:endParaRPr lang="ru-RU" altLang="ko-KR" sz="2800" b="1" dirty="0">
+              <a:latin typeface="나눔스퀘어 Bold" panose="020B0600000101010101" pitchFamily="50" charset="-127"/>
+              <a:ea typeface="나눔스퀘어 Bold" panose="020B0600000101010101" pitchFamily="50" charset="-127"/>
+              <a:cs typeface="Calibri" panose="020F0502020204030204" pitchFamily="34" charset="0"/>
+            </a:endParaRPr>
+          </a:p>
+        </p:txBody>
+      </p:sp>
+      <p:grpSp>
+        <p:nvGrpSpPr>
+          <p:cNvPr id="11" name="Group 392"/>
+          <p:cNvGrpSpPr/>
+          <p:nvPr/>
+        </p:nvGrpSpPr>
+        <p:grpSpPr>
+          <a:xfrm>
+            <a:off x="2469103" y="1587290"/>
+            <a:ext cx="8675147" cy="127210"/>
+            <a:chOff x="0" y="0"/>
+            <a:chExt cx="11657498" cy="0"/>
+          </a:xfrm>
+        </p:grpSpPr>
+        <p:sp>
+          <p:nvSpPr>
+            <p:cNvPr id="12" name="Shape 390"/>
+            <p:cNvSpPr/>
+            <p:nvPr/>
+          </p:nvSpPr>
+          <p:spPr>
+            <a:xfrm>
+              <a:off x="0" y="0"/>
+              <a:ext cx="11657498" cy="0"/>
+            </a:xfrm>
+            <a:prstGeom prst="line">
+              <a:avLst/>
+            </a:prstGeom>
+            <a:noFill/>
+            <a:ln w="25400" cap="flat">
+              <a:solidFill>
+                <a:srgbClr val="E5E5E5"/>
+              </a:solidFill>
+              <a:prstDash val="solid"/>
+              <a:miter lim="400000"/>
+            </a:ln>
+            <a:effectLst/>
+          </p:spPr>
+          <p:txBody>
+            <a:bodyPr wrap="square" lIns="38100" tIns="38100" rIns="38100" bIns="38100" numCol="1" anchor="ctr">
+              <a:noAutofit/>
+            </a:bodyPr>
+            <a:lstStyle/>
+            <a:p>
+              <a:pPr algn="ctr">
+                <a:defRPr sz="3000">
+                  <a:solidFill>
+                    <a:srgbClr val="000000"/>
+                  </a:solidFill>
+                  <a:latin typeface="Helvetica Light"/>
+                  <a:ea typeface="Helvetica Light"/>
+                  <a:cs typeface="Helvetica Light"/>
+                  <a:sym typeface="Helvetica Light"/>
+                </a:defRPr>
+              </a:pPr>
+              <a:endParaRPr/>
+            </a:p>
+          </p:txBody>
+        </p:sp>
+        <p:sp>
+          <p:nvSpPr>
+            <p:cNvPr id="13" name="Shape 391"/>
+            <p:cNvSpPr/>
+            <p:nvPr/>
+          </p:nvSpPr>
+          <p:spPr>
+            <a:xfrm>
+              <a:off x="12700" y="0"/>
+              <a:ext cx="1456385" cy="0"/>
+            </a:xfrm>
+            <a:prstGeom prst="line">
+              <a:avLst/>
+            </a:prstGeom>
+            <a:noFill/>
+            <a:ln w="25400" cap="flat">
+              <a:solidFill>
+                <a:srgbClr val="000000"/>
+              </a:solidFill>
+              <a:prstDash val="solid"/>
+              <a:miter lim="400000"/>
+            </a:ln>
+            <a:effectLst/>
+          </p:spPr>
+          <p:txBody>
+            <a:bodyPr wrap="square" lIns="38100" tIns="38100" rIns="38100" bIns="38100" numCol="1" anchor="ctr">
+              <a:noAutofit/>
+            </a:bodyPr>
+            <a:lstStyle/>
+            <a:p>
+              <a:pPr algn="ctr">
+                <a:defRPr sz="3000">
+                  <a:solidFill>
+                    <a:srgbClr val="000000"/>
+                  </a:solidFill>
+                  <a:latin typeface="Helvetica Light"/>
+                  <a:ea typeface="Helvetica Light"/>
+                  <a:cs typeface="Helvetica Light"/>
+                  <a:sym typeface="Helvetica Light"/>
+                </a:defRPr>
+              </a:pPr>
+              <a:endParaRPr/>
+            </a:p>
+          </p:txBody>
+        </p:sp>
+      </p:grpSp>
+      <p:sp>
+        <p:nvSpPr>
+          <p:cNvPr id="8" name="Shape 388"/>
+          <p:cNvSpPr/>
+          <p:nvPr/>
+        </p:nvSpPr>
+        <p:spPr>
+          <a:xfrm>
+            <a:off x="2469103" y="2135723"/>
+            <a:ext cx="8951372" cy="3936831"/>
+          </a:xfrm>
+          <a:prstGeom prst="rect">
+            <a:avLst/>
+          </a:prstGeom>
+          <a:ln w="3175">
+            <a:miter lim="400000"/>
+          </a:ln>
+          <a:extLst>
+            <a:ext uri="{C572A759-6A51-4108-AA02-DFA0A04FC94B}">
+              <ma14:wrappingTextBoxFlag xmlns:ma14="http://schemas.microsoft.com/office/mac/drawingml/2011/main" xmlns="" val="1"/>
+            </a:ext>
+          </a:extLst>
+        </p:spPr>
+        <p:txBody>
+          <a:bodyPr lIns="38100" tIns="38100" rIns="38100" bIns="38100">
+            <a:normAutofit/>
+          </a:bodyPr>
+          <a:lstStyle/>
+          <a:p>
+            <a:pPr marL="285750" indent="-285750" fontAlgn="base">
+              <a:lnSpc>
+                <a:spcPct val="150000"/>
+              </a:lnSpc>
+              <a:buFontTx/>
+              <a:buChar char="-"/>
+            </a:pPr>
+            <a:r>
+              <a:rPr lang="en-US" altLang="ko-KR" dirty="0">
+                <a:latin typeface="나눔고딕 Light" pitchFamily="50" charset="-127"/>
+                <a:ea typeface="나눔고딕 Light" pitchFamily="50" charset="-127"/>
+              </a:rPr>
+              <a:t>https://</a:t>
+            </a:r>
+            <a:r>
+              <a:rPr lang="en-US" altLang="ko-KR" dirty="0" smtClean="0">
+                <a:latin typeface="나눔고딕 Light" pitchFamily="50" charset="-127"/>
+                <a:ea typeface="나눔고딕 Light" pitchFamily="50" charset="-127"/>
+              </a:rPr>
+              <a:t>github.com/hamuchiwa/AutoRCCar </a:t>
+            </a:r>
+            <a:r>
+              <a:rPr lang="ko-KR" altLang="en-US" dirty="0" smtClean="0">
+                <a:latin typeface="나눔고딕 Light" pitchFamily="50" charset="-127"/>
+                <a:ea typeface="나눔고딕 Light" pitchFamily="50" charset="-127"/>
+              </a:rPr>
+              <a:t>참고</a:t>
+            </a:r>
+          </a:p>
+        </p:txBody>
+      </p:sp>
+    </p:spTree>
+    <p:extLst>
+      <p:ext uri="{BB962C8B-B14F-4D97-AF65-F5344CB8AC3E}">
+        <p14:creationId xmlns:p14="http://schemas.microsoft.com/office/powerpoint/2010/main" val="3847157552"/>
+      </p:ext>
+    </p:extLst>
+  </p:cSld>
+  <p:clrMapOvr>
+    <a:masterClrMapping/>
+  </p:clrMapOvr>
+  <mc:AlternateContent xmlns:mc="http://schemas.openxmlformats.org/markup-compatibility/2006" xmlns:p14="http://schemas.microsoft.com/office/powerpoint/2010/main">
+    <mc:Choice Requires="p14">
+      <p:transition spd="slow" p14:dur="2000"/>
+    </mc:Choice>
+    <mc:Fallback xmlns="">
+      <p:transition spd="slow"/>
+    </mc:Fallback>
+  </mc:AlternateContent>
+  <p:timing>
+    <p:tnLst>
+      <p:par>
+        <p:cTn id="1" dur="indefinite" restart="never" nodeType="tmRoot"/>
+      </p:par>
+    </p:tnLst>
+  </p:timing>
+</p:sld>
+</file>
+
+<file path=ppt/slides/slide19.xml><?xml version="1.0" encoding="utf-8"?>
+<p:sld xmlns:a="http://schemas.openxmlformats.org/drawingml/2006/main" xmlns:r="http://schemas.openxmlformats.org/officeDocument/2006/relationships" xmlns:p="http://schemas.openxmlformats.org/presentationml/2006/main" show="0">
+  <p:cSld>
+    <p:bg>
+      <p:bgPr>
+        <a:solidFill>
+          <a:schemeClr val="bg1">
+            <a:lumMod val="95000"/>
+          </a:schemeClr>
+        </a:solidFill>
+        <a:effectLst/>
+      </p:bgPr>
+    </p:bg>
+    <p:spTree>
+      <p:nvGrpSpPr>
+        <p:cNvPr id="1" name=""/>
+        <p:cNvGrpSpPr/>
+        <p:nvPr/>
+      </p:nvGrpSpPr>
+      <p:grpSpPr>
+        <a:xfrm>
+          <a:off x="0" y="0"/>
+          <a:ext cx="0" cy="0"/>
+          <a:chOff x="0" y="0"/>
+          <a:chExt cx="0" cy="0"/>
+        </a:xfrm>
+      </p:grpSpPr>
+      <p:sp>
+        <p:nvSpPr>
+          <p:cNvPr id="4" name="직사각형 3"/>
+          <p:cNvSpPr/>
+          <p:nvPr/>
+        </p:nvSpPr>
+        <p:spPr>
+          <a:xfrm>
+            <a:off x="0" y="-16001"/>
+            <a:ext cx="1657350" cy="6238875"/>
+          </a:xfrm>
+          <a:prstGeom prst="rect">
+            <a:avLst/>
+          </a:prstGeom>
+          <a:solidFill>
+            <a:srgbClr val="EDD0BE"/>
+          </a:solidFill>
+          <a:ln>
+            <a:noFill/>
+          </a:ln>
+        </p:spPr>
+        <p:style>
+          <a:lnRef idx="2">
+            <a:schemeClr val="accent1">
+              <a:shade val="50000"/>
+            </a:schemeClr>
+          </a:lnRef>
+          <a:fillRef idx="1">
+            <a:schemeClr val="accent1"/>
+          </a:fillRef>
+          <a:effectRef idx="0">
+            <a:schemeClr val="accent1"/>
+          </a:effectRef>
+          <a:fontRef idx="minor">
+            <a:schemeClr val="lt1"/>
+          </a:fontRef>
+        </p:style>
+        <p:txBody>
+          <a:bodyPr rtlCol="0" anchor="ctr"/>
+          <a:lstStyle/>
+          <a:p>
+            <a:pPr algn="ctr"/>
+            <a:endParaRPr lang="ko-KR" altLang="en-US" dirty="0">
+              <a:latin typeface="나눔고딕 Light" pitchFamily="50" charset="-127"/>
+              <a:ea typeface="나눔고딕 Light" pitchFamily="50" charset="-127"/>
+            </a:endParaRPr>
+          </a:p>
+        </p:txBody>
+      </p:sp>
+      <p:sp>
+        <p:nvSpPr>
+          <p:cNvPr id="5" name="TextBox 7"/>
+          <p:cNvSpPr txBox="1">
+            <a:spLocks noChangeArrowheads="1"/>
+          </p:cNvSpPr>
+          <p:nvPr/>
+        </p:nvSpPr>
+        <p:spPr bwMode="auto">
+          <a:xfrm>
+            <a:off x="2406377" y="608585"/>
+            <a:ext cx="4352674" cy="676532"/>
+          </a:xfrm>
+          <a:prstGeom prst="rect">
+            <a:avLst/>
+          </a:prstGeom>
+          <a:noFill/>
+          <a:ln>
+            <a:noFill/>
+          </a:ln>
+          <a:extLst>
+            <a:ext uri="{909E8E84-426E-40DD-AFC4-6F175D3DCCD1}">
+              <a14:hiddenFill xmlns:a14="http://schemas.microsoft.com/office/drawing/2010/main">
+                <a:solidFill>
+                  <a:srgbClr val="FFFFFF"/>
+                </a:solidFill>
+              </a14:hiddenFill>
+            </a:ext>
+            <a:ext uri="{91240B29-F687-4F45-9708-019B960494DF}">
+              <a14:hiddenLine xmlns:a14="http://schemas.microsoft.com/office/drawing/2010/main" w="9525">
+                <a:solidFill>
+                  <a:srgbClr val="000000"/>
+                </a:solidFill>
+                <a:miter lim="800000"/>
+                <a:headEnd/>
+                <a:tailEnd/>
+              </a14:hiddenLine>
+            </a:ext>
+          </a:extLst>
+        </p:spPr>
+        <p:txBody>
+          <a:bodyPr wrap="square">
+            <a:spAutoFit/>
+          </a:bodyPr>
+          <a:lstStyle>
+            <a:lvl1pPr>
+              <a:defRPr sz="3600">
+                <a:solidFill>
+                  <a:schemeClr val="tx1"/>
+                </a:solidFill>
+                <a:latin typeface="Lato Light" pitchFamily="34" charset="0"/>
+              </a:defRPr>
+            </a:lvl1pPr>
+            <a:lvl2pPr marL="742950" indent="-285750">
+              <a:defRPr sz="3600">
+                <a:solidFill>
+                  <a:schemeClr val="tx1"/>
+                </a:solidFill>
+                <a:latin typeface="Lato Light" pitchFamily="34" charset="0"/>
+              </a:defRPr>
+            </a:lvl2pPr>
+            <a:lvl3pPr marL="1143000" indent="-228600">
+              <a:defRPr sz="3600">
+                <a:solidFill>
+                  <a:schemeClr val="tx1"/>
+                </a:solidFill>
+                <a:latin typeface="Lato Light" pitchFamily="34" charset="0"/>
+              </a:defRPr>
+            </a:lvl3pPr>
+            <a:lvl4pPr marL="1600200" indent="-228600">
+              <a:defRPr sz="3600">
+                <a:solidFill>
+                  <a:schemeClr val="tx1"/>
+                </a:solidFill>
+                <a:latin typeface="Lato Light" pitchFamily="34" charset="0"/>
+              </a:defRPr>
+            </a:lvl4pPr>
+            <a:lvl5pPr marL="2057400" indent="-228600">
+              <a:defRPr sz="3600">
+                <a:solidFill>
+                  <a:schemeClr val="tx1"/>
+                </a:solidFill>
+                <a:latin typeface="Lato Light" pitchFamily="34" charset="0"/>
+              </a:defRPr>
+            </a:lvl5pPr>
+            <a:lvl6pPr marL="2514600" indent="-228600" defTabSz="1827213" fontAlgn="base">
+              <a:spcBef>
+                <a:spcPct val="0"/>
+              </a:spcBef>
+              <a:spcAft>
+                <a:spcPct val="0"/>
+              </a:spcAft>
+              <a:defRPr sz="3600">
+                <a:solidFill>
+                  <a:schemeClr val="tx1"/>
+                </a:solidFill>
+                <a:latin typeface="Lato Light" pitchFamily="34" charset="0"/>
+              </a:defRPr>
+            </a:lvl6pPr>
+            <a:lvl7pPr marL="2971800" indent="-228600" defTabSz="1827213" fontAlgn="base">
+              <a:spcBef>
+                <a:spcPct val="0"/>
+              </a:spcBef>
+              <a:spcAft>
+                <a:spcPct val="0"/>
+              </a:spcAft>
+              <a:defRPr sz="3600">
+                <a:solidFill>
+                  <a:schemeClr val="tx1"/>
+                </a:solidFill>
+                <a:latin typeface="Lato Light" pitchFamily="34" charset="0"/>
+              </a:defRPr>
+            </a:lvl7pPr>
+            <a:lvl8pPr marL="3429000" indent="-228600" defTabSz="1827213" fontAlgn="base">
+              <a:spcBef>
+                <a:spcPct val="0"/>
+              </a:spcBef>
+              <a:spcAft>
+                <a:spcPct val="0"/>
+              </a:spcAft>
+              <a:defRPr sz="3600">
+                <a:solidFill>
+                  <a:schemeClr val="tx1"/>
+                </a:solidFill>
+                <a:latin typeface="Lato Light" pitchFamily="34" charset="0"/>
+              </a:defRPr>
+            </a:lvl8pPr>
+            <a:lvl9pPr marL="3886200" indent="-228600" defTabSz="1827213" fontAlgn="base">
+              <a:spcBef>
+                <a:spcPct val="0"/>
+              </a:spcBef>
+              <a:spcAft>
+                <a:spcPct val="0"/>
+              </a:spcAft>
+              <a:defRPr sz="3600">
+                <a:solidFill>
+                  <a:schemeClr val="tx1"/>
+                </a:solidFill>
+                <a:latin typeface="Lato Light" pitchFamily="34" charset="0"/>
+              </a:defRPr>
+            </a:lvl9pPr>
+          </a:lstStyle>
+          <a:p>
+            <a:pPr eaLnBrk="1" hangingPunct="1">
+              <a:lnSpc>
+                <a:spcPct val="150000"/>
+              </a:lnSpc>
+            </a:pPr>
+            <a:r>
+              <a:rPr lang="en-US" altLang="ko-KR" sz="2800" b="1" dirty="0" smtClean="0">
+                <a:latin typeface="나눔스퀘어 Bold" panose="020B0600000101010101" pitchFamily="50" charset="-127"/>
+                <a:ea typeface="나눔스퀘어 Bold" panose="020B0600000101010101" pitchFamily="50" charset="-127"/>
+                <a:cs typeface="Calibri" panose="020F0502020204030204" pitchFamily="34" charset="0"/>
+              </a:rPr>
+              <a:t>Development method</a:t>
+            </a:r>
+            <a:endParaRPr lang="ru-RU" altLang="ko-KR" sz="2800" b="1" dirty="0">
+              <a:latin typeface="나눔스퀘어 Bold" panose="020B0600000101010101" pitchFamily="50" charset="-127"/>
+              <a:ea typeface="나눔스퀘어 Bold" panose="020B0600000101010101" pitchFamily="50" charset="-127"/>
+              <a:cs typeface="Calibri" panose="020F0502020204030204" pitchFamily="34" charset="0"/>
+            </a:endParaRPr>
+          </a:p>
+        </p:txBody>
+      </p:sp>
+      <p:grpSp>
+        <p:nvGrpSpPr>
+          <p:cNvPr id="11" name="Group 392"/>
+          <p:cNvGrpSpPr/>
+          <p:nvPr/>
+        </p:nvGrpSpPr>
+        <p:grpSpPr>
+          <a:xfrm>
+            <a:off x="2469103" y="1587290"/>
+            <a:ext cx="8675147" cy="127210"/>
+            <a:chOff x="0" y="0"/>
+            <a:chExt cx="11657498" cy="0"/>
+          </a:xfrm>
+        </p:grpSpPr>
+        <p:sp>
+          <p:nvSpPr>
+            <p:cNvPr id="12" name="Shape 390"/>
+            <p:cNvSpPr/>
+            <p:nvPr/>
+          </p:nvSpPr>
+          <p:spPr>
+            <a:xfrm>
+              <a:off x="0" y="0"/>
+              <a:ext cx="11657498" cy="0"/>
+            </a:xfrm>
+            <a:prstGeom prst="line">
+              <a:avLst/>
+            </a:prstGeom>
+            <a:noFill/>
+            <a:ln w="25400" cap="flat">
+              <a:solidFill>
+                <a:srgbClr val="E5E5E5"/>
+              </a:solidFill>
+              <a:prstDash val="solid"/>
+              <a:miter lim="400000"/>
+            </a:ln>
+            <a:effectLst/>
+          </p:spPr>
+          <p:txBody>
+            <a:bodyPr wrap="square" lIns="38100" tIns="38100" rIns="38100" bIns="38100" numCol="1" anchor="ctr">
+              <a:noAutofit/>
+            </a:bodyPr>
+            <a:lstStyle/>
+            <a:p>
+              <a:pPr algn="ctr">
+                <a:defRPr sz="3000">
+                  <a:solidFill>
+                    <a:srgbClr val="000000"/>
+                  </a:solidFill>
+                  <a:latin typeface="Helvetica Light"/>
+                  <a:ea typeface="Helvetica Light"/>
+                  <a:cs typeface="Helvetica Light"/>
+                  <a:sym typeface="Helvetica Light"/>
+                </a:defRPr>
+              </a:pPr>
+              <a:endParaRPr/>
+            </a:p>
+          </p:txBody>
+        </p:sp>
+        <p:sp>
+          <p:nvSpPr>
+            <p:cNvPr id="13" name="Shape 391"/>
+            <p:cNvSpPr/>
+            <p:nvPr/>
+          </p:nvSpPr>
+          <p:spPr>
+            <a:xfrm>
+              <a:off x="12700" y="0"/>
+              <a:ext cx="1456385" cy="0"/>
+            </a:xfrm>
+            <a:prstGeom prst="line">
+              <a:avLst/>
+            </a:prstGeom>
+            <a:noFill/>
+            <a:ln w="25400" cap="flat">
+              <a:solidFill>
+                <a:srgbClr val="000000"/>
+              </a:solidFill>
+              <a:prstDash val="solid"/>
+              <a:miter lim="400000"/>
+            </a:ln>
+            <a:effectLst/>
+          </p:spPr>
+          <p:txBody>
+            <a:bodyPr wrap="square" lIns="38100" tIns="38100" rIns="38100" bIns="38100" numCol="1" anchor="ctr">
+              <a:noAutofit/>
+            </a:bodyPr>
+            <a:lstStyle/>
+            <a:p>
+              <a:pPr algn="ctr">
+                <a:defRPr sz="3000">
+                  <a:solidFill>
+                    <a:srgbClr val="000000"/>
+                  </a:solidFill>
+                  <a:latin typeface="Helvetica Light"/>
+                  <a:ea typeface="Helvetica Light"/>
+                  <a:cs typeface="Helvetica Light"/>
+                  <a:sym typeface="Helvetica Light"/>
+                </a:defRPr>
+              </a:pPr>
+              <a:endParaRPr/>
+            </a:p>
+          </p:txBody>
+        </p:sp>
+      </p:grpSp>
+      <p:sp>
+        <p:nvSpPr>
+          <p:cNvPr id="8" name="Shape 388"/>
+          <p:cNvSpPr/>
+          <p:nvPr/>
+        </p:nvSpPr>
+        <p:spPr>
+          <a:xfrm>
+            <a:off x="2469103" y="2135723"/>
+            <a:ext cx="8951372" cy="3936831"/>
+          </a:xfrm>
+          <a:prstGeom prst="rect">
+            <a:avLst/>
+          </a:prstGeom>
+          <a:ln w="3175">
+            <a:miter lim="400000"/>
+          </a:ln>
+          <a:extLst>
+            <a:ext uri="{C572A759-6A51-4108-AA02-DFA0A04FC94B}">
+              <ma14:wrappingTextBoxFlag xmlns:ma14="http://schemas.microsoft.com/office/mac/drawingml/2011/main" xmlns="" val="1"/>
+            </a:ext>
+          </a:extLst>
+        </p:spPr>
+        <p:txBody>
+          <a:bodyPr lIns="38100" tIns="38100" rIns="38100" bIns="38100">
+            <a:normAutofit/>
+          </a:bodyPr>
+          <a:lstStyle/>
+          <a:p>
+            <a:pPr marL="285750" indent="-285750" fontAlgn="base">
+              <a:lnSpc>
+                <a:spcPct val="150000"/>
+              </a:lnSpc>
+              <a:buFontTx/>
+              <a:buChar char="-"/>
+            </a:pPr>
+            <a:r>
+              <a:rPr lang="en-US" altLang="ko-KR" dirty="0">
+                <a:latin typeface="나눔고딕 Light" pitchFamily="50" charset="-127"/>
+                <a:ea typeface="나눔고딕 Light" pitchFamily="50" charset="-127"/>
+              </a:rPr>
+              <a:t>https://</a:t>
+            </a:r>
+            <a:r>
+              <a:rPr lang="en-US" altLang="ko-KR" dirty="0" smtClean="0">
+                <a:latin typeface="나눔고딕 Light" pitchFamily="50" charset="-127"/>
+                <a:ea typeface="나눔고딕 Light" pitchFamily="50" charset="-127"/>
+              </a:rPr>
+              <a:t>github.com/hamuchiwa/AutoRCCar </a:t>
+            </a:r>
+            <a:r>
+              <a:rPr lang="ko-KR" altLang="en-US" dirty="0" smtClean="0">
+                <a:latin typeface="나눔고딕 Light" pitchFamily="50" charset="-127"/>
+                <a:ea typeface="나눔고딕 Light" pitchFamily="50" charset="-127"/>
+              </a:rPr>
+              <a:t>참고</a:t>
+            </a:r>
+          </a:p>
+        </p:txBody>
+      </p:sp>
+    </p:spTree>
+    <p:extLst>
+      <p:ext uri="{BB962C8B-B14F-4D97-AF65-F5344CB8AC3E}">
+        <p14:creationId xmlns:p14="http://schemas.microsoft.com/office/powerpoint/2010/main" val="1174557929"/>
+      </p:ext>
+    </p:extLst>
+  </p:cSld>
+  <p:clrMapOvr>
+    <a:masterClrMapping/>
+  </p:clrMapOvr>
+  <mc:AlternateContent xmlns:mc="http://schemas.openxmlformats.org/markup-compatibility/2006" xmlns:p14="http://schemas.microsoft.com/office/powerpoint/2010/main">
+    <mc:Choice Requires="p14">
+      <p:transition spd="slow" p14:dur="2000"/>
+    </mc:Choice>
+    <mc:Fallback xmlns="">
+      <p:transition spd="slow"/>
+    </mc:Fallback>
+  </mc:AlternateContent>
+  <p:timing>
+    <p:tnLst>
+      <p:par>
+        <p:cTn id="1" dur="indefinite" restart="never" nodeType="tmRoot"/>
+      </p:par>
+    </p:tnLst>
+  </p:timing>
+</p:sld>
+</file>
+
+<file path=ppt/slides/slide2.xml><?xml version="1.0" encoding="utf-8"?>
+<p:sld xmlns:a="http://schemas.openxmlformats.org/drawingml/2006/main" xmlns:r="http://schemas.openxmlformats.org/officeDocument/2006/relationships" xmlns:p="http://schemas.openxmlformats.org/presentationml/2006/main">
+  <p:cSld>
+    <p:bg>
+      <p:bgPr>
+        <a:solidFill>
+          <a:schemeClr val="bg1">
+            <a:lumMod val="95000"/>
+          </a:schemeClr>
+        </a:solidFill>
+        <a:effectLst/>
+      </p:bgPr>
+    </p:bg>
+    <p:spTree>
+      <p:nvGrpSpPr>
+        <p:cNvPr id="1" name=""/>
+        <p:cNvGrpSpPr/>
+        <p:nvPr/>
+      </p:nvGrpSpPr>
+      <p:grpSpPr>
+        <a:xfrm>
+          <a:off x="0" y="0"/>
+          <a:ext cx="0" cy="0"/>
+          <a:chOff x="0" y="0"/>
+          <a:chExt cx="0" cy="0"/>
+        </a:xfrm>
+      </p:grpSpPr>
+      <p:sp>
+        <p:nvSpPr>
+          <p:cNvPr id="4" name="직사각형 3"/>
+          <p:cNvSpPr/>
+          <p:nvPr/>
+        </p:nvSpPr>
+        <p:spPr>
+          <a:xfrm>
+            <a:off x="0" y="-16001"/>
+            <a:ext cx="1657350" cy="6238875"/>
+          </a:xfrm>
+          <a:prstGeom prst="rect">
+            <a:avLst/>
+          </a:prstGeom>
+          <a:solidFill>
+            <a:srgbClr val="EDD0BE"/>
+          </a:solidFill>
+          <a:ln>
+            <a:noFill/>
+          </a:ln>
+        </p:spPr>
+        <p:style>
+          <a:lnRef idx="2">
+            <a:schemeClr val="accent1">
+              <a:shade val="50000"/>
+            </a:schemeClr>
+          </a:lnRef>
+          <a:fillRef idx="1">
+            <a:schemeClr val="accent1"/>
+          </a:fillRef>
+          <a:effectRef idx="0">
+            <a:schemeClr val="accent1"/>
+          </a:effectRef>
+          <a:fontRef idx="minor">
+            <a:schemeClr val="lt1"/>
+          </a:fontRef>
+        </p:style>
+        <p:txBody>
+          <a:bodyPr rtlCol="0" anchor="ctr"/>
+          <a:lstStyle/>
+          <a:p>
+            <a:pPr algn="ctr"/>
+            <a:endParaRPr lang="ko-KR" altLang="en-US" dirty="0">
+              <a:latin typeface="나눔고딕 Light" pitchFamily="50" charset="-127"/>
+              <a:ea typeface="나눔고딕 Light" pitchFamily="50" charset="-127"/>
+            </a:endParaRPr>
+          </a:p>
+        </p:txBody>
+      </p:sp>
+      <p:sp>
+        <p:nvSpPr>
+          <p:cNvPr id="5" name="TextBox 7"/>
+          <p:cNvSpPr txBox="1">
+            <a:spLocks noChangeArrowheads="1"/>
+          </p:cNvSpPr>
+          <p:nvPr/>
+        </p:nvSpPr>
+        <p:spPr bwMode="auto">
+          <a:xfrm>
+            <a:off x="2406377" y="608585"/>
+            <a:ext cx="4352674" cy="676532"/>
+          </a:xfrm>
+          <a:prstGeom prst="rect">
+            <a:avLst/>
+          </a:prstGeom>
+          <a:noFill/>
+          <a:ln>
+            <a:noFill/>
+          </a:ln>
+          <a:extLst>
+            <a:ext uri="{909E8E84-426E-40DD-AFC4-6F175D3DCCD1}">
+              <a14:hiddenFill xmlns:a14="http://schemas.microsoft.com/office/drawing/2010/main">
+                <a:solidFill>
+                  <a:srgbClr val="FFFFFF"/>
+                </a:solidFill>
+              </a14:hiddenFill>
+            </a:ext>
+            <a:ext uri="{91240B29-F687-4F45-9708-019B960494DF}">
+              <a14:hiddenLine xmlns:a14="http://schemas.microsoft.com/office/drawing/2010/main" w="9525">
+                <a:solidFill>
+                  <a:srgbClr val="000000"/>
+                </a:solidFill>
+                <a:miter lim="800000"/>
+                <a:headEnd/>
+                <a:tailEnd/>
+              </a14:hiddenLine>
+            </a:ext>
+          </a:extLst>
+        </p:spPr>
+        <p:txBody>
+          <a:bodyPr wrap="square">
+            <a:spAutoFit/>
+          </a:bodyPr>
+          <a:lstStyle>
+            <a:lvl1pPr>
+              <a:defRPr sz="3600">
+                <a:solidFill>
+                  <a:schemeClr val="tx1"/>
+                </a:solidFill>
+                <a:latin typeface="Lato Light" pitchFamily="34" charset="0"/>
+              </a:defRPr>
+            </a:lvl1pPr>
+            <a:lvl2pPr marL="742950" indent="-285750">
+              <a:defRPr sz="3600">
+                <a:solidFill>
+                  <a:schemeClr val="tx1"/>
+                </a:solidFill>
+                <a:latin typeface="Lato Light" pitchFamily="34" charset="0"/>
+              </a:defRPr>
+            </a:lvl2pPr>
+            <a:lvl3pPr marL="1143000" indent="-228600">
+              <a:defRPr sz="3600">
+                <a:solidFill>
+                  <a:schemeClr val="tx1"/>
+                </a:solidFill>
+                <a:latin typeface="Lato Light" pitchFamily="34" charset="0"/>
+              </a:defRPr>
+            </a:lvl3pPr>
+            <a:lvl4pPr marL="1600200" indent="-228600">
+              <a:defRPr sz="3600">
+                <a:solidFill>
+                  <a:schemeClr val="tx1"/>
+                </a:solidFill>
+                <a:latin typeface="Lato Light" pitchFamily="34" charset="0"/>
+              </a:defRPr>
+            </a:lvl4pPr>
+            <a:lvl5pPr marL="2057400" indent="-228600">
+              <a:defRPr sz="3600">
+                <a:solidFill>
+                  <a:schemeClr val="tx1"/>
+                </a:solidFill>
+                <a:latin typeface="Lato Light" pitchFamily="34" charset="0"/>
+              </a:defRPr>
+            </a:lvl5pPr>
+            <a:lvl6pPr marL="2514600" indent="-228600" defTabSz="1827213" fontAlgn="base">
+              <a:spcBef>
+                <a:spcPct val="0"/>
+              </a:spcBef>
+              <a:spcAft>
+                <a:spcPct val="0"/>
+              </a:spcAft>
+              <a:defRPr sz="3600">
+                <a:solidFill>
+                  <a:schemeClr val="tx1"/>
+                </a:solidFill>
+                <a:latin typeface="Lato Light" pitchFamily="34" charset="0"/>
+              </a:defRPr>
+            </a:lvl6pPr>
+            <a:lvl7pPr marL="2971800" indent="-228600" defTabSz="1827213" fontAlgn="base">
+              <a:spcBef>
+                <a:spcPct val="0"/>
+              </a:spcBef>
+              <a:spcAft>
+                <a:spcPct val="0"/>
+              </a:spcAft>
+              <a:defRPr sz="3600">
+                <a:solidFill>
+                  <a:schemeClr val="tx1"/>
+                </a:solidFill>
+                <a:latin typeface="Lato Light" pitchFamily="34" charset="0"/>
+              </a:defRPr>
+            </a:lvl7pPr>
+            <a:lvl8pPr marL="3429000" indent="-228600" defTabSz="1827213" fontAlgn="base">
+              <a:spcBef>
+                <a:spcPct val="0"/>
+              </a:spcBef>
+              <a:spcAft>
+                <a:spcPct val="0"/>
+              </a:spcAft>
+              <a:defRPr sz="3600">
+                <a:solidFill>
+                  <a:schemeClr val="tx1"/>
+                </a:solidFill>
+                <a:latin typeface="Lato Light" pitchFamily="34" charset="0"/>
+              </a:defRPr>
+            </a:lvl8pPr>
+            <a:lvl9pPr marL="3886200" indent="-228600" defTabSz="1827213" fontAlgn="base">
+              <a:spcBef>
+                <a:spcPct val="0"/>
+              </a:spcBef>
+              <a:spcAft>
+                <a:spcPct val="0"/>
+              </a:spcAft>
+              <a:defRPr sz="3600">
+                <a:solidFill>
+                  <a:schemeClr val="tx1"/>
+                </a:solidFill>
+                <a:latin typeface="Lato Light" pitchFamily="34" charset="0"/>
+              </a:defRPr>
+            </a:lvl9pPr>
+          </a:lstStyle>
+          <a:p>
+            <a:pPr eaLnBrk="1" hangingPunct="1">
+              <a:lnSpc>
+                <a:spcPct val="150000"/>
+              </a:lnSpc>
+            </a:pPr>
+            <a:r>
+              <a:rPr lang="en-US" altLang="ko-KR" sz="2800" b="1" dirty="0" smtClean="0">
+                <a:latin typeface="나눔스퀘어 Bold" panose="020B0600000101010101" pitchFamily="50" charset="-127"/>
+                <a:ea typeface="나눔스퀘어 Bold" panose="020B0600000101010101" pitchFamily="50" charset="-127"/>
+                <a:cs typeface="Calibri" panose="020F0502020204030204" pitchFamily="34" charset="0"/>
+              </a:rPr>
+              <a:t>Motivation</a:t>
+            </a:r>
+            <a:endParaRPr lang="ru-RU" altLang="ko-KR" sz="2800" b="1" dirty="0">
+              <a:latin typeface="나눔스퀘어 Bold" panose="020B0600000101010101" pitchFamily="50" charset="-127"/>
+              <a:ea typeface="나눔스퀘어 Bold" panose="020B0600000101010101" pitchFamily="50" charset="-127"/>
+              <a:cs typeface="Calibri" panose="020F0502020204030204" pitchFamily="34" charset="0"/>
+            </a:endParaRPr>
+          </a:p>
+        </p:txBody>
+      </p:sp>
+      <p:sp>
+        <p:nvSpPr>
+          <p:cNvPr id="10" name="Shape 388"/>
+          <p:cNvSpPr/>
+          <p:nvPr/>
+        </p:nvSpPr>
+        <p:spPr>
+          <a:xfrm>
+            <a:off x="2469103" y="2135723"/>
+            <a:ext cx="8951372" cy="3936831"/>
+          </a:xfrm>
+          <a:prstGeom prst="rect">
+            <a:avLst/>
+          </a:prstGeom>
+          <a:ln w="3175">
+            <a:miter lim="400000"/>
+          </a:ln>
+          <a:extLst>
+            <a:ext uri="{C572A759-6A51-4108-AA02-DFA0A04FC94B}">
+              <ma14:wrappingTextBoxFlag xmlns:ma14="http://schemas.microsoft.com/office/mac/drawingml/2011/main" xmlns="" val="1"/>
+            </a:ext>
+          </a:extLst>
+        </p:spPr>
+        <p:txBody>
+          <a:bodyPr lIns="38100" tIns="38100" rIns="38100" bIns="38100">
+            <a:normAutofit lnSpcReduction="10000"/>
+          </a:bodyPr>
+          <a:lstStyle/>
+          <a:p>
+            <a:pPr marL="285750" indent="-285750" fontAlgn="base">
+              <a:lnSpc>
+                <a:spcPct val="150000"/>
+              </a:lnSpc>
+              <a:buFontTx/>
+              <a:buChar char="-"/>
+            </a:pPr>
+            <a:r>
+              <a:rPr lang="ko-KR" altLang="en-US" dirty="0" smtClean="0">
+                <a:latin typeface="나눔고딕 Light" pitchFamily="50" charset="-127"/>
+                <a:ea typeface="나눔고딕 Light" pitchFamily="50" charset="-127"/>
+              </a:rPr>
+              <a:t>현대 사회에서 시각</a:t>
+            </a:r>
+            <a:r>
+              <a:rPr lang="en-US" altLang="ko-KR" dirty="0" smtClean="0">
+                <a:latin typeface="나눔고딕 Light" pitchFamily="50" charset="-127"/>
+                <a:ea typeface="나눔고딕 Light" pitchFamily="50" charset="-127"/>
+              </a:rPr>
+              <a:t> </a:t>
+            </a:r>
+            <a:r>
+              <a:rPr lang="ko-KR" altLang="en-US" dirty="0" smtClean="0">
+                <a:latin typeface="나눔고딕 Light" pitchFamily="50" charset="-127"/>
+                <a:ea typeface="나눔고딕 Light" pitchFamily="50" charset="-127"/>
+              </a:rPr>
+              <a:t>및 청각 장애인에 대한 배려가 매우 부족</a:t>
+            </a:r>
+            <a:endParaRPr lang="en-US" altLang="ko-KR" dirty="0" smtClean="0">
+              <a:latin typeface="나눔고딕 Light" pitchFamily="50" charset="-127"/>
+              <a:ea typeface="나눔고딕 Light" pitchFamily="50" charset="-127"/>
+            </a:endParaRPr>
+          </a:p>
+          <a:p>
+            <a:pPr marL="285750" indent="-285750" fontAlgn="base">
+              <a:lnSpc>
+                <a:spcPct val="150000"/>
+              </a:lnSpc>
+              <a:buFontTx/>
+              <a:buChar char="-"/>
+            </a:pPr>
+            <a:endParaRPr lang="en-US" altLang="ko-KR" dirty="0" smtClean="0">
+              <a:latin typeface="나눔고딕 Light" pitchFamily="50" charset="-127"/>
+              <a:ea typeface="나눔고딕 Light" pitchFamily="50" charset="-127"/>
+            </a:endParaRPr>
+          </a:p>
+          <a:p>
+            <a:pPr marL="285750" indent="-285750" fontAlgn="base">
+              <a:lnSpc>
+                <a:spcPct val="150000"/>
+              </a:lnSpc>
+              <a:buFontTx/>
+              <a:buChar char="-"/>
+            </a:pPr>
+            <a:r>
+              <a:rPr lang="ko-KR" altLang="en-US" dirty="0" smtClean="0">
+                <a:latin typeface="나눔고딕 Light" pitchFamily="50" charset="-127"/>
+                <a:ea typeface="나눔고딕 Light" pitchFamily="50" charset="-127"/>
+              </a:rPr>
+              <a:t>특히 파손된 </a:t>
+            </a:r>
+            <a:r>
+              <a:rPr lang="ko-KR" altLang="en-US" dirty="0" err="1" smtClean="0">
+                <a:latin typeface="나눔고딕 Light" pitchFamily="50" charset="-127"/>
+                <a:ea typeface="나눔고딕 Light" pitchFamily="50" charset="-127"/>
+              </a:rPr>
+              <a:t>점자블럭</a:t>
+            </a:r>
+            <a:r>
+              <a:rPr lang="en-US" altLang="ko-KR" dirty="0" smtClean="0">
+                <a:latin typeface="나눔고딕 Light" pitchFamily="50" charset="-127"/>
+                <a:ea typeface="나눔고딕 Light" pitchFamily="50" charset="-127"/>
+              </a:rPr>
+              <a:t>, </a:t>
+            </a:r>
+            <a:r>
+              <a:rPr lang="ko-KR" altLang="en-US" dirty="0" smtClean="0">
+                <a:latin typeface="나눔고딕 Light" pitchFamily="50" charset="-127"/>
+                <a:ea typeface="나눔고딕 Light" pitchFamily="50" charset="-127"/>
+              </a:rPr>
+              <a:t>올바르지 않은 </a:t>
+            </a:r>
+            <a:r>
+              <a:rPr lang="ko-KR" altLang="en-US" dirty="0" err="1" smtClean="0">
+                <a:latin typeface="나눔고딕 Light" pitchFamily="50" charset="-127"/>
+                <a:ea typeface="나눔고딕 Light" pitchFamily="50" charset="-127"/>
+              </a:rPr>
+              <a:t>점자블럭</a:t>
+            </a:r>
+            <a:r>
+              <a:rPr lang="ko-KR" altLang="en-US" dirty="0" smtClean="0">
+                <a:latin typeface="나눔고딕 Light" pitchFamily="50" charset="-127"/>
+                <a:ea typeface="나눔고딕 Light" pitchFamily="50" charset="-127"/>
+              </a:rPr>
+              <a:t> 등의 문제로 시각 장애인은 보행이 어려움</a:t>
+            </a:r>
+            <a:endParaRPr lang="en-US" altLang="ko-KR" dirty="0" smtClean="0">
+              <a:latin typeface="나눔고딕 Light" pitchFamily="50" charset="-127"/>
+              <a:ea typeface="나눔고딕 Light" pitchFamily="50" charset="-127"/>
+            </a:endParaRPr>
+          </a:p>
+          <a:p>
+            <a:pPr marL="285750" indent="-285750" fontAlgn="base">
+              <a:lnSpc>
+                <a:spcPct val="150000"/>
+              </a:lnSpc>
+              <a:buFontTx/>
+              <a:buChar char="-"/>
+            </a:pPr>
+            <a:endParaRPr lang="en-US" altLang="ko-KR" dirty="0" smtClean="0">
+              <a:latin typeface="나눔고딕 Light" pitchFamily="50" charset="-127"/>
+              <a:ea typeface="나눔고딕 Light" pitchFamily="50" charset="-127"/>
+            </a:endParaRPr>
+          </a:p>
+          <a:p>
+            <a:pPr marL="285750" indent="-285750" fontAlgn="base">
+              <a:lnSpc>
+                <a:spcPct val="150000"/>
+              </a:lnSpc>
+              <a:buFontTx/>
+              <a:buChar char="-"/>
+            </a:pPr>
+            <a:r>
+              <a:rPr lang="ko-KR" altLang="en-US" dirty="0" smtClean="0">
+                <a:latin typeface="나눔고딕 Light" pitchFamily="50" charset="-127"/>
+                <a:ea typeface="나눔고딕 Light" pitchFamily="50" charset="-127"/>
+              </a:rPr>
+              <a:t>청각 장애인 또한 보행 시 여러 가지 위협에 무방비 하게 노출</a:t>
+            </a:r>
+            <a:endParaRPr lang="en-US" altLang="ko-KR" dirty="0" smtClean="0">
+              <a:latin typeface="나눔고딕 Light" pitchFamily="50" charset="-127"/>
+              <a:ea typeface="나눔고딕 Light" pitchFamily="50" charset="-127"/>
+            </a:endParaRPr>
+          </a:p>
+          <a:p>
+            <a:pPr marL="285750" indent="-285750" fontAlgn="base">
+              <a:lnSpc>
+                <a:spcPct val="150000"/>
+              </a:lnSpc>
+              <a:buFontTx/>
+              <a:buChar char="-"/>
+            </a:pPr>
+            <a:endParaRPr lang="en-US" altLang="ko-KR" dirty="0" smtClean="0">
+              <a:latin typeface="나눔고딕 Light" pitchFamily="50" charset="-127"/>
+              <a:ea typeface="나눔고딕 Light" pitchFamily="50" charset="-127"/>
+            </a:endParaRPr>
+          </a:p>
+          <a:p>
+            <a:pPr marL="285750" indent="-285750" fontAlgn="base">
+              <a:lnSpc>
+                <a:spcPct val="150000"/>
+              </a:lnSpc>
+              <a:buFontTx/>
+              <a:buChar char="-"/>
+            </a:pPr>
+            <a:r>
+              <a:rPr lang="ko-KR" altLang="en-US" dirty="0" smtClean="0">
+                <a:latin typeface="나눔고딕 Light" pitchFamily="50" charset="-127"/>
+                <a:ea typeface="나눔고딕 Light" pitchFamily="50" charset="-127"/>
+              </a:rPr>
+              <a:t>이에 따라 시각 및 청각 장애인들이 평소 보행 시 느낄 수 있는 불편함을 해소하기 위하여 시각 및 청각 장애인들을 도와주는 자율주행 도우미 로봇을 제작하고자 결정</a:t>
+            </a:r>
+            <a:endParaRPr lang="en-US" altLang="ko-KR" dirty="0" smtClean="0">
+              <a:latin typeface="나눔고딕 Light" pitchFamily="50" charset="-127"/>
+              <a:ea typeface="나눔고딕 Light" pitchFamily="50" charset="-127"/>
+            </a:endParaRPr>
+          </a:p>
+          <a:p>
+            <a:pPr fontAlgn="base">
+              <a:lnSpc>
+                <a:spcPct val="120000"/>
+              </a:lnSpc>
+            </a:pPr>
+            <a:r>
+              <a:rPr lang="ko-KR" altLang="en-US" dirty="0" smtClean="0">
+                <a:latin typeface="나눔고딕 Light" pitchFamily="50" charset="-127"/>
+                <a:ea typeface="나눔고딕 Light" pitchFamily="50" charset="-127"/>
+              </a:rPr>
+              <a:t> </a:t>
+            </a:r>
+          </a:p>
+        </p:txBody>
+      </p:sp>
+      <p:grpSp>
+        <p:nvGrpSpPr>
+          <p:cNvPr id="11" name="Group 392"/>
+          <p:cNvGrpSpPr/>
+          <p:nvPr/>
+        </p:nvGrpSpPr>
+        <p:grpSpPr>
+          <a:xfrm>
+            <a:off x="2469103" y="1587290"/>
+            <a:ext cx="8675147" cy="127210"/>
+            <a:chOff x="0" y="0"/>
+            <a:chExt cx="11657498" cy="0"/>
+          </a:xfrm>
+        </p:grpSpPr>
+        <p:sp>
+          <p:nvSpPr>
+            <p:cNvPr id="12" name="Shape 390"/>
+            <p:cNvSpPr/>
+            <p:nvPr/>
+          </p:nvSpPr>
+          <p:spPr>
+            <a:xfrm>
+              <a:off x="0" y="0"/>
+              <a:ext cx="11657498" cy="0"/>
+            </a:xfrm>
+            <a:prstGeom prst="line">
+              <a:avLst/>
+            </a:prstGeom>
+            <a:noFill/>
+            <a:ln w="25400" cap="flat">
+              <a:solidFill>
+                <a:srgbClr val="E5E5E5"/>
+              </a:solidFill>
+              <a:prstDash val="solid"/>
+              <a:miter lim="400000"/>
+            </a:ln>
+            <a:effectLst/>
+          </p:spPr>
+          <p:txBody>
+            <a:bodyPr wrap="square" lIns="38100" tIns="38100" rIns="38100" bIns="38100" numCol="1" anchor="ctr">
+              <a:noAutofit/>
+            </a:bodyPr>
+            <a:lstStyle/>
+            <a:p>
+              <a:pPr algn="ctr">
+                <a:defRPr sz="3000">
+                  <a:solidFill>
+                    <a:srgbClr val="000000"/>
+                  </a:solidFill>
+                  <a:latin typeface="Helvetica Light"/>
+                  <a:ea typeface="Helvetica Light"/>
+                  <a:cs typeface="Helvetica Light"/>
+                  <a:sym typeface="Helvetica Light"/>
+                </a:defRPr>
+              </a:pPr>
+              <a:endParaRPr/>
+            </a:p>
+          </p:txBody>
+        </p:sp>
+        <p:sp>
+          <p:nvSpPr>
+            <p:cNvPr id="13" name="Shape 391"/>
+            <p:cNvSpPr/>
+            <p:nvPr/>
+          </p:nvSpPr>
+          <p:spPr>
+            <a:xfrm>
+              <a:off x="12700" y="0"/>
+              <a:ext cx="1456385" cy="0"/>
+            </a:xfrm>
+            <a:prstGeom prst="line">
+              <a:avLst/>
+            </a:prstGeom>
+            <a:noFill/>
+            <a:ln w="25400" cap="flat">
+              <a:solidFill>
+                <a:srgbClr val="000000"/>
+              </a:solidFill>
+              <a:prstDash val="solid"/>
+              <a:miter lim="400000"/>
+            </a:ln>
+            <a:effectLst/>
+          </p:spPr>
+          <p:txBody>
+            <a:bodyPr wrap="square" lIns="38100" tIns="38100" rIns="38100" bIns="38100" numCol="1" anchor="ctr">
+              <a:noAutofit/>
+            </a:bodyPr>
+            <a:lstStyle/>
+            <a:p>
+              <a:pPr algn="ctr">
+                <a:defRPr sz="3000">
+                  <a:solidFill>
+                    <a:srgbClr val="000000"/>
+                  </a:solidFill>
+                  <a:latin typeface="Helvetica Light"/>
+                  <a:ea typeface="Helvetica Light"/>
+                  <a:cs typeface="Helvetica Light"/>
+                  <a:sym typeface="Helvetica Light"/>
+                </a:defRPr>
+              </a:pPr>
+              <a:endParaRPr/>
+            </a:p>
+          </p:txBody>
+        </p:sp>
+      </p:grpSp>
+    </p:spTree>
+    <p:extLst>
+      <p:ext uri="{BB962C8B-B14F-4D97-AF65-F5344CB8AC3E}">
+        <p14:creationId xmlns:p14="http://schemas.microsoft.com/office/powerpoint/2010/main" val="656902497"/>
+      </p:ext>
+    </p:extLst>
+  </p:cSld>
+  <p:clrMapOvr>
+    <a:masterClrMapping/>
+  </p:clrMapOvr>
+  <p:timing>
+    <p:tnLst>
+      <p:par>
+        <p:cTn id="1" dur="indefinite" restart="never" nodeType="tmRoot"/>
+      </p:par>
+    </p:tnLst>
+  </p:timing>
+</p:sld>
+</file>
+
+<file path=ppt/slides/slide20.xml><?xml version="1.0" encoding="utf-8"?>
 <p:sld xmlns:a="http://schemas.openxmlformats.org/drawingml/2006/main" xmlns:r="http://schemas.openxmlformats.org/officeDocument/2006/relationships" xmlns:p="http://schemas.openxmlformats.org/presentationml/2006/main">
   <p:cSld>
     <p:bg>
@@ -6738,7 +10915,7 @@
           </a:ln>
           <a:extLst>
             <a:ext uri="{C572A759-6A51-4108-AA02-DFA0A04FC94B}">
-              <ma14:wrappingTextBoxFlag xmlns="" xmlns:ma14="http://schemas.microsoft.com/office/mac/drawingml/2011/main" val="1"/>
+              <ma14:wrappingTextBoxFlag xmlns:ma14="http://schemas.microsoft.com/office/mac/drawingml/2011/main" xmlns="" val="1"/>
             </a:ext>
           </a:extLst>
         </p:spPr>
@@ -6912,7 +11089,7 @@
 </p:sld>
 </file>
 
-<file path=ppt/slides/slide15.xml><?xml version="1.0" encoding="utf-8"?>
+<file path=ppt/slides/slide21.xml><?xml version="1.0" encoding="utf-8"?>
 <p:sld xmlns:a="http://schemas.openxmlformats.org/drawingml/2006/main" xmlns:r="http://schemas.openxmlformats.org/officeDocument/2006/relationships" xmlns:p="http://schemas.openxmlformats.org/presentationml/2006/main" show="0">
   <p:cSld>
     <p:bg>
@@ -7276,7 +11453,7 @@
           </a:ln>
           <a:extLst>
             <a:ext uri="{C572A759-6A51-4108-AA02-DFA0A04FC94B}">
-              <ma14:wrappingTextBoxFlag xmlns="" xmlns:ma14="http://schemas.microsoft.com/office/mac/drawingml/2011/main" val="1"/>
+              <ma14:wrappingTextBoxFlag xmlns:ma14="http://schemas.microsoft.com/office/mac/drawingml/2011/main" xmlns="" val="1"/>
             </a:ext>
           </a:extLst>
         </p:spPr>
@@ -7319,14 +11496,7 @@
                 <a:latin typeface="나눔고딕 Light" pitchFamily="50" charset="-127"/>
                 <a:ea typeface="나눔고딕 Light" pitchFamily="50" charset="-127"/>
               </a:rPr>
-              <a:t>):</a:t>
-            </a:r>
-            <a:r>
-              <a:rPr lang="en-US" altLang="ko-KR" dirty="0" smtClean="0">
-                <a:latin typeface="나눔고딕 Light" pitchFamily="50" charset="-127"/>
-                <a:ea typeface="나눔고딕 Light" pitchFamily="50" charset="-127"/>
-              </a:rPr>
-              <a:t> </a:t>
+              <a:t>): </a:t>
             </a:r>
             <a:r>
               <a:rPr lang="ko-KR" altLang="en-US" dirty="0" err="1" smtClean="0">
@@ -7600,14 +11770,7 @@
                 <a:latin typeface="나눔고딕 Light" pitchFamily="50" charset="-127"/>
                 <a:ea typeface="나눔고딕 Light" pitchFamily="50" charset="-127"/>
               </a:rPr>
-              <a:t>위 데이터를 이용하여 </a:t>
-            </a:r>
-            <a:r>
-              <a:rPr lang="ko-KR" altLang="en-US" dirty="0" smtClean="0">
-                <a:latin typeface="나눔고딕 Light" pitchFamily="50" charset="-127"/>
-                <a:ea typeface="나눔고딕 Light" pitchFamily="50" charset="-127"/>
-              </a:rPr>
-              <a:t>자율주행 인공지능 학습</a:t>
+              <a:t>위 데이터를 이용하여 자율주행 인공지능 학습</a:t>
             </a:r>
             <a:endParaRPr lang="en-US" altLang="ko-KR" dirty="0" smtClean="0">
               <a:latin typeface="나눔고딕 Light" pitchFamily="50" charset="-127"/>
@@ -7733,10 +11896,6 @@
               </a:rPr>
               <a:t> </a:t>
             </a:r>
-            <a:endParaRPr lang="en-US" altLang="ko-KR" dirty="0" smtClean="0">
-              <a:latin typeface="나눔고딕 Light" pitchFamily="50" charset="-127"/>
-              <a:ea typeface="나눔고딕 Light" pitchFamily="50" charset="-127"/>
-            </a:endParaRPr>
           </a:p>
           <a:p>
             <a:pPr fontAlgn="base">
@@ -7764,11 +11923,11 @@
   <p:clrMapOvr>
     <a:masterClrMapping/>
   </p:clrMapOvr>
-  <mc:AlternateContent xmlns:mc="http://schemas.openxmlformats.org/markup-compatibility/2006">
-    <mc:Choice xmlns:p14="http://schemas.microsoft.com/office/powerpoint/2010/main" Requires="p14">
+  <mc:AlternateContent xmlns:mc="http://schemas.openxmlformats.org/markup-compatibility/2006" xmlns:p14="http://schemas.microsoft.com/office/powerpoint/2010/main">
+    <mc:Choice Requires="p14">
       <p:transition spd="slow" p14:dur="2000"/>
     </mc:Choice>
-    <mc:Fallback>
+    <mc:Fallback xmlns="">
       <p:transition spd="slow"/>
     </mc:Fallback>
   </mc:AlternateContent>
@@ -7782,7 +11941,7 @@
 </p:sld>
 </file>
 
-<file path=ppt/slides/slide16.xml><?xml version="1.0" encoding="utf-8"?>
+<file path=ppt/slides/slide22.xml><?xml version="1.0" encoding="utf-8"?>
 <p:sld xmlns:a="http://schemas.openxmlformats.org/drawingml/2006/main" xmlns:r="http://schemas.openxmlformats.org/officeDocument/2006/relationships" xmlns:p="http://schemas.openxmlformats.org/presentationml/2006/main">
   <p:cSld>
     <p:bg>
@@ -8146,7 +12305,7 @@
           </a:ln>
           <a:extLst>
             <a:ext uri="{C572A759-6A51-4108-AA02-DFA0A04FC94B}">
-              <ma14:wrappingTextBoxFlag xmlns="" xmlns:ma14="http://schemas.microsoft.com/office/mac/drawingml/2011/main" val="1"/>
+              <ma14:wrappingTextBoxFlag xmlns:ma14="http://schemas.microsoft.com/office/mac/drawingml/2011/main" xmlns="" val="1"/>
             </a:ext>
           </a:extLst>
         </p:spPr>
@@ -8218,7 +12377,7 @@
 </p:sld>
 </file>
 
-<file path=ppt/slides/slide17.xml><?xml version="1.0" encoding="utf-8"?>
+<file path=ppt/slides/slide23.xml><?xml version="1.0" encoding="utf-8"?>
 <p:sld xmlns:a="http://schemas.openxmlformats.org/drawingml/2006/main" xmlns:r="http://schemas.openxmlformats.org/officeDocument/2006/relationships" xmlns:p="http://schemas.openxmlformats.org/presentationml/2006/main">
   <p:cSld>
     <p:bg>
@@ -9424,13 +13583,13 @@
           </a:ln>
           <a:extLst>
             <a:ext uri="{C572A759-6A51-4108-AA02-DFA0A04FC94B}">
-              <ma14:wrappingTextBoxFlag xmlns="" xmlns:ma14="http://schemas.microsoft.com/office/mac/drawingml/2011/main" val="1"/>
+              <ma14:wrappingTextBoxFlag xmlns:ma14="http://schemas.microsoft.com/office/mac/drawingml/2011/main" xmlns="" val="1"/>
             </a:ext>
           </a:extLst>
         </p:spPr>
         <p:txBody>
           <a:bodyPr lIns="38100" tIns="38100" rIns="38100" bIns="38100">
-            <a:normAutofit/>
+            <a:normAutofit fontScale="92500"/>
           </a:bodyPr>
           <a:lstStyle/>
           <a:p>
@@ -9444,14 +13603,7 @@
                 <a:latin typeface="나눔고딕 Light" pitchFamily="50" charset="-127"/>
                 <a:ea typeface="나눔고딕 Light" pitchFamily="50" charset="-127"/>
               </a:rPr>
-              <a:t>R</a:t>
-            </a:r>
-            <a:r>
-              <a:rPr lang="en-US" altLang="ko-KR" sz="2000" dirty="0" smtClean="0">
-                <a:latin typeface="나눔고딕 Light" pitchFamily="50" charset="-127"/>
-                <a:ea typeface="나눔고딕 Light" pitchFamily="50" charset="-127"/>
-              </a:rPr>
-              <a:t>aspberry Pi</a:t>
+              <a:t>Raspberry Pi</a:t>
             </a:r>
             <a:endParaRPr lang="ko-KR" altLang="en-US" sz="1000" dirty="0" smtClean="0">
               <a:latin typeface="나눔고딕 Light" pitchFamily="50" charset="-127"/>
@@ -9479,7 +13631,7 @@
           </a:ln>
           <a:extLst>
             <a:ext uri="{C572A759-6A51-4108-AA02-DFA0A04FC94B}">
-              <ma14:wrappingTextBoxFlag xmlns="" xmlns:ma14="http://schemas.microsoft.com/office/mac/drawingml/2011/main" val="1"/>
+              <ma14:wrappingTextBoxFlag xmlns:ma14="http://schemas.microsoft.com/office/mac/drawingml/2011/main" xmlns="" val="1"/>
             </a:ext>
           </a:extLst>
         </p:spPr>
@@ -9527,7 +13679,7 @@
           </a:ln>
           <a:extLst>
             <a:ext uri="{C572A759-6A51-4108-AA02-DFA0A04FC94B}">
-              <ma14:wrappingTextBoxFlag xmlns="" xmlns:ma14="http://schemas.microsoft.com/office/mac/drawingml/2011/main" val="1"/>
+              <ma14:wrappingTextBoxFlag xmlns:ma14="http://schemas.microsoft.com/office/mac/drawingml/2011/main" xmlns="" val="1"/>
             </a:ext>
           </a:extLst>
         </p:spPr>
@@ -9575,13 +13727,13 @@
           </a:ln>
           <a:extLst>
             <a:ext uri="{C572A759-6A51-4108-AA02-DFA0A04FC94B}">
-              <ma14:wrappingTextBoxFlag xmlns="" xmlns:ma14="http://schemas.microsoft.com/office/mac/drawingml/2011/main" val="1"/>
+              <ma14:wrappingTextBoxFlag xmlns:ma14="http://schemas.microsoft.com/office/mac/drawingml/2011/main" xmlns="" val="1"/>
             </a:ext>
           </a:extLst>
         </p:spPr>
         <p:txBody>
           <a:bodyPr lIns="38100" tIns="38100" rIns="38100" bIns="38100">
-            <a:normAutofit/>
+            <a:normAutofit fontScale="85000" lnSpcReduction="10000"/>
           </a:bodyPr>
           <a:lstStyle/>
           <a:p>
@@ -9638,7 +13790,7 @@
 </p:sld>
 </file>
 
-<file path=ppt/slides/slide18.xml><?xml version="1.0" encoding="utf-8"?>
+<file path=ppt/slides/slide24.xml><?xml version="1.0" encoding="utf-8"?>
 <p:sld xmlns:a="http://schemas.openxmlformats.org/drawingml/2006/main" xmlns:r="http://schemas.openxmlformats.org/officeDocument/2006/relationships" xmlns:p="http://schemas.openxmlformats.org/presentationml/2006/main">
   <p:cSld>
     <p:spTree>
@@ -10866,7 +15018,7 @@
 </p:sld>
 </file>
 
-<file path=ppt/slides/slide19.xml><?xml version="1.0" encoding="utf-8"?>
+<file path=ppt/slides/slide25.xml><?xml version="1.0" encoding="utf-8"?>
 <p:sld xmlns:a="http://schemas.openxmlformats.org/drawingml/2006/main" xmlns:r="http://schemas.openxmlformats.org/officeDocument/2006/relationships" xmlns:p="http://schemas.openxmlformats.org/presentationml/2006/main" show="0">
   <p:cSld>
     <p:spTree>
@@ -11254,7 +15406,7 @@
             <a:effectLst/>
             <a:extLst>
               <a:ext uri="{C572A759-6A51-4108-AA02-DFA0A04FC94B}">
-                <ma14:wrappingTextBoxFlag xmlns="" xmlns:ma14="http://schemas.microsoft.com/office/mac/drawingml/2011/main" val="1"/>
+                <ma14:wrappingTextBoxFlag xmlns:ma14="http://schemas.microsoft.com/office/mac/drawingml/2011/main" xmlns="" val="1"/>
               </a:ext>
             </a:extLst>
           </p:spPr>
@@ -11327,7 +15479,7 @@
             <a:effectLst/>
             <a:extLst>
               <a:ext uri="{C572A759-6A51-4108-AA02-DFA0A04FC94B}">
-                <ma14:wrappingTextBoxFlag xmlns="" xmlns:ma14="http://schemas.microsoft.com/office/mac/drawingml/2011/main" val="1"/>
+                <ma14:wrappingTextBoxFlag xmlns:ma14="http://schemas.microsoft.com/office/mac/drawingml/2011/main" xmlns="" val="1"/>
               </a:ext>
             </a:extLst>
           </p:spPr>
@@ -11392,7 +15544,7 @@
             <a:effectLst/>
             <a:extLst>
               <a:ext uri="{C572A759-6A51-4108-AA02-DFA0A04FC94B}">
-                <ma14:wrappingTextBoxFlag xmlns="" xmlns:ma14="http://schemas.microsoft.com/office/mac/drawingml/2011/main" val="1"/>
+                <ma14:wrappingTextBoxFlag xmlns:ma14="http://schemas.microsoft.com/office/mac/drawingml/2011/main" xmlns="" val="1"/>
               </a:ext>
             </a:extLst>
           </p:spPr>
@@ -11412,14 +15564,7 @@
                   <a:latin typeface="나눔고딕 Light" pitchFamily="50" charset="-127"/>
                   <a:ea typeface="나눔고딕 Light" pitchFamily="50" charset="-127"/>
                 </a:rPr>
-                <a:t>시청각장애인들의 보행에 도움을 주는 </a:t>
-              </a:r>
-              <a:r>
-                <a:rPr lang="ko-KR" altLang="en-US" sz="1200" dirty="0" smtClean="0">
-                  <a:latin typeface="나눔고딕 Light" pitchFamily="50" charset="-127"/>
-                  <a:ea typeface="나눔고딕 Light" pitchFamily="50" charset="-127"/>
-                </a:rPr>
-                <a:t>자율주행 로봇이다</a:t>
+                <a:t>시청각장애인들의 보행에 도움을 주는 자율주행 로봇이다</a:t>
               </a:r>
               <a:r>
                 <a:rPr lang="en-US" altLang="ko-KR" sz="1200" dirty="0" smtClean="0">
@@ -11621,11 +15766,11 @@
   <p:clrMapOvr>
     <a:masterClrMapping/>
   </p:clrMapOvr>
-  <mc:AlternateContent xmlns:mc="http://schemas.openxmlformats.org/markup-compatibility/2006">
-    <mc:Choice xmlns:p14="http://schemas.microsoft.com/office/powerpoint/2010/main" Requires="p14">
+  <mc:AlternateContent xmlns:mc="http://schemas.openxmlformats.org/markup-compatibility/2006" xmlns:p14="http://schemas.microsoft.com/office/powerpoint/2010/main">
+    <mc:Choice Requires="p14">
       <p:transition spd="slow" p14:dur="2000"/>
     </mc:Choice>
-    <mc:Fallback>
+    <mc:Fallback xmlns="">
       <p:transition spd="slow"/>
     </mc:Fallback>
   </mc:AlternateContent>
@@ -11639,584 +15784,7 @@
 </p:sld>
 </file>
 
-<file path=ppt/slides/slide2.xml><?xml version="1.0" encoding="utf-8"?>
-<p:sld xmlns:a="http://schemas.openxmlformats.org/drawingml/2006/main" xmlns:r="http://schemas.openxmlformats.org/officeDocument/2006/relationships" xmlns:p="http://schemas.openxmlformats.org/presentationml/2006/main">
-  <p:cSld>
-    <p:bg>
-      <p:bgPr>
-        <a:solidFill>
-          <a:schemeClr val="bg1">
-            <a:lumMod val="95000"/>
-          </a:schemeClr>
-        </a:solidFill>
-        <a:effectLst/>
-      </p:bgPr>
-    </p:bg>
-    <p:spTree>
-      <p:nvGrpSpPr>
-        <p:cNvPr id="1" name=""/>
-        <p:cNvGrpSpPr/>
-        <p:nvPr/>
-      </p:nvGrpSpPr>
-      <p:grpSpPr>
-        <a:xfrm>
-          <a:off x="0" y="0"/>
-          <a:ext cx="0" cy="0"/>
-          <a:chOff x="0" y="0"/>
-          <a:chExt cx="0" cy="0"/>
-        </a:xfrm>
-      </p:grpSpPr>
-      <p:sp>
-        <p:nvSpPr>
-          <p:cNvPr id="4" name="직사각형 3"/>
-          <p:cNvSpPr/>
-          <p:nvPr/>
-        </p:nvSpPr>
-        <p:spPr>
-          <a:xfrm>
-            <a:off x="0" y="-16001"/>
-            <a:ext cx="1657350" cy="6238875"/>
-          </a:xfrm>
-          <a:prstGeom prst="rect">
-            <a:avLst/>
-          </a:prstGeom>
-          <a:solidFill>
-            <a:srgbClr val="EDD0BE"/>
-          </a:solidFill>
-          <a:ln>
-            <a:noFill/>
-          </a:ln>
-        </p:spPr>
-        <p:style>
-          <a:lnRef idx="2">
-            <a:schemeClr val="accent1">
-              <a:shade val="50000"/>
-            </a:schemeClr>
-          </a:lnRef>
-          <a:fillRef idx="1">
-            <a:schemeClr val="accent1"/>
-          </a:fillRef>
-          <a:effectRef idx="0">
-            <a:schemeClr val="accent1"/>
-          </a:effectRef>
-          <a:fontRef idx="minor">
-            <a:schemeClr val="lt1"/>
-          </a:fontRef>
-        </p:style>
-        <p:txBody>
-          <a:bodyPr rtlCol="0" anchor="ctr"/>
-          <a:lstStyle/>
-          <a:p>
-            <a:pPr algn="ctr"/>
-            <a:endParaRPr lang="ko-KR" altLang="en-US" dirty="0">
-              <a:latin typeface="나눔고딕 Light" pitchFamily="50" charset="-127"/>
-              <a:ea typeface="나눔고딕 Light" pitchFamily="50" charset="-127"/>
-            </a:endParaRPr>
-          </a:p>
-        </p:txBody>
-      </p:sp>
-      <p:sp>
-        <p:nvSpPr>
-          <p:cNvPr id="5" name="TextBox 7"/>
-          <p:cNvSpPr txBox="1">
-            <a:spLocks noChangeArrowheads="1"/>
-          </p:cNvSpPr>
-          <p:nvPr/>
-        </p:nvSpPr>
-        <p:spPr bwMode="auto">
-          <a:xfrm>
-            <a:off x="2406377" y="608585"/>
-            <a:ext cx="4352674" cy="676532"/>
-          </a:xfrm>
-          <a:prstGeom prst="rect">
-            <a:avLst/>
-          </a:prstGeom>
-          <a:noFill/>
-          <a:ln>
-            <a:noFill/>
-          </a:ln>
-          <a:extLst>
-            <a:ext uri="{909E8E84-426E-40DD-AFC4-6F175D3DCCD1}">
-              <a14:hiddenFill xmlns:a14="http://schemas.microsoft.com/office/drawing/2010/main">
-                <a:solidFill>
-                  <a:srgbClr val="FFFFFF"/>
-                </a:solidFill>
-              </a14:hiddenFill>
-            </a:ext>
-            <a:ext uri="{91240B29-F687-4F45-9708-019B960494DF}">
-              <a14:hiddenLine xmlns:a14="http://schemas.microsoft.com/office/drawing/2010/main" w="9525">
-                <a:solidFill>
-                  <a:srgbClr val="000000"/>
-                </a:solidFill>
-                <a:miter lim="800000"/>
-                <a:headEnd/>
-                <a:tailEnd/>
-              </a14:hiddenLine>
-            </a:ext>
-          </a:extLst>
-        </p:spPr>
-        <p:txBody>
-          <a:bodyPr wrap="square">
-            <a:spAutoFit/>
-          </a:bodyPr>
-          <a:lstStyle>
-            <a:lvl1pPr>
-              <a:defRPr sz="3600">
-                <a:solidFill>
-                  <a:schemeClr val="tx1"/>
-                </a:solidFill>
-                <a:latin typeface="Lato Light" pitchFamily="34" charset="0"/>
-              </a:defRPr>
-            </a:lvl1pPr>
-            <a:lvl2pPr marL="742950" indent="-285750">
-              <a:defRPr sz="3600">
-                <a:solidFill>
-                  <a:schemeClr val="tx1"/>
-                </a:solidFill>
-                <a:latin typeface="Lato Light" pitchFamily="34" charset="0"/>
-              </a:defRPr>
-            </a:lvl2pPr>
-            <a:lvl3pPr marL="1143000" indent="-228600">
-              <a:defRPr sz="3600">
-                <a:solidFill>
-                  <a:schemeClr val="tx1"/>
-                </a:solidFill>
-                <a:latin typeface="Lato Light" pitchFamily="34" charset="0"/>
-              </a:defRPr>
-            </a:lvl3pPr>
-            <a:lvl4pPr marL="1600200" indent="-228600">
-              <a:defRPr sz="3600">
-                <a:solidFill>
-                  <a:schemeClr val="tx1"/>
-                </a:solidFill>
-                <a:latin typeface="Lato Light" pitchFamily="34" charset="0"/>
-              </a:defRPr>
-            </a:lvl4pPr>
-            <a:lvl5pPr marL="2057400" indent="-228600">
-              <a:defRPr sz="3600">
-                <a:solidFill>
-                  <a:schemeClr val="tx1"/>
-                </a:solidFill>
-                <a:latin typeface="Lato Light" pitchFamily="34" charset="0"/>
-              </a:defRPr>
-            </a:lvl5pPr>
-            <a:lvl6pPr marL="2514600" indent="-228600" defTabSz="1827213" fontAlgn="base">
-              <a:spcBef>
-                <a:spcPct val="0"/>
-              </a:spcBef>
-              <a:spcAft>
-                <a:spcPct val="0"/>
-              </a:spcAft>
-              <a:defRPr sz="3600">
-                <a:solidFill>
-                  <a:schemeClr val="tx1"/>
-                </a:solidFill>
-                <a:latin typeface="Lato Light" pitchFamily="34" charset="0"/>
-              </a:defRPr>
-            </a:lvl6pPr>
-            <a:lvl7pPr marL="2971800" indent="-228600" defTabSz="1827213" fontAlgn="base">
-              <a:spcBef>
-                <a:spcPct val="0"/>
-              </a:spcBef>
-              <a:spcAft>
-                <a:spcPct val="0"/>
-              </a:spcAft>
-              <a:defRPr sz="3600">
-                <a:solidFill>
-                  <a:schemeClr val="tx1"/>
-                </a:solidFill>
-                <a:latin typeface="Lato Light" pitchFamily="34" charset="0"/>
-              </a:defRPr>
-            </a:lvl7pPr>
-            <a:lvl8pPr marL="3429000" indent="-228600" defTabSz="1827213" fontAlgn="base">
-              <a:spcBef>
-                <a:spcPct val="0"/>
-              </a:spcBef>
-              <a:spcAft>
-                <a:spcPct val="0"/>
-              </a:spcAft>
-              <a:defRPr sz="3600">
-                <a:solidFill>
-                  <a:schemeClr val="tx1"/>
-                </a:solidFill>
-                <a:latin typeface="Lato Light" pitchFamily="34" charset="0"/>
-              </a:defRPr>
-            </a:lvl8pPr>
-            <a:lvl9pPr marL="3886200" indent="-228600" defTabSz="1827213" fontAlgn="base">
-              <a:spcBef>
-                <a:spcPct val="0"/>
-              </a:spcBef>
-              <a:spcAft>
-                <a:spcPct val="0"/>
-              </a:spcAft>
-              <a:defRPr sz="3600">
-                <a:solidFill>
-                  <a:schemeClr val="tx1"/>
-                </a:solidFill>
-                <a:latin typeface="Lato Light" pitchFamily="34" charset="0"/>
-              </a:defRPr>
-            </a:lvl9pPr>
-          </a:lstStyle>
-          <a:p>
-            <a:pPr eaLnBrk="1" hangingPunct="1">
-              <a:lnSpc>
-                <a:spcPct val="150000"/>
-              </a:lnSpc>
-            </a:pPr>
-            <a:r>
-              <a:rPr lang="en-US" altLang="ko-KR" sz="2800" b="1" dirty="0" smtClean="0">
-                <a:latin typeface="나눔스퀘어 Bold" panose="020B0600000101010101" pitchFamily="50" charset="-127"/>
-                <a:ea typeface="나눔스퀘어 Bold" panose="020B0600000101010101" pitchFamily="50" charset="-127"/>
-                <a:cs typeface="Calibri" panose="020F0502020204030204" pitchFamily="34" charset="0"/>
-              </a:rPr>
-              <a:t>Motivation</a:t>
-            </a:r>
-            <a:endParaRPr lang="ru-RU" altLang="ko-KR" sz="2800" b="1" dirty="0">
-              <a:latin typeface="나눔스퀘어 Bold" panose="020B0600000101010101" pitchFamily="50" charset="-127"/>
-              <a:ea typeface="나눔스퀘어 Bold" panose="020B0600000101010101" pitchFamily="50" charset="-127"/>
-              <a:cs typeface="Calibri" panose="020F0502020204030204" pitchFamily="34" charset="0"/>
-            </a:endParaRPr>
-          </a:p>
-        </p:txBody>
-      </p:sp>
-      <p:sp>
-        <p:nvSpPr>
-          <p:cNvPr id="10" name="Shape 388"/>
-          <p:cNvSpPr/>
-          <p:nvPr/>
-        </p:nvSpPr>
-        <p:spPr>
-          <a:xfrm>
-            <a:off x="2469103" y="2135723"/>
-            <a:ext cx="8951372" cy="3936831"/>
-          </a:xfrm>
-          <a:prstGeom prst="rect">
-            <a:avLst/>
-          </a:prstGeom>
-          <a:ln w="3175">
-            <a:miter lim="400000"/>
-          </a:ln>
-          <a:extLst>
-            <a:ext uri="{C572A759-6A51-4108-AA02-DFA0A04FC94B}">
-              <ma14:wrappingTextBoxFlag xmlns="" xmlns:ma14="http://schemas.microsoft.com/office/mac/drawingml/2011/main" val="1"/>
-            </a:ext>
-          </a:extLst>
-        </p:spPr>
-        <p:txBody>
-          <a:bodyPr lIns="38100" tIns="38100" rIns="38100" bIns="38100">
-            <a:normAutofit/>
-          </a:bodyPr>
-          <a:lstStyle/>
-          <a:p>
-            <a:pPr marL="285750" indent="-285750" fontAlgn="base">
-              <a:lnSpc>
-                <a:spcPct val="150000"/>
-              </a:lnSpc>
-              <a:buFontTx/>
-              <a:buChar char="-"/>
-            </a:pPr>
-            <a:r>
-              <a:rPr lang="ko-KR" altLang="en-US" dirty="0" smtClean="0">
-                <a:latin typeface="나눔고딕 Light" pitchFamily="50" charset="-127"/>
-                <a:ea typeface="나눔고딕 Light" pitchFamily="50" charset="-127"/>
-              </a:rPr>
-              <a:t>현대 사회에서 시각</a:t>
-            </a:r>
-            <a:r>
-              <a:rPr lang="en-US" altLang="ko-KR" dirty="0" smtClean="0">
-                <a:latin typeface="나눔고딕 Light" pitchFamily="50" charset="-127"/>
-                <a:ea typeface="나눔고딕 Light" pitchFamily="50" charset="-127"/>
-              </a:rPr>
-              <a:t> </a:t>
-            </a:r>
-            <a:r>
-              <a:rPr lang="ko-KR" altLang="en-US" dirty="0" smtClean="0">
-                <a:latin typeface="나눔고딕 Light" pitchFamily="50" charset="-127"/>
-                <a:ea typeface="나눔고딕 Light" pitchFamily="50" charset="-127"/>
-              </a:rPr>
-              <a:t>및 청각 장애인에 대한 배려가 매우 부족</a:t>
-            </a:r>
-            <a:endParaRPr lang="en-US" altLang="ko-KR" dirty="0" smtClean="0">
-              <a:latin typeface="나눔고딕 Light" pitchFamily="50" charset="-127"/>
-              <a:ea typeface="나눔고딕 Light" pitchFamily="50" charset="-127"/>
-            </a:endParaRPr>
-          </a:p>
-          <a:p>
-            <a:pPr marL="285750" indent="-285750" fontAlgn="base">
-              <a:lnSpc>
-                <a:spcPct val="150000"/>
-              </a:lnSpc>
-              <a:buFontTx/>
-              <a:buChar char="-"/>
-            </a:pPr>
-            <a:endParaRPr lang="en-US" altLang="ko-KR" dirty="0" smtClean="0">
-              <a:latin typeface="나눔고딕 Light" pitchFamily="50" charset="-127"/>
-              <a:ea typeface="나눔고딕 Light" pitchFamily="50" charset="-127"/>
-            </a:endParaRPr>
-          </a:p>
-          <a:p>
-            <a:pPr marL="285750" indent="-285750" fontAlgn="base">
-              <a:lnSpc>
-                <a:spcPct val="150000"/>
-              </a:lnSpc>
-              <a:buFontTx/>
-              <a:buChar char="-"/>
-            </a:pPr>
-            <a:r>
-              <a:rPr lang="ko-KR" altLang="en-US" dirty="0" smtClean="0">
-                <a:latin typeface="나눔고딕 Light" pitchFamily="50" charset="-127"/>
-                <a:ea typeface="나눔고딕 Light" pitchFamily="50" charset="-127"/>
-              </a:rPr>
-              <a:t>특히 파손된 </a:t>
-            </a:r>
-            <a:r>
-              <a:rPr lang="ko-KR" altLang="en-US" dirty="0" err="1" smtClean="0">
-                <a:latin typeface="나눔고딕 Light" pitchFamily="50" charset="-127"/>
-                <a:ea typeface="나눔고딕 Light" pitchFamily="50" charset="-127"/>
-              </a:rPr>
-              <a:t>점자블럭</a:t>
-            </a:r>
-            <a:r>
-              <a:rPr lang="en-US" altLang="ko-KR" dirty="0" smtClean="0">
-                <a:latin typeface="나눔고딕 Light" pitchFamily="50" charset="-127"/>
-                <a:ea typeface="나눔고딕 Light" pitchFamily="50" charset="-127"/>
-              </a:rPr>
-              <a:t>, </a:t>
-            </a:r>
-            <a:r>
-              <a:rPr lang="ko-KR" altLang="en-US" dirty="0" smtClean="0">
-                <a:latin typeface="나눔고딕 Light" pitchFamily="50" charset="-127"/>
-                <a:ea typeface="나눔고딕 Light" pitchFamily="50" charset="-127"/>
-              </a:rPr>
-              <a:t>올바르지 않은 </a:t>
-            </a:r>
-            <a:r>
-              <a:rPr lang="ko-KR" altLang="en-US" dirty="0" err="1" smtClean="0">
-                <a:latin typeface="나눔고딕 Light" pitchFamily="50" charset="-127"/>
-                <a:ea typeface="나눔고딕 Light" pitchFamily="50" charset="-127"/>
-              </a:rPr>
-              <a:t>점자블럭</a:t>
-            </a:r>
-            <a:r>
-              <a:rPr lang="ko-KR" altLang="en-US" dirty="0" smtClean="0">
-                <a:latin typeface="나눔고딕 Light" pitchFamily="50" charset="-127"/>
-                <a:ea typeface="나눔고딕 Light" pitchFamily="50" charset="-127"/>
-              </a:rPr>
-              <a:t> 등의 문제로 시각 장애인은 보행이 어려움</a:t>
-            </a:r>
-            <a:endParaRPr lang="en-US" altLang="ko-KR" dirty="0" smtClean="0">
-              <a:latin typeface="나눔고딕 Light" pitchFamily="50" charset="-127"/>
-              <a:ea typeface="나눔고딕 Light" pitchFamily="50" charset="-127"/>
-            </a:endParaRPr>
-          </a:p>
-          <a:p>
-            <a:pPr marL="285750" indent="-285750" fontAlgn="base">
-              <a:lnSpc>
-                <a:spcPct val="150000"/>
-              </a:lnSpc>
-              <a:buFontTx/>
-              <a:buChar char="-"/>
-            </a:pPr>
-            <a:endParaRPr lang="en-US" altLang="ko-KR" dirty="0" smtClean="0">
-              <a:latin typeface="나눔고딕 Light" pitchFamily="50" charset="-127"/>
-              <a:ea typeface="나눔고딕 Light" pitchFamily="50" charset="-127"/>
-            </a:endParaRPr>
-          </a:p>
-          <a:p>
-            <a:pPr marL="285750" indent="-285750" fontAlgn="base">
-              <a:lnSpc>
-                <a:spcPct val="150000"/>
-              </a:lnSpc>
-              <a:buFontTx/>
-              <a:buChar char="-"/>
-            </a:pPr>
-            <a:r>
-              <a:rPr lang="ko-KR" altLang="en-US" dirty="0" smtClean="0">
-                <a:latin typeface="나눔고딕 Light" pitchFamily="50" charset="-127"/>
-                <a:ea typeface="나눔고딕 Light" pitchFamily="50" charset="-127"/>
-              </a:rPr>
-              <a:t>청각 장애인 또한 보행 시 여러 가지 위협에 무방비 하게 노출</a:t>
-            </a:r>
-            <a:endParaRPr lang="en-US" altLang="ko-KR" dirty="0" smtClean="0">
-              <a:latin typeface="나눔고딕 Light" pitchFamily="50" charset="-127"/>
-              <a:ea typeface="나눔고딕 Light" pitchFamily="50" charset="-127"/>
-            </a:endParaRPr>
-          </a:p>
-          <a:p>
-            <a:pPr marL="285750" indent="-285750" fontAlgn="base">
-              <a:lnSpc>
-                <a:spcPct val="150000"/>
-              </a:lnSpc>
-              <a:buFontTx/>
-              <a:buChar char="-"/>
-            </a:pPr>
-            <a:endParaRPr lang="en-US" altLang="ko-KR" dirty="0" smtClean="0">
-              <a:latin typeface="나눔고딕 Light" pitchFamily="50" charset="-127"/>
-              <a:ea typeface="나눔고딕 Light" pitchFamily="50" charset="-127"/>
-            </a:endParaRPr>
-          </a:p>
-          <a:p>
-            <a:pPr marL="285750" indent="-285750" fontAlgn="base">
-              <a:lnSpc>
-                <a:spcPct val="150000"/>
-              </a:lnSpc>
-              <a:buFontTx/>
-              <a:buChar char="-"/>
-            </a:pPr>
-            <a:r>
-              <a:rPr lang="ko-KR" altLang="en-US" dirty="0" smtClean="0">
-                <a:latin typeface="나눔고딕 Light" pitchFamily="50" charset="-127"/>
-                <a:ea typeface="나눔고딕 Light" pitchFamily="50" charset="-127"/>
-              </a:rPr>
-              <a:t>이에 따라 시각 및 청각 장애인들이 평소 보행 시 느낄 수 있는 불편함을 해소하기 위하여 시각 및 청각 장애인들을 도와주는 자율주행 도우미 로봇을 제작하고자 결정</a:t>
-            </a:r>
-            <a:endParaRPr lang="en-US" altLang="ko-KR" dirty="0" smtClean="0">
-              <a:latin typeface="나눔고딕 Light" pitchFamily="50" charset="-127"/>
-              <a:ea typeface="나눔고딕 Light" pitchFamily="50" charset="-127"/>
-            </a:endParaRPr>
-          </a:p>
-          <a:p>
-            <a:pPr fontAlgn="base">
-              <a:lnSpc>
-                <a:spcPct val="120000"/>
-              </a:lnSpc>
-            </a:pPr>
-            <a:r>
-              <a:rPr lang="ko-KR" altLang="en-US" dirty="0" smtClean="0">
-                <a:latin typeface="나눔고딕 Light" pitchFamily="50" charset="-127"/>
-                <a:ea typeface="나눔고딕 Light" pitchFamily="50" charset="-127"/>
-              </a:rPr>
-              <a:t> </a:t>
-            </a:r>
-          </a:p>
-        </p:txBody>
-      </p:sp>
-      <p:grpSp>
-        <p:nvGrpSpPr>
-          <p:cNvPr id="11" name="Group 392"/>
-          <p:cNvGrpSpPr/>
-          <p:nvPr/>
-        </p:nvGrpSpPr>
-        <p:grpSpPr>
-          <a:xfrm>
-            <a:off x="2469103" y="1587290"/>
-            <a:ext cx="8675147" cy="127210"/>
-            <a:chOff x="0" y="0"/>
-            <a:chExt cx="11657498" cy="0"/>
-          </a:xfrm>
-        </p:grpSpPr>
-        <p:sp>
-          <p:nvSpPr>
-            <p:cNvPr id="12" name="Shape 390"/>
-            <p:cNvSpPr/>
-            <p:nvPr/>
-          </p:nvSpPr>
-          <p:spPr>
-            <a:xfrm>
-              <a:off x="0" y="0"/>
-              <a:ext cx="11657498" cy="0"/>
-            </a:xfrm>
-            <a:prstGeom prst="line">
-              <a:avLst/>
-            </a:prstGeom>
-            <a:noFill/>
-            <a:ln w="25400" cap="flat">
-              <a:solidFill>
-                <a:srgbClr val="E5E5E5"/>
-              </a:solidFill>
-              <a:prstDash val="solid"/>
-              <a:miter lim="400000"/>
-            </a:ln>
-            <a:effectLst/>
-          </p:spPr>
-          <p:txBody>
-            <a:bodyPr wrap="square" lIns="38100" tIns="38100" rIns="38100" bIns="38100" numCol="1" anchor="ctr">
-              <a:noAutofit/>
-            </a:bodyPr>
-            <a:lstStyle/>
-            <a:p>
-              <a:pPr algn="ctr">
-                <a:defRPr sz="3000">
-                  <a:solidFill>
-                    <a:srgbClr val="000000"/>
-                  </a:solidFill>
-                  <a:latin typeface="Helvetica Light"/>
-                  <a:ea typeface="Helvetica Light"/>
-                  <a:cs typeface="Helvetica Light"/>
-                  <a:sym typeface="Helvetica Light"/>
-                </a:defRPr>
-              </a:pPr>
-              <a:endParaRPr/>
-            </a:p>
-          </p:txBody>
-        </p:sp>
-        <p:sp>
-          <p:nvSpPr>
-            <p:cNvPr id="13" name="Shape 391"/>
-            <p:cNvSpPr/>
-            <p:nvPr/>
-          </p:nvSpPr>
-          <p:spPr>
-            <a:xfrm>
-              <a:off x="12700" y="0"/>
-              <a:ext cx="1456385" cy="0"/>
-            </a:xfrm>
-            <a:prstGeom prst="line">
-              <a:avLst/>
-            </a:prstGeom>
-            <a:noFill/>
-            <a:ln w="25400" cap="flat">
-              <a:solidFill>
-                <a:srgbClr val="000000"/>
-              </a:solidFill>
-              <a:prstDash val="solid"/>
-              <a:miter lim="400000"/>
-            </a:ln>
-            <a:effectLst/>
-          </p:spPr>
-          <p:txBody>
-            <a:bodyPr wrap="square" lIns="38100" tIns="38100" rIns="38100" bIns="38100" numCol="1" anchor="ctr">
-              <a:noAutofit/>
-            </a:bodyPr>
-            <a:lstStyle/>
-            <a:p>
-              <a:pPr algn="ctr">
-                <a:defRPr sz="3000">
-                  <a:solidFill>
-                    <a:srgbClr val="000000"/>
-                  </a:solidFill>
-                  <a:latin typeface="Helvetica Light"/>
-                  <a:ea typeface="Helvetica Light"/>
-                  <a:cs typeface="Helvetica Light"/>
-                  <a:sym typeface="Helvetica Light"/>
-                </a:defRPr>
-              </a:pPr>
-              <a:endParaRPr/>
-            </a:p>
-          </p:txBody>
-        </p:sp>
-      </p:grpSp>
-    </p:spTree>
-    <p:extLst>
-      <p:ext uri="{BB962C8B-B14F-4D97-AF65-F5344CB8AC3E}">
-        <p14:creationId xmlns:p14="http://schemas.microsoft.com/office/powerpoint/2010/main" val="656902497"/>
-      </p:ext>
-    </p:extLst>
-  </p:cSld>
-  <p:clrMapOvr>
-    <a:masterClrMapping/>
-  </p:clrMapOvr>
-  <p:timing>
-    <p:tnLst>
-      <p:par>
-        <p:cTn id="1" dur="indefinite" restart="never" nodeType="tmRoot"/>
-      </p:par>
-    </p:tnLst>
-  </p:timing>
-</p:sld>
-</file>
-
-<file path=ppt/slides/slide20.xml><?xml version="1.0" encoding="utf-8"?>
+<file path=ppt/slides/slide26.xml><?xml version="1.0" encoding="utf-8"?>
 <p:sld xmlns:a="http://schemas.openxmlformats.org/drawingml/2006/main" xmlns:r="http://schemas.openxmlformats.org/officeDocument/2006/relationships" xmlns:p="http://schemas.openxmlformats.org/presentationml/2006/main" show="0">
   <p:cSld>
     <p:spTree>
@@ -12255,7 +15823,7 @@
           <a:effectLst/>
           <a:extLst>
             <a:ext uri="{C572A759-6A51-4108-AA02-DFA0A04FC94B}">
-              <ma14:wrappingTextBoxFlag xmlns="" xmlns:ma14="http://schemas.microsoft.com/office/mac/drawingml/2011/main" val="1"/>
+              <ma14:wrappingTextBoxFlag xmlns:ma14="http://schemas.microsoft.com/office/mac/drawingml/2011/main" xmlns="" val="1"/>
             </a:ext>
           </a:extLst>
         </p:spPr>
@@ -12438,7 +16006,7 @@
           <a:effectLst/>
           <a:extLst>
             <a:ext uri="{C572A759-6A51-4108-AA02-DFA0A04FC94B}">
-              <ma14:wrappingTextBoxFlag xmlns="" xmlns:ma14="http://schemas.microsoft.com/office/mac/drawingml/2011/main" val="1"/>
+              <ma14:wrappingTextBoxFlag xmlns:ma14="http://schemas.microsoft.com/office/mac/drawingml/2011/main" xmlns="" val="1"/>
             </a:ext>
           </a:extLst>
         </p:spPr>
@@ -12510,7 +16078,7 @@
             <a:effectLst/>
             <a:extLst>
               <a:ext uri="{C572A759-6A51-4108-AA02-DFA0A04FC94B}">
-                <ma14:wrappingTextBoxFlag xmlns="" xmlns:ma14="http://schemas.microsoft.com/office/mac/drawingml/2011/main" val="1"/>
+                <ma14:wrappingTextBoxFlag xmlns:ma14="http://schemas.microsoft.com/office/mac/drawingml/2011/main" xmlns="" val="1"/>
               </a:ext>
             </a:extLst>
           </p:spPr>
@@ -12568,7 +16136,7 @@
             <a:effectLst/>
             <a:extLst>
               <a:ext uri="{C572A759-6A51-4108-AA02-DFA0A04FC94B}">
-                <ma14:wrappingTextBoxFlag xmlns="" xmlns:ma14="http://schemas.microsoft.com/office/mac/drawingml/2011/main" val="1"/>
+                <ma14:wrappingTextBoxFlag xmlns:ma14="http://schemas.microsoft.com/office/mac/drawingml/2011/main" xmlns="" val="1"/>
               </a:ext>
             </a:extLst>
           </p:spPr>
@@ -12809,7 +16377,7 @@
             <a:effectLst/>
             <a:extLst>
               <a:ext uri="{C572A759-6A51-4108-AA02-DFA0A04FC94B}">
-                <ma14:wrappingTextBoxFlag xmlns="" xmlns:ma14="http://schemas.microsoft.com/office/mac/drawingml/2011/main" val="1"/>
+                <ma14:wrappingTextBoxFlag xmlns:ma14="http://schemas.microsoft.com/office/mac/drawingml/2011/main" xmlns="" val="1"/>
               </a:ext>
             </a:extLst>
           </p:spPr>
@@ -12867,7 +16435,7 @@
             <a:effectLst/>
             <a:extLst>
               <a:ext uri="{C572A759-6A51-4108-AA02-DFA0A04FC94B}">
-                <ma14:wrappingTextBoxFlag xmlns="" xmlns:ma14="http://schemas.microsoft.com/office/mac/drawingml/2011/main" val="1"/>
+                <ma14:wrappingTextBoxFlag xmlns:ma14="http://schemas.microsoft.com/office/mac/drawingml/2011/main" xmlns="" val="1"/>
               </a:ext>
             </a:extLst>
           </p:spPr>
@@ -13082,11 +16650,11 @@
   <p:clrMapOvr>
     <a:masterClrMapping/>
   </p:clrMapOvr>
-  <mc:AlternateContent xmlns:mc="http://schemas.openxmlformats.org/markup-compatibility/2006">
-    <mc:Choice xmlns:p14="http://schemas.microsoft.com/office/powerpoint/2010/main" Requires="p14">
+  <mc:AlternateContent xmlns:mc="http://schemas.openxmlformats.org/markup-compatibility/2006" xmlns:p14="http://schemas.microsoft.com/office/powerpoint/2010/main">
+    <mc:Choice Requires="p14">
       <p:transition spd="slow" p14:dur="2000"/>
     </mc:Choice>
-    <mc:Fallback>
+    <mc:Fallback xmlns="">
       <p:transition spd="slow"/>
     </mc:Fallback>
   </mc:AlternateContent>
@@ -13100,7 +16668,7 @@
 </p:sld>
 </file>
 
-<file path=ppt/slides/slide21.xml><?xml version="1.0" encoding="utf-8"?>
+<file path=ppt/slides/slide27.xml><?xml version="1.0" encoding="utf-8"?>
 <p:sld xmlns:a="http://schemas.openxmlformats.org/drawingml/2006/main" xmlns:r="http://schemas.openxmlformats.org/officeDocument/2006/relationships" xmlns:p="http://schemas.openxmlformats.org/presentationml/2006/main" show="0">
   <p:cSld>
     <p:spTree>
@@ -13139,7 +16707,7 @@
           <a:effectLst/>
           <a:extLst>
             <a:ext uri="{C572A759-6A51-4108-AA02-DFA0A04FC94B}">
-              <ma14:wrappingTextBoxFlag xmlns="" xmlns:ma14="http://schemas.microsoft.com/office/mac/drawingml/2011/main" val="1"/>
+              <ma14:wrappingTextBoxFlag xmlns:ma14="http://schemas.microsoft.com/office/mac/drawingml/2011/main" xmlns="" val="1"/>
             </a:ext>
           </a:extLst>
         </p:spPr>
@@ -13322,7 +16890,7 @@
           <a:effectLst/>
           <a:extLst>
             <a:ext uri="{C572A759-6A51-4108-AA02-DFA0A04FC94B}">
-              <ma14:wrappingTextBoxFlag xmlns="" xmlns:ma14="http://schemas.microsoft.com/office/mac/drawingml/2011/main" val="1"/>
+              <ma14:wrappingTextBoxFlag xmlns:ma14="http://schemas.microsoft.com/office/mac/drawingml/2011/main" xmlns="" val="1"/>
             </a:ext>
           </a:extLst>
         </p:spPr>
@@ -13394,13 +16962,13 @@
             <a:effectLst/>
             <a:extLst>
               <a:ext uri="{C572A759-6A51-4108-AA02-DFA0A04FC94B}">
-                <ma14:wrappingTextBoxFlag xmlns="" xmlns:ma14="http://schemas.microsoft.com/office/mac/drawingml/2011/main" val="1"/>
+                <ma14:wrappingTextBoxFlag xmlns:ma14="http://schemas.microsoft.com/office/mac/drawingml/2011/main" xmlns="" val="1"/>
               </a:ext>
             </a:extLst>
           </p:spPr>
           <p:txBody>
             <a:bodyPr wrap="square" lIns="38100" tIns="38100" rIns="38100" bIns="38100" numCol="1" anchor="t">
-              <a:normAutofit/>
+              <a:normAutofit fontScale="85000" lnSpcReduction="10000"/>
             </a:bodyPr>
             <a:lstStyle>
               <a:lvl1pPr algn="l">
@@ -13452,7 +17020,7 @@
             <a:effectLst/>
             <a:extLst>
               <a:ext uri="{C572A759-6A51-4108-AA02-DFA0A04FC94B}">
-                <ma14:wrappingTextBoxFlag xmlns="" xmlns:ma14="http://schemas.microsoft.com/office/mac/drawingml/2011/main" val="1"/>
+                <ma14:wrappingTextBoxFlag xmlns:ma14="http://schemas.microsoft.com/office/mac/drawingml/2011/main" xmlns="" val="1"/>
               </a:ext>
             </a:extLst>
           </p:spPr>
@@ -13693,13 +17261,13 @@
             <a:effectLst/>
             <a:extLst>
               <a:ext uri="{C572A759-6A51-4108-AA02-DFA0A04FC94B}">
-                <ma14:wrappingTextBoxFlag xmlns="" xmlns:ma14="http://schemas.microsoft.com/office/mac/drawingml/2011/main" val="1"/>
+                <ma14:wrappingTextBoxFlag xmlns:ma14="http://schemas.microsoft.com/office/mac/drawingml/2011/main" xmlns="" val="1"/>
               </a:ext>
             </a:extLst>
           </p:spPr>
           <p:txBody>
             <a:bodyPr wrap="square" lIns="38100" tIns="38100" rIns="38100" bIns="38100" numCol="1" anchor="t">
-              <a:normAutofit/>
+              <a:normAutofit fontScale="85000" lnSpcReduction="10000"/>
             </a:bodyPr>
             <a:lstStyle>
               <a:lvl1pPr algn="l">
@@ -13751,7 +17319,7 @@
             <a:effectLst/>
             <a:extLst>
               <a:ext uri="{C572A759-6A51-4108-AA02-DFA0A04FC94B}">
-                <ma14:wrappingTextBoxFlag xmlns="" xmlns:ma14="http://schemas.microsoft.com/office/mac/drawingml/2011/main" val="1"/>
+                <ma14:wrappingTextBoxFlag xmlns:ma14="http://schemas.microsoft.com/office/mac/drawingml/2011/main" xmlns="" val="1"/>
               </a:ext>
             </a:extLst>
           </p:spPr>
@@ -13966,11 +17534,11 @@
   <p:clrMapOvr>
     <a:masterClrMapping/>
   </p:clrMapOvr>
-  <mc:AlternateContent xmlns:mc="http://schemas.openxmlformats.org/markup-compatibility/2006">
-    <mc:Choice xmlns:p14="http://schemas.microsoft.com/office/powerpoint/2010/main" Requires="p14">
+  <mc:AlternateContent xmlns:mc="http://schemas.openxmlformats.org/markup-compatibility/2006" xmlns:p14="http://schemas.microsoft.com/office/powerpoint/2010/main">
+    <mc:Choice Requires="p14">
       <p:transition spd="slow" p14:dur="2000"/>
     </mc:Choice>
-    <mc:Fallback>
+    <mc:Fallback xmlns="">
       <p:transition spd="slow"/>
     </mc:Fallback>
   </mc:AlternateContent>
@@ -13984,7 +17552,7 @@
 </p:sld>
 </file>
 
-<file path=ppt/slides/slide22.xml><?xml version="1.0" encoding="utf-8"?>
+<file path=ppt/slides/slide28.xml><?xml version="1.0" encoding="utf-8"?>
 <p:sld xmlns:a="http://schemas.openxmlformats.org/drawingml/2006/main" xmlns:r="http://schemas.openxmlformats.org/officeDocument/2006/relationships" xmlns:p="http://schemas.openxmlformats.org/presentationml/2006/main" show="0">
   <p:cSld>
     <p:spTree>
@@ -14372,7 +17940,7 @@
             <a:effectLst/>
             <a:extLst>
               <a:ext uri="{C572A759-6A51-4108-AA02-DFA0A04FC94B}">
-                <ma14:wrappingTextBoxFlag xmlns="" xmlns:ma14="http://schemas.microsoft.com/office/mac/drawingml/2011/main" val="1"/>
+                <ma14:wrappingTextBoxFlag xmlns:ma14="http://schemas.microsoft.com/office/mac/drawingml/2011/main" xmlns="" val="1"/>
               </a:ext>
             </a:extLst>
           </p:spPr>
@@ -14516,7 +18084,7 @@
             <a:effectLst/>
             <a:extLst>
               <a:ext uri="{C572A759-6A51-4108-AA02-DFA0A04FC94B}">
-                <ma14:wrappingTextBoxFlag xmlns="" xmlns:ma14="http://schemas.microsoft.com/office/mac/drawingml/2011/main" val="1"/>
+                <ma14:wrappingTextBoxFlag xmlns:ma14="http://schemas.microsoft.com/office/mac/drawingml/2011/main" xmlns="" val="1"/>
               </a:ext>
             </a:extLst>
           </p:spPr>
@@ -14574,7 +18142,7 @@
             <a:effectLst/>
             <a:extLst>
               <a:ext uri="{C572A759-6A51-4108-AA02-DFA0A04FC94B}">
-                <ma14:wrappingTextBoxFlag xmlns="" xmlns:ma14="http://schemas.microsoft.com/office/mac/drawingml/2011/main" val="1"/>
+                <ma14:wrappingTextBoxFlag xmlns:ma14="http://schemas.microsoft.com/office/mac/drawingml/2011/main" xmlns="" val="1"/>
               </a:ext>
             </a:extLst>
           </p:spPr>
@@ -14739,11 +18307,11 @@
   <p:clrMapOvr>
     <a:masterClrMapping/>
   </p:clrMapOvr>
-  <mc:AlternateContent xmlns:mc="http://schemas.openxmlformats.org/markup-compatibility/2006">
-    <mc:Choice xmlns:p14="http://schemas.microsoft.com/office/powerpoint/2010/main" Requires="p14">
+  <mc:AlternateContent xmlns:mc="http://schemas.openxmlformats.org/markup-compatibility/2006" xmlns:p14="http://schemas.microsoft.com/office/powerpoint/2010/main">
+    <mc:Choice Requires="p14">
       <p:transition spd="slow" p14:dur="2000"/>
     </mc:Choice>
-    <mc:Fallback>
+    <mc:Fallback xmlns="">
       <p:transition spd="slow"/>
     </mc:Fallback>
   </mc:AlternateContent>
@@ -14757,7 +18325,7 @@
 </p:sld>
 </file>
 
-<file path=ppt/slides/slide23.xml><?xml version="1.0" encoding="utf-8"?>
+<file path=ppt/slides/slide29.xml><?xml version="1.0" encoding="utf-8"?>
 <p:sld xmlns:a="http://schemas.openxmlformats.org/drawingml/2006/main" xmlns:r="http://schemas.openxmlformats.org/officeDocument/2006/relationships" xmlns:p="http://schemas.openxmlformats.org/presentationml/2006/main">
   <p:cSld>
     <p:spTree>
@@ -15588,7 +19156,7 @@
           </a:ln>
           <a:extLst>
             <a:ext uri="{C572A759-6A51-4108-AA02-DFA0A04FC94B}">
-              <ma14:wrappingTextBoxFlag xmlns="" xmlns:ma14="http://schemas.microsoft.com/office/mac/drawingml/2011/main" val="1"/>
+              <ma14:wrappingTextBoxFlag xmlns:ma14="http://schemas.microsoft.com/office/mac/drawingml/2011/main" xmlns="" val="1"/>
             </a:ext>
           </a:extLst>
         </p:spPr>
@@ -15692,14 +19260,7 @@
                 <a:latin typeface="나눔고딕 Light" pitchFamily="50" charset="-127"/>
                 <a:ea typeface="나눔고딕 Light" pitchFamily="50" charset="-127"/>
               </a:rPr>
-              <a:t>을 통해서 </a:t>
-            </a:r>
-            <a:r>
-              <a:rPr lang="ko-KR" altLang="en-US" dirty="0" smtClean="0">
-                <a:latin typeface="나눔고딕 Light" pitchFamily="50" charset="-127"/>
-                <a:ea typeface="나눔고딕 Light" pitchFamily="50" charset="-127"/>
-              </a:rPr>
-              <a:t>주행판단 및 주행전략 결정</a:t>
+              <a:t>을 통해서 주행판단 및 주행전략 결정</a:t>
             </a:r>
             <a:r>
               <a:rPr lang="en-US" altLang="ko-KR" dirty="0" smtClean="0">
@@ -16208,7 +19769,7 @@
           </a:ln>
           <a:extLst>
             <a:ext uri="{C572A759-6A51-4108-AA02-DFA0A04FC94B}">
-              <ma14:wrappingTextBoxFlag xmlns="" xmlns:ma14="http://schemas.microsoft.com/office/mac/drawingml/2011/main" val="1"/>
+              <ma14:wrappingTextBoxFlag xmlns:ma14="http://schemas.microsoft.com/office/mac/drawingml/2011/main" xmlns="" val="1"/>
             </a:ext>
           </a:extLst>
         </p:spPr>
@@ -16623,6 +20184,1130 @@
 <file path=ppt/slides/slide5.xml><?xml version="1.0" encoding="utf-8"?>
 <p:sld xmlns:a="http://schemas.openxmlformats.org/drawingml/2006/main" xmlns:r="http://schemas.openxmlformats.org/officeDocument/2006/relationships" xmlns:p="http://schemas.openxmlformats.org/presentationml/2006/main">
   <p:cSld>
+    <p:spTree>
+      <p:nvGrpSpPr>
+        <p:cNvPr id="1" name=""/>
+        <p:cNvGrpSpPr/>
+        <p:nvPr/>
+      </p:nvGrpSpPr>
+      <p:grpSpPr>
+        <a:xfrm>
+          <a:off x="0" y="0"/>
+          <a:ext cx="0" cy="0"/>
+          <a:chOff x="0" y="0"/>
+          <a:chExt cx="0" cy="0"/>
+        </a:xfrm>
+      </p:grpSpPr>
+      <p:sp>
+        <p:nvSpPr>
+          <p:cNvPr id="4" name="직사각형 3"/>
+          <p:cNvSpPr/>
+          <p:nvPr/>
+        </p:nvSpPr>
+        <p:spPr>
+          <a:xfrm>
+            <a:off x="0" y="-16001"/>
+            <a:ext cx="1657350" cy="6238875"/>
+          </a:xfrm>
+          <a:prstGeom prst="rect">
+            <a:avLst/>
+          </a:prstGeom>
+          <a:solidFill>
+            <a:srgbClr val="EDD0BE"/>
+          </a:solidFill>
+          <a:ln>
+            <a:noFill/>
+          </a:ln>
+        </p:spPr>
+        <p:style>
+          <a:lnRef idx="2">
+            <a:schemeClr val="accent1">
+              <a:shade val="50000"/>
+            </a:schemeClr>
+          </a:lnRef>
+          <a:fillRef idx="1">
+            <a:schemeClr val="accent1"/>
+          </a:fillRef>
+          <a:effectRef idx="0">
+            <a:schemeClr val="accent1"/>
+          </a:effectRef>
+          <a:fontRef idx="minor">
+            <a:schemeClr val="lt1"/>
+          </a:fontRef>
+        </p:style>
+        <p:txBody>
+          <a:bodyPr rtlCol="0" anchor="ctr"/>
+          <a:lstStyle/>
+          <a:p>
+            <a:pPr algn="ctr"/>
+            <a:endParaRPr lang="ko-KR" altLang="en-US" dirty="0">
+              <a:latin typeface="나눔고딕 Light" pitchFamily="50" charset="-127"/>
+              <a:ea typeface="나눔고딕 Light" pitchFamily="50" charset="-127"/>
+            </a:endParaRPr>
+          </a:p>
+        </p:txBody>
+      </p:sp>
+      <p:sp>
+        <p:nvSpPr>
+          <p:cNvPr id="5" name="TextBox 7"/>
+          <p:cNvSpPr txBox="1">
+            <a:spLocks noChangeArrowheads="1"/>
+          </p:cNvSpPr>
+          <p:nvPr/>
+        </p:nvSpPr>
+        <p:spPr bwMode="auto">
+          <a:xfrm>
+            <a:off x="2406377" y="608585"/>
+            <a:ext cx="4352674" cy="676532"/>
+          </a:xfrm>
+          <a:prstGeom prst="rect">
+            <a:avLst/>
+          </a:prstGeom>
+          <a:noFill/>
+          <a:ln>
+            <a:noFill/>
+          </a:ln>
+          <a:extLst>
+            <a:ext uri="{909E8E84-426E-40DD-AFC4-6F175D3DCCD1}">
+              <a14:hiddenFill xmlns:a14="http://schemas.microsoft.com/office/drawing/2010/main">
+                <a:solidFill>
+                  <a:srgbClr val="FFFFFF"/>
+                </a:solidFill>
+              </a14:hiddenFill>
+            </a:ext>
+            <a:ext uri="{91240B29-F687-4F45-9708-019B960494DF}">
+              <a14:hiddenLine xmlns:a14="http://schemas.microsoft.com/office/drawing/2010/main" w="9525">
+                <a:solidFill>
+                  <a:srgbClr val="000000"/>
+                </a:solidFill>
+                <a:miter lim="800000"/>
+                <a:headEnd/>
+                <a:tailEnd/>
+              </a14:hiddenLine>
+            </a:ext>
+          </a:extLst>
+        </p:spPr>
+        <p:txBody>
+          <a:bodyPr wrap="square">
+            <a:spAutoFit/>
+          </a:bodyPr>
+          <a:lstStyle>
+            <a:lvl1pPr>
+              <a:defRPr sz="3600">
+                <a:solidFill>
+                  <a:schemeClr val="tx1"/>
+                </a:solidFill>
+                <a:latin typeface="Lato Light" pitchFamily="34" charset="0"/>
+              </a:defRPr>
+            </a:lvl1pPr>
+            <a:lvl2pPr marL="742950" indent="-285750">
+              <a:defRPr sz="3600">
+                <a:solidFill>
+                  <a:schemeClr val="tx1"/>
+                </a:solidFill>
+                <a:latin typeface="Lato Light" pitchFamily="34" charset="0"/>
+              </a:defRPr>
+            </a:lvl2pPr>
+            <a:lvl3pPr marL="1143000" indent="-228600">
+              <a:defRPr sz="3600">
+                <a:solidFill>
+                  <a:schemeClr val="tx1"/>
+                </a:solidFill>
+                <a:latin typeface="Lato Light" pitchFamily="34" charset="0"/>
+              </a:defRPr>
+            </a:lvl3pPr>
+            <a:lvl4pPr marL="1600200" indent="-228600">
+              <a:defRPr sz="3600">
+                <a:solidFill>
+                  <a:schemeClr val="tx1"/>
+                </a:solidFill>
+                <a:latin typeface="Lato Light" pitchFamily="34" charset="0"/>
+              </a:defRPr>
+            </a:lvl4pPr>
+            <a:lvl5pPr marL="2057400" indent="-228600">
+              <a:defRPr sz="3600">
+                <a:solidFill>
+                  <a:schemeClr val="tx1"/>
+                </a:solidFill>
+                <a:latin typeface="Lato Light" pitchFamily="34" charset="0"/>
+              </a:defRPr>
+            </a:lvl5pPr>
+            <a:lvl6pPr marL="2514600" indent="-228600" defTabSz="1827213" fontAlgn="base">
+              <a:spcBef>
+                <a:spcPct val="0"/>
+              </a:spcBef>
+              <a:spcAft>
+                <a:spcPct val="0"/>
+              </a:spcAft>
+              <a:defRPr sz="3600">
+                <a:solidFill>
+                  <a:schemeClr val="tx1"/>
+                </a:solidFill>
+                <a:latin typeface="Lato Light" pitchFamily="34" charset="0"/>
+              </a:defRPr>
+            </a:lvl6pPr>
+            <a:lvl7pPr marL="2971800" indent="-228600" defTabSz="1827213" fontAlgn="base">
+              <a:spcBef>
+                <a:spcPct val="0"/>
+              </a:spcBef>
+              <a:spcAft>
+                <a:spcPct val="0"/>
+              </a:spcAft>
+              <a:defRPr sz="3600">
+                <a:solidFill>
+                  <a:schemeClr val="tx1"/>
+                </a:solidFill>
+                <a:latin typeface="Lato Light" pitchFamily="34" charset="0"/>
+              </a:defRPr>
+            </a:lvl7pPr>
+            <a:lvl8pPr marL="3429000" indent="-228600" defTabSz="1827213" fontAlgn="base">
+              <a:spcBef>
+                <a:spcPct val="0"/>
+              </a:spcBef>
+              <a:spcAft>
+                <a:spcPct val="0"/>
+              </a:spcAft>
+              <a:defRPr sz="3600">
+                <a:solidFill>
+                  <a:schemeClr val="tx1"/>
+                </a:solidFill>
+                <a:latin typeface="Lato Light" pitchFamily="34" charset="0"/>
+              </a:defRPr>
+            </a:lvl8pPr>
+            <a:lvl9pPr marL="3886200" indent="-228600" defTabSz="1827213" fontAlgn="base">
+              <a:spcBef>
+                <a:spcPct val="0"/>
+              </a:spcBef>
+              <a:spcAft>
+                <a:spcPct val="0"/>
+              </a:spcAft>
+              <a:defRPr sz="3600">
+                <a:solidFill>
+                  <a:schemeClr val="tx1"/>
+                </a:solidFill>
+                <a:latin typeface="Lato Light" pitchFamily="34" charset="0"/>
+              </a:defRPr>
+            </a:lvl9pPr>
+          </a:lstStyle>
+          <a:p>
+            <a:pPr>
+              <a:lnSpc>
+                <a:spcPct val="150000"/>
+              </a:lnSpc>
+            </a:pPr>
+            <a:r>
+              <a:rPr lang="en-US" altLang="ko-KR" sz="2800" b="1" dirty="0" smtClean="0">
+                <a:latin typeface="나눔스퀘어 Bold" panose="020B0600000101010101" pitchFamily="50" charset="-127"/>
+                <a:ea typeface="나눔스퀘어 Bold" panose="020B0600000101010101" pitchFamily="50" charset="-127"/>
+                <a:cs typeface="Calibri" panose="020F0502020204030204" pitchFamily="34" charset="0"/>
+              </a:rPr>
+              <a:t>HW Component</a:t>
+            </a:r>
+            <a:endParaRPr lang="ru-RU" altLang="ko-KR" sz="2800" b="1" dirty="0">
+              <a:latin typeface="나눔스퀘어 Bold" panose="020B0600000101010101" pitchFamily="50" charset="-127"/>
+              <a:ea typeface="나눔스퀘어 Bold" panose="020B0600000101010101" pitchFamily="50" charset="-127"/>
+              <a:cs typeface="Calibri" panose="020F0502020204030204" pitchFamily="34" charset="0"/>
+            </a:endParaRPr>
+          </a:p>
+        </p:txBody>
+      </p:sp>
+      <p:sp>
+        <p:nvSpPr>
+          <p:cNvPr id="10" name="Shape 388"/>
+          <p:cNvSpPr/>
+          <p:nvPr/>
+        </p:nvSpPr>
+        <p:spPr>
+          <a:xfrm>
+            <a:off x="2469103" y="2135723"/>
+            <a:ext cx="4475686" cy="3936831"/>
+          </a:xfrm>
+          <a:prstGeom prst="rect">
+            <a:avLst/>
+          </a:prstGeom>
+          <a:ln w="3175">
+            <a:miter lim="400000"/>
+          </a:ln>
+          <a:extLst>
+            <a:ext uri="{C572A759-6A51-4108-AA02-DFA0A04FC94B}">
+              <ma14:wrappingTextBoxFlag xmlns:ma14="http://schemas.microsoft.com/office/mac/drawingml/2011/main" xmlns="" val="1"/>
+            </a:ext>
+          </a:extLst>
+        </p:spPr>
+        <p:txBody>
+          <a:bodyPr lIns="38100" tIns="38100" rIns="38100" bIns="38100">
+            <a:normAutofit/>
+          </a:bodyPr>
+          <a:lstStyle/>
+          <a:p>
+            <a:r>
+              <a:rPr lang="en-US" altLang="ko-KR" dirty="0" smtClean="0">
+                <a:solidFill>
+                  <a:srgbClr val="000000"/>
+                </a:solidFill>
+                <a:latin typeface="Tahoma" panose="020B0604030504040204" pitchFamily="34" charset="0"/>
+              </a:rPr>
+              <a:t>-</a:t>
+            </a:r>
+            <a:r>
+              <a:rPr lang="ko-KR" altLang="en-US" dirty="0" err="1" smtClean="0">
+                <a:solidFill>
+                  <a:srgbClr val="000000"/>
+                </a:solidFill>
+                <a:latin typeface="Tahoma" panose="020B0604030504040204" pitchFamily="34" charset="0"/>
+              </a:rPr>
+              <a:t>라스타</a:t>
+            </a:r>
+            <a:r>
+              <a:rPr lang="ko-KR" altLang="en-US" dirty="0" smtClean="0">
+                <a:solidFill>
+                  <a:srgbClr val="000000"/>
+                </a:solidFill>
+                <a:latin typeface="Tahoma" panose="020B0604030504040204" pitchFamily="34" charset="0"/>
+              </a:rPr>
+              <a:t> </a:t>
+            </a:r>
+            <a:r>
+              <a:rPr lang="ko-KR" altLang="en-US" dirty="0">
+                <a:solidFill>
+                  <a:srgbClr val="000000"/>
+                </a:solidFill>
+                <a:latin typeface="Tahoma" panose="020B0604030504040204" pitchFamily="34" charset="0"/>
+              </a:rPr>
+              <a:t>랜드로버 </a:t>
+            </a:r>
+            <a:r>
+              <a:rPr lang="en-US" altLang="ko-KR" dirty="0" err="1">
+                <a:solidFill>
+                  <a:srgbClr val="000000"/>
+                </a:solidFill>
+                <a:latin typeface="Tahoma" panose="020B0604030504040204" pitchFamily="34" charset="0"/>
+              </a:rPr>
+              <a:t>rc</a:t>
+            </a:r>
+            <a:r>
+              <a:rPr lang="ko-KR" altLang="en-US" dirty="0">
+                <a:solidFill>
+                  <a:srgbClr val="000000"/>
+                </a:solidFill>
+                <a:latin typeface="Tahoma" panose="020B0604030504040204" pitchFamily="34" charset="0"/>
+              </a:rPr>
+              <a:t>카 </a:t>
+            </a:r>
+            <a:r>
+              <a:rPr lang="ko-KR" altLang="en-US" dirty="0" err="1">
+                <a:solidFill>
+                  <a:srgbClr val="000000"/>
+                </a:solidFill>
+                <a:latin typeface="Tahoma" panose="020B0604030504040204" pitchFamily="34" charset="0"/>
+              </a:rPr>
+              <a:t>레인지로버</a:t>
+            </a:r>
+            <a:r>
+              <a:rPr lang="ko-KR" altLang="en-US" dirty="0">
+                <a:solidFill>
+                  <a:srgbClr val="000000"/>
+                </a:solidFill>
+                <a:latin typeface="Tahoma" panose="020B0604030504040204" pitchFamily="34" charset="0"/>
+              </a:rPr>
+              <a:t> </a:t>
+            </a:r>
+            <a:r>
+              <a:rPr lang="ko-KR" altLang="en-US" dirty="0" err="1">
+                <a:solidFill>
+                  <a:srgbClr val="000000"/>
+                </a:solidFill>
+                <a:latin typeface="Tahoma" panose="020B0604030504040204" pitchFamily="34" charset="0"/>
+              </a:rPr>
+              <a:t>이보크</a:t>
+            </a:r>
+            <a:r>
+              <a:rPr lang="ko-KR" altLang="en-US" dirty="0">
+                <a:solidFill>
+                  <a:srgbClr val="000000"/>
+                </a:solidFill>
+                <a:latin typeface="Tahoma" panose="020B0604030504040204" pitchFamily="34" charset="0"/>
+              </a:rPr>
+              <a:t> </a:t>
+            </a:r>
+            <a:r>
+              <a:rPr lang="en-US" altLang="ko-KR" dirty="0">
+                <a:solidFill>
+                  <a:srgbClr val="000000"/>
+                </a:solidFill>
+                <a:latin typeface="Tahoma" panose="020B0604030504040204" pitchFamily="34" charset="0"/>
+              </a:rPr>
+              <a:t>(1:14</a:t>
+            </a:r>
+            <a:r>
+              <a:rPr lang="en-US" altLang="ko-KR" dirty="0" smtClean="0">
+                <a:solidFill>
+                  <a:srgbClr val="000000"/>
+                </a:solidFill>
+                <a:latin typeface="Tahoma" panose="020B0604030504040204" pitchFamily="34" charset="0"/>
+              </a:rPr>
+              <a:t>) from </a:t>
+            </a:r>
+            <a:r>
+              <a:rPr lang="en-US" altLang="ko-KR" dirty="0" err="1">
+                <a:solidFill>
+                  <a:srgbClr val="000000"/>
+                </a:solidFill>
+                <a:latin typeface="Tahoma" panose="020B0604030504040204" pitchFamily="34" charset="0"/>
+              </a:rPr>
+              <a:t>G</a:t>
+            </a:r>
+            <a:r>
+              <a:rPr lang="en-US" altLang="ko-KR" dirty="0" err="1" smtClean="0">
+                <a:solidFill>
+                  <a:srgbClr val="000000"/>
+                </a:solidFill>
+                <a:latin typeface="Tahoma" panose="020B0604030504040204" pitchFamily="34" charset="0"/>
+              </a:rPr>
+              <a:t>market</a:t>
+            </a:r>
+            <a:endParaRPr lang="en-US" altLang="ko-KR" dirty="0">
+              <a:latin typeface="나눔고딕 Light" pitchFamily="50" charset="-127"/>
+              <a:ea typeface="나눔고딕 Light" pitchFamily="50" charset="-127"/>
+            </a:endParaRPr>
+          </a:p>
+          <a:p>
+            <a:pPr marL="285750" indent="-285750" fontAlgn="base">
+              <a:lnSpc>
+                <a:spcPct val="150000"/>
+              </a:lnSpc>
+              <a:buFontTx/>
+              <a:buChar char="-"/>
+            </a:pPr>
+            <a:r>
+              <a:rPr lang="ko-KR" altLang="en-US" dirty="0" smtClean="0">
+                <a:latin typeface="나눔고딕 Light" pitchFamily="50" charset="-127"/>
+                <a:ea typeface="나눔고딕 Light" pitchFamily="50" charset="-127"/>
+              </a:rPr>
+              <a:t>선택 </a:t>
+            </a:r>
+            <a:r>
+              <a:rPr lang="ko-KR" altLang="en-US" dirty="0" smtClean="0">
+                <a:latin typeface="나눔고딕 Light" pitchFamily="50" charset="-127"/>
+                <a:ea typeface="나눔고딕 Light" pitchFamily="50" charset="-127"/>
+              </a:rPr>
+              <a:t>이유</a:t>
+            </a:r>
+            <a:r>
+              <a:rPr lang="en-US" altLang="ko-KR" dirty="0" smtClean="0">
+                <a:latin typeface="나눔고딕 Light" pitchFamily="50" charset="-127"/>
+                <a:ea typeface="나눔고딕 Light" pitchFamily="50" charset="-127"/>
+              </a:rPr>
+              <a:t>: </a:t>
+            </a:r>
+            <a:r>
+              <a:rPr lang="ko-KR" altLang="en-US" dirty="0" smtClean="0">
+                <a:latin typeface="나눔고딕 Light" pitchFamily="50" charset="-127"/>
+                <a:ea typeface="나눔고딕 Light" pitchFamily="50" charset="-127"/>
+              </a:rPr>
+              <a:t>처음엔 </a:t>
+            </a:r>
+            <a:r>
+              <a:rPr lang="ko-KR" altLang="en-US" dirty="0" err="1" smtClean="0">
+                <a:latin typeface="나눔고딕 Light" pitchFamily="50" charset="-127"/>
+                <a:ea typeface="나눔고딕 Light" pitchFamily="50" charset="-127"/>
+              </a:rPr>
+              <a:t>라즈베리파이</a:t>
+            </a:r>
+            <a:r>
+              <a:rPr lang="ko-KR" altLang="en-US" dirty="0" smtClean="0">
+                <a:latin typeface="나눔고딕 Light" pitchFamily="50" charset="-127"/>
+                <a:ea typeface="나눔고딕 Light" pitchFamily="50" charset="-127"/>
+              </a:rPr>
+              <a:t> </a:t>
+            </a:r>
+            <a:r>
+              <a:rPr lang="ko-KR" altLang="en-US" dirty="0" err="1" smtClean="0">
+                <a:latin typeface="나눔고딕 Light" pitchFamily="50" charset="-127"/>
+                <a:ea typeface="나눔고딕 Light" pitchFamily="50" charset="-127"/>
+              </a:rPr>
+              <a:t>알파봇으로</a:t>
+            </a:r>
+            <a:r>
+              <a:rPr lang="ko-KR" altLang="en-US" dirty="0" smtClean="0">
+                <a:latin typeface="나눔고딕 Light" pitchFamily="50" charset="-127"/>
+                <a:ea typeface="나눔고딕 Light" pitchFamily="50" charset="-127"/>
+              </a:rPr>
+              <a:t> 자율주행 </a:t>
+            </a:r>
+            <a:r>
+              <a:rPr lang="en-US" altLang="ko-KR" dirty="0" smtClean="0">
+                <a:latin typeface="나눔고딕 Light" pitchFamily="50" charset="-127"/>
+                <a:ea typeface="나눔고딕 Light" pitchFamily="50" charset="-127"/>
+              </a:rPr>
+              <a:t>RC</a:t>
+            </a:r>
+            <a:r>
+              <a:rPr lang="ko-KR" altLang="en-US" dirty="0" smtClean="0">
+                <a:latin typeface="나눔고딕 Light" pitchFamily="50" charset="-127"/>
+                <a:ea typeface="나눔고딕 Light" pitchFamily="50" charset="-127"/>
+              </a:rPr>
+              <a:t>카를 만들려고 하였으나</a:t>
+            </a:r>
+            <a:r>
+              <a:rPr lang="en-US" altLang="ko-KR" dirty="0" smtClean="0">
+                <a:latin typeface="나눔고딕 Light" pitchFamily="50" charset="-127"/>
+                <a:ea typeface="나눔고딕 Light" pitchFamily="50" charset="-127"/>
+              </a:rPr>
+              <a:t>, </a:t>
+            </a:r>
+            <a:r>
+              <a:rPr lang="ko-KR" altLang="en-US" dirty="0" smtClean="0">
+                <a:latin typeface="나눔고딕 Light" pitchFamily="50" charset="-127"/>
+                <a:ea typeface="나눔고딕 Light" pitchFamily="50" charset="-127"/>
+              </a:rPr>
+              <a:t>양쪽 모터의 </a:t>
+            </a:r>
+            <a:r>
+              <a:rPr lang="en-US" altLang="ko-KR" dirty="0" smtClean="0">
+                <a:latin typeface="나눔고딕 Light" pitchFamily="50" charset="-127"/>
+                <a:ea typeface="나눔고딕 Light" pitchFamily="50" charset="-127"/>
+              </a:rPr>
+              <a:t>RPM</a:t>
+            </a:r>
+            <a:r>
+              <a:rPr lang="ko-KR" altLang="en-US" dirty="0" smtClean="0">
+                <a:latin typeface="나눔고딕 Light" pitchFamily="50" charset="-127"/>
+                <a:ea typeface="나눔고딕 Light" pitchFamily="50" charset="-127"/>
+              </a:rPr>
+              <a:t>이 달라 전진을 올바르게 하지 못하는 상황이 발생하여 시중의 </a:t>
+            </a:r>
+            <a:r>
+              <a:rPr lang="en-US" altLang="ko-KR" dirty="0" smtClean="0">
+                <a:latin typeface="나눔고딕 Light" pitchFamily="50" charset="-127"/>
+                <a:ea typeface="나눔고딕 Light" pitchFamily="50" charset="-127"/>
+              </a:rPr>
+              <a:t>RC</a:t>
+            </a:r>
+            <a:r>
+              <a:rPr lang="ko-KR" altLang="en-US" dirty="0" smtClean="0">
+                <a:latin typeface="나눔고딕 Light" pitchFamily="50" charset="-127"/>
+                <a:ea typeface="나눔고딕 Light" pitchFamily="50" charset="-127"/>
+              </a:rPr>
+              <a:t>카를 사서 </a:t>
+            </a:r>
+            <a:r>
+              <a:rPr lang="ko-KR" altLang="en-US" dirty="0" err="1" smtClean="0">
+                <a:latin typeface="나눔고딕 Light" pitchFamily="50" charset="-127"/>
+                <a:ea typeface="나눔고딕 Light" pitchFamily="50" charset="-127"/>
+              </a:rPr>
+              <a:t>라즈베리파이와</a:t>
+            </a:r>
+            <a:r>
+              <a:rPr lang="ko-KR" altLang="en-US" dirty="0" smtClean="0">
+                <a:latin typeface="나눔고딕 Light" pitchFamily="50" charset="-127"/>
+                <a:ea typeface="나눔고딕 Light" pitchFamily="50" charset="-127"/>
+              </a:rPr>
+              <a:t> 연결하였다</a:t>
+            </a:r>
+            <a:r>
+              <a:rPr lang="en-US" altLang="ko-KR" dirty="0" smtClean="0">
+                <a:latin typeface="나눔고딕 Light" pitchFamily="50" charset="-127"/>
+                <a:ea typeface="나눔고딕 Light" pitchFamily="50" charset="-127"/>
+              </a:rPr>
+              <a:t>.</a:t>
+            </a:r>
+            <a:endParaRPr lang="en-US" altLang="ko-KR" dirty="0">
+              <a:latin typeface="나눔고딕 Light" pitchFamily="50" charset="-127"/>
+              <a:ea typeface="나눔고딕 Light" pitchFamily="50" charset="-127"/>
+            </a:endParaRPr>
+          </a:p>
+        </p:txBody>
+      </p:sp>
+      <p:grpSp>
+        <p:nvGrpSpPr>
+          <p:cNvPr id="11" name="Group 392"/>
+          <p:cNvGrpSpPr/>
+          <p:nvPr/>
+        </p:nvGrpSpPr>
+        <p:grpSpPr>
+          <a:xfrm>
+            <a:off x="2469103" y="1587290"/>
+            <a:ext cx="8675147" cy="127210"/>
+            <a:chOff x="0" y="0"/>
+            <a:chExt cx="11657498" cy="0"/>
+          </a:xfrm>
+        </p:grpSpPr>
+        <p:sp>
+          <p:nvSpPr>
+            <p:cNvPr id="12" name="Shape 390"/>
+            <p:cNvSpPr/>
+            <p:nvPr/>
+          </p:nvSpPr>
+          <p:spPr>
+            <a:xfrm>
+              <a:off x="0" y="0"/>
+              <a:ext cx="11657498" cy="0"/>
+            </a:xfrm>
+            <a:prstGeom prst="line">
+              <a:avLst/>
+            </a:prstGeom>
+            <a:noFill/>
+            <a:ln w="25400" cap="flat">
+              <a:solidFill>
+                <a:srgbClr val="E5E5E5"/>
+              </a:solidFill>
+              <a:prstDash val="solid"/>
+              <a:miter lim="400000"/>
+            </a:ln>
+            <a:effectLst/>
+          </p:spPr>
+          <p:txBody>
+            <a:bodyPr wrap="square" lIns="38100" tIns="38100" rIns="38100" bIns="38100" numCol="1" anchor="ctr">
+              <a:noAutofit/>
+            </a:bodyPr>
+            <a:lstStyle/>
+            <a:p>
+              <a:pPr algn="ctr">
+                <a:defRPr sz="3000">
+                  <a:solidFill>
+                    <a:srgbClr val="000000"/>
+                  </a:solidFill>
+                  <a:latin typeface="Helvetica Light"/>
+                  <a:ea typeface="Helvetica Light"/>
+                  <a:cs typeface="Helvetica Light"/>
+                  <a:sym typeface="Helvetica Light"/>
+                </a:defRPr>
+              </a:pPr>
+              <a:endParaRPr/>
+            </a:p>
+          </p:txBody>
+        </p:sp>
+        <p:sp>
+          <p:nvSpPr>
+            <p:cNvPr id="13" name="Shape 391"/>
+            <p:cNvSpPr/>
+            <p:nvPr/>
+          </p:nvSpPr>
+          <p:spPr>
+            <a:xfrm>
+              <a:off x="12700" y="0"/>
+              <a:ext cx="1456385" cy="0"/>
+            </a:xfrm>
+            <a:prstGeom prst="line">
+              <a:avLst/>
+            </a:prstGeom>
+            <a:noFill/>
+            <a:ln w="25400" cap="flat">
+              <a:solidFill>
+                <a:srgbClr val="000000"/>
+              </a:solidFill>
+              <a:prstDash val="solid"/>
+              <a:miter lim="400000"/>
+            </a:ln>
+            <a:effectLst/>
+          </p:spPr>
+          <p:txBody>
+            <a:bodyPr wrap="square" lIns="38100" tIns="38100" rIns="38100" bIns="38100" numCol="1" anchor="ctr">
+              <a:noAutofit/>
+            </a:bodyPr>
+            <a:lstStyle/>
+            <a:p>
+              <a:pPr algn="ctr">
+                <a:defRPr sz="3000">
+                  <a:solidFill>
+                    <a:srgbClr val="000000"/>
+                  </a:solidFill>
+                  <a:latin typeface="Helvetica Light"/>
+                  <a:ea typeface="Helvetica Light"/>
+                  <a:cs typeface="Helvetica Light"/>
+                  <a:sym typeface="Helvetica Light"/>
+                </a:defRPr>
+              </a:pPr>
+              <a:endParaRPr/>
+            </a:p>
+          </p:txBody>
+        </p:sp>
+      </p:grpSp>
+      <p:pic>
+        <p:nvPicPr>
+          <p:cNvPr id="2" name="그림 1"/>
+          <p:cNvPicPr>
+            <a:picLocks noChangeAspect="1"/>
+          </p:cNvPicPr>
+          <p:nvPr/>
+        </p:nvPicPr>
+        <p:blipFill>
+          <a:blip r:embed="rId2"/>
+          <a:stretch>
+            <a:fillRect/>
+          </a:stretch>
+        </p:blipFill>
+        <p:spPr>
+          <a:xfrm>
+            <a:off x="7261624" y="2389638"/>
+            <a:ext cx="4305300" cy="3429000"/>
+          </a:xfrm>
+          <a:prstGeom prst="rect">
+            <a:avLst/>
+          </a:prstGeom>
+        </p:spPr>
+      </p:pic>
+    </p:spTree>
+    <p:extLst>
+      <p:ext uri="{BB962C8B-B14F-4D97-AF65-F5344CB8AC3E}">
+        <p14:creationId xmlns:p14="http://schemas.microsoft.com/office/powerpoint/2010/main" val="4293757988"/>
+      </p:ext>
+    </p:extLst>
+  </p:cSld>
+  <p:clrMapOvr>
+    <a:masterClrMapping/>
+  </p:clrMapOvr>
+  <p:timing>
+    <p:tnLst>
+      <p:par>
+        <p:cTn id="1" dur="indefinite" restart="never" nodeType="tmRoot"/>
+      </p:par>
+    </p:tnLst>
+  </p:timing>
+</p:sld>
+</file>
+
+<file path=ppt/slides/slide6.xml><?xml version="1.0" encoding="utf-8"?>
+<p:sld xmlns:a="http://schemas.openxmlformats.org/drawingml/2006/main" xmlns:r="http://schemas.openxmlformats.org/officeDocument/2006/relationships" xmlns:p="http://schemas.openxmlformats.org/presentationml/2006/main">
+  <p:cSld>
+    <p:spTree>
+      <p:nvGrpSpPr>
+        <p:cNvPr id="1" name=""/>
+        <p:cNvGrpSpPr/>
+        <p:nvPr/>
+      </p:nvGrpSpPr>
+      <p:grpSpPr>
+        <a:xfrm>
+          <a:off x="0" y="0"/>
+          <a:ext cx="0" cy="0"/>
+          <a:chOff x="0" y="0"/>
+          <a:chExt cx="0" cy="0"/>
+        </a:xfrm>
+      </p:grpSpPr>
+      <p:sp>
+        <p:nvSpPr>
+          <p:cNvPr id="4" name="직사각형 3"/>
+          <p:cNvSpPr/>
+          <p:nvPr/>
+        </p:nvSpPr>
+        <p:spPr>
+          <a:xfrm>
+            <a:off x="0" y="-16001"/>
+            <a:ext cx="1657350" cy="6238875"/>
+          </a:xfrm>
+          <a:prstGeom prst="rect">
+            <a:avLst/>
+          </a:prstGeom>
+          <a:solidFill>
+            <a:srgbClr val="EDD0BE"/>
+          </a:solidFill>
+          <a:ln>
+            <a:noFill/>
+          </a:ln>
+        </p:spPr>
+        <p:style>
+          <a:lnRef idx="2">
+            <a:schemeClr val="accent1">
+              <a:shade val="50000"/>
+            </a:schemeClr>
+          </a:lnRef>
+          <a:fillRef idx="1">
+            <a:schemeClr val="accent1"/>
+          </a:fillRef>
+          <a:effectRef idx="0">
+            <a:schemeClr val="accent1"/>
+          </a:effectRef>
+          <a:fontRef idx="minor">
+            <a:schemeClr val="lt1"/>
+          </a:fontRef>
+        </p:style>
+        <p:txBody>
+          <a:bodyPr rtlCol="0" anchor="ctr"/>
+          <a:lstStyle/>
+          <a:p>
+            <a:pPr algn="ctr"/>
+            <a:endParaRPr lang="ko-KR" altLang="en-US" dirty="0">
+              <a:latin typeface="나눔고딕 Light" pitchFamily="50" charset="-127"/>
+              <a:ea typeface="나눔고딕 Light" pitchFamily="50" charset="-127"/>
+            </a:endParaRPr>
+          </a:p>
+        </p:txBody>
+      </p:sp>
+      <p:sp>
+        <p:nvSpPr>
+          <p:cNvPr id="5" name="TextBox 7"/>
+          <p:cNvSpPr txBox="1">
+            <a:spLocks noChangeArrowheads="1"/>
+          </p:cNvSpPr>
+          <p:nvPr/>
+        </p:nvSpPr>
+        <p:spPr bwMode="auto">
+          <a:xfrm>
+            <a:off x="2406377" y="608585"/>
+            <a:ext cx="4352674" cy="676532"/>
+          </a:xfrm>
+          <a:prstGeom prst="rect">
+            <a:avLst/>
+          </a:prstGeom>
+          <a:noFill/>
+          <a:ln>
+            <a:noFill/>
+          </a:ln>
+          <a:extLst>
+            <a:ext uri="{909E8E84-426E-40DD-AFC4-6F175D3DCCD1}">
+              <a14:hiddenFill xmlns:a14="http://schemas.microsoft.com/office/drawing/2010/main">
+                <a:solidFill>
+                  <a:srgbClr val="FFFFFF"/>
+                </a:solidFill>
+              </a14:hiddenFill>
+            </a:ext>
+            <a:ext uri="{91240B29-F687-4F45-9708-019B960494DF}">
+              <a14:hiddenLine xmlns:a14="http://schemas.microsoft.com/office/drawing/2010/main" w="9525">
+                <a:solidFill>
+                  <a:srgbClr val="000000"/>
+                </a:solidFill>
+                <a:miter lim="800000"/>
+                <a:headEnd/>
+                <a:tailEnd/>
+              </a14:hiddenLine>
+            </a:ext>
+          </a:extLst>
+        </p:spPr>
+        <p:txBody>
+          <a:bodyPr wrap="square">
+            <a:spAutoFit/>
+          </a:bodyPr>
+          <a:lstStyle>
+            <a:lvl1pPr>
+              <a:defRPr sz="3600">
+                <a:solidFill>
+                  <a:schemeClr val="tx1"/>
+                </a:solidFill>
+                <a:latin typeface="Lato Light" pitchFamily="34" charset="0"/>
+              </a:defRPr>
+            </a:lvl1pPr>
+            <a:lvl2pPr marL="742950" indent="-285750">
+              <a:defRPr sz="3600">
+                <a:solidFill>
+                  <a:schemeClr val="tx1"/>
+                </a:solidFill>
+                <a:latin typeface="Lato Light" pitchFamily="34" charset="0"/>
+              </a:defRPr>
+            </a:lvl2pPr>
+            <a:lvl3pPr marL="1143000" indent="-228600">
+              <a:defRPr sz="3600">
+                <a:solidFill>
+                  <a:schemeClr val="tx1"/>
+                </a:solidFill>
+                <a:latin typeface="Lato Light" pitchFamily="34" charset="0"/>
+              </a:defRPr>
+            </a:lvl3pPr>
+            <a:lvl4pPr marL="1600200" indent="-228600">
+              <a:defRPr sz="3600">
+                <a:solidFill>
+                  <a:schemeClr val="tx1"/>
+                </a:solidFill>
+                <a:latin typeface="Lato Light" pitchFamily="34" charset="0"/>
+              </a:defRPr>
+            </a:lvl4pPr>
+            <a:lvl5pPr marL="2057400" indent="-228600">
+              <a:defRPr sz="3600">
+                <a:solidFill>
+                  <a:schemeClr val="tx1"/>
+                </a:solidFill>
+                <a:latin typeface="Lato Light" pitchFamily="34" charset="0"/>
+              </a:defRPr>
+            </a:lvl5pPr>
+            <a:lvl6pPr marL="2514600" indent="-228600" defTabSz="1827213" fontAlgn="base">
+              <a:spcBef>
+                <a:spcPct val="0"/>
+              </a:spcBef>
+              <a:spcAft>
+                <a:spcPct val="0"/>
+              </a:spcAft>
+              <a:defRPr sz="3600">
+                <a:solidFill>
+                  <a:schemeClr val="tx1"/>
+                </a:solidFill>
+                <a:latin typeface="Lato Light" pitchFamily="34" charset="0"/>
+              </a:defRPr>
+            </a:lvl6pPr>
+            <a:lvl7pPr marL="2971800" indent="-228600" defTabSz="1827213" fontAlgn="base">
+              <a:spcBef>
+                <a:spcPct val="0"/>
+              </a:spcBef>
+              <a:spcAft>
+                <a:spcPct val="0"/>
+              </a:spcAft>
+              <a:defRPr sz="3600">
+                <a:solidFill>
+                  <a:schemeClr val="tx1"/>
+                </a:solidFill>
+                <a:latin typeface="Lato Light" pitchFamily="34" charset="0"/>
+              </a:defRPr>
+            </a:lvl7pPr>
+            <a:lvl8pPr marL="3429000" indent="-228600" defTabSz="1827213" fontAlgn="base">
+              <a:spcBef>
+                <a:spcPct val="0"/>
+              </a:spcBef>
+              <a:spcAft>
+                <a:spcPct val="0"/>
+              </a:spcAft>
+              <a:defRPr sz="3600">
+                <a:solidFill>
+                  <a:schemeClr val="tx1"/>
+                </a:solidFill>
+                <a:latin typeface="Lato Light" pitchFamily="34" charset="0"/>
+              </a:defRPr>
+            </a:lvl8pPr>
+            <a:lvl9pPr marL="3886200" indent="-228600" defTabSz="1827213" fontAlgn="base">
+              <a:spcBef>
+                <a:spcPct val="0"/>
+              </a:spcBef>
+              <a:spcAft>
+                <a:spcPct val="0"/>
+              </a:spcAft>
+              <a:defRPr sz="3600">
+                <a:solidFill>
+                  <a:schemeClr val="tx1"/>
+                </a:solidFill>
+                <a:latin typeface="Lato Light" pitchFamily="34" charset="0"/>
+              </a:defRPr>
+            </a:lvl9pPr>
+          </a:lstStyle>
+          <a:p>
+            <a:pPr>
+              <a:lnSpc>
+                <a:spcPct val="150000"/>
+              </a:lnSpc>
+            </a:pPr>
+            <a:r>
+              <a:rPr lang="en-US" altLang="ko-KR" sz="2800" b="1" dirty="0" smtClean="0">
+                <a:latin typeface="나눔스퀘어 Bold" panose="020B0600000101010101" pitchFamily="50" charset="-127"/>
+                <a:ea typeface="나눔스퀘어 Bold" panose="020B0600000101010101" pitchFamily="50" charset="-127"/>
+                <a:cs typeface="Calibri" panose="020F0502020204030204" pitchFamily="34" charset="0"/>
+              </a:rPr>
+              <a:t>HW Component</a:t>
+            </a:r>
+            <a:endParaRPr lang="ru-RU" altLang="ko-KR" sz="2800" b="1" dirty="0">
+              <a:latin typeface="나눔스퀘어 Bold" panose="020B0600000101010101" pitchFamily="50" charset="-127"/>
+              <a:ea typeface="나눔스퀘어 Bold" panose="020B0600000101010101" pitchFamily="50" charset="-127"/>
+              <a:cs typeface="Calibri" panose="020F0502020204030204" pitchFamily="34" charset="0"/>
+            </a:endParaRPr>
+          </a:p>
+        </p:txBody>
+      </p:sp>
+      <p:sp>
+        <p:nvSpPr>
+          <p:cNvPr id="10" name="Shape 388"/>
+          <p:cNvSpPr/>
+          <p:nvPr/>
+        </p:nvSpPr>
+        <p:spPr>
+          <a:xfrm>
+            <a:off x="2469103" y="2135723"/>
+            <a:ext cx="4475686" cy="3936831"/>
+          </a:xfrm>
+          <a:prstGeom prst="rect">
+            <a:avLst/>
+          </a:prstGeom>
+          <a:ln w="3175">
+            <a:miter lim="400000"/>
+          </a:ln>
+          <a:extLst>
+            <a:ext uri="{C572A759-6A51-4108-AA02-DFA0A04FC94B}">
+              <ma14:wrappingTextBoxFlag xmlns:ma14="http://schemas.microsoft.com/office/mac/drawingml/2011/main" xmlns="" val="1"/>
+            </a:ext>
+          </a:extLst>
+        </p:spPr>
+        <p:txBody>
+          <a:bodyPr lIns="38100" tIns="38100" rIns="38100" bIns="38100">
+            <a:normAutofit/>
+          </a:bodyPr>
+          <a:lstStyle/>
+          <a:p>
+            <a:r>
+              <a:rPr lang="en-US" altLang="ko-KR" dirty="0" err="1"/>
+              <a:t>RPi</a:t>
+            </a:r>
+            <a:r>
+              <a:rPr lang="en-US" altLang="ko-KR" dirty="0"/>
+              <a:t> Camera (B)</a:t>
+            </a:r>
+            <a:endParaRPr lang="en-US" altLang="ko-KR" dirty="0"/>
+          </a:p>
+        </p:txBody>
+      </p:sp>
+      <p:grpSp>
+        <p:nvGrpSpPr>
+          <p:cNvPr id="11" name="Group 392"/>
+          <p:cNvGrpSpPr/>
+          <p:nvPr/>
+        </p:nvGrpSpPr>
+        <p:grpSpPr>
+          <a:xfrm>
+            <a:off x="2469103" y="1587290"/>
+            <a:ext cx="8675147" cy="127210"/>
+            <a:chOff x="0" y="0"/>
+            <a:chExt cx="11657498" cy="0"/>
+          </a:xfrm>
+        </p:grpSpPr>
+        <p:sp>
+          <p:nvSpPr>
+            <p:cNvPr id="12" name="Shape 390"/>
+            <p:cNvSpPr/>
+            <p:nvPr/>
+          </p:nvSpPr>
+          <p:spPr>
+            <a:xfrm>
+              <a:off x="0" y="0"/>
+              <a:ext cx="11657498" cy="0"/>
+            </a:xfrm>
+            <a:prstGeom prst="line">
+              <a:avLst/>
+            </a:prstGeom>
+            <a:noFill/>
+            <a:ln w="25400" cap="flat">
+              <a:solidFill>
+                <a:srgbClr val="E5E5E5"/>
+              </a:solidFill>
+              <a:prstDash val="solid"/>
+              <a:miter lim="400000"/>
+            </a:ln>
+            <a:effectLst/>
+          </p:spPr>
+          <p:txBody>
+            <a:bodyPr wrap="square" lIns="38100" tIns="38100" rIns="38100" bIns="38100" numCol="1" anchor="ctr">
+              <a:noAutofit/>
+            </a:bodyPr>
+            <a:lstStyle/>
+            <a:p>
+              <a:pPr algn="ctr">
+                <a:defRPr sz="3000">
+                  <a:solidFill>
+                    <a:srgbClr val="000000"/>
+                  </a:solidFill>
+                  <a:latin typeface="Helvetica Light"/>
+                  <a:ea typeface="Helvetica Light"/>
+                  <a:cs typeface="Helvetica Light"/>
+                  <a:sym typeface="Helvetica Light"/>
+                </a:defRPr>
+              </a:pPr>
+              <a:endParaRPr/>
+            </a:p>
+          </p:txBody>
+        </p:sp>
+        <p:sp>
+          <p:nvSpPr>
+            <p:cNvPr id="13" name="Shape 391"/>
+            <p:cNvSpPr/>
+            <p:nvPr/>
+          </p:nvSpPr>
+          <p:spPr>
+            <a:xfrm>
+              <a:off x="12700" y="0"/>
+              <a:ext cx="1456385" cy="0"/>
+            </a:xfrm>
+            <a:prstGeom prst="line">
+              <a:avLst/>
+            </a:prstGeom>
+            <a:noFill/>
+            <a:ln w="25400" cap="flat">
+              <a:solidFill>
+                <a:srgbClr val="000000"/>
+              </a:solidFill>
+              <a:prstDash val="solid"/>
+              <a:miter lim="400000"/>
+            </a:ln>
+            <a:effectLst/>
+          </p:spPr>
+          <p:txBody>
+            <a:bodyPr wrap="square" lIns="38100" tIns="38100" rIns="38100" bIns="38100" numCol="1" anchor="ctr">
+              <a:noAutofit/>
+            </a:bodyPr>
+            <a:lstStyle/>
+            <a:p>
+              <a:pPr algn="ctr">
+                <a:defRPr sz="3000">
+                  <a:solidFill>
+                    <a:srgbClr val="000000"/>
+                  </a:solidFill>
+                  <a:latin typeface="Helvetica Light"/>
+                  <a:ea typeface="Helvetica Light"/>
+                  <a:cs typeface="Helvetica Light"/>
+                  <a:sym typeface="Helvetica Light"/>
+                </a:defRPr>
+              </a:pPr>
+              <a:endParaRPr/>
+            </a:p>
+          </p:txBody>
+        </p:sp>
+      </p:grpSp>
+      <p:pic>
+        <p:nvPicPr>
+          <p:cNvPr id="1026" name="Picture 2" descr="RPi Camera (B)ì ëí ì´ë¯¸ì§ ê²ìê²°ê³¼"/>
+          <p:cNvPicPr>
+            <a:picLocks noChangeAspect="1" noChangeArrowheads="1"/>
+          </p:cNvPicPr>
+          <p:nvPr/>
+        </p:nvPicPr>
+        <p:blipFill>
+          <a:blip r:embed="rId2">
+            <a:extLst>
+              <a:ext uri="{28A0092B-C50C-407E-A947-70E740481C1C}">
+                <a14:useLocalDpi xmlns:a14="http://schemas.microsoft.com/office/drawing/2010/main" val="0"/>
+              </a:ext>
+            </a:extLst>
+          </a:blip>
+          <a:srcRect/>
+          <a:stretch>
+            <a:fillRect/>
+          </a:stretch>
+        </p:blipFill>
+        <p:spPr bwMode="auto">
+          <a:xfrm>
+            <a:off x="6356870" y="2135723"/>
+            <a:ext cx="4438650" cy="4438651"/>
+          </a:xfrm>
+          <a:prstGeom prst="rect">
+            <a:avLst/>
+          </a:prstGeom>
+          <a:noFill/>
+          <a:extLst>
+            <a:ext uri="{909E8E84-426E-40DD-AFC4-6F175D3DCCD1}">
+              <a14:hiddenFill xmlns:a14="http://schemas.microsoft.com/office/drawing/2010/main">
+                <a:solidFill>
+                  <a:srgbClr val="FFFFFF"/>
+                </a:solidFill>
+              </a14:hiddenFill>
+            </a:ext>
+          </a:extLst>
+        </p:spPr>
+      </p:pic>
+    </p:spTree>
+    <p:extLst>
+      <p:ext uri="{BB962C8B-B14F-4D97-AF65-F5344CB8AC3E}">
+        <p14:creationId xmlns:p14="http://schemas.microsoft.com/office/powerpoint/2010/main" val="883448805"/>
+      </p:ext>
+    </p:extLst>
+  </p:cSld>
+  <p:clrMapOvr>
+    <a:masterClrMapping/>
+  </p:clrMapOvr>
+  <p:timing>
+    <p:tnLst>
+      <p:par>
+        <p:cTn id="1" dur="indefinite" restart="never" nodeType="tmRoot"/>
+      </p:par>
+    </p:tnLst>
+  </p:timing>
+</p:sld>
+</file>
+
+<file path=ppt/slides/slide7.xml><?xml version="1.0" encoding="utf-8"?>
+<p:sld xmlns:a="http://schemas.openxmlformats.org/drawingml/2006/main" xmlns:r="http://schemas.openxmlformats.org/officeDocument/2006/relationships" xmlns:p="http://schemas.openxmlformats.org/presentationml/2006/main">
+  <p:cSld>
     <p:bg>
       <p:bgPr>
         <a:solidFill>
@@ -16879,7 +21564,7 @@
           </a:ln>
           <a:extLst>
             <a:ext uri="{C572A759-6A51-4108-AA02-DFA0A04FC94B}">
-              <ma14:wrappingTextBoxFlag xmlns="" xmlns:ma14="http://schemas.microsoft.com/office/mac/drawingml/2011/main" val="1"/>
+              <ma14:wrappingTextBoxFlag xmlns:ma14="http://schemas.microsoft.com/office/mac/drawingml/2011/main" xmlns="" val="1"/>
             </a:ext>
           </a:extLst>
         </p:spPr>
@@ -16922,19 +21607,8 @@
                 <a:latin typeface="나눔고딕 Light" pitchFamily="50" charset="-127"/>
                 <a:ea typeface="나눔고딕 Light" pitchFamily="50" charset="-127"/>
               </a:rPr>
-              <a:t>: Raspberry Pi 3 </a:t>
-            </a:r>
-            <a:r>
-              <a:rPr lang="en-US" altLang="ko-KR" dirty="0" smtClean="0">
-                <a:latin typeface="나눔고딕 Light" pitchFamily="50" charset="-127"/>
-                <a:ea typeface="나눔고딕 Light" pitchFamily="50" charset="-127"/>
-              </a:rPr>
-              <a:t>model B</a:t>
-            </a:r>
-            <a:endParaRPr lang="en-US" altLang="ko-KR" dirty="0" smtClean="0">
-              <a:latin typeface="나눔고딕 Light" pitchFamily="50" charset="-127"/>
-              <a:ea typeface="나눔고딕 Light" pitchFamily="50" charset="-127"/>
-            </a:endParaRPr>
+              <a:t>: Raspberry Pi 3 model B</a:t>
+            </a:r>
           </a:p>
           <a:p>
             <a:pPr fontAlgn="base">
@@ -17040,14 +21714,7 @@
                 <a:latin typeface="나눔고딕 Light" pitchFamily="50" charset="-127"/>
                 <a:ea typeface="나눔고딕 Light" pitchFamily="50" charset="-127"/>
               </a:rPr>
-              <a:t>선택 </a:t>
-            </a:r>
-            <a:r>
-              <a:rPr lang="ko-KR" altLang="en-US" dirty="0" smtClean="0">
-                <a:latin typeface="나눔고딕 Light" pitchFamily="50" charset="-127"/>
-                <a:ea typeface="나눔고딕 Light" pitchFamily="50" charset="-127"/>
-              </a:rPr>
-              <a:t>이유</a:t>
+              <a:t>선택 이유</a:t>
             </a:r>
             <a:r>
               <a:rPr lang="en-US" altLang="ko-KR" dirty="0" smtClean="0">
@@ -17313,7 +21980,7 @@
 </p:sld>
 </file>
 
-<file path=ppt/slides/slide6.xml><?xml version="1.0" encoding="utf-8"?>
+<file path=ppt/slides/slide8.xml><?xml version="1.0" encoding="utf-8"?>
 <p:sld xmlns:a="http://schemas.openxmlformats.org/drawingml/2006/main" xmlns:r="http://schemas.openxmlformats.org/officeDocument/2006/relationships" xmlns:p="http://schemas.openxmlformats.org/presentationml/2006/main" show="0">
   <p:cSld>
     <p:bg>
@@ -17572,7 +22239,7 @@
           </a:ln>
           <a:extLst>
             <a:ext uri="{C572A759-6A51-4108-AA02-DFA0A04FC94B}">
-              <ma14:wrappingTextBoxFlag xmlns="" xmlns:ma14="http://schemas.microsoft.com/office/mac/drawingml/2011/main" val="1"/>
+              <ma14:wrappingTextBoxFlag xmlns:ma14="http://schemas.microsoft.com/office/mac/drawingml/2011/main" xmlns="" val="1"/>
             </a:ext>
           </a:extLst>
         </p:spPr>
@@ -17807,11 +22474,11 @@
   <p:clrMapOvr>
     <a:masterClrMapping/>
   </p:clrMapOvr>
-  <mc:AlternateContent xmlns:mc="http://schemas.openxmlformats.org/markup-compatibility/2006">
-    <mc:Choice xmlns:p14="http://schemas.microsoft.com/office/powerpoint/2010/main" Requires="p14">
+  <mc:AlternateContent xmlns:mc="http://schemas.openxmlformats.org/markup-compatibility/2006" xmlns:p14="http://schemas.microsoft.com/office/powerpoint/2010/main">
+    <mc:Choice Requires="p14">
       <p:transition spd="slow" p14:dur="2000"/>
     </mc:Choice>
-    <mc:Fallback>
+    <mc:Fallback xmlns="">
       <p:transition spd="slow"/>
     </mc:Fallback>
   </mc:AlternateContent>
@@ -17825,7 +22492,7 @@
 </p:sld>
 </file>
 
-<file path=ppt/slides/slide7.xml><?xml version="1.0" encoding="utf-8"?>
+<file path=ppt/slides/slide9.xml><?xml version="1.0" encoding="utf-8"?>
 <p:sld xmlns:a="http://schemas.openxmlformats.org/drawingml/2006/main" xmlns:r="http://schemas.openxmlformats.org/officeDocument/2006/relationships" xmlns:p="http://schemas.openxmlformats.org/presentationml/2006/main">
   <p:cSld>
     <p:bg>
@@ -18189,7 +22856,7 @@
           </a:ln>
           <a:extLst>
             <a:ext uri="{C572A759-6A51-4108-AA02-DFA0A04FC94B}">
-              <ma14:wrappingTextBoxFlag xmlns="" xmlns:ma14="http://schemas.microsoft.com/office/mac/drawingml/2011/main" val="1"/>
+              <ma14:wrappingTextBoxFlag xmlns:ma14="http://schemas.microsoft.com/office/mac/drawingml/2011/main" xmlns="" val="1"/>
             </a:ext>
           </a:extLst>
         </p:spPr>
@@ -18388,1292 +23055,6 @@
   <p:clrMapOvr>
     <a:masterClrMapping/>
   </p:clrMapOvr>
-  <p:timing>
-    <p:tnLst>
-      <p:par>
-        <p:cTn id="1" dur="indefinite" restart="never" nodeType="tmRoot"/>
-      </p:par>
-    </p:tnLst>
-  </p:timing>
-</p:sld>
-</file>
-
-<file path=ppt/slides/slide8.xml><?xml version="1.0" encoding="utf-8"?>
-<p:sld xmlns:a="http://schemas.openxmlformats.org/drawingml/2006/main" xmlns:r="http://schemas.openxmlformats.org/officeDocument/2006/relationships" xmlns:p="http://schemas.openxmlformats.org/presentationml/2006/main">
-  <p:cSld>
-    <p:bg>
-      <p:bgPr>
-        <a:solidFill>
-          <a:schemeClr val="bg1">
-            <a:lumMod val="95000"/>
-          </a:schemeClr>
-        </a:solidFill>
-        <a:effectLst/>
-      </p:bgPr>
-    </p:bg>
-    <p:spTree>
-      <p:nvGrpSpPr>
-        <p:cNvPr id="1" name=""/>
-        <p:cNvGrpSpPr/>
-        <p:nvPr/>
-      </p:nvGrpSpPr>
-      <p:grpSpPr>
-        <a:xfrm>
-          <a:off x="0" y="0"/>
-          <a:ext cx="0" cy="0"/>
-          <a:chOff x="0" y="0"/>
-          <a:chExt cx="0" cy="0"/>
-        </a:xfrm>
-      </p:grpSpPr>
-      <p:sp>
-        <p:nvSpPr>
-          <p:cNvPr id="4" name="직사각형 3"/>
-          <p:cNvSpPr/>
-          <p:nvPr/>
-        </p:nvSpPr>
-        <p:spPr>
-          <a:xfrm>
-            <a:off x="0" y="-16001"/>
-            <a:ext cx="1657350" cy="6238875"/>
-          </a:xfrm>
-          <a:prstGeom prst="rect">
-            <a:avLst/>
-          </a:prstGeom>
-          <a:solidFill>
-            <a:srgbClr val="EDD0BE"/>
-          </a:solidFill>
-          <a:ln>
-            <a:noFill/>
-          </a:ln>
-        </p:spPr>
-        <p:style>
-          <a:lnRef idx="2">
-            <a:schemeClr val="accent1">
-              <a:shade val="50000"/>
-            </a:schemeClr>
-          </a:lnRef>
-          <a:fillRef idx="1">
-            <a:schemeClr val="accent1"/>
-          </a:fillRef>
-          <a:effectRef idx="0">
-            <a:schemeClr val="accent1"/>
-          </a:effectRef>
-          <a:fontRef idx="minor">
-            <a:schemeClr val="lt1"/>
-          </a:fontRef>
-        </p:style>
-        <p:txBody>
-          <a:bodyPr rtlCol="0" anchor="ctr"/>
-          <a:lstStyle/>
-          <a:p>
-            <a:pPr algn="ctr"/>
-            <a:endParaRPr lang="ko-KR" altLang="en-US" dirty="0">
-              <a:latin typeface="나눔고딕 Light" pitchFamily="50" charset="-127"/>
-              <a:ea typeface="나눔고딕 Light" pitchFamily="50" charset="-127"/>
-            </a:endParaRPr>
-          </a:p>
-        </p:txBody>
-      </p:sp>
-      <p:sp>
-        <p:nvSpPr>
-          <p:cNvPr id="5" name="TextBox 7"/>
-          <p:cNvSpPr txBox="1">
-            <a:spLocks noChangeArrowheads="1"/>
-          </p:cNvSpPr>
-          <p:nvPr/>
-        </p:nvSpPr>
-        <p:spPr bwMode="auto">
-          <a:xfrm>
-            <a:off x="2406377" y="608585"/>
-            <a:ext cx="4352674" cy="676532"/>
-          </a:xfrm>
-          <a:prstGeom prst="rect">
-            <a:avLst/>
-          </a:prstGeom>
-          <a:noFill/>
-          <a:ln>
-            <a:noFill/>
-          </a:ln>
-          <a:extLst>
-            <a:ext uri="{909E8E84-426E-40DD-AFC4-6F175D3DCCD1}">
-              <a14:hiddenFill xmlns:a14="http://schemas.microsoft.com/office/drawing/2010/main">
-                <a:solidFill>
-                  <a:srgbClr val="FFFFFF"/>
-                </a:solidFill>
-              </a14:hiddenFill>
-            </a:ext>
-            <a:ext uri="{91240B29-F687-4F45-9708-019B960494DF}">
-              <a14:hiddenLine xmlns:a14="http://schemas.microsoft.com/office/drawing/2010/main" w="9525">
-                <a:solidFill>
-                  <a:srgbClr val="000000"/>
-                </a:solidFill>
-                <a:miter lim="800000"/>
-                <a:headEnd/>
-                <a:tailEnd/>
-              </a14:hiddenLine>
-            </a:ext>
-          </a:extLst>
-        </p:spPr>
-        <p:txBody>
-          <a:bodyPr wrap="square">
-            <a:spAutoFit/>
-          </a:bodyPr>
-          <a:lstStyle>
-            <a:lvl1pPr>
-              <a:defRPr sz="3600">
-                <a:solidFill>
-                  <a:schemeClr val="tx1"/>
-                </a:solidFill>
-                <a:latin typeface="Lato Light" pitchFamily="34" charset="0"/>
-              </a:defRPr>
-            </a:lvl1pPr>
-            <a:lvl2pPr marL="742950" indent="-285750">
-              <a:defRPr sz="3600">
-                <a:solidFill>
-                  <a:schemeClr val="tx1"/>
-                </a:solidFill>
-                <a:latin typeface="Lato Light" pitchFamily="34" charset="0"/>
-              </a:defRPr>
-            </a:lvl2pPr>
-            <a:lvl3pPr marL="1143000" indent="-228600">
-              <a:defRPr sz="3600">
-                <a:solidFill>
-                  <a:schemeClr val="tx1"/>
-                </a:solidFill>
-                <a:latin typeface="Lato Light" pitchFamily="34" charset="0"/>
-              </a:defRPr>
-            </a:lvl3pPr>
-            <a:lvl4pPr marL="1600200" indent="-228600">
-              <a:defRPr sz="3600">
-                <a:solidFill>
-                  <a:schemeClr val="tx1"/>
-                </a:solidFill>
-                <a:latin typeface="Lato Light" pitchFamily="34" charset="0"/>
-              </a:defRPr>
-            </a:lvl4pPr>
-            <a:lvl5pPr marL="2057400" indent="-228600">
-              <a:defRPr sz="3600">
-                <a:solidFill>
-                  <a:schemeClr val="tx1"/>
-                </a:solidFill>
-                <a:latin typeface="Lato Light" pitchFamily="34" charset="0"/>
-              </a:defRPr>
-            </a:lvl5pPr>
-            <a:lvl6pPr marL="2514600" indent="-228600" defTabSz="1827213" fontAlgn="base">
-              <a:spcBef>
-                <a:spcPct val="0"/>
-              </a:spcBef>
-              <a:spcAft>
-                <a:spcPct val="0"/>
-              </a:spcAft>
-              <a:defRPr sz="3600">
-                <a:solidFill>
-                  <a:schemeClr val="tx1"/>
-                </a:solidFill>
-                <a:latin typeface="Lato Light" pitchFamily="34" charset="0"/>
-              </a:defRPr>
-            </a:lvl6pPr>
-            <a:lvl7pPr marL="2971800" indent="-228600" defTabSz="1827213" fontAlgn="base">
-              <a:spcBef>
-                <a:spcPct val="0"/>
-              </a:spcBef>
-              <a:spcAft>
-                <a:spcPct val="0"/>
-              </a:spcAft>
-              <a:defRPr sz="3600">
-                <a:solidFill>
-                  <a:schemeClr val="tx1"/>
-                </a:solidFill>
-                <a:latin typeface="Lato Light" pitchFamily="34" charset="0"/>
-              </a:defRPr>
-            </a:lvl7pPr>
-            <a:lvl8pPr marL="3429000" indent="-228600" defTabSz="1827213" fontAlgn="base">
-              <a:spcBef>
-                <a:spcPct val="0"/>
-              </a:spcBef>
-              <a:spcAft>
-                <a:spcPct val="0"/>
-              </a:spcAft>
-              <a:defRPr sz="3600">
-                <a:solidFill>
-                  <a:schemeClr val="tx1"/>
-                </a:solidFill>
-                <a:latin typeface="Lato Light" pitchFamily="34" charset="0"/>
-              </a:defRPr>
-            </a:lvl8pPr>
-            <a:lvl9pPr marL="3886200" indent="-228600" defTabSz="1827213" fontAlgn="base">
-              <a:spcBef>
-                <a:spcPct val="0"/>
-              </a:spcBef>
-              <a:spcAft>
-                <a:spcPct val="0"/>
-              </a:spcAft>
-              <a:defRPr sz="3600">
-                <a:solidFill>
-                  <a:schemeClr val="tx1"/>
-                </a:solidFill>
-                <a:latin typeface="Lato Light" pitchFamily="34" charset="0"/>
-              </a:defRPr>
-            </a:lvl9pPr>
-          </a:lstStyle>
-          <a:p>
-            <a:pPr>
-              <a:lnSpc>
-                <a:spcPct val="150000"/>
-              </a:lnSpc>
-            </a:pPr>
-            <a:r>
-              <a:rPr lang="en-US" altLang="ko-KR" sz="2800" b="1" dirty="0" smtClean="0">
-                <a:latin typeface="나눔스퀘어 Bold" panose="020B0600000101010101" pitchFamily="50" charset="-127"/>
-                <a:ea typeface="나눔스퀘어 Bold" panose="020B0600000101010101" pitchFamily="50" charset="-127"/>
-                <a:cs typeface="Calibri" panose="020F0502020204030204" pitchFamily="34" charset="0"/>
-              </a:rPr>
-              <a:t>Software Component</a:t>
-            </a:r>
-            <a:endParaRPr lang="ru-RU" altLang="ko-KR" sz="2800" b="1" dirty="0">
-              <a:latin typeface="나눔스퀘어 Bold" panose="020B0600000101010101" pitchFamily="50" charset="-127"/>
-              <a:ea typeface="나눔스퀘어 Bold" panose="020B0600000101010101" pitchFamily="50" charset="-127"/>
-              <a:cs typeface="Calibri" panose="020F0502020204030204" pitchFamily="34" charset="0"/>
-            </a:endParaRPr>
-          </a:p>
-        </p:txBody>
-      </p:sp>
-      <p:grpSp>
-        <p:nvGrpSpPr>
-          <p:cNvPr id="11" name="Group 392"/>
-          <p:cNvGrpSpPr/>
-          <p:nvPr/>
-        </p:nvGrpSpPr>
-        <p:grpSpPr>
-          <a:xfrm>
-            <a:off x="2469103" y="1587290"/>
-            <a:ext cx="8675147" cy="127210"/>
-            <a:chOff x="0" y="0"/>
-            <a:chExt cx="11657498" cy="0"/>
-          </a:xfrm>
-        </p:grpSpPr>
-        <p:sp>
-          <p:nvSpPr>
-            <p:cNvPr id="12" name="Shape 390"/>
-            <p:cNvSpPr/>
-            <p:nvPr/>
-          </p:nvSpPr>
-          <p:spPr>
-            <a:xfrm>
-              <a:off x="0" y="0"/>
-              <a:ext cx="11657498" cy="0"/>
-            </a:xfrm>
-            <a:prstGeom prst="line">
-              <a:avLst/>
-            </a:prstGeom>
-            <a:noFill/>
-            <a:ln w="25400" cap="flat">
-              <a:solidFill>
-                <a:srgbClr val="E5E5E5"/>
-              </a:solidFill>
-              <a:prstDash val="solid"/>
-              <a:miter lim="400000"/>
-            </a:ln>
-            <a:effectLst/>
-          </p:spPr>
-          <p:txBody>
-            <a:bodyPr wrap="square" lIns="38100" tIns="38100" rIns="38100" bIns="38100" numCol="1" anchor="ctr">
-              <a:noAutofit/>
-            </a:bodyPr>
-            <a:lstStyle/>
-            <a:p>
-              <a:pPr algn="ctr">
-                <a:defRPr sz="3000">
-                  <a:solidFill>
-                    <a:srgbClr val="000000"/>
-                  </a:solidFill>
-                  <a:latin typeface="Helvetica Light"/>
-                  <a:ea typeface="Helvetica Light"/>
-                  <a:cs typeface="Helvetica Light"/>
-                  <a:sym typeface="Helvetica Light"/>
-                </a:defRPr>
-              </a:pPr>
-              <a:endParaRPr/>
-            </a:p>
-          </p:txBody>
-        </p:sp>
-        <p:sp>
-          <p:nvSpPr>
-            <p:cNvPr id="13" name="Shape 391"/>
-            <p:cNvSpPr/>
-            <p:nvPr/>
-          </p:nvSpPr>
-          <p:spPr>
-            <a:xfrm>
-              <a:off x="12700" y="0"/>
-              <a:ext cx="1456385" cy="0"/>
-            </a:xfrm>
-            <a:prstGeom prst="line">
-              <a:avLst/>
-            </a:prstGeom>
-            <a:noFill/>
-            <a:ln w="25400" cap="flat">
-              <a:solidFill>
-                <a:srgbClr val="000000"/>
-              </a:solidFill>
-              <a:prstDash val="solid"/>
-              <a:miter lim="400000"/>
-            </a:ln>
-            <a:effectLst/>
-          </p:spPr>
-          <p:txBody>
-            <a:bodyPr wrap="square" lIns="38100" tIns="38100" rIns="38100" bIns="38100" numCol="1" anchor="ctr">
-              <a:noAutofit/>
-            </a:bodyPr>
-            <a:lstStyle/>
-            <a:p>
-              <a:pPr algn="ctr">
-                <a:defRPr sz="3000">
-                  <a:solidFill>
-                    <a:srgbClr val="000000"/>
-                  </a:solidFill>
-                  <a:latin typeface="Helvetica Light"/>
-                  <a:ea typeface="Helvetica Light"/>
-                  <a:cs typeface="Helvetica Light"/>
-                  <a:sym typeface="Helvetica Light"/>
-                </a:defRPr>
-              </a:pPr>
-              <a:endParaRPr/>
-            </a:p>
-          </p:txBody>
-        </p:sp>
-      </p:grpSp>
-      <p:sp>
-        <p:nvSpPr>
-          <p:cNvPr id="8" name="Shape 388"/>
-          <p:cNvSpPr/>
-          <p:nvPr/>
-        </p:nvSpPr>
-        <p:spPr>
-          <a:xfrm>
-            <a:off x="2469103" y="2135723"/>
-            <a:ext cx="8951372" cy="3936831"/>
-          </a:xfrm>
-          <a:prstGeom prst="rect">
-            <a:avLst/>
-          </a:prstGeom>
-          <a:ln w="3175">
-            <a:miter lim="400000"/>
-          </a:ln>
-          <a:extLst>
-            <a:ext uri="{C572A759-6A51-4108-AA02-DFA0A04FC94B}">
-              <ma14:wrappingTextBoxFlag xmlns="" xmlns:ma14="http://schemas.microsoft.com/office/mac/drawingml/2011/main" val="1"/>
-            </a:ext>
-          </a:extLst>
-        </p:spPr>
-        <p:txBody>
-          <a:bodyPr lIns="38100" tIns="38100" rIns="38100" bIns="38100">
-            <a:normAutofit/>
-          </a:bodyPr>
-          <a:lstStyle/>
-          <a:p>
-            <a:pPr marL="285750" indent="-285750" fontAlgn="base">
-              <a:lnSpc>
-                <a:spcPct val="150000"/>
-              </a:lnSpc>
-              <a:buFontTx/>
-              <a:buChar char="-"/>
-            </a:pPr>
-            <a:r>
-              <a:rPr lang="ko-KR" altLang="en-US" dirty="0" smtClean="0">
-                <a:latin typeface="나눔고딕 Light" pitchFamily="50" charset="-127"/>
-                <a:ea typeface="나눔고딕 Light" pitchFamily="50" charset="-127"/>
-              </a:rPr>
-              <a:t>개발 언어</a:t>
-            </a:r>
-            <a:r>
-              <a:rPr lang="en-US" altLang="ko-KR" dirty="0" smtClean="0">
-                <a:latin typeface="나눔고딕 Light" pitchFamily="50" charset="-127"/>
-                <a:ea typeface="나눔고딕 Light" pitchFamily="50" charset="-127"/>
-              </a:rPr>
-              <a:t>: </a:t>
-            </a:r>
-            <a:r>
-              <a:rPr lang="en-US" altLang="ko-KR" dirty="0" smtClean="0">
-                <a:latin typeface="나눔고딕 Light" pitchFamily="50" charset="-127"/>
-                <a:ea typeface="나눔고딕 Light" pitchFamily="50" charset="-127"/>
-              </a:rPr>
-              <a:t>P</a:t>
-            </a:r>
-            <a:r>
-              <a:rPr lang="en-US" altLang="ko-KR" dirty="0" smtClean="0">
-                <a:latin typeface="나눔고딕 Light" pitchFamily="50" charset="-127"/>
-                <a:ea typeface="나눔고딕 Light" pitchFamily="50" charset="-127"/>
-              </a:rPr>
-              <a:t>ython</a:t>
-            </a:r>
-          </a:p>
-          <a:p>
-            <a:pPr marL="285750" indent="-285750" fontAlgn="base">
-              <a:lnSpc>
-                <a:spcPct val="150000"/>
-              </a:lnSpc>
-              <a:buFontTx/>
-              <a:buChar char="-"/>
-            </a:pPr>
-            <a:r>
-              <a:rPr lang="ko-KR" altLang="en-US" dirty="0" smtClean="0">
-                <a:latin typeface="나눔고딕 Light" pitchFamily="50" charset="-127"/>
-                <a:ea typeface="나눔고딕 Light" pitchFamily="50" charset="-127"/>
-              </a:rPr>
-              <a:t>사용 라이브러리</a:t>
-            </a:r>
-            <a:r>
-              <a:rPr lang="en-US" altLang="ko-KR" dirty="0" smtClean="0">
-                <a:latin typeface="나눔고딕 Light" pitchFamily="50" charset="-127"/>
-                <a:ea typeface="나눔고딕 Light" pitchFamily="50" charset="-127"/>
-              </a:rPr>
-              <a:t>: </a:t>
-            </a:r>
-          </a:p>
-          <a:p>
-            <a:pPr fontAlgn="base">
-              <a:lnSpc>
-                <a:spcPct val="150000"/>
-              </a:lnSpc>
-            </a:pPr>
-            <a:r>
-              <a:rPr lang="en-US" altLang="ko-KR" dirty="0" smtClean="0">
-                <a:latin typeface="나눔고딕 Light" pitchFamily="50" charset="-127"/>
-                <a:ea typeface="나눔고딕 Light" pitchFamily="50" charset="-127"/>
-              </a:rPr>
-              <a:t>	</a:t>
-            </a:r>
-            <a:r>
-              <a:rPr lang="en-US" altLang="ko-KR" dirty="0" err="1" smtClean="0">
-                <a:latin typeface="나눔고딕 Light" pitchFamily="50" charset="-127"/>
-                <a:ea typeface="나눔고딕 Light" pitchFamily="50" charset="-127"/>
-              </a:rPr>
-              <a:t>OpenCV</a:t>
-            </a:r>
-            <a:r>
-              <a:rPr lang="en-US" altLang="ko-KR" dirty="0" smtClean="0">
-                <a:latin typeface="나눔고딕 Light" pitchFamily="50" charset="-127"/>
-                <a:ea typeface="나눔고딕 Light" pitchFamily="50" charset="-127"/>
-              </a:rPr>
-              <a:t>-Python: </a:t>
-            </a:r>
-            <a:r>
-              <a:rPr lang="ko-KR" altLang="en-US" dirty="0" smtClean="0">
-                <a:latin typeface="나눔고딕 Light" pitchFamily="50" charset="-127"/>
-                <a:ea typeface="나눔고딕 Light" pitchFamily="50" charset="-127"/>
-              </a:rPr>
-              <a:t>영상처리에 활용</a:t>
-            </a:r>
-            <a:endParaRPr lang="en-US" altLang="ko-KR" dirty="0" smtClean="0">
-              <a:latin typeface="나눔고딕 Light" pitchFamily="50" charset="-127"/>
-              <a:ea typeface="나눔고딕 Light" pitchFamily="50" charset="-127"/>
-            </a:endParaRPr>
-          </a:p>
-          <a:p>
-            <a:pPr fontAlgn="base">
-              <a:lnSpc>
-                <a:spcPct val="150000"/>
-              </a:lnSpc>
-            </a:pPr>
-            <a:r>
-              <a:rPr lang="en-US" altLang="ko-KR" dirty="0" smtClean="0">
-                <a:latin typeface="나눔고딕 Light" pitchFamily="50" charset="-127"/>
-                <a:ea typeface="나눔고딕 Light" pitchFamily="50" charset="-127"/>
-              </a:rPr>
-              <a:t>	</a:t>
-            </a:r>
-            <a:r>
-              <a:rPr lang="en-US" altLang="ko-KR" dirty="0" err="1" smtClean="0">
-                <a:latin typeface="나눔고딕 Light" pitchFamily="50" charset="-127"/>
-                <a:ea typeface="나눔고딕 Light" pitchFamily="50" charset="-127"/>
-              </a:rPr>
-              <a:t>Tensorflow</a:t>
-            </a:r>
-            <a:r>
-              <a:rPr lang="en-US" altLang="ko-KR" dirty="0" smtClean="0">
-                <a:latin typeface="나눔고딕 Light" pitchFamily="50" charset="-127"/>
-                <a:ea typeface="나눔고딕 Light" pitchFamily="50" charset="-127"/>
-              </a:rPr>
-              <a:t>: </a:t>
-            </a:r>
-            <a:r>
-              <a:rPr lang="ko-KR" altLang="en-US" dirty="0" smtClean="0">
-                <a:latin typeface="나눔고딕 Light" pitchFamily="50" charset="-127"/>
-                <a:ea typeface="나눔고딕 Light" pitchFamily="50" charset="-127"/>
-              </a:rPr>
-              <a:t>인공지능 모델 구현 및 학습에 활용</a:t>
-            </a:r>
-            <a:endParaRPr lang="en-US" altLang="ko-KR" dirty="0" smtClean="0">
-              <a:latin typeface="나눔고딕 Light" pitchFamily="50" charset="-127"/>
-              <a:ea typeface="나눔고딕 Light" pitchFamily="50" charset="-127"/>
-            </a:endParaRPr>
-          </a:p>
-          <a:p>
-            <a:pPr fontAlgn="base">
-              <a:lnSpc>
-                <a:spcPct val="150000"/>
-              </a:lnSpc>
-            </a:pPr>
-            <a:r>
-              <a:rPr lang="en-US" altLang="ko-KR" dirty="0" smtClean="0">
-                <a:latin typeface="나눔고딕 Light" pitchFamily="50" charset="-127"/>
-                <a:ea typeface="나눔고딕 Light" pitchFamily="50" charset="-127"/>
-              </a:rPr>
-              <a:t>	</a:t>
-            </a:r>
-            <a:r>
-              <a:rPr lang="ko-KR" altLang="en-US" dirty="0" smtClean="0">
-                <a:latin typeface="나눔고딕 Light" pitchFamily="50" charset="-127"/>
-                <a:ea typeface="나눔고딕 Light" pitchFamily="50" charset="-127"/>
-              </a:rPr>
-              <a:t>기타 모듈</a:t>
-            </a:r>
-            <a:endParaRPr lang="en-US" altLang="ko-KR" dirty="0" smtClean="0">
-              <a:latin typeface="나눔고딕 Light" pitchFamily="50" charset="-127"/>
-              <a:ea typeface="나눔고딕 Light" pitchFamily="50" charset="-127"/>
-            </a:endParaRPr>
-          </a:p>
-          <a:p>
-            <a:pPr marL="285750" indent="-285750" fontAlgn="base">
-              <a:lnSpc>
-                <a:spcPct val="150000"/>
-              </a:lnSpc>
-              <a:buFontTx/>
-              <a:buChar char="-"/>
-            </a:pPr>
-            <a:endParaRPr lang="en-US" altLang="ko-KR" dirty="0" smtClean="0">
-              <a:latin typeface="나눔고딕 Light" pitchFamily="50" charset="-127"/>
-              <a:ea typeface="나눔고딕 Light" pitchFamily="50" charset="-127"/>
-            </a:endParaRPr>
-          </a:p>
-          <a:p>
-            <a:pPr marL="285750" indent="-285750" fontAlgn="base">
-              <a:lnSpc>
-                <a:spcPct val="150000"/>
-              </a:lnSpc>
-              <a:buFontTx/>
-              <a:buChar char="-"/>
-            </a:pPr>
-            <a:r>
-              <a:rPr lang="en-US" altLang="ko-KR" dirty="0" smtClean="0">
-                <a:latin typeface="나눔고딕 Light" pitchFamily="50" charset="-127"/>
-                <a:ea typeface="나눔고딕 Light" pitchFamily="50" charset="-127"/>
-              </a:rPr>
-              <a:t>Raspberry Pi</a:t>
-            </a:r>
-            <a:r>
-              <a:rPr lang="ko-KR" altLang="en-US" dirty="0" smtClean="0">
-                <a:latin typeface="나눔고딕 Light" pitchFamily="50" charset="-127"/>
-                <a:ea typeface="나눔고딕 Light" pitchFamily="50" charset="-127"/>
-              </a:rPr>
-              <a:t> 설치 </a:t>
-            </a:r>
-            <a:r>
-              <a:rPr lang="en-US" altLang="ko-KR" dirty="0" smtClean="0">
-                <a:latin typeface="나눔고딕 Light" pitchFamily="50" charset="-127"/>
-                <a:ea typeface="나눔고딕 Light" pitchFamily="50" charset="-127"/>
-              </a:rPr>
-              <a:t>OS: </a:t>
-            </a:r>
-            <a:r>
-              <a:rPr lang="ko-KR" altLang="en-US" dirty="0" err="1" smtClean="0">
-                <a:latin typeface="나눔고딕 Light" pitchFamily="50" charset="-127"/>
-                <a:ea typeface="나눔고딕 Light" pitchFamily="50" charset="-127"/>
-              </a:rPr>
-              <a:t>라즈비안</a:t>
-            </a:r>
-            <a:endParaRPr lang="en-US" altLang="ko-KR" dirty="0" smtClean="0">
-              <a:latin typeface="나눔고딕 Light" pitchFamily="50" charset="-127"/>
-              <a:ea typeface="나눔고딕 Light" pitchFamily="50" charset="-127"/>
-            </a:endParaRPr>
-          </a:p>
-          <a:p>
-            <a:pPr marL="285750" indent="-285750" fontAlgn="base">
-              <a:lnSpc>
-                <a:spcPct val="150000"/>
-              </a:lnSpc>
-              <a:buFontTx/>
-              <a:buChar char="-"/>
-            </a:pPr>
-            <a:endParaRPr lang="en-US" altLang="ko-KR" dirty="0" smtClean="0">
-              <a:latin typeface="나눔고딕 Light" pitchFamily="50" charset="-127"/>
-              <a:ea typeface="나눔고딕 Light" pitchFamily="50" charset="-127"/>
-            </a:endParaRPr>
-          </a:p>
-          <a:p>
-            <a:pPr fontAlgn="base">
-              <a:lnSpc>
-                <a:spcPct val="120000"/>
-              </a:lnSpc>
-            </a:pPr>
-            <a:r>
-              <a:rPr lang="ko-KR" altLang="en-US" dirty="0" smtClean="0">
-                <a:latin typeface="나눔고딕 Light" pitchFamily="50" charset="-127"/>
-                <a:ea typeface="나눔고딕 Light" pitchFamily="50" charset="-127"/>
-              </a:rPr>
-              <a:t> </a:t>
-            </a:r>
-          </a:p>
-        </p:txBody>
-      </p:sp>
-    </p:spTree>
-    <p:extLst>
-      <p:ext uri="{BB962C8B-B14F-4D97-AF65-F5344CB8AC3E}">
-        <p14:creationId xmlns:p14="http://schemas.microsoft.com/office/powerpoint/2010/main" val="343325444"/>
-      </p:ext>
-    </p:extLst>
-  </p:cSld>
-  <p:clrMapOvr>
-    <a:masterClrMapping/>
-  </p:clrMapOvr>
-  <p:timing>
-    <p:tnLst>
-      <p:par>
-        <p:cTn id="1" dur="indefinite" restart="never" nodeType="tmRoot"/>
-      </p:par>
-    </p:tnLst>
-  </p:timing>
-</p:sld>
-</file>
-
-<file path=ppt/slides/slide9.xml><?xml version="1.0" encoding="utf-8"?>
-<p:sld xmlns:a="http://schemas.openxmlformats.org/drawingml/2006/main" xmlns:r="http://schemas.openxmlformats.org/officeDocument/2006/relationships" xmlns:p="http://schemas.openxmlformats.org/presentationml/2006/main" show="0">
-  <p:cSld>
-    <p:bg>
-      <p:bgPr>
-        <a:solidFill>
-          <a:schemeClr val="bg1">
-            <a:lumMod val="95000"/>
-          </a:schemeClr>
-        </a:solidFill>
-        <a:effectLst/>
-      </p:bgPr>
-    </p:bg>
-    <p:spTree>
-      <p:nvGrpSpPr>
-        <p:cNvPr id="1" name=""/>
-        <p:cNvGrpSpPr/>
-        <p:nvPr/>
-      </p:nvGrpSpPr>
-      <p:grpSpPr>
-        <a:xfrm>
-          <a:off x="0" y="0"/>
-          <a:ext cx="0" cy="0"/>
-          <a:chOff x="0" y="0"/>
-          <a:chExt cx="0" cy="0"/>
-        </a:xfrm>
-      </p:grpSpPr>
-      <p:sp>
-        <p:nvSpPr>
-          <p:cNvPr id="4" name="직사각형 3"/>
-          <p:cNvSpPr/>
-          <p:nvPr/>
-        </p:nvSpPr>
-        <p:spPr>
-          <a:xfrm>
-            <a:off x="0" y="-16001"/>
-            <a:ext cx="1657350" cy="6238875"/>
-          </a:xfrm>
-          <a:prstGeom prst="rect">
-            <a:avLst/>
-          </a:prstGeom>
-          <a:solidFill>
-            <a:srgbClr val="EDD0BE"/>
-          </a:solidFill>
-          <a:ln>
-            <a:noFill/>
-          </a:ln>
-        </p:spPr>
-        <p:style>
-          <a:lnRef idx="2">
-            <a:schemeClr val="accent1">
-              <a:shade val="50000"/>
-            </a:schemeClr>
-          </a:lnRef>
-          <a:fillRef idx="1">
-            <a:schemeClr val="accent1"/>
-          </a:fillRef>
-          <a:effectRef idx="0">
-            <a:schemeClr val="accent1"/>
-          </a:effectRef>
-          <a:fontRef idx="minor">
-            <a:schemeClr val="lt1"/>
-          </a:fontRef>
-        </p:style>
-        <p:txBody>
-          <a:bodyPr rtlCol="0" anchor="ctr"/>
-          <a:lstStyle/>
-          <a:p>
-            <a:pPr algn="ctr"/>
-            <a:endParaRPr lang="ko-KR" altLang="en-US" dirty="0">
-              <a:latin typeface="나눔고딕 Light" pitchFamily="50" charset="-127"/>
-              <a:ea typeface="나눔고딕 Light" pitchFamily="50" charset="-127"/>
-            </a:endParaRPr>
-          </a:p>
-        </p:txBody>
-      </p:sp>
-      <p:sp>
-        <p:nvSpPr>
-          <p:cNvPr id="5" name="TextBox 7"/>
-          <p:cNvSpPr txBox="1">
-            <a:spLocks noChangeArrowheads="1"/>
-          </p:cNvSpPr>
-          <p:nvPr/>
-        </p:nvSpPr>
-        <p:spPr bwMode="auto">
-          <a:xfrm>
-            <a:off x="2406377" y="608585"/>
-            <a:ext cx="4352674" cy="676532"/>
-          </a:xfrm>
-          <a:prstGeom prst="rect">
-            <a:avLst/>
-          </a:prstGeom>
-          <a:noFill/>
-          <a:ln>
-            <a:noFill/>
-          </a:ln>
-          <a:extLst>
-            <a:ext uri="{909E8E84-426E-40DD-AFC4-6F175D3DCCD1}">
-              <a14:hiddenFill xmlns:a14="http://schemas.microsoft.com/office/drawing/2010/main">
-                <a:solidFill>
-                  <a:srgbClr val="FFFFFF"/>
-                </a:solidFill>
-              </a14:hiddenFill>
-            </a:ext>
-            <a:ext uri="{91240B29-F687-4F45-9708-019B960494DF}">
-              <a14:hiddenLine xmlns:a14="http://schemas.microsoft.com/office/drawing/2010/main" w="9525">
-                <a:solidFill>
-                  <a:srgbClr val="000000"/>
-                </a:solidFill>
-                <a:miter lim="800000"/>
-                <a:headEnd/>
-                <a:tailEnd/>
-              </a14:hiddenLine>
-            </a:ext>
-          </a:extLst>
-        </p:spPr>
-        <p:txBody>
-          <a:bodyPr wrap="square">
-            <a:spAutoFit/>
-          </a:bodyPr>
-          <a:lstStyle>
-            <a:lvl1pPr>
-              <a:defRPr sz="3600">
-                <a:solidFill>
-                  <a:schemeClr val="tx1"/>
-                </a:solidFill>
-                <a:latin typeface="Lato Light" pitchFamily="34" charset="0"/>
-              </a:defRPr>
-            </a:lvl1pPr>
-            <a:lvl2pPr marL="742950" indent="-285750">
-              <a:defRPr sz="3600">
-                <a:solidFill>
-                  <a:schemeClr val="tx1"/>
-                </a:solidFill>
-                <a:latin typeface="Lato Light" pitchFamily="34" charset="0"/>
-              </a:defRPr>
-            </a:lvl2pPr>
-            <a:lvl3pPr marL="1143000" indent="-228600">
-              <a:defRPr sz="3600">
-                <a:solidFill>
-                  <a:schemeClr val="tx1"/>
-                </a:solidFill>
-                <a:latin typeface="Lato Light" pitchFamily="34" charset="0"/>
-              </a:defRPr>
-            </a:lvl3pPr>
-            <a:lvl4pPr marL="1600200" indent="-228600">
-              <a:defRPr sz="3600">
-                <a:solidFill>
-                  <a:schemeClr val="tx1"/>
-                </a:solidFill>
-                <a:latin typeface="Lato Light" pitchFamily="34" charset="0"/>
-              </a:defRPr>
-            </a:lvl4pPr>
-            <a:lvl5pPr marL="2057400" indent="-228600">
-              <a:defRPr sz="3600">
-                <a:solidFill>
-                  <a:schemeClr val="tx1"/>
-                </a:solidFill>
-                <a:latin typeface="Lato Light" pitchFamily="34" charset="0"/>
-              </a:defRPr>
-            </a:lvl5pPr>
-            <a:lvl6pPr marL="2514600" indent="-228600" defTabSz="1827213" fontAlgn="base">
-              <a:spcBef>
-                <a:spcPct val="0"/>
-              </a:spcBef>
-              <a:spcAft>
-                <a:spcPct val="0"/>
-              </a:spcAft>
-              <a:defRPr sz="3600">
-                <a:solidFill>
-                  <a:schemeClr val="tx1"/>
-                </a:solidFill>
-                <a:latin typeface="Lato Light" pitchFamily="34" charset="0"/>
-              </a:defRPr>
-            </a:lvl6pPr>
-            <a:lvl7pPr marL="2971800" indent="-228600" defTabSz="1827213" fontAlgn="base">
-              <a:spcBef>
-                <a:spcPct val="0"/>
-              </a:spcBef>
-              <a:spcAft>
-                <a:spcPct val="0"/>
-              </a:spcAft>
-              <a:defRPr sz="3600">
-                <a:solidFill>
-                  <a:schemeClr val="tx1"/>
-                </a:solidFill>
-                <a:latin typeface="Lato Light" pitchFamily="34" charset="0"/>
-              </a:defRPr>
-            </a:lvl7pPr>
-            <a:lvl8pPr marL="3429000" indent="-228600" defTabSz="1827213" fontAlgn="base">
-              <a:spcBef>
-                <a:spcPct val="0"/>
-              </a:spcBef>
-              <a:spcAft>
-                <a:spcPct val="0"/>
-              </a:spcAft>
-              <a:defRPr sz="3600">
-                <a:solidFill>
-                  <a:schemeClr val="tx1"/>
-                </a:solidFill>
-                <a:latin typeface="Lato Light" pitchFamily="34" charset="0"/>
-              </a:defRPr>
-            </a:lvl8pPr>
-            <a:lvl9pPr marL="3886200" indent="-228600" defTabSz="1827213" fontAlgn="base">
-              <a:spcBef>
-                <a:spcPct val="0"/>
-              </a:spcBef>
-              <a:spcAft>
-                <a:spcPct val="0"/>
-              </a:spcAft>
-              <a:defRPr sz="3600">
-                <a:solidFill>
-                  <a:schemeClr val="tx1"/>
-                </a:solidFill>
-                <a:latin typeface="Lato Light" pitchFamily="34" charset="0"/>
-              </a:defRPr>
-            </a:lvl9pPr>
-          </a:lstStyle>
-          <a:p>
-            <a:pPr eaLnBrk="1" hangingPunct="1">
-              <a:lnSpc>
-                <a:spcPct val="150000"/>
-              </a:lnSpc>
-            </a:pPr>
-            <a:r>
-              <a:rPr lang="en-US" altLang="ko-KR" sz="2800" b="1" dirty="0" smtClean="0">
-                <a:latin typeface="나눔스퀘어 Bold" panose="020B0600000101010101" pitchFamily="50" charset="-127"/>
-                <a:ea typeface="나눔스퀘어 Bold" panose="020B0600000101010101" pitchFamily="50" charset="-127"/>
-                <a:cs typeface="Calibri" panose="020F0502020204030204" pitchFamily="34" charset="0"/>
-              </a:rPr>
-              <a:t>Use tools</a:t>
-            </a:r>
-            <a:endParaRPr lang="ru-RU" altLang="ko-KR" sz="2800" b="1" dirty="0">
-              <a:latin typeface="나눔스퀘어 Bold" panose="020B0600000101010101" pitchFamily="50" charset="-127"/>
-              <a:ea typeface="나눔스퀘어 Bold" panose="020B0600000101010101" pitchFamily="50" charset="-127"/>
-              <a:cs typeface="Calibri" panose="020F0502020204030204" pitchFamily="34" charset="0"/>
-            </a:endParaRPr>
-          </a:p>
-        </p:txBody>
-      </p:sp>
-      <p:grpSp>
-        <p:nvGrpSpPr>
-          <p:cNvPr id="11" name="Group 392"/>
-          <p:cNvGrpSpPr/>
-          <p:nvPr/>
-        </p:nvGrpSpPr>
-        <p:grpSpPr>
-          <a:xfrm>
-            <a:off x="2469103" y="1587290"/>
-            <a:ext cx="8675147" cy="127210"/>
-            <a:chOff x="0" y="0"/>
-            <a:chExt cx="11657498" cy="0"/>
-          </a:xfrm>
-        </p:grpSpPr>
-        <p:sp>
-          <p:nvSpPr>
-            <p:cNvPr id="12" name="Shape 390"/>
-            <p:cNvSpPr/>
-            <p:nvPr/>
-          </p:nvSpPr>
-          <p:spPr>
-            <a:xfrm>
-              <a:off x="0" y="0"/>
-              <a:ext cx="11657498" cy="0"/>
-            </a:xfrm>
-            <a:prstGeom prst="line">
-              <a:avLst/>
-            </a:prstGeom>
-            <a:noFill/>
-            <a:ln w="25400" cap="flat">
-              <a:solidFill>
-                <a:srgbClr val="E5E5E5"/>
-              </a:solidFill>
-              <a:prstDash val="solid"/>
-              <a:miter lim="400000"/>
-            </a:ln>
-            <a:effectLst/>
-          </p:spPr>
-          <p:txBody>
-            <a:bodyPr wrap="square" lIns="38100" tIns="38100" rIns="38100" bIns="38100" numCol="1" anchor="ctr">
-              <a:noAutofit/>
-            </a:bodyPr>
-            <a:lstStyle/>
-            <a:p>
-              <a:pPr algn="ctr">
-                <a:defRPr sz="3000">
-                  <a:solidFill>
-                    <a:srgbClr val="000000"/>
-                  </a:solidFill>
-                  <a:latin typeface="Helvetica Light"/>
-                  <a:ea typeface="Helvetica Light"/>
-                  <a:cs typeface="Helvetica Light"/>
-                  <a:sym typeface="Helvetica Light"/>
-                </a:defRPr>
-              </a:pPr>
-              <a:endParaRPr/>
-            </a:p>
-          </p:txBody>
-        </p:sp>
-        <p:sp>
-          <p:nvSpPr>
-            <p:cNvPr id="13" name="Shape 391"/>
-            <p:cNvSpPr/>
-            <p:nvPr/>
-          </p:nvSpPr>
-          <p:spPr>
-            <a:xfrm>
-              <a:off x="12700" y="0"/>
-              <a:ext cx="1456385" cy="0"/>
-            </a:xfrm>
-            <a:prstGeom prst="line">
-              <a:avLst/>
-            </a:prstGeom>
-            <a:noFill/>
-            <a:ln w="25400" cap="flat">
-              <a:solidFill>
-                <a:srgbClr val="000000"/>
-              </a:solidFill>
-              <a:prstDash val="solid"/>
-              <a:miter lim="400000"/>
-            </a:ln>
-            <a:effectLst/>
-          </p:spPr>
-          <p:txBody>
-            <a:bodyPr wrap="square" lIns="38100" tIns="38100" rIns="38100" bIns="38100" numCol="1" anchor="ctr">
-              <a:noAutofit/>
-            </a:bodyPr>
-            <a:lstStyle/>
-            <a:p>
-              <a:pPr algn="ctr">
-                <a:defRPr sz="3000">
-                  <a:solidFill>
-                    <a:srgbClr val="000000"/>
-                  </a:solidFill>
-                  <a:latin typeface="Helvetica Light"/>
-                  <a:ea typeface="Helvetica Light"/>
-                  <a:cs typeface="Helvetica Light"/>
-                  <a:sym typeface="Helvetica Light"/>
-                </a:defRPr>
-              </a:pPr>
-              <a:endParaRPr/>
-            </a:p>
-          </p:txBody>
-        </p:sp>
-      </p:grpSp>
-      <p:sp>
-        <p:nvSpPr>
-          <p:cNvPr id="8" name="Shape 388"/>
-          <p:cNvSpPr/>
-          <p:nvPr/>
-        </p:nvSpPr>
-        <p:spPr>
-          <a:xfrm>
-            <a:off x="2469103" y="2135723"/>
-            <a:ext cx="8951372" cy="3936831"/>
-          </a:xfrm>
-          <a:prstGeom prst="rect">
-            <a:avLst/>
-          </a:prstGeom>
-          <a:ln w="3175">
-            <a:miter lim="400000"/>
-          </a:ln>
-          <a:extLst>
-            <a:ext uri="{C572A759-6A51-4108-AA02-DFA0A04FC94B}">
-              <ma14:wrappingTextBoxFlag xmlns="" xmlns:ma14="http://schemas.microsoft.com/office/mac/drawingml/2011/main" val="1"/>
-            </a:ext>
-          </a:extLst>
-        </p:spPr>
-        <p:txBody>
-          <a:bodyPr lIns="38100" tIns="38100" rIns="38100" bIns="38100">
-            <a:normAutofit/>
-          </a:bodyPr>
-          <a:lstStyle/>
-          <a:p>
-            <a:pPr marL="285750" indent="-285750" fontAlgn="base">
-              <a:lnSpc>
-                <a:spcPct val="150000"/>
-              </a:lnSpc>
-              <a:buFontTx/>
-              <a:buChar char="-"/>
-            </a:pPr>
-            <a:r>
-              <a:rPr lang="ko-KR" altLang="en-US" dirty="0" smtClean="0">
-                <a:latin typeface="나눔고딕 Light" pitchFamily="50" charset="-127"/>
-                <a:ea typeface="나눔고딕 Light" pitchFamily="50" charset="-127"/>
-              </a:rPr>
-              <a:t>개발 언어</a:t>
-            </a:r>
-            <a:r>
-              <a:rPr lang="en-US" altLang="ko-KR" dirty="0" smtClean="0">
-                <a:latin typeface="나눔고딕 Light" pitchFamily="50" charset="-127"/>
-                <a:ea typeface="나눔고딕 Light" pitchFamily="50" charset="-127"/>
-              </a:rPr>
-              <a:t>: </a:t>
-            </a:r>
-            <a:r>
-              <a:rPr lang="en-US" altLang="ko-KR" dirty="0" smtClean="0">
-                <a:latin typeface="나눔고딕 Light" pitchFamily="50" charset="-127"/>
-                <a:ea typeface="나눔고딕 Light" pitchFamily="50" charset="-127"/>
-              </a:rPr>
-              <a:t>P</a:t>
-            </a:r>
-            <a:r>
-              <a:rPr lang="en-US" altLang="ko-KR" dirty="0" smtClean="0">
-                <a:latin typeface="나눔고딕 Light" pitchFamily="50" charset="-127"/>
-                <a:ea typeface="나눔고딕 Light" pitchFamily="50" charset="-127"/>
-              </a:rPr>
-              <a:t>ython</a:t>
-            </a:r>
-          </a:p>
-          <a:p>
-            <a:pPr marL="285750" indent="-285750" fontAlgn="base">
-              <a:lnSpc>
-                <a:spcPct val="150000"/>
-              </a:lnSpc>
-              <a:buFontTx/>
-              <a:buChar char="-"/>
-            </a:pPr>
-            <a:r>
-              <a:rPr lang="ko-KR" altLang="en-US" dirty="0" smtClean="0">
-                <a:latin typeface="나눔고딕 Light" pitchFamily="50" charset="-127"/>
-                <a:ea typeface="나눔고딕 Light" pitchFamily="50" charset="-127"/>
-              </a:rPr>
-              <a:t>사용 라이브러리</a:t>
-            </a:r>
-            <a:r>
-              <a:rPr lang="en-US" altLang="ko-KR" dirty="0" smtClean="0">
-                <a:latin typeface="나눔고딕 Light" pitchFamily="50" charset="-127"/>
-                <a:ea typeface="나눔고딕 Light" pitchFamily="50" charset="-127"/>
-              </a:rPr>
-              <a:t>: </a:t>
-            </a:r>
-          </a:p>
-          <a:p>
-            <a:pPr fontAlgn="base">
-              <a:lnSpc>
-                <a:spcPct val="150000"/>
-              </a:lnSpc>
-            </a:pPr>
-            <a:r>
-              <a:rPr lang="en-US" altLang="ko-KR" dirty="0" smtClean="0">
-                <a:latin typeface="나눔고딕 Light" pitchFamily="50" charset="-127"/>
-                <a:ea typeface="나눔고딕 Light" pitchFamily="50" charset="-127"/>
-              </a:rPr>
-              <a:t>	</a:t>
-            </a:r>
-            <a:r>
-              <a:rPr lang="en-US" altLang="ko-KR" dirty="0" err="1" smtClean="0">
-                <a:latin typeface="나눔고딕 Light" pitchFamily="50" charset="-127"/>
-                <a:ea typeface="나눔고딕 Light" pitchFamily="50" charset="-127"/>
-              </a:rPr>
-              <a:t>OpenCV</a:t>
-            </a:r>
-            <a:r>
-              <a:rPr lang="en-US" altLang="ko-KR" dirty="0" smtClean="0">
-                <a:latin typeface="나눔고딕 Light" pitchFamily="50" charset="-127"/>
-                <a:ea typeface="나눔고딕 Light" pitchFamily="50" charset="-127"/>
-              </a:rPr>
-              <a:t>-Python: </a:t>
-            </a:r>
-            <a:r>
-              <a:rPr lang="ko-KR" altLang="en-US" dirty="0" smtClean="0">
-                <a:latin typeface="나눔고딕 Light" pitchFamily="50" charset="-127"/>
-                <a:ea typeface="나눔고딕 Light" pitchFamily="50" charset="-127"/>
-              </a:rPr>
-              <a:t>영상처리에 활용</a:t>
-            </a:r>
-            <a:endParaRPr lang="en-US" altLang="ko-KR" dirty="0" smtClean="0">
-              <a:latin typeface="나눔고딕 Light" pitchFamily="50" charset="-127"/>
-              <a:ea typeface="나눔고딕 Light" pitchFamily="50" charset="-127"/>
-            </a:endParaRPr>
-          </a:p>
-          <a:p>
-            <a:pPr fontAlgn="base">
-              <a:lnSpc>
-                <a:spcPct val="150000"/>
-              </a:lnSpc>
-            </a:pPr>
-            <a:r>
-              <a:rPr lang="en-US" altLang="ko-KR" dirty="0" smtClean="0">
-                <a:latin typeface="나눔고딕 Light" pitchFamily="50" charset="-127"/>
-                <a:ea typeface="나눔고딕 Light" pitchFamily="50" charset="-127"/>
-              </a:rPr>
-              <a:t>	</a:t>
-            </a:r>
-            <a:r>
-              <a:rPr lang="en-US" altLang="ko-KR" dirty="0" err="1" smtClean="0">
-                <a:latin typeface="나눔고딕 Light" pitchFamily="50" charset="-127"/>
-                <a:ea typeface="나눔고딕 Light" pitchFamily="50" charset="-127"/>
-              </a:rPr>
-              <a:t>Tensorflow</a:t>
-            </a:r>
-            <a:r>
-              <a:rPr lang="en-US" altLang="ko-KR" dirty="0" smtClean="0">
-                <a:latin typeface="나눔고딕 Light" pitchFamily="50" charset="-127"/>
-                <a:ea typeface="나눔고딕 Light" pitchFamily="50" charset="-127"/>
-              </a:rPr>
-              <a:t>: </a:t>
-            </a:r>
-            <a:r>
-              <a:rPr lang="ko-KR" altLang="en-US" dirty="0" smtClean="0">
-                <a:latin typeface="나눔고딕 Light" pitchFamily="50" charset="-127"/>
-                <a:ea typeface="나눔고딕 Light" pitchFamily="50" charset="-127"/>
-              </a:rPr>
-              <a:t>인공지능 모델 구현 및 학습에 활용</a:t>
-            </a:r>
-            <a:endParaRPr lang="en-US" altLang="ko-KR" dirty="0" smtClean="0">
-              <a:latin typeface="나눔고딕 Light" pitchFamily="50" charset="-127"/>
-              <a:ea typeface="나눔고딕 Light" pitchFamily="50" charset="-127"/>
-            </a:endParaRPr>
-          </a:p>
-          <a:p>
-            <a:pPr fontAlgn="base">
-              <a:lnSpc>
-                <a:spcPct val="150000"/>
-              </a:lnSpc>
-            </a:pPr>
-            <a:r>
-              <a:rPr lang="en-US" altLang="ko-KR" dirty="0" smtClean="0">
-                <a:latin typeface="나눔고딕 Light" pitchFamily="50" charset="-127"/>
-                <a:ea typeface="나눔고딕 Light" pitchFamily="50" charset="-127"/>
-              </a:rPr>
-              <a:t>	</a:t>
-            </a:r>
-            <a:r>
-              <a:rPr lang="ko-KR" altLang="en-US" dirty="0" smtClean="0">
-                <a:latin typeface="나눔고딕 Light" pitchFamily="50" charset="-127"/>
-                <a:ea typeface="나눔고딕 Light" pitchFamily="50" charset="-127"/>
-              </a:rPr>
-              <a:t>기타 모듈</a:t>
-            </a:r>
-            <a:endParaRPr lang="en-US" altLang="ko-KR" dirty="0" smtClean="0">
-              <a:latin typeface="나눔고딕 Light" pitchFamily="50" charset="-127"/>
-              <a:ea typeface="나눔고딕 Light" pitchFamily="50" charset="-127"/>
-            </a:endParaRPr>
-          </a:p>
-          <a:p>
-            <a:pPr marL="285750" indent="-285750" fontAlgn="base">
-              <a:lnSpc>
-                <a:spcPct val="150000"/>
-              </a:lnSpc>
-              <a:buFontTx/>
-              <a:buChar char="-"/>
-            </a:pPr>
-            <a:endParaRPr lang="en-US" altLang="ko-KR" dirty="0" smtClean="0">
-              <a:latin typeface="나눔고딕 Light" pitchFamily="50" charset="-127"/>
-              <a:ea typeface="나눔고딕 Light" pitchFamily="50" charset="-127"/>
-            </a:endParaRPr>
-          </a:p>
-          <a:p>
-            <a:pPr marL="285750" indent="-285750" fontAlgn="base">
-              <a:lnSpc>
-                <a:spcPct val="150000"/>
-              </a:lnSpc>
-              <a:buFontTx/>
-              <a:buChar char="-"/>
-            </a:pPr>
-            <a:r>
-              <a:rPr lang="en-US" altLang="ko-KR" dirty="0" smtClean="0">
-                <a:latin typeface="나눔고딕 Light" pitchFamily="50" charset="-127"/>
-                <a:ea typeface="나눔고딕 Light" pitchFamily="50" charset="-127"/>
-              </a:rPr>
-              <a:t>Raspberry Pi</a:t>
-            </a:r>
-            <a:r>
-              <a:rPr lang="ko-KR" altLang="en-US" dirty="0" smtClean="0">
-                <a:latin typeface="나눔고딕 Light" pitchFamily="50" charset="-127"/>
-                <a:ea typeface="나눔고딕 Light" pitchFamily="50" charset="-127"/>
-              </a:rPr>
-              <a:t> 설치 </a:t>
-            </a:r>
-            <a:r>
-              <a:rPr lang="en-US" altLang="ko-KR" dirty="0" smtClean="0">
-                <a:latin typeface="나눔고딕 Light" pitchFamily="50" charset="-127"/>
-                <a:ea typeface="나눔고딕 Light" pitchFamily="50" charset="-127"/>
-              </a:rPr>
-              <a:t>OS: </a:t>
-            </a:r>
-            <a:r>
-              <a:rPr lang="ko-KR" altLang="en-US" dirty="0" err="1" smtClean="0">
-                <a:latin typeface="나눔고딕 Light" pitchFamily="50" charset="-127"/>
-                <a:ea typeface="나눔고딕 Light" pitchFamily="50" charset="-127"/>
-              </a:rPr>
-              <a:t>라즈비안</a:t>
-            </a:r>
-            <a:endParaRPr lang="en-US" altLang="ko-KR" dirty="0" smtClean="0">
-              <a:latin typeface="나눔고딕 Light" pitchFamily="50" charset="-127"/>
-              <a:ea typeface="나눔고딕 Light" pitchFamily="50" charset="-127"/>
-            </a:endParaRPr>
-          </a:p>
-          <a:p>
-            <a:pPr marL="285750" indent="-285750" fontAlgn="base">
-              <a:lnSpc>
-                <a:spcPct val="150000"/>
-              </a:lnSpc>
-              <a:buFontTx/>
-              <a:buChar char="-"/>
-            </a:pPr>
-            <a:endParaRPr lang="en-US" altLang="ko-KR" dirty="0" smtClean="0">
-              <a:latin typeface="나눔고딕 Light" pitchFamily="50" charset="-127"/>
-              <a:ea typeface="나눔고딕 Light" pitchFamily="50" charset="-127"/>
-            </a:endParaRPr>
-          </a:p>
-          <a:p>
-            <a:pPr fontAlgn="base">
-              <a:lnSpc>
-                <a:spcPct val="120000"/>
-              </a:lnSpc>
-            </a:pPr>
-            <a:r>
-              <a:rPr lang="ko-KR" altLang="en-US" dirty="0" smtClean="0">
-                <a:latin typeface="나눔고딕 Light" pitchFamily="50" charset="-127"/>
-                <a:ea typeface="나눔고딕 Light" pitchFamily="50" charset="-127"/>
-              </a:rPr>
-              <a:t> </a:t>
-            </a:r>
-          </a:p>
-        </p:txBody>
-      </p:sp>
-    </p:spTree>
-    <p:extLst>
-      <p:ext uri="{BB962C8B-B14F-4D97-AF65-F5344CB8AC3E}">
-        <p14:creationId xmlns:p14="http://schemas.microsoft.com/office/powerpoint/2010/main" val="2095279965"/>
-      </p:ext>
-    </p:extLst>
-  </p:cSld>
-  <p:clrMapOvr>
-    <a:masterClrMapping/>
-  </p:clrMapOvr>
-  <mc:AlternateContent xmlns:mc="http://schemas.openxmlformats.org/markup-compatibility/2006">
-    <mc:Choice xmlns:p14="http://schemas.microsoft.com/office/powerpoint/2010/main" Requires="p14">
-      <p:transition spd="slow" p14:dur="2000"/>
-    </mc:Choice>
-    <mc:Fallback>
-      <p:transition spd="slow"/>
-    </mc:Fallback>
-  </mc:AlternateContent>
   <p:timing>
     <p:tnLst>
       <p:par>
@@ -19939,7 +23320,7 @@
   <a:extraClrSchemeLst/>
   <a:extLst>
     <a:ext uri="{05A4C25C-085E-4340-85A3-A5531E510DB2}">
-      <thm15:themeFamily xmlns:thm15="http://schemas.microsoft.com/office/thememl/2012/main" xmlns="" name="Office Theme" id="{62F939B6-93AF-4DB8-9C6B-D6C7DFDC589F}" vid="{4A3C46E8-61CC-4603-A589-7422A47A8E4A}"/>
+      <thm15:themeFamily xmlns:thm15="http://schemas.microsoft.com/office/thememl/2012/main" name="Office Theme" id="{62F939B6-93AF-4DB8-9C6B-D6C7DFDC589F}" vid="{4A3C46E8-61CC-4603-A589-7422A47A8E4A}"/>
     </a:ext>
   </a:extLst>
 </a:theme>

--- a/경북과고 ICARUS 통합 PPT.pptx
+++ b/경북과고 ICARUS 통합 PPT.pptx
@@ -20,15 +20,15 @@
     <p:sldId id="270" r:id="rId14"/>
     <p:sldId id="283" r:id="rId15"/>
     <p:sldId id="271" r:id="rId16"/>
-    <p:sldId id="288" r:id="rId17"/>
-    <p:sldId id="289" r:id="rId18"/>
-    <p:sldId id="290" r:id="rId19"/>
-    <p:sldId id="272" r:id="rId20"/>
-    <p:sldId id="273" r:id="rId21"/>
-    <p:sldId id="274" r:id="rId22"/>
-    <p:sldId id="275" r:id="rId23"/>
-    <p:sldId id="282" r:id="rId24"/>
-    <p:sldId id="281" r:id="rId25"/>
+    <p:sldId id="291" r:id="rId17"/>
+    <p:sldId id="288" r:id="rId18"/>
+    <p:sldId id="289" r:id="rId19"/>
+    <p:sldId id="290" r:id="rId20"/>
+    <p:sldId id="272" r:id="rId21"/>
+    <p:sldId id="273" r:id="rId22"/>
+    <p:sldId id="274" r:id="rId23"/>
+    <p:sldId id="275" r:id="rId24"/>
+    <p:sldId id="282" r:id="rId25"/>
     <p:sldId id="258" r:id="rId26"/>
     <p:sldId id="259" r:id="rId27"/>
     <p:sldId id="280" r:id="rId28"/>
@@ -282,7 +282,7 @@
           <a:p>
             <a:fld id="{0A837266-5F83-43E5-8B4C-B854B0D57007}" type="datetimeFigureOut">
               <a:rPr lang="ko-KR" altLang="en-US" smtClean="0"/>
-              <a:t>2018-11-23</a:t>
+              <a:t>2018-11-24</a:t>
             </a:fld>
             <a:endParaRPr lang="ko-KR" altLang="en-US"/>
           </a:p>
@@ -452,7 +452,7 @@
           <a:p>
             <a:fld id="{0A837266-5F83-43E5-8B4C-B854B0D57007}" type="datetimeFigureOut">
               <a:rPr lang="ko-KR" altLang="en-US" smtClean="0"/>
-              <a:t>2018-11-23</a:t>
+              <a:t>2018-11-24</a:t>
             </a:fld>
             <a:endParaRPr lang="ko-KR" altLang="en-US"/>
           </a:p>
@@ -632,7 +632,7 @@
           <a:p>
             <a:fld id="{0A837266-5F83-43E5-8B4C-B854B0D57007}" type="datetimeFigureOut">
               <a:rPr lang="ko-KR" altLang="en-US" smtClean="0"/>
-              <a:t>2018-11-23</a:t>
+              <a:t>2018-11-24</a:t>
             </a:fld>
             <a:endParaRPr lang="ko-KR" altLang="en-US"/>
           </a:p>
@@ -812,7 +812,7 @@
           <a:p>
             <a:fld id="{0A837266-5F83-43E5-8B4C-B854B0D57007}" type="datetimeFigureOut">
               <a:rPr lang="ko-KR" altLang="en-US" smtClean="0"/>
-              <a:t>2018-11-23</a:t>
+              <a:t>2018-11-24</a:t>
             </a:fld>
             <a:endParaRPr lang="ko-KR" altLang="en-US"/>
           </a:p>
@@ -1058,7 +1058,7 @@
           <a:p>
             <a:fld id="{0A837266-5F83-43E5-8B4C-B854B0D57007}" type="datetimeFigureOut">
               <a:rPr lang="ko-KR" altLang="en-US" smtClean="0"/>
-              <a:t>2018-11-23</a:t>
+              <a:t>2018-11-24</a:t>
             </a:fld>
             <a:endParaRPr lang="ko-KR" altLang="en-US"/>
           </a:p>
@@ -1290,7 +1290,7 @@
           <a:p>
             <a:fld id="{0A837266-5F83-43E5-8B4C-B854B0D57007}" type="datetimeFigureOut">
               <a:rPr lang="ko-KR" altLang="en-US" smtClean="0"/>
-              <a:t>2018-11-23</a:t>
+              <a:t>2018-11-24</a:t>
             </a:fld>
             <a:endParaRPr lang="ko-KR" altLang="en-US"/>
           </a:p>
@@ -1657,7 +1657,7 @@
           <a:p>
             <a:fld id="{0A837266-5F83-43E5-8B4C-B854B0D57007}" type="datetimeFigureOut">
               <a:rPr lang="ko-KR" altLang="en-US" smtClean="0"/>
-              <a:t>2018-11-23</a:t>
+              <a:t>2018-11-24</a:t>
             </a:fld>
             <a:endParaRPr lang="ko-KR" altLang="en-US"/>
           </a:p>
@@ -1775,7 +1775,7 @@
           <a:p>
             <a:fld id="{0A837266-5F83-43E5-8B4C-B854B0D57007}" type="datetimeFigureOut">
               <a:rPr lang="ko-KR" altLang="en-US" smtClean="0"/>
-              <a:t>2018-11-23</a:t>
+              <a:t>2018-11-24</a:t>
             </a:fld>
             <a:endParaRPr lang="ko-KR" altLang="en-US"/>
           </a:p>
@@ -1870,7 +1870,7 @@
           <a:p>
             <a:fld id="{0A837266-5F83-43E5-8B4C-B854B0D57007}" type="datetimeFigureOut">
               <a:rPr lang="ko-KR" altLang="en-US" smtClean="0"/>
-              <a:t>2018-11-23</a:t>
+              <a:t>2018-11-24</a:t>
             </a:fld>
             <a:endParaRPr lang="ko-KR" altLang="en-US"/>
           </a:p>
@@ -2147,7 +2147,7 @@
           <a:p>
             <a:fld id="{0A837266-5F83-43E5-8B4C-B854B0D57007}" type="datetimeFigureOut">
               <a:rPr lang="ko-KR" altLang="en-US" smtClean="0"/>
-              <a:t>2018-11-23</a:t>
+              <a:t>2018-11-24</a:t>
             </a:fld>
             <a:endParaRPr lang="ko-KR" altLang="en-US"/>
           </a:p>
@@ -2400,7 +2400,7 @@
           <a:p>
             <a:fld id="{0A837266-5F83-43E5-8B4C-B854B0D57007}" type="datetimeFigureOut">
               <a:rPr lang="ko-KR" altLang="en-US" smtClean="0"/>
-              <a:t>2018-11-23</a:t>
+              <a:t>2018-11-24</a:t>
             </a:fld>
             <a:endParaRPr lang="ko-KR" altLang="en-US"/>
           </a:p>
@@ -2616,7 +2616,7 @@
             <a:fld id="{0A837266-5F83-43E5-8B4C-B854B0D57007}" type="datetimeFigureOut">
               <a:rPr lang="ko-KR" altLang="en-US" smtClean="0"/>
               <a:pPr/>
-              <a:t>2018-11-23</a:t>
+              <a:t>2018-11-24</a:t>
             </a:fld>
             <a:endParaRPr lang="ko-KR" altLang="en-US" dirty="0"/>
           </a:p>
@@ -3291,176 +3291,6 @@
       </p:sp>
       <p:sp>
         <p:nvSpPr>
-          <p:cNvPr id="7" name="TextBox 7"/>
-          <p:cNvSpPr txBox="1">
-            <a:spLocks noChangeArrowheads="1"/>
-          </p:cNvSpPr>
-          <p:nvPr/>
-        </p:nvSpPr>
-        <p:spPr bwMode="auto">
-          <a:xfrm>
-            <a:off x="1143251" y="450810"/>
-            <a:ext cx="2301541" cy="467885"/>
-          </a:xfrm>
-          <a:prstGeom prst="rect">
-            <a:avLst/>
-          </a:prstGeom>
-          <a:noFill/>
-          <a:ln>
-            <a:noFill/>
-          </a:ln>
-          <a:extLst>
-            <a:ext uri="{909E8E84-426E-40DD-AFC4-6F175D3DCCD1}">
-              <a14:hiddenFill xmlns:a14="http://schemas.microsoft.com/office/drawing/2010/main">
-                <a:solidFill>
-                  <a:srgbClr val="FFFFFF"/>
-                </a:solidFill>
-              </a14:hiddenFill>
-            </a:ext>
-            <a:ext uri="{91240B29-F687-4F45-9708-019B960494DF}">
-              <a14:hiddenLine xmlns:a14="http://schemas.microsoft.com/office/drawing/2010/main" w="9525">
-                <a:solidFill>
-                  <a:srgbClr val="000000"/>
-                </a:solidFill>
-                <a:miter lim="800000"/>
-                <a:headEnd/>
-                <a:tailEnd/>
-              </a14:hiddenLine>
-            </a:ext>
-          </a:extLst>
-        </p:spPr>
-        <p:txBody>
-          <a:bodyPr wrap="square">
-            <a:spAutoFit/>
-          </a:bodyPr>
-          <a:lstStyle>
-            <a:lvl1pPr>
-              <a:defRPr sz="3600">
-                <a:solidFill>
-                  <a:schemeClr val="tx1"/>
-                </a:solidFill>
-                <a:latin typeface="Lato Light" pitchFamily="34" charset="0"/>
-              </a:defRPr>
-            </a:lvl1pPr>
-            <a:lvl2pPr marL="742950" indent="-285750">
-              <a:defRPr sz="3600">
-                <a:solidFill>
-                  <a:schemeClr val="tx1"/>
-                </a:solidFill>
-                <a:latin typeface="Lato Light" pitchFamily="34" charset="0"/>
-              </a:defRPr>
-            </a:lvl2pPr>
-            <a:lvl3pPr marL="1143000" indent="-228600">
-              <a:defRPr sz="3600">
-                <a:solidFill>
-                  <a:schemeClr val="tx1"/>
-                </a:solidFill>
-                <a:latin typeface="Lato Light" pitchFamily="34" charset="0"/>
-              </a:defRPr>
-            </a:lvl3pPr>
-            <a:lvl4pPr marL="1600200" indent="-228600">
-              <a:defRPr sz="3600">
-                <a:solidFill>
-                  <a:schemeClr val="tx1"/>
-                </a:solidFill>
-                <a:latin typeface="Lato Light" pitchFamily="34" charset="0"/>
-              </a:defRPr>
-            </a:lvl4pPr>
-            <a:lvl5pPr marL="2057400" indent="-228600">
-              <a:defRPr sz="3600">
-                <a:solidFill>
-                  <a:schemeClr val="tx1"/>
-                </a:solidFill>
-                <a:latin typeface="Lato Light" pitchFamily="34" charset="0"/>
-              </a:defRPr>
-            </a:lvl5pPr>
-            <a:lvl6pPr marL="2514600" indent="-228600" defTabSz="1827213" fontAlgn="base">
-              <a:spcBef>
-                <a:spcPct val="0"/>
-              </a:spcBef>
-              <a:spcAft>
-                <a:spcPct val="0"/>
-              </a:spcAft>
-              <a:defRPr sz="3600">
-                <a:solidFill>
-                  <a:schemeClr val="tx1"/>
-                </a:solidFill>
-                <a:latin typeface="Lato Light" pitchFamily="34" charset="0"/>
-              </a:defRPr>
-            </a:lvl6pPr>
-            <a:lvl7pPr marL="2971800" indent="-228600" defTabSz="1827213" fontAlgn="base">
-              <a:spcBef>
-                <a:spcPct val="0"/>
-              </a:spcBef>
-              <a:spcAft>
-                <a:spcPct val="0"/>
-              </a:spcAft>
-              <a:defRPr sz="3600">
-                <a:solidFill>
-                  <a:schemeClr val="tx1"/>
-                </a:solidFill>
-                <a:latin typeface="Lato Light" pitchFamily="34" charset="0"/>
-              </a:defRPr>
-            </a:lvl7pPr>
-            <a:lvl8pPr marL="3429000" indent="-228600" defTabSz="1827213" fontAlgn="base">
-              <a:spcBef>
-                <a:spcPct val="0"/>
-              </a:spcBef>
-              <a:spcAft>
-                <a:spcPct val="0"/>
-              </a:spcAft>
-              <a:defRPr sz="3600">
-                <a:solidFill>
-                  <a:schemeClr val="tx1"/>
-                </a:solidFill>
-                <a:latin typeface="Lato Light" pitchFamily="34" charset="0"/>
-              </a:defRPr>
-            </a:lvl8pPr>
-            <a:lvl9pPr marL="3886200" indent="-228600" defTabSz="1827213" fontAlgn="base">
-              <a:spcBef>
-                <a:spcPct val="0"/>
-              </a:spcBef>
-              <a:spcAft>
-                <a:spcPct val="0"/>
-              </a:spcAft>
-              <a:defRPr sz="3600">
-                <a:solidFill>
-                  <a:schemeClr val="tx1"/>
-                </a:solidFill>
-                <a:latin typeface="Lato Light" pitchFamily="34" charset="0"/>
-              </a:defRPr>
-            </a:lvl9pPr>
-          </a:lstStyle>
-          <a:p>
-            <a:pPr eaLnBrk="1" hangingPunct="1">
-              <a:lnSpc>
-                <a:spcPct val="150000"/>
-              </a:lnSpc>
-            </a:pPr>
-            <a:r>
-              <a:rPr lang="en-US" altLang="ko-KR" sz="1800" b="1" dirty="0" smtClean="0">
-                <a:solidFill>
-                  <a:srgbClr val="DEA886"/>
-                </a:solidFill>
-                <a:latin typeface="나눔스퀘어" panose="020B0600000101010101" pitchFamily="50" charset="-127"/>
-                <a:ea typeface="나눔스퀘어" panose="020B0600000101010101" pitchFamily="50" charset="-127"/>
-                <a:cs typeface="Calibri" panose="020F0502020204030204" pitchFamily="34" charset="0"/>
-              </a:rPr>
-              <a:t>Integral PPT</a:t>
-            </a:r>
-            <a:endParaRPr lang="ru-RU" altLang="ko-KR" sz="1800" b="1" dirty="0">
-              <a:solidFill>
-                <a:srgbClr val="DEA886"/>
-              </a:solidFill>
-              <a:latin typeface="나눔스퀘어" panose="020B0600000101010101" pitchFamily="50" charset="-127"/>
-              <a:ea typeface="나눔스퀘어" panose="020B0600000101010101" pitchFamily="50" charset="-127"/>
-              <a:cs typeface="Calibri" panose="020F0502020204030204" pitchFamily="34" charset="0"/>
-            </a:endParaRPr>
-          </a:p>
-        </p:txBody>
-      </p:sp>
-      <p:sp>
-        <p:nvSpPr>
           <p:cNvPr id="8" name="TextBox 7"/>
           <p:cNvSpPr txBox="1">
             <a:spLocks noChangeArrowheads="1"/>
@@ -7069,19 +6899,8 @@
                 <a:latin typeface="나눔고딕 Light" pitchFamily="50" charset="-127"/>
                 <a:ea typeface="나눔고딕 Light" pitchFamily="50" charset="-127"/>
               </a:rPr>
-              <a:t>이준서</a:t>
-            </a:r>
-            <a:r>
-              <a:rPr lang="ko-KR" altLang="en-US" dirty="0" smtClean="0">
-                <a:latin typeface="나눔고딕 Light" pitchFamily="50" charset="-127"/>
-                <a:ea typeface="나눔고딕 Light" pitchFamily="50" charset="-127"/>
-              </a:rPr>
-              <a:t> </a:t>
-            </a:r>
-            <a:endParaRPr lang="ko-KR" altLang="en-US" dirty="0" smtClean="0">
-              <a:latin typeface="나눔고딕 Light" pitchFamily="50" charset="-127"/>
-              <a:ea typeface="나눔고딕 Light" pitchFamily="50" charset="-127"/>
-            </a:endParaRPr>
+              <a:t>이준서 </a:t>
+            </a:r>
           </a:p>
         </p:txBody>
       </p:sp>
@@ -7479,153 +7298,147 @@
           </a:bodyPr>
           <a:lstStyle/>
           <a:p>
-            <a:pPr marL="285750" indent="-285750" fontAlgn="base">
+            <a:pPr marL="342900" indent="-342900" fontAlgn="base">
               <a:lnSpc>
-                <a:spcPct val="150000"/>
+                <a:spcPct val="120000"/>
               </a:lnSpc>
-              <a:buFontTx/>
-              <a:buChar char="-"/>
+              <a:buAutoNum type="arabicPeriod"/>
             </a:pPr>
             <a:r>
               <a:rPr lang="en-US" altLang="ko-KR" dirty="0" smtClean="0">
                 <a:latin typeface="나눔고딕 Light" pitchFamily="50" charset="-127"/>
                 <a:ea typeface="나눔고딕 Light" pitchFamily="50" charset="-127"/>
               </a:rPr>
-              <a:t>1: </a:t>
-            </a:r>
-            <a:r>
-              <a:rPr lang="ko-KR" altLang="en-US" dirty="0" smtClean="0">
-                <a:latin typeface="나눔고딕 Light" pitchFamily="50" charset="-127"/>
-                <a:ea typeface="나눔고딕 Light" pitchFamily="50" charset="-127"/>
-              </a:rPr>
-              <a:t>추가바람</a:t>
-            </a:r>
-            <a:endParaRPr lang="en-US" altLang="ko-KR" dirty="0" smtClean="0">
+              <a:t>The server PC collects training data by human’s controlling the RC car with the keyboard.</a:t>
+            </a:r>
+          </a:p>
+          <a:p>
+            <a:pPr marL="342900" indent="-342900" fontAlgn="base">
+              <a:lnSpc>
+                <a:spcPct val="120000"/>
+              </a:lnSpc>
+              <a:buAutoNum type="arabicPeriod"/>
+            </a:pPr>
+            <a:endParaRPr lang="en-US" altLang="ko-KR" dirty="0">
               <a:latin typeface="나눔고딕 Light" pitchFamily="50" charset="-127"/>
               <a:ea typeface="나눔고딕 Light" pitchFamily="50" charset="-127"/>
             </a:endParaRPr>
           </a:p>
           <a:p>
-            <a:pPr marL="285750" indent="-285750" fontAlgn="base">
+            <a:pPr marL="342900" indent="-342900" fontAlgn="base">
               <a:lnSpc>
-                <a:spcPct val="150000"/>
+                <a:spcPct val="120000"/>
               </a:lnSpc>
-              <a:buFontTx/>
-              <a:buChar char="-"/>
+              <a:buAutoNum type="arabicPeriod"/>
             </a:pPr>
             <a:r>
               <a:rPr lang="en-US" altLang="ko-KR" dirty="0" smtClean="0">
                 <a:latin typeface="나눔고딕 Light" pitchFamily="50" charset="-127"/>
                 <a:ea typeface="나눔고딕 Light" pitchFamily="50" charset="-127"/>
               </a:rPr>
-              <a:t>2: </a:t>
-            </a:r>
-            <a:r>
-              <a:rPr lang="ko-KR" altLang="en-US" dirty="0" smtClean="0">
-                <a:latin typeface="나눔고딕 Light" pitchFamily="50" charset="-127"/>
-                <a:ea typeface="나눔고딕 Light" pitchFamily="50" charset="-127"/>
-              </a:rPr>
-              <a:t>추가바람</a:t>
-            </a:r>
-            <a:endParaRPr lang="en-US" altLang="ko-KR" dirty="0" smtClean="0">
+              <a:t>The server receives visual data from Raspberry Pi via network socket.</a:t>
+            </a:r>
+          </a:p>
+          <a:p>
+            <a:pPr marL="342900" indent="-342900" fontAlgn="base">
+              <a:lnSpc>
+                <a:spcPct val="120000"/>
+              </a:lnSpc>
+              <a:buAutoNum type="arabicPeriod"/>
+            </a:pPr>
+            <a:endParaRPr lang="en-US" altLang="ko-KR" dirty="0">
               <a:latin typeface="나눔고딕 Light" pitchFamily="50" charset="-127"/>
               <a:ea typeface="나눔고딕 Light" pitchFamily="50" charset="-127"/>
             </a:endParaRPr>
           </a:p>
           <a:p>
-            <a:pPr marL="285750" indent="-285750" fontAlgn="base">
+            <a:pPr marL="342900" indent="-342900" fontAlgn="base">
               <a:lnSpc>
-                <a:spcPct val="150000"/>
+                <a:spcPct val="120000"/>
               </a:lnSpc>
-              <a:buFontTx/>
-              <a:buChar char="-"/>
+              <a:buAutoNum type="arabicPeriod"/>
             </a:pPr>
             <a:r>
               <a:rPr lang="en-US" altLang="ko-KR" dirty="0" smtClean="0">
                 <a:latin typeface="나눔고딕 Light" pitchFamily="50" charset="-127"/>
                 <a:ea typeface="나눔고딕 Light" pitchFamily="50" charset="-127"/>
               </a:rPr>
-              <a:t>3: </a:t>
-            </a:r>
-            <a:r>
-              <a:rPr lang="ko-KR" altLang="en-US" dirty="0" smtClean="0">
-                <a:latin typeface="나눔고딕 Light" pitchFamily="50" charset="-127"/>
-                <a:ea typeface="나눔고딕 Light" pitchFamily="50" charset="-127"/>
-              </a:rPr>
-              <a:t>추가바람</a:t>
-            </a:r>
-            <a:endParaRPr lang="en-US" altLang="ko-KR" dirty="0" smtClean="0">
+              <a:t>The server runs artificial neural networks such as CNN, RNN, FC, so that it can determine the direction where the RC Car will go.</a:t>
+            </a:r>
+          </a:p>
+          <a:p>
+            <a:pPr marL="342900" indent="-342900" fontAlgn="base">
+              <a:lnSpc>
+                <a:spcPct val="120000"/>
+              </a:lnSpc>
+              <a:buAutoNum type="arabicPeriod"/>
+            </a:pPr>
+            <a:endParaRPr lang="en-US" altLang="ko-KR" dirty="0">
               <a:latin typeface="나눔고딕 Light" pitchFamily="50" charset="-127"/>
               <a:ea typeface="나눔고딕 Light" pitchFamily="50" charset="-127"/>
             </a:endParaRPr>
           </a:p>
           <a:p>
-            <a:pPr marL="285750" indent="-285750" fontAlgn="base">
+            <a:pPr marL="342900" indent="-342900" fontAlgn="base">
               <a:lnSpc>
-                <a:spcPct val="150000"/>
+                <a:spcPct val="120000"/>
               </a:lnSpc>
-              <a:buFontTx/>
-              <a:buChar char="-"/>
+              <a:buAutoNum type="arabicPeriod"/>
             </a:pPr>
             <a:r>
               <a:rPr lang="en-US" altLang="ko-KR" dirty="0" smtClean="0">
                 <a:latin typeface="나눔고딕 Light" pitchFamily="50" charset="-127"/>
                 <a:ea typeface="나눔고딕 Light" pitchFamily="50" charset="-127"/>
               </a:rPr>
-              <a:t>4: </a:t>
-            </a:r>
-            <a:r>
-              <a:rPr lang="ko-KR" altLang="en-US" dirty="0" smtClean="0">
-                <a:latin typeface="나눔고딕 Light" pitchFamily="50" charset="-127"/>
-                <a:ea typeface="나눔고딕 Light" pitchFamily="50" charset="-127"/>
-              </a:rPr>
-              <a:t>추가바람</a:t>
-            </a:r>
-            <a:endParaRPr lang="en-US" altLang="ko-KR" dirty="0" smtClean="0">
+              <a:t>Raspberry Pi receives the direction data from the server via network, and it automatically steers the motors. </a:t>
+            </a:r>
+          </a:p>
+          <a:p>
+            <a:pPr marL="342900" indent="-342900" fontAlgn="base">
+              <a:lnSpc>
+                <a:spcPct val="120000"/>
+              </a:lnSpc>
+              <a:buAutoNum type="arabicPeriod"/>
+            </a:pPr>
+            <a:r>
+              <a:rPr lang="en-US" altLang="ko-KR" dirty="0" smtClean="0">
+                <a:latin typeface="나눔고딕 Light" pitchFamily="50" charset="-127"/>
+                <a:ea typeface="나눔고딕 Light" pitchFamily="50" charset="-127"/>
+              </a:rPr>
+              <a:t>!</a:t>
+            </a:r>
+            <a:r>
+              <a:rPr lang="en-US" altLang="ko-KR" dirty="0" err="1" smtClean="0">
+                <a:latin typeface="나눔고딕 Light" pitchFamily="50" charset="-127"/>
+                <a:ea typeface="나눔고딕 Light" pitchFamily="50" charset="-127"/>
+              </a:rPr>
+              <a:t>Bienos</a:t>
+            </a:r>
+            <a:r>
+              <a:rPr lang="en-US" altLang="ko-KR" dirty="0" smtClean="0">
+                <a:latin typeface="나눔고딕 Light" pitchFamily="50" charset="-127"/>
+                <a:ea typeface="나눔고딕 Light" pitchFamily="50" charset="-127"/>
+              </a:rPr>
+              <a:t> </a:t>
+            </a:r>
+            <a:r>
+              <a:rPr lang="en-US" altLang="ko-KR" dirty="0" err="1" smtClean="0">
+                <a:latin typeface="나눔고딕 Light" pitchFamily="50" charset="-127"/>
+                <a:ea typeface="나눔고딕 Light" pitchFamily="50" charset="-127"/>
+              </a:rPr>
+              <a:t>Lias</a:t>
+            </a:r>
+            <a:r>
+              <a:rPr lang="en-US" altLang="ko-KR" dirty="0" smtClean="0">
+                <a:latin typeface="나눔고딕 Light" pitchFamily="50" charset="-127"/>
+                <a:ea typeface="나눔고딕 Light" pitchFamily="50" charset="-127"/>
+              </a:rPr>
+              <a:t>!</a:t>
+            </a:r>
+            <a:endParaRPr lang="en-US" altLang="ko-KR" dirty="0">
               <a:latin typeface="나눔고딕 Light" pitchFamily="50" charset="-127"/>
               <a:ea typeface="나눔고딕 Light" pitchFamily="50" charset="-127"/>
             </a:endParaRPr>
-          </a:p>
-          <a:p>
-            <a:pPr marL="285750" indent="-285750" fontAlgn="base">
-              <a:lnSpc>
-                <a:spcPct val="150000"/>
-              </a:lnSpc>
-              <a:buFontTx/>
-              <a:buChar char="-"/>
-            </a:pPr>
-            <a:r>
-              <a:rPr lang="en-US" altLang="ko-KR" dirty="0" smtClean="0">
-                <a:latin typeface="나눔고딕 Light" pitchFamily="50" charset="-127"/>
-                <a:ea typeface="나눔고딕 Light" pitchFamily="50" charset="-127"/>
-              </a:rPr>
-              <a:t>5: </a:t>
-            </a:r>
-            <a:r>
-              <a:rPr lang="ko-KR" altLang="en-US" dirty="0" smtClean="0">
-                <a:latin typeface="나눔고딕 Light" pitchFamily="50" charset="-127"/>
-                <a:ea typeface="나눔고딕 Light" pitchFamily="50" charset="-127"/>
-              </a:rPr>
-              <a:t>추가바람</a:t>
-            </a:r>
-            <a:endParaRPr lang="en-US" altLang="ko-KR" dirty="0" smtClean="0">
-              <a:latin typeface="나눔고딕 Light" pitchFamily="50" charset="-127"/>
-              <a:ea typeface="나눔고딕 Light" pitchFamily="50" charset="-127"/>
-            </a:endParaRPr>
-          </a:p>
-          <a:p>
-            <a:pPr fontAlgn="base">
-              <a:lnSpc>
-                <a:spcPct val="120000"/>
-              </a:lnSpc>
-            </a:pPr>
-            <a:r>
-              <a:rPr lang="ko-KR" altLang="en-US" dirty="0" smtClean="0">
-                <a:latin typeface="나눔고딕 Light" pitchFamily="50" charset="-127"/>
-                <a:ea typeface="나눔고딕 Light" pitchFamily="50" charset="-127"/>
-              </a:rPr>
-              <a:t> </a:t>
-            </a:r>
           </a:p>
         </p:txBody>
       </p:sp>
@@ -7639,6 +7452,14 @@
   <p:clrMapOvr>
     <a:masterClrMapping/>
   </p:clrMapOvr>
+  <mc:AlternateContent xmlns:mc="http://schemas.openxmlformats.org/markup-compatibility/2006">
+    <mc:Choice xmlns:p14="http://schemas.microsoft.com/office/powerpoint/2010/main" Requires="p14">
+      <p:transition spd="slow" p14:dur="2000"/>
+    </mc:Choice>
+    <mc:Fallback>
+      <p:transition spd="slow"/>
+    </mc:Fallback>
+  </mc:AlternateContent>
   <p:timing>
     <p:tnLst>
       <p:par>
@@ -7650,6 +7471,1531 @@
 </file>
 
 <file path=ppt/slides/slide16.xml><?xml version="1.0" encoding="utf-8"?>
+<p:sld xmlns:a="http://schemas.openxmlformats.org/drawingml/2006/main" xmlns:r="http://schemas.openxmlformats.org/officeDocument/2006/relationships" xmlns:p="http://schemas.openxmlformats.org/presentationml/2006/main">
+  <p:cSld>
+    <p:bg>
+      <p:bgPr>
+        <a:solidFill>
+          <a:schemeClr val="bg1">
+            <a:lumMod val="95000"/>
+          </a:schemeClr>
+        </a:solidFill>
+        <a:effectLst/>
+      </p:bgPr>
+    </p:bg>
+    <p:spTree>
+      <p:nvGrpSpPr>
+        <p:cNvPr id="1" name=""/>
+        <p:cNvGrpSpPr/>
+        <p:nvPr/>
+      </p:nvGrpSpPr>
+      <p:grpSpPr>
+        <a:xfrm>
+          <a:off x="0" y="0"/>
+          <a:ext cx="0" cy="0"/>
+          <a:chOff x="0" y="0"/>
+          <a:chExt cx="0" cy="0"/>
+        </a:xfrm>
+      </p:grpSpPr>
+      <p:sp>
+        <p:nvSpPr>
+          <p:cNvPr id="4" name="직사각형 3"/>
+          <p:cNvSpPr/>
+          <p:nvPr/>
+        </p:nvSpPr>
+        <p:spPr>
+          <a:xfrm>
+            <a:off x="0" y="-16001"/>
+            <a:ext cx="1657350" cy="6238875"/>
+          </a:xfrm>
+          <a:prstGeom prst="rect">
+            <a:avLst/>
+          </a:prstGeom>
+          <a:solidFill>
+            <a:srgbClr val="EDD0BE"/>
+          </a:solidFill>
+          <a:ln>
+            <a:noFill/>
+          </a:ln>
+        </p:spPr>
+        <p:style>
+          <a:lnRef idx="2">
+            <a:schemeClr val="accent1">
+              <a:shade val="50000"/>
+            </a:schemeClr>
+          </a:lnRef>
+          <a:fillRef idx="1">
+            <a:schemeClr val="accent1"/>
+          </a:fillRef>
+          <a:effectRef idx="0">
+            <a:schemeClr val="accent1"/>
+          </a:effectRef>
+          <a:fontRef idx="minor">
+            <a:schemeClr val="lt1"/>
+          </a:fontRef>
+        </p:style>
+        <p:txBody>
+          <a:bodyPr rtlCol="0" anchor="ctr"/>
+          <a:lstStyle/>
+          <a:p>
+            <a:pPr algn="ctr"/>
+            <a:endParaRPr lang="ko-KR" altLang="en-US" dirty="0">
+              <a:latin typeface="나눔고딕 Light" pitchFamily="50" charset="-127"/>
+              <a:ea typeface="나눔고딕 Light" pitchFamily="50" charset="-127"/>
+            </a:endParaRPr>
+          </a:p>
+        </p:txBody>
+      </p:sp>
+      <p:sp>
+        <p:nvSpPr>
+          <p:cNvPr id="5" name="TextBox 7"/>
+          <p:cNvSpPr txBox="1">
+            <a:spLocks noChangeArrowheads="1"/>
+          </p:cNvSpPr>
+          <p:nvPr/>
+        </p:nvSpPr>
+        <p:spPr bwMode="auto">
+          <a:xfrm>
+            <a:off x="2406377" y="608585"/>
+            <a:ext cx="4352674" cy="676532"/>
+          </a:xfrm>
+          <a:prstGeom prst="rect">
+            <a:avLst/>
+          </a:prstGeom>
+          <a:noFill/>
+          <a:ln>
+            <a:noFill/>
+          </a:ln>
+          <a:extLst>
+            <a:ext uri="{909E8E84-426E-40DD-AFC4-6F175D3DCCD1}">
+              <a14:hiddenFill xmlns:a14="http://schemas.microsoft.com/office/drawing/2010/main">
+                <a:solidFill>
+                  <a:srgbClr val="FFFFFF"/>
+                </a:solidFill>
+              </a14:hiddenFill>
+            </a:ext>
+            <a:ext uri="{91240B29-F687-4F45-9708-019B960494DF}">
+              <a14:hiddenLine xmlns:a14="http://schemas.microsoft.com/office/drawing/2010/main" w="9525">
+                <a:solidFill>
+                  <a:srgbClr val="000000"/>
+                </a:solidFill>
+                <a:miter lim="800000"/>
+                <a:headEnd/>
+                <a:tailEnd/>
+              </a14:hiddenLine>
+            </a:ext>
+          </a:extLst>
+        </p:spPr>
+        <p:txBody>
+          <a:bodyPr wrap="square">
+            <a:spAutoFit/>
+          </a:bodyPr>
+          <a:lstStyle>
+            <a:lvl1pPr>
+              <a:defRPr sz="3600">
+                <a:solidFill>
+                  <a:schemeClr val="tx1"/>
+                </a:solidFill>
+                <a:latin typeface="Lato Light" pitchFamily="34" charset="0"/>
+              </a:defRPr>
+            </a:lvl1pPr>
+            <a:lvl2pPr marL="742950" indent="-285750">
+              <a:defRPr sz="3600">
+                <a:solidFill>
+                  <a:schemeClr val="tx1"/>
+                </a:solidFill>
+                <a:latin typeface="Lato Light" pitchFamily="34" charset="0"/>
+              </a:defRPr>
+            </a:lvl2pPr>
+            <a:lvl3pPr marL="1143000" indent="-228600">
+              <a:defRPr sz="3600">
+                <a:solidFill>
+                  <a:schemeClr val="tx1"/>
+                </a:solidFill>
+                <a:latin typeface="Lato Light" pitchFamily="34" charset="0"/>
+              </a:defRPr>
+            </a:lvl3pPr>
+            <a:lvl4pPr marL="1600200" indent="-228600">
+              <a:defRPr sz="3600">
+                <a:solidFill>
+                  <a:schemeClr val="tx1"/>
+                </a:solidFill>
+                <a:latin typeface="Lato Light" pitchFamily="34" charset="0"/>
+              </a:defRPr>
+            </a:lvl4pPr>
+            <a:lvl5pPr marL="2057400" indent="-228600">
+              <a:defRPr sz="3600">
+                <a:solidFill>
+                  <a:schemeClr val="tx1"/>
+                </a:solidFill>
+                <a:latin typeface="Lato Light" pitchFamily="34" charset="0"/>
+              </a:defRPr>
+            </a:lvl5pPr>
+            <a:lvl6pPr marL="2514600" indent="-228600" defTabSz="1827213" fontAlgn="base">
+              <a:spcBef>
+                <a:spcPct val="0"/>
+              </a:spcBef>
+              <a:spcAft>
+                <a:spcPct val="0"/>
+              </a:spcAft>
+              <a:defRPr sz="3600">
+                <a:solidFill>
+                  <a:schemeClr val="tx1"/>
+                </a:solidFill>
+                <a:latin typeface="Lato Light" pitchFamily="34" charset="0"/>
+              </a:defRPr>
+            </a:lvl6pPr>
+            <a:lvl7pPr marL="2971800" indent="-228600" defTabSz="1827213" fontAlgn="base">
+              <a:spcBef>
+                <a:spcPct val="0"/>
+              </a:spcBef>
+              <a:spcAft>
+                <a:spcPct val="0"/>
+              </a:spcAft>
+              <a:defRPr sz="3600">
+                <a:solidFill>
+                  <a:schemeClr val="tx1"/>
+                </a:solidFill>
+                <a:latin typeface="Lato Light" pitchFamily="34" charset="0"/>
+              </a:defRPr>
+            </a:lvl7pPr>
+            <a:lvl8pPr marL="3429000" indent="-228600" defTabSz="1827213" fontAlgn="base">
+              <a:spcBef>
+                <a:spcPct val="0"/>
+              </a:spcBef>
+              <a:spcAft>
+                <a:spcPct val="0"/>
+              </a:spcAft>
+              <a:defRPr sz="3600">
+                <a:solidFill>
+                  <a:schemeClr val="tx1"/>
+                </a:solidFill>
+                <a:latin typeface="Lato Light" pitchFamily="34" charset="0"/>
+              </a:defRPr>
+            </a:lvl8pPr>
+            <a:lvl9pPr marL="3886200" indent="-228600" defTabSz="1827213" fontAlgn="base">
+              <a:spcBef>
+                <a:spcPct val="0"/>
+              </a:spcBef>
+              <a:spcAft>
+                <a:spcPct val="0"/>
+              </a:spcAft>
+              <a:defRPr sz="3600">
+                <a:solidFill>
+                  <a:schemeClr val="tx1"/>
+                </a:solidFill>
+                <a:latin typeface="Lato Light" pitchFamily="34" charset="0"/>
+              </a:defRPr>
+            </a:lvl9pPr>
+          </a:lstStyle>
+          <a:p>
+            <a:pPr eaLnBrk="1" hangingPunct="1">
+              <a:lnSpc>
+                <a:spcPct val="150000"/>
+              </a:lnSpc>
+            </a:pPr>
+            <a:r>
+              <a:rPr lang="en-US" altLang="ko-KR" sz="2800" b="1" dirty="0" smtClean="0">
+                <a:latin typeface="나눔스퀘어 Bold" panose="020B0600000101010101" pitchFamily="50" charset="-127"/>
+                <a:ea typeface="나눔스퀘어 Bold" panose="020B0600000101010101" pitchFamily="50" charset="-127"/>
+                <a:cs typeface="Calibri" panose="020F0502020204030204" pitchFamily="34" charset="0"/>
+              </a:rPr>
+              <a:t>Flowchart</a:t>
+            </a:r>
+            <a:endParaRPr lang="ru-RU" altLang="ko-KR" sz="2800" b="1" dirty="0">
+              <a:latin typeface="나눔스퀘어 Bold" panose="020B0600000101010101" pitchFamily="50" charset="-127"/>
+              <a:ea typeface="나눔스퀘어 Bold" panose="020B0600000101010101" pitchFamily="50" charset="-127"/>
+              <a:cs typeface="Calibri" panose="020F0502020204030204" pitchFamily="34" charset="0"/>
+            </a:endParaRPr>
+          </a:p>
+        </p:txBody>
+      </p:sp>
+      <p:grpSp>
+        <p:nvGrpSpPr>
+          <p:cNvPr id="11" name="Group 392"/>
+          <p:cNvGrpSpPr/>
+          <p:nvPr/>
+        </p:nvGrpSpPr>
+        <p:grpSpPr>
+          <a:xfrm>
+            <a:off x="2469103" y="1587290"/>
+            <a:ext cx="8675147" cy="127210"/>
+            <a:chOff x="0" y="0"/>
+            <a:chExt cx="11657498" cy="0"/>
+          </a:xfrm>
+        </p:grpSpPr>
+        <p:sp>
+          <p:nvSpPr>
+            <p:cNvPr id="12" name="Shape 390"/>
+            <p:cNvSpPr/>
+            <p:nvPr/>
+          </p:nvSpPr>
+          <p:spPr>
+            <a:xfrm>
+              <a:off x="0" y="0"/>
+              <a:ext cx="11657498" cy="0"/>
+            </a:xfrm>
+            <a:prstGeom prst="line">
+              <a:avLst/>
+            </a:prstGeom>
+            <a:noFill/>
+            <a:ln w="25400" cap="flat">
+              <a:solidFill>
+                <a:srgbClr val="E5E5E5"/>
+              </a:solidFill>
+              <a:prstDash val="solid"/>
+              <a:miter lim="400000"/>
+            </a:ln>
+            <a:effectLst/>
+          </p:spPr>
+          <p:txBody>
+            <a:bodyPr wrap="square" lIns="38100" tIns="38100" rIns="38100" bIns="38100" numCol="1" anchor="ctr">
+              <a:noAutofit/>
+            </a:bodyPr>
+            <a:lstStyle/>
+            <a:p>
+              <a:pPr algn="ctr">
+                <a:defRPr sz="3000">
+                  <a:solidFill>
+                    <a:srgbClr val="000000"/>
+                  </a:solidFill>
+                  <a:latin typeface="Helvetica Light"/>
+                  <a:ea typeface="Helvetica Light"/>
+                  <a:cs typeface="Helvetica Light"/>
+                  <a:sym typeface="Helvetica Light"/>
+                </a:defRPr>
+              </a:pPr>
+              <a:endParaRPr/>
+            </a:p>
+          </p:txBody>
+        </p:sp>
+        <p:sp>
+          <p:nvSpPr>
+            <p:cNvPr id="13" name="Shape 391"/>
+            <p:cNvSpPr/>
+            <p:nvPr/>
+          </p:nvSpPr>
+          <p:spPr>
+            <a:xfrm>
+              <a:off x="12700" y="0"/>
+              <a:ext cx="1456385" cy="0"/>
+            </a:xfrm>
+            <a:prstGeom prst="line">
+              <a:avLst/>
+            </a:prstGeom>
+            <a:noFill/>
+            <a:ln w="25400" cap="flat">
+              <a:solidFill>
+                <a:srgbClr val="000000"/>
+              </a:solidFill>
+              <a:prstDash val="solid"/>
+              <a:miter lim="400000"/>
+            </a:ln>
+            <a:effectLst/>
+          </p:spPr>
+          <p:txBody>
+            <a:bodyPr wrap="square" lIns="38100" tIns="38100" rIns="38100" bIns="38100" numCol="1" anchor="ctr">
+              <a:noAutofit/>
+            </a:bodyPr>
+            <a:lstStyle/>
+            <a:p>
+              <a:pPr algn="ctr">
+                <a:defRPr sz="3000">
+                  <a:solidFill>
+                    <a:srgbClr val="000000"/>
+                  </a:solidFill>
+                  <a:latin typeface="Helvetica Light"/>
+                  <a:ea typeface="Helvetica Light"/>
+                  <a:cs typeface="Helvetica Light"/>
+                  <a:sym typeface="Helvetica Light"/>
+                </a:defRPr>
+              </a:pPr>
+              <a:endParaRPr/>
+            </a:p>
+          </p:txBody>
+        </p:sp>
+      </p:grpSp>
+      <p:sp>
+        <p:nvSpPr>
+          <p:cNvPr id="3" name="모서리가 둥근 직사각형 2"/>
+          <p:cNvSpPr/>
+          <p:nvPr/>
+        </p:nvSpPr>
+        <p:spPr>
+          <a:xfrm>
+            <a:off x="2478554" y="3521727"/>
+            <a:ext cx="1800000" cy="720000"/>
+          </a:xfrm>
+          <a:prstGeom prst="roundRect">
+            <a:avLst/>
+          </a:prstGeom>
+          <a:noFill/>
+          <a:ln>
+            <a:solidFill>
+              <a:schemeClr val="tx1"/>
+            </a:solidFill>
+          </a:ln>
+        </p:spPr>
+        <p:style>
+          <a:lnRef idx="2">
+            <a:schemeClr val="accent1">
+              <a:shade val="50000"/>
+            </a:schemeClr>
+          </a:lnRef>
+          <a:fillRef idx="1">
+            <a:schemeClr val="accent1"/>
+          </a:fillRef>
+          <a:effectRef idx="0">
+            <a:schemeClr val="accent1"/>
+          </a:effectRef>
+          <a:fontRef idx="minor">
+            <a:schemeClr val="lt1"/>
+          </a:fontRef>
+        </p:style>
+        <p:txBody>
+          <a:bodyPr rtlCol="0" anchor="ctr"/>
+          <a:lstStyle/>
+          <a:p>
+            <a:pPr algn="ctr"/>
+            <a:r>
+              <a:rPr lang="en-US" altLang="ko-KR" dirty="0" smtClean="0">
+                <a:solidFill>
+                  <a:schemeClr val="tx1"/>
+                </a:solidFill>
+              </a:rPr>
+              <a:t>Raspberry Pi</a:t>
+            </a:r>
+            <a:endParaRPr lang="ko-KR" altLang="en-US" dirty="0">
+              <a:solidFill>
+                <a:schemeClr val="tx1"/>
+              </a:solidFill>
+            </a:endParaRPr>
+          </a:p>
+        </p:txBody>
+      </p:sp>
+      <p:sp>
+        <p:nvSpPr>
+          <p:cNvPr id="10" name="모서리가 둥근 직사각형 9"/>
+          <p:cNvSpPr/>
+          <p:nvPr/>
+        </p:nvSpPr>
+        <p:spPr>
+          <a:xfrm>
+            <a:off x="9382056" y="3518025"/>
+            <a:ext cx="1800000" cy="720000"/>
+          </a:xfrm>
+          <a:prstGeom prst="roundRect">
+            <a:avLst/>
+          </a:prstGeom>
+          <a:noFill/>
+          <a:ln>
+            <a:solidFill>
+              <a:schemeClr val="tx1"/>
+            </a:solidFill>
+          </a:ln>
+        </p:spPr>
+        <p:style>
+          <a:lnRef idx="2">
+            <a:schemeClr val="accent1">
+              <a:shade val="50000"/>
+            </a:schemeClr>
+          </a:lnRef>
+          <a:fillRef idx="1">
+            <a:schemeClr val="accent1"/>
+          </a:fillRef>
+          <a:effectRef idx="0">
+            <a:schemeClr val="accent1"/>
+          </a:effectRef>
+          <a:fontRef idx="minor">
+            <a:schemeClr val="lt1"/>
+          </a:fontRef>
+        </p:style>
+        <p:txBody>
+          <a:bodyPr rtlCol="0" anchor="ctr"/>
+          <a:lstStyle/>
+          <a:p>
+            <a:pPr algn="ctr"/>
+            <a:r>
+              <a:rPr lang="en-US" altLang="ko-KR" dirty="0" smtClean="0">
+                <a:solidFill>
+                  <a:schemeClr val="tx1"/>
+                </a:solidFill>
+              </a:rPr>
+              <a:t>Server PC</a:t>
+            </a:r>
+            <a:endParaRPr lang="ko-KR" altLang="en-US" dirty="0">
+              <a:solidFill>
+                <a:schemeClr val="tx1"/>
+              </a:solidFill>
+            </a:endParaRPr>
+          </a:p>
+        </p:txBody>
+      </p:sp>
+      <p:sp>
+        <p:nvSpPr>
+          <p:cNvPr id="14" name="모서리가 둥근 직사각형 13"/>
+          <p:cNvSpPr/>
+          <p:nvPr/>
+        </p:nvSpPr>
+        <p:spPr>
+          <a:xfrm>
+            <a:off x="5930305" y="3518025"/>
+            <a:ext cx="1800000" cy="720000"/>
+          </a:xfrm>
+          <a:prstGeom prst="roundRect">
+            <a:avLst/>
+          </a:prstGeom>
+          <a:noFill/>
+          <a:ln>
+            <a:solidFill>
+              <a:schemeClr val="tx1"/>
+            </a:solidFill>
+          </a:ln>
+        </p:spPr>
+        <p:style>
+          <a:lnRef idx="2">
+            <a:schemeClr val="accent1">
+              <a:shade val="50000"/>
+            </a:schemeClr>
+          </a:lnRef>
+          <a:fillRef idx="1">
+            <a:schemeClr val="accent1"/>
+          </a:fillRef>
+          <a:effectRef idx="0">
+            <a:schemeClr val="accent1"/>
+          </a:effectRef>
+          <a:fontRef idx="minor">
+            <a:schemeClr val="lt1"/>
+          </a:fontRef>
+        </p:style>
+        <p:txBody>
+          <a:bodyPr rtlCol="0" anchor="ctr"/>
+          <a:lstStyle/>
+          <a:p>
+            <a:pPr algn="ctr"/>
+            <a:r>
+              <a:rPr lang="en-US" altLang="ko-KR" dirty="0" smtClean="0">
+                <a:solidFill>
+                  <a:schemeClr val="tx1"/>
+                </a:solidFill>
+              </a:rPr>
+              <a:t>Socket</a:t>
+            </a:r>
+          </a:p>
+          <a:p>
+            <a:pPr algn="ctr"/>
+            <a:r>
+              <a:rPr lang="en-US" altLang="ko-KR" dirty="0" smtClean="0">
+                <a:solidFill>
+                  <a:schemeClr val="tx1"/>
+                </a:solidFill>
+              </a:rPr>
+              <a:t>(Python)</a:t>
+            </a:r>
+            <a:endParaRPr lang="ko-KR" altLang="en-US" dirty="0">
+              <a:solidFill>
+                <a:schemeClr val="tx1"/>
+              </a:solidFill>
+            </a:endParaRPr>
+          </a:p>
+        </p:txBody>
+      </p:sp>
+      <p:sp>
+        <p:nvSpPr>
+          <p:cNvPr id="15" name="모서리가 둥근 직사각형 14"/>
+          <p:cNvSpPr/>
+          <p:nvPr/>
+        </p:nvSpPr>
+        <p:spPr>
+          <a:xfrm>
+            <a:off x="2478554" y="2268329"/>
+            <a:ext cx="1800000" cy="720000"/>
+          </a:xfrm>
+          <a:prstGeom prst="roundRect">
+            <a:avLst/>
+          </a:prstGeom>
+          <a:noFill/>
+          <a:ln>
+            <a:solidFill>
+              <a:schemeClr val="tx1"/>
+            </a:solidFill>
+          </a:ln>
+        </p:spPr>
+        <p:style>
+          <a:lnRef idx="2">
+            <a:schemeClr val="accent1">
+              <a:shade val="50000"/>
+            </a:schemeClr>
+          </a:lnRef>
+          <a:fillRef idx="1">
+            <a:schemeClr val="accent1"/>
+          </a:fillRef>
+          <a:effectRef idx="0">
+            <a:schemeClr val="accent1"/>
+          </a:effectRef>
+          <a:fontRef idx="minor">
+            <a:schemeClr val="lt1"/>
+          </a:fontRef>
+        </p:style>
+        <p:txBody>
+          <a:bodyPr rtlCol="0" anchor="ctr"/>
+          <a:lstStyle/>
+          <a:p>
+            <a:pPr algn="ctr"/>
+            <a:r>
+              <a:rPr lang="en-US" altLang="ko-KR" dirty="0" smtClean="0">
+                <a:solidFill>
+                  <a:schemeClr val="tx1"/>
+                </a:solidFill>
+              </a:rPr>
+              <a:t>Camera</a:t>
+            </a:r>
+            <a:endParaRPr lang="ko-KR" altLang="en-US" dirty="0">
+              <a:solidFill>
+                <a:schemeClr val="tx1"/>
+              </a:solidFill>
+            </a:endParaRPr>
+          </a:p>
+        </p:txBody>
+      </p:sp>
+      <p:sp>
+        <p:nvSpPr>
+          <p:cNvPr id="16" name="모서리가 둥근 직사각형 15"/>
+          <p:cNvSpPr/>
+          <p:nvPr/>
+        </p:nvSpPr>
+        <p:spPr>
+          <a:xfrm>
+            <a:off x="2478554" y="4775125"/>
+            <a:ext cx="1800000" cy="720000"/>
+          </a:xfrm>
+          <a:prstGeom prst="roundRect">
+            <a:avLst/>
+          </a:prstGeom>
+          <a:noFill/>
+          <a:ln>
+            <a:solidFill>
+              <a:schemeClr val="tx1"/>
+            </a:solidFill>
+          </a:ln>
+        </p:spPr>
+        <p:style>
+          <a:lnRef idx="2">
+            <a:schemeClr val="accent1">
+              <a:shade val="50000"/>
+            </a:schemeClr>
+          </a:lnRef>
+          <a:fillRef idx="1">
+            <a:schemeClr val="accent1"/>
+          </a:fillRef>
+          <a:effectRef idx="0">
+            <a:schemeClr val="accent1"/>
+          </a:effectRef>
+          <a:fontRef idx="minor">
+            <a:schemeClr val="lt1"/>
+          </a:fontRef>
+        </p:style>
+        <p:txBody>
+          <a:bodyPr rtlCol="0" anchor="ctr"/>
+          <a:lstStyle/>
+          <a:p>
+            <a:pPr algn="ctr"/>
+            <a:r>
+              <a:rPr lang="en-US" altLang="ko-KR" dirty="0" smtClean="0">
+                <a:solidFill>
+                  <a:schemeClr val="tx1"/>
+                </a:solidFill>
+              </a:rPr>
+              <a:t>Motor</a:t>
+            </a:r>
+            <a:endParaRPr lang="ko-KR" altLang="en-US" dirty="0">
+              <a:solidFill>
+                <a:schemeClr val="tx1"/>
+              </a:solidFill>
+            </a:endParaRPr>
+          </a:p>
+        </p:txBody>
+      </p:sp>
+      <p:sp>
+        <p:nvSpPr>
+          <p:cNvPr id="18" name="모서리가 둥근 직사각형 17"/>
+          <p:cNvSpPr/>
+          <p:nvPr/>
+        </p:nvSpPr>
+        <p:spPr>
+          <a:xfrm>
+            <a:off x="5930305" y="2268329"/>
+            <a:ext cx="1800000" cy="720000"/>
+          </a:xfrm>
+          <a:prstGeom prst="roundRect">
+            <a:avLst/>
+          </a:prstGeom>
+          <a:noFill/>
+          <a:ln>
+            <a:solidFill>
+              <a:schemeClr val="tx1"/>
+            </a:solidFill>
+          </a:ln>
+        </p:spPr>
+        <p:style>
+          <a:lnRef idx="2">
+            <a:schemeClr val="accent1">
+              <a:shade val="50000"/>
+            </a:schemeClr>
+          </a:lnRef>
+          <a:fillRef idx="1">
+            <a:schemeClr val="accent1"/>
+          </a:fillRef>
+          <a:effectRef idx="0">
+            <a:schemeClr val="accent1"/>
+          </a:effectRef>
+          <a:fontRef idx="minor">
+            <a:schemeClr val="lt1"/>
+          </a:fontRef>
+        </p:style>
+        <p:txBody>
+          <a:bodyPr rtlCol="0" anchor="ctr"/>
+          <a:lstStyle/>
+          <a:p>
+            <a:pPr algn="ctr"/>
+            <a:r>
+              <a:rPr lang="en-US" altLang="ko-KR" dirty="0" smtClean="0">
+                <a:solidFill>
+                  <a:schemeClr val="tx1"/>
+                </a:solidFill>
+              </a:rPr>
+              <a:t>Router A</a:t>
+            </a:r>
+            <a:endParaRPr lang="ko-KR" altLang="en-US" dirty="0">
+              <a:solidFill>
+                <a:schemeClr val="tx1"/>
+              </a:solidFill>
+            </a:endParaRPr>
+          </a:p>
+        </p:txBody>
+      </p:sp>
+      <p:sp>
+        <p:nvSpPr>
+          <p:cNvPr id="19" name="모서리가 둥근 직사각형 18"/>
+          <p:cNvSpPr/>
+          <p:nvPr/>
+        </p:nvSpPr>
+        <p:spPr>
+          <a:xfrm>
+            <a:off x="5930305" y="4775125"/>
+            <a:ext cx="1800000" cy="720000"/>
+          </a:xfrm>
+          <a:prstGeom prst="roundRect">
+            <a:avLst/>
+          </a:prstGeom>
+          <a:noFill/>
+          <a:ln>
+            <a:solidFill>
+              <a:schemeClr val="tx1"/>
+            </a:solidFill>
+          </a:ln>
+        </p:spPr>
+        <p:style>
+          <a:lnRef idx="2">
+            <a:schemeClr val="accent1">
+              <a:shade val="50000"/>
+            </a:schemeClr>
+          </a:lnRef>
+          <a:fillRef idx="1">
+            <a:schemeClr val="accent1"/>
+          </a:fillRef>
+          <a:effectRef idx="0">
+            <a:schemeClr val="accent1"/>
+          </a:effectRef>
+          <a:fontRef idx="minor">
+            <a:schemeClr val="lt1"/>
+          </a:fontRef>
+        </p:style>
+        <p:txBody>
+          <a:bodyPr rtlCol="0" anchor="ctr"/>
+          <a:lstStyle/>
+          <a:p>
+            <a:pPr algn="ctr"/>
+            <a:r>
+              <a:rPr lang="en-US" altLang="ko-KR" dirty="0" smtClean="0">
+                <a:solidFill>
+                  <a:schemeClr val="tx1"/>
+                </a:solidFill>
+              </a:rPr>
+              <a:t>Router B</a:t>
+            </a:r>
+            <a:endParaRPr lang="ko-KR" altLang="en-US" dirty="0">
+              <a:solidFill>
+                <a:schemeClr val="tx1"/>
+              </a:solidFill>
+            </a:endParaRPr>
+          </a:p>
+        </p:txBody>
+      </p:sp>
+      <p:cxnSp>
+        <p:nvCxnSpPr>
+          <p:cNvPr id="7" name="직선 연결선 6"/>
+          <p:cNvCxnSpPr>
+            <a:stCxn id="15" idx="2"/>
+            <a:endCxn id="3" idx="0"/>
+          </p:cNvCxnSpPr>
+          <p:nvPr/>
+        </p:nvCxnSpPr>
+        <p:spPr>
+          <a:xfrm>
+            <a:off x="3378554" y="2988329"/>
+            <a:ext cx="0" cy="533398"/>
+          </a:xfrm>
+          <a:prstGeom prst="line">
+            <a:avLst/>
+          </a:prstGeom>
+        </p:spPr>
+        <p:style>
+          <a:lnRef idx="1">
+            <a:schemeClr val="dk1"/>
+          </a:lnRef>
+          <a:fillRef idx="0">
+            <a:schemeClr val="dk1"/>
+          </a:fillRef>
+          <a:effectRef idx="0">
+            <a:schemeClr val="dk1"/>
+          </a:effectRef>
+          <a:fontRef idx="minor">
+            <a:schemeClr val="tx1"/>
+          </a:fontRef>
+        </p:style>
+      </p:cxnSp>
+      <p:cxnSp>
+        <p:nvCxnSpPr>
+          <p:cNvPr id="20" name="직선 연결선 19"/>
+          <p:cNvCxnSpPr>
+            <a:stCxn id="3" idx="2"/>
+            <a:endCxn id="16" idx="0"/>
+          </p:cNvCxnSpPr>
+          <p:nvPr/>
+        </p:nvCxnSpPr>
+        <p:spPr>
+          <a:xfrm>
+            <a:off x="3378554" y="4241727"/>
+            <a:ext cx="0" cy="533398"/>
+          </a:xfrm>
+          <a:prstGeom prst="line">
+            <a:avLst/>
+          </a:prstGeom>
+        </p:spPr>
+        <p:style>
+          <a:lnRef idx="1">
+            <a:schemeClr val="dk1"/>
+          </a:lnRef>
+          <a:fillRef idx="0">
+            <a:schemeClr val="dk1"/>
+          </a:fillRef>
+          <a:effectRef idx="0">
+            <a:schemeClr val="dk1"/>
+          </a:effectRef>
+          <a:fontRef idx="minor">
+            <a:schemeClr val="tx1"/>
+          </a:fontRef>
+        </p:style>
+      </p:cxnSp>
+      <p:cxnSp>
+        <p:nvCxnSpPr>
+          <p:cNvPr id="26" name="꺾인 연결선 25"/>
+          <p:cNvCxnSpPr>
+            <a:stCxn id="3" idx="3"/>
+            <a:endCxn id="18" idx="1"/>
+          </p:cNvCxnSpPr>
+          <p:nvPr/>
+        </p:nvCxnSpPr>
+        <p:spPr>
+          <a:xfrm flipV="1">
+            <a:off x="4278554" y="2628329"/>
+            <a:ext cx="1651751" cy="1253398"/>
+          </a:xfrm>
+          <a:prstGeom prst="bentConnector3">
+            <a:avLst/>
+          </a:prstGeom>
+          <a:ln>
+            <a:solidFill>
+              <a:schemeClr val="tx1"/>
+            </a:solidFill>
+          </a:ln>
+        </p:spPr>
+        <p:style>
+          <a:lnRef idx="1">
+            <a:schemeClr val="accent1"/>
+          </a:lnRef>
+          <a:fillRef idx="0">
+            <a:schemeClr val="accent1"/>
+          </a:fillRef>
+          <a:effectRef idx="0">
+            <a:schemeClr val="accent1"/>
+          </a:effectRef>
+          <a:fontRef idx="minor">
+            <a:schemeClr val="tx1"/>
+          </a:fontRef>
+        </p:style>
+      </p:cxnSp>
+      <p:cxnSp>
+        <p:nvCxnSpPr>
+          <p:cNvPr id="29" name="직선 연결선 28"/>
+          <p:cNvCxnSpPr>
+            <a:stCxn id="18" idx="2"/>
+            <a:endCxn id="14" idx="0"/>
+          </p:cNvCxnSpPr>
+          <p:nvPr/>
+        </p:nvCxnSpPr>
+        <p:spPr>
+          <a:xfrm>
+            <a:off x="6830305" y="2988329"/>
+            <a:ext cx="0" cy="529696"/>
+          </a:xfrm>
+          <a:prstGeom prst="line">
+            <a:avLst/>
+          </a:prstGeom>
+        </p:spPr>
+        <p:style>
+          <a:lnRef idx="1">
+            <a:schemeClr val="dk1"/>
+          </a:lnRef>
+          <a:fillRef idx="0">
+            <a:schemeClr val="dk1"/>
+          </a:fillRef>
+          <a:effectRef idx="0">
+            <a:schemeClr val="dk1"/>
+          </a:effectRef>
+          <a:fontRef idx="minor">
+            <a:schemeClr val="tx1"/>
+          </a:fontRef>
+        </p:style>
+      </p:cxnSp>
+      <p:cxnSp>
+        <p:nvCxnSpPr>
+          <p:cNvPr id="32" name="직선 연결선 31"/>
+          <p:cNvCxnSpPr>
+            <a:stCxn id="14" idx="2"/>
+            <a:endCxn id="19" idx="0"/>
+          </p:cNvCxnSpPr>
+          <p:nvPr/>
+        </p:nvCxnSpPr>
+        <p:spPr>
+          <a:xfrm>
+            <a:off x="6830305" y="4238025"/>
+            <a:ext cx="0" cy="537100"/>
+          </a:xfrm>
+          <a:prstGeom prst="line">
+            <a:avLst/>
+          </a:prstGeom>
+        </p:spPr>
+        <p:style>
+          <a:lnRef idx="1">
+            <a:schemeClr val="dk1"/>
+          </a:lnRef>
+          <a:fillRef idx="0">
+            <a:schemeClr val="dk1"/>
+          </a:fillRef>
+          <a:effectRef idx="0">
+            <a:schemeClr val="dk1"/>
+          </a:effectRef>
+          <a:fontRef idx="minor">
+            <a:schemeClr val="tx1"/>
+          </a:fontRef>
+        </p:style>
+      </p:cxnSp>
+      <p:cxnSp>
+        <p:nvCxnSpPr>
+          <p:cNvPr id="35" name="꺾인 연결선 34"/>
+          <p:cNvCxnSpPr>
+            <a:stCxn id="19" idx="3"/>
+            <a:endCxn id="10" idx="1"/>
+          </p:cNvCxnSpPr>
+          <p:nvPr/>
+        </p:nvCxnSpPr>
+        <p:spPr>
+          <a:xfrm flipV="1">
+            <a:off x="7730305" y="3878025"/>
+            <a:ext cx="1651751" cy="1257100"/>
+          </a:xfrm>
+          <a:prstGeom prst="bentConnector3">
+            <a:avLst/>
+          </a:prstGeom>
+          <a:ln>
+            <a:solidFill>
+              <a:schemeClr val="tx1"/>
+            </a:solidFill>
+          </a:ln>
+        </p:spPr>
+        <p:style>
+          <a:lnRef idx="1">
+            <a:schemeClr val="accent1"/>
+          </a:lnRef>
+          <a:fillRef idx="0">
+            <a:schemeClr val="accent1"/>
+          </a:fillRef>
+          <a:effectRef idx="0">
+            <a:schemeClr val="accent1"/>
+          </a:effectRef>
+          <a:fontRef idx="minor">
+            <a:schemeClr val="tx1"/>
+          </a:fontRef>
+        </p:style>
+      </p:cxnSp>
+      <p:sp>
+        <p:nvSpPr>
+          <p:cNvPr id="38" name="타원 37"/>
+          <p:cNvSpPr/>
+          <p:nvPr/>
+        </p:nvSpPr>
+        <p:spPr>
+          <a:xfrm>
+            <a:off x="3294330" y="2911208"/>
+            <a:ext cx="180000" cy="180000"/>
+          </a:xfrm>
+          <a:prstGeom prst="ellipse">
+            <a:avLst/>
+          </a:prstGeom>
+          <a:solidFill>
+            <a:schemeClr val="accent6"/>
+          </a:solidFill>
+          <a:ln>
+            <a:noFill/>
+          </a:ln>
+        </p:spPr>
+        <p:style>
+          <a:lnRef idx="2">
+            <a:schemeClr val="accent1">
+              <a:shade val="50000"/>
+            </a:schemeClr>
+          </a:lnRef>
+          <a:fillRef idx="1">
+            <a:schemeClr val="accent1"/>
+          </a:fillRef>
+          <a:effectRef idx="0">
+            <a:schemeClr val="accent1"/>
+          </a:effectRef>
+          <a:fontRef idx="minor">
+            <a:schemeClr val="lt1"/>
+          </a:fontRef>
+        </p:style>
+        <p:txBody>
+          <a:bodyPr rtlCol="0" anchor="ctr"/>
+          <a:lstStyle/>
+          <a:p>
+            <a:pPr algn="ctr"/>
+            <a:endParaRPr lang="ko-KR" altLang="en-US"/>
+          </a:p>
+        </p:txBody>
+      </p:sp>
+      <p:sp>
+        <p:nvSpPr>
+          <p:cNvPr id="40" name="타원 39"/>
+          <p:cNvSpPr/>
+          <p:nvPr/>
+        </p:nvSpPr>
+        <p:spPr>
+          <a:xfrm>
+            <a:off x="4188554" y="3788025"/>
+            <a:ext cx="180000" cy="180000"/>
+          </a:xfrm>
+          <a:prstGeom prst="ellipse">
+            <a:avLst/>
+          </a:prstGeom>
+          <a:solidFill>
+            <a:schemeClr val="accent6"/>
+          </a:solidFill>
+          <a:ln>
+            <a:noFill/>
+          </a:ln>
+        </p:spPr>
+        <p:style>
+          <a:lnRef idx="2">
+            <a:schemeClr val="accent1">
+              <a:shade val="50000"/>
+            </a:schemeClr>
+          </a:lnRef>
+          <a:fillRef idx="1">
+            <a:schemeClr val="accent1"/>
+          </a:fillRef>
+          <a:effectRef idx="0">
+            <a:schemeClr val="accent1"/>
+          </a:effectRef>
+          <a:fontRef idx="minor">
+            <a:schemeClr val="lt1"/>
+          </a:fontRef>
+        </p:style>
+        <p:txBody>
+          <a:bodyPr rtlCol="0" anchor="ctr"/>
+          <a:lstStyle/>
+          <a:p>
+            <a:pPr algn="ctr"/>
+            <a:endParaRPr lang="ko-KR" altLang="en-US"/>
+          </a:p>
+        </p:txBody>
+      </p:sp>
+      <p:sp>
+        <p:nvSpPr>
+          <p:cNvPr id="41" name="타원 40"/>
+          <p:cNvSpPr/>
+          <p:nvPr/>
+        </p:nvSpPr>
+        <p:spPr>
+          <a:xfrm>
+            <a:off x="6740304" y="2898329"/>
+            <a:ext cx="180000" cy="180000"/>
+          </a:xfrm>
+          <a:prstGeom prst="ellipse">
+            <a:avLst/>
+          </a:prstGeom>
+          <a:solidFill>
+            <a:schemeClr val="accent6"/>
+          </a:solidFill>
+          <a:ln>
+            <a:noFill/>
+          </a:ln>
+        </p:spPr>
+        <p:style>
+          <a:lnRef idx="2">
+            <a:schemeClr val="accent1">
+              <a:shade val="50000"/>
+            </a:schemeClr>
+          </a:lnRef>
+          <a:fillRef idx="1">
+            <a:schemeClr val="accent1"/>
+          </a:fillRef>
+          <a:effectRef idx="0">
+            <a:schemeClr val="accent1"/>
+          </a:effectRef>
+          <a:fontRef idx="minor">
+            <a:schemeClr val="lt1"/>
+          </a:fontRef>
+        </p:style>
+        <p:txBody>
+          <a:bodyPr rtlCol="0" anchor="ctr"/>
+          <a:lstStyle/>
+          <a:p>
+            <a:pPr algn="ctr"/>
+            <a:endParaRPr lang="ko-KR" altLang="en-US"/>
+          </a:p>
+        </p:txBody>
+      </p:sp>
+      <p:sp>
+        <p:nvSpPr>
+          <p:cNvPr id="42" name="타원 41"/>
+          <p:cNvSpPr/>
+          <p:nvPr/>
+        </p:nvSpPr>
+        <p:spPr>
+          <a:xfrm>
+            <a:off x="6740304" y="4145125"/>
+            <a:ext cx="180000" cy="180000"/>
+          </a:xfrm>
+          <a:prstGeom prst="ellipse">
+            <a:avLst/>
+          </a:prstGeom>
+          <a:solidFill>
+            <a:schemeClr val="accent6"/>
+          </a:solidFill>
+          <a:ln>
+            <a:noFill/>
+          </a:ln>
+        </p:spPr>
+        <p:style>
+          <a:lnRef idx="2">
+            <a:schemeClr val="accent1">
+              <a:shade val="50000"/>
+            </a:schemeClr>
+          </a:lnRef>
+          <a:fillRef idx="1">
+            <a:schemeClr val="accent1"/>
+          </a:fillRef>
+          <a:effectRef idx="0">
+            <a:schemeClr val="accent1"/>
+          </a:effectRef>
+          <a:fontRef idx="minor">
+            <a:schemeClr val="lt1"/>
+          </a:fontRef>
+        </p:style>
+        <p:txBody>
+          <a:bodyPr rtlCol="0" anchor="ctr"/>
+          <a:lstStyle/>
+          <a:p>
+            <a:pPr algn="ctr"/>
+            <a:endParaRPr lang="ko-KR" altLang="en-US"/>
+          </a:p>
+        </p:txBody>
+      </p:sp>
+      <p:sp>
+        <p:nvSpPr>
+          <p:cNvPr id="43" name="타원 42"/>
+          <p:cNvSpPr/>
+          <p:nvPr/>
+        </p:nvSpPr>
+        <p:spPr>
+          <a:xfrm>
+            <a:off x="7640305" y="5045125"/>
+            <a:ext cx="180000" cy="180000"/>
+          </a:xfrm>
+          <a:prstGeom prst="ellipse">
+            <a:avLst/>
+          </a:prstGeom>
+          <a:solidFill>
+            <a:schemeClr val="accent6"/>
+          </a:solidFill>
+          <a:ln>
+            <a:noFill/>
+          </a:ln>
+        </p:spPr>
+        <p:style>
+          <a:lnRef idx="2">
+            <a:schemeClr val="accent1">
+              <a:shade val="50000"/>
+            </a:schemeClr>
+          </a:lnRef>
+          <a:fillRef idx="1">
+            <a:schemeClr val="accent1"/>
+          </a:fillRef>
+          <a:effectRef idx="0">
+            <a:schemeClr val="accent1"/>
+          </a:effectRef>
+          <a:fontRef idx="minor">
+            <a:schemeClr val="lt1"/>
+          </a:fontRef>
+        </p:style>
+        <p:txBody>
+          <a:bodyPr rtlCol="0" anchor="ctr"/>
+          <a:lstStyle/>
+          <a:p>
+            <a:pPr algn="ctr"/>
+            <a:endParaRPr lang="ko-KR" altLang="en-US"/>
+          </a:p>
+        </p:txBody>
+      </p:sp>
+    </p:spTree>
+    <p:extLst>
+      <p:ext uri="{BB962C8B-B14F-4D97-AF65-F5344CB8AC3E}">
+        <p14:creationId xmlns:p14="http://schemas.microsoft.com/office/powerpoint/2010/main" val="1309560650"/>
+      </p:ext>
+    </p:extLst>
+  </p:cSld>
+  <p:clrMapOvr>
+    <a:masterClrMapping/>
+  </p:clrMapOvr>
+  <p:timing>
+    <p:tnLst>
+      <p:par>
+        <p:cTn id="1" dur="indefinite" restart="never" nodeType="tmRoot">
+          <p:childTnLst>
+            <p:seq concurrent="1" nextAc="seek">
+              <p:cTn id="2" dur="indefinite" nodeType="mainSeq">
+                <p:childTnLst>
+                  <p:par>
+                    <p:cTn id="3" fill="hold">
+                      <p:stCondLst>
+                        <p:cond delay="indefinite"/>
+                        <p:cond evt="onBegin" delay="0">
+                          <p:tn val="2"/>
+                        </p:cond>
+                      </p:stCondLst>
+                      <p:childTnLst>
+                        <p:par>
+                          <p:cTn id="4" fill="hold">
+                            <p:stCondLst>
+                              <p:cond delay="0"/>
+                            </p:stCondLst>
+                            <p:childTnLst>
+                              <p:par>
+                                <p:cTn id="5" presetID="42" presetClass="path" presetSubtype="0" accel="25000" decel="25000" fill="hold" grpId="0" nodeType="afterEffect">
+                                  <p:stCondLst>
+                                    <p:cond delay="0"/>
+                                  </p:stCondLst>
+                                  <p:childTnLst>
+                                    <p:animMotion origin="layout" path="M -4.16667E-6 5.55112E-17 L -0.00052 0.07546 " pathEditMode="relative" rAng="0" ptsTypes="AA">
+                                      <p:cBhvr>
+                                        <p:cTn id="6" dur="1000" fill="hold"/>
+                                        <p:tgtEl>
+                                          <p:spTgt spid="38"/>
+                                        </p:tgtEl>
+                                        <p:attrNameLst>
+                                          <p:attrName>ppt_x</p:attrName>
+                                          <p:attrName>ppt_y</p:attrName>
+                                        </p:attrNameLst>
+                                      </p:cBhvr>
+                                      <p:rCtr x="-26" y="3773"/>
+                                    </p:animMotion>
+                                  </p:childTnLst>
+                                  <p:subTnLst>
+                                    <p:set>
+                                      <p:cBhvr override="childStyle">
+                                        <p:cTn dur="1" fill="hold" display="0" masterRel="sameClick" afterEffect="1">
+                                          <p:stCondLst>
+                                            <p:cond evt="end" delay="0">
+                                              <p:tn val="5"/>
+                                            </p:cond>
+                                          </p:stCondLst>
+                                        </p:cTn>
+                                        <p:tgtEl>
+                                          <p:spTgt spid="38"/>
+                                        </p:tgtEl>
+                                        <p:attrNameLst>
+                                          <p:attrName>style.visibility</p:attrName>
+                                        </p:attrNameLst>
+                                      </p:cBhvr>
+                                      <p:to>
+                                        <p:strVal val="hidden"/>
+                                      </p:to>
+                                    </p:set>
+                                  </p:subTnLst>
+                                </p:cTn>
+                              </p:par>
+                            </p:childTnLst>
+                          </p:cTn>
+                        </p:par>
+                        <p:par>
+                          <p:cTn id="7" fill="hold">
+                            <p:stCondLst>
+                              <p:cond delay="1000"/>
+                            </p:stCondLst>
+                            <p:childTnLst>
+                              <p:par>
+                                <p:cTn id="8" presetID="0" presetClass="path" presetSubtype="0" accel="25000" decel="25000" fill="hold" grpId="0" nodeType="afterEffect">
+                                  <p:stCondLst>
+                                    <p:cond delay="0"/>
+                                  </p:stCondLst>
+                                  <p:childTnLst>
+                                    <p:animMotion origin="layout" path="M 0 0 L 0.06849 0 L 0.06849 -0.18102 L 0.13503 -0.18102 " pathEditMode="relative" ptsTypes="AAAA">
+                                      <p:cBhvr>
+                                        <p:cTn id="9" dur="1000" fill="hold"/>
+                                        <p:tgtEl>
+                                          <p:spTgt spid="40"/>
+                                        </p:tgtEl>
+                                        <p:attrNameLst>
+                                          <p:attrName>ppt_x</p:attrName>
+                                          <p:attrName>ppt_y</p:attrName>
+                                        </p:attrNameLst>
+                                      </p:cBhvr>
+                                    </p:animMotion>
+                                  </p:childTnLst>
+                                  <p:subTnLst>
+                                    <p:set>
+                                      <p:cBhvr override="childStyle">
+                                        <p:cTn dur="1" fill="hold" display="0" masterRel="sameClick" afterEffect="1">
+                                          <p:stCondLst>
+                                            <p:cond evt="end" delay="0">
+                                              <p:tn val="8"/>
+                                            </p:cond>
+                                          </p:stCondLst>
+                                        </p:cTn>
+                                        <p:tgtEl>
+                                          <p:spTgt spid="40"/>
+                                        </p:tgtEl>
+                                        <p:attrNameLst>
+                                          <p:attrName>style.visibility</p:attrName>
+                                        </p:attrNameLst>
+                                      </p:cBhvr>
+                                      <p:to>
+                                        <p:strVal val="hidden"/>
+                                      </p:to>
+                                    </p:set>
+                                  </p:subTnLst>
+                                </p:cTn>
+                              </p:par>
+                            </p:childTnLst>
+                          </p:cTn>
+                        </p:par>
+                        <p:par>
+                          <p:cTn id="10" fill="hold">
+                            <p:stCondLst>
+                              <p:cond delay="2000"/>
+                            </p:stCondLst>
+                            <p:childTnLst>
+                              <p:par>
+                                <p:cTn id="11" presetID="42" presetClass="path" presetSubtype="0" accel="25000" decel="25000" fill="hold" grpId="0" nodeType="afterEffect">
+                                  <p:stCondLst>
+                                    <p:cond delay="0"/>
+                                  </p:stCondLst>
+                                  <p:childTnLst>
+                                    <p:animMotion origin="layout" path="M 3.75E-6 1.85185E-6 L 0.00013 0.07731 " pathEditMode="relative" rAng="0" ptsTypes="AA">
+                                      <p:cBhvr>
+                                        <p:cTn id="12" dur="1000" fill="hold"/>
+                                        <p:tgtEl>
+                                          <p:spTgt spid="41"/>
+                                        </p:tgtEl>
+                                        <p:attrNameLst>
+                                          <p:attrName>ppt_x</p:attrName>
+                                          <p:attrName>ppt_y</p:attrName>
+                                        </p:attrNameLst>
+                                      </p:cBhvr>
+                                      <p:rCtr x="0" y="3866"/>
+                                    </p:animMotion>
+                                  </p:childTnLst>
+                                  <p:subTnLst>
+                                    <p:set>
+                                      <p:cBhvr override="childStyle">
+                                        <p:cTn dur="1" fill="hold" display="0" masterRel="sameClick" afterEffect="1">
+                                          <p:stCondLst>
+                                            <p:cond evt="end" delay="0">
+                                              <p:tn val="11"/>
+                                            </p:cond>
+                                          </p:stCondLst>
+                                        </p:cTn>
+                                        <p:tgtEl>
+                                          <p:spTgt spid="41"/>
+                                        </p:tgtEl>
+                                        <p:attrNameLst>
+                                          <p:attrName>style.visibility</p:attrName>
+                                        </p:attrNameLst>
+                                      </p:cBhvr>
+                                      <p:to>
+                                        <p:strVal val="hidden"/>
+                                      </p:to>
+                                    </p:set>
+                                  </p:subTnLst>
+                                </p:cTn>
+                              </p:par>
+                            </p:childTnLst>
+                          </p:cTn>
+                        </p:par>
+                        <p:par>
+                          <p:cTn id="13" fill="hold">
+                            <p:stCondLst>
+                              <p:cond delay="3000"/>
+                            </p:stCondLst>
+                            <p:childTnLst>
+                              <p:par>
+                                <p:cTn id="14" presetID="42" presetClass="path" presetSubtype="0" accel="25000" decel="25000" fill="hold" grpId="0" nodeType="afterEffect">
+                                  <p:stCondLst>
+                                    <p:cond delay="0"/>
+                                  </p:stCondLst>
+                                  <p:childTnLst>
+                                    <p:animMotion origin="layout" path="M 3.75E-6 1.85185E-6 L 0.00013 0.07731 " pathEditMode="relative" rAng="0" ptsTypes="AA">
+                                      <p:cBhvr>
+                                        <p:cTn id="15" dur="1000" fill="hold"/>
+                                        <p:tgtEl>
+                                          <p:spTgt spid="42"/>
+                                        </p:tgtEl>
+                                        <p:attrNameLst>
+                                          <p:attrName>ppt_x</p:attrName>
+                                          <p:attrName>ppt_y</p:attrName>
+                                        </p:attrNameLst>
+                                      </p:cBhvr>
+                                      <p:rCtr x="0" y="3866"/>
+                                    </p:animMotion>
+                                  </p:childTnLst>
+                                  <p:subTnLst>
+                                    <p:set>
+                                      <p:cBhvr override="childStyle">
+                                        <p:cTn dur="1" fill="hold" display="0" masterRel="sameClick" afterEffect="1">
+                                          <p:stCondLst>
+                                            <p:cond evt="end" delay="0">
+                                              <p:tn val="14"/>
+                                            </p:cond>
+                                          </p:stCondLst>
+                                        </p:cTn>
+                                        <p:tgtEl>
+                                          <p:spTgt spid="42"/>
+                                        </p:tgtEl>
+                                        <p:attrNameLst>
+                                          <p:attrName>style.visibility</p:attrName>
+                                        </p:attrNameLst>
+                                      </p:cBhvr>
+                                      <p:to>
+                                        <p:strVal val="hidden"/>
+                                      </p:to>
+                                    </p:set>
+                                  </p:subTnLst>
+                                </p:cTn>
+                              </p:par>
+                            </p:childTnLst>
+                          </p:cTn>
+                        </p:par>
+                        <p:par>
+                          <p:cTn id="16" fill="hold">
+                            <p:stCondLst>
+                              <p:cond delay="4000"/>
+                            </p:stCondLst>
+                            <p:childTnLst>
+                              <p:par>
+                                <p:cTn id="17" presetID="0" presetClass="path" presetSubtype="0" accel="25000" decel="25000" fill="hold" grpId="0" nodeType="afterEffect">
+                                  <p:stCondLst>
+                                    <p:cond delay="0"/>
+                                  </p:stCondLst>
+                                  <p:childTnLst>
+                                    <p:animMotion origin="layout" path="M 0 0 L 0.06849 0 L 0.06849 -0.18102 L 0.13503 -0.18102 " pathEditMode="relative" ptsTypes="AAAA">
+                                      <p:cBhvr>
+                                        <p:cTn id="18" dur="1000" fill="hold"/>
+                                        <p:tgtEl>
+                                          <p:spTgt spid="43"/>
+                                        </p:tgtEl>
+                                        <p:attrNameLst>
+                                          <p:attrName>ppt_x</p:attrName>
+                                          <p:attrName>ppt_y</p:attrName>
+                                        </p:attrNameLst>
+                                      </p:cBhvr>
+                                    </p:animMotion>
+                                  </p:childTnLst>
+                                  <p:subTnLst>
+                                    <p:set>
+                                      <p:cBhvr override="childStyle">
+                                        <p:cTn dur="1" fill="hold" display="0" masterRel="sameClick" afterEffect="1">
+                                          <p:stCondLst>
+                                            <p:cond evt="end" delay="0">
+                                              <p:tn val="17"/>
+                                            </p:cond>
+                                          </p:stCondLst>
+                                        </p:cTn>
+                                        <p:tgtEl>
+                                          <p:spTgt spid="43"/>
+                                        </p:tgtEl>
+                                        <p:attrNameLst>
+                                          <p:attrName>style.visibility</p:attrName>
+                                        </p:attrNameLst>
+                                      </p:cBhvr>
+                                      <p:to>
+                                        <p:strVal val="hidden"/>
+                                      </p:to>
+                                    </p:set>
+                                  </p:subTnLst>
+                                </p:cTn>
+                              </p:par>
+                            </p:childTnLst>
+                          </p:cTn>
+                        </p:par>
+                      </p:childTnLst>
+                    </p:cTn>
+                  </p:par>
+                </p:childTnLst>
+              </p:cTn>
+              <p:prevCondLst>
+                <p:cond evt="onPrev" delay="0">
+                  <p:tgtEl>
+                    <p:sldTgt/>
+                  </p:tgtEl>
+                </p:cond>
+              </p:prevCondLst>
+              <p:nextCondLst>
+                <p:cond evt="onNext" delay="0">
+                  <p:tgtEl>
+                    <p:sldTgt/>
+                  </p:tgtEl>
+                </p:cond>
+              </p:nextCondLst>
+            </p:seq>
+          </p:childTnLst>
+        </p:cTn>
+      </p:par>
+    </p:tnLst>
+    <p:bldLst>
+      <p:bldP spid="38" grpId="0" animBg="1"/>
+      <p:bldP spid="40" grpId="0" animBg="1"/>
+      <p:bldP spid="41" grpId="0" animBg="1"/>
+      <p:bldP spid="42" grpId="0" animBg="1"/>
+      <p:bldP spid="43" grpId="0" animBg="1"/>
+    </p:bldLst>
+  </p:timing>
+</p:sld>
+</file>
+
+<file path=ppt/slides/slide17.xml><?xml version="1.0" encoding="utf-8"?>
 <p:sld xmlns:a="http://schemas.openxmlformats.org/drawingml/2006/main" xmlns:r="http://schemas.openxmlformats.org/officeDocument/2006/relationships" xmlns:p="http://schemas.openxmlformats.org/presentationml/2006/main" show="0">
   <p:cSld>
     <p:spTree>
@@ -8300,7 +9646,7 @@
 </p:sld>
 </file>
 
-<file path=ppt/slides/slide17.xml><?xml version="1.0" encoding="utf-8"?>
+<file path=ppt/slides/slide18.xml><?xml version="1.0" encoding="utf-8"?>
 <p:sld xmlns:a="http://schemas.openxmlformats.org/drawingml/2006/main" xmlns:r="http://schemas.openxmlformats.org/officeDocument/2006/relationships" xmlns:p="http://schemas.openxmlformats.org/presentationml/2006/main" show="0">
   <p:cSld>
     <p:spTree>
@@ -9118,7 +10464,7 @@
 </p:sld>
 </file>
 
-<file path=ppt/slides/slide18.xml><?xml version="1.0" encoding="utf-8"?>
+<file path=ppt/slides/slide19.xml><?xml version="1.0" encoding="utf-8"?>
 <p:sld xmlns:a="http://schemas.openxmlformats.org/drawingml/2006/main" xmlns:r="http://schemas.openxmlformats.org/officeDocument/2006/relationships" xmlns:p="http://schemas.openxmlformats.org/presentationml/2006/main" show="0">
   <p:cSld>
     <p:spTree>
@@ -9541,7 +10887,584 @@
 </p:sld>
 </file>
 
-<file path=ppt/slides/slide19.xml><?xml version="1.0" encoding="utf-8"?>
+<file path=ppt/slides/slide2.xml><?xml version="1.0" encoding="utf-8"?>
+<p:sld xmlns:a="http://schemas.openxmlformats.org/drawingml/2006/main" xmlns:r="http://schemas.openxmlformats.org/officeDocument/2006/relationships" xmlns:p="http://schemas.openxmlformats.org/presentationml/2006/main">
+  <p:cSld>
+    <p:bg>
+      <p:bgPr>
+        <a:solidFill>
+          <a:schemeClr val="bg1">
+            <a:lumMod val="95000"/>
+          </a:schemeClr>
+        </a:solidFill>
+        <a:effectLst/>
+      </p:bgPr>
+    </p:bg>
+    <p:spTree>
+      <p:nvGrpSpPr>
+        <p:cNvPr id="1" name=""/>
+        <p:cNvGrpSpPr/>
+        <p:nvPr/>
+      </p:nvGrpSpPr>
+      <p:grpSpPr>
+        <a:xfrm>
+          <a:off x="0" y="0"/>
+          <a:ext cx="0" cy="0"/>
+          <a:chOff x="0" y="0"/>
+          <a:chExt cx="0" cy="0"/>
+        </a:xfrm>
+      </p:grpSpPr>
+      <p:sp>
+        <p:nvSpPr>
+          <p:cNvPr id="4" name="직사각형 3"/>
+          <p:cNvSpPr/>
+          <p:nvPr/>
+        </p:nvSpPr>
+        <p:spPr>
+          <a:xfrm>
+            <a:off x="0" y="-16001"/>
+            <a:ext cx="1657350" cy="6238875"/>
+          </a:xfrm>
+          <a:prstGeom prst="rect">
+            <a:avLst/>
+          </a:prstGeom>
+          <a:solidFill>
+            <a:srgbClr val="EDD0BE"/>
+          </a:solidFill>
+          <a:ln>
+            <a:noFill/>
+          </a:ln>
+        </p:spPr>
+        <p:style>
+          <a:lnRef idx="2">
+            <a:schemeClr val="accent1">
+              <a:shade val="50000"/>
+            </a:schemeClr>
+          </a:lnRef>
+          <a:fillRef idx="1">
+            <a:schemeClr val="accent1"/>
+          </a:fillRef>
+          <a:effectRef idx="0">
+            <a:schemeClr val="accent1"/>
+          </a:effectRef>
+          <a:fontRef idx="minor">
+            <a:schemeClr val="lt1"/>
+          </a:fontRef>
+        </p:style>
+        <p:txBody>
+          <a:bodyPr rtlCol="0" anchor="ctr"/>
+          <a:lstStyle/>
+          <a:p>
+            <a:pPr algn="ctr"/>
+            <a:endParaRPr lang="ko-KR" altLang="en-US" dirty="0">
+              <a:latin typeface="나눔고딕 Light" pitchFamily="50" charset="-127"/>
+              <a:ea typeface="나눔고딕 Light" pitchFamily="50" charset="-127"/>
+            </a:endParaRPr>
+          </a:p>
+        </p:txBody>
+      </p:sp>
+      <p:sp>
+        <p:nvSpPr>
+          <p:cNvPr id="5" name="TextBox 7"/>
+          <p:cNvSpPr txBox="1">
+            <a:spLocks noChangeArrowheads="1"/>
+          </p:cNvSpPr>
+          <p:nvPr/>
+        </p:nvSpPr>
+        <p:spPr bwMode="auto">
+          <a:xfrm>
+            <a:off x="2406377" y="608585"/>
+            <a:ext cx="4352674" cy="676532"/>
+          </a:xfrm>
+          <a:prstGeom prst="rect">
+            <a:avLst/>
+          </a:prstGeom>
+          <a:noFill/>
+          <a:ln>
+            <a:noFill/>
+          </a:ln>
+          <a:extLst>
+            <a:ext uri="{909E8E84-426E-40DD-AFC4-6F175D3DCCD1}">
+              <a14:hiddenFill xmlns:a14="http://schemas.microsoft.com/office/drawing/2010/main">
+                <a:solidFill>
+                  <a:srgbClr val="FFFFFF"/>
+                </a:solidFill>
+              </a14:hiddenFill>
+            </a:ext>
+            <a:ext uri="{91240B29-F687-4F45-9708-019B960494DF}">
+              <a14:hiddenLine xmlns:a14="http://schemas.microsoft.com/office/drawing/2010/main" w="9525">
+                <a:solidFill>
+                  <a:srgbClr val="000000"/>
+                </a:solidFill>
+                <a:miter lim="800000"/>
+                <a:headEnd/>
+                <a:tailEnd/>
+              </a14:hiddenLine>
+            </a:ext>
+          </a:extLst>
+        </p:spPr>
+        <p:txBody>
+          <a:bodyPr wrap="square">
+            <a:spAutoFit/>
+          </a:bodyPr>
+          <a:lstStyle>
+            <a:lvl1pPr>
+              <a:defRPr sz="3600">
+                <a:solidFill>
+                  <a:schemeClr val="tx1"/>
+                </a:solidFill>
+                <a:latin typeface="Lato Light" pitchFamily="34" charset="0"/>
+              </a:defRPr>
+            </a:lvl1pPr>
+            <a:lvl2pPr marL="742950" indent="-285750">
+              <a:defRPr sz="3600">
+                <a:solidFill>
+                  <a:schemeClr val="tx1"/>
+                </a:solidFill>
+                <a:latin typeface="Lato Light" pitchFamily="34" charset="0"/>
+              </a:defRPr>
+            </a:lvl2pPr>
+            <a:lvl3pPr marL="1143000" indent="-228600">
+              <a:defRPr sz="3600">
+                <a:solidFill>
+                  <a:schemeClr val="tx1"/>
+                </a:solidFill>
+                <a:latin typeface="Lato Light" pitchFamily="34" charset="0"/>
+              </a:defRPr>
+            </a:lvl3pPr>
+            <a:lvl4pPr marL="1600200" indent="-228600">
+              <a:defRPr sz="3600">
+                <a:solidFill>
+                  <a:schemeClr val="tx1"/>
+                </a:solidFill>
+                <a:latin typeface="Lato Light" pitchFamily="34" charset="0"/>
+              </a:defRPr>
+            </a:lvl4pPr>
+            <a:lvl5pPr marL="2057400" indent="-228600">
+              <a:defRPr sz="3600">
+                <a:solidFill>
+                  <a:schemeClr val="tx1"/>
+                </a:solidFill>
+                <a:latin typeface="Lato Light" pitchFamily="34" charset="0"/>
+              </a:defRPr>
+            </a:lvl5pPr>
+            <a:lvl6pPr marL="2514600" indent="-228600" defTabSz="1827213" fontAlgn="base">
+              <a:spcBef>
+                <a:spcPct val="0"/>
+              </a:spcBef>
+              <a:spcAft>
+                <a:spcPct val="0"/>
+              </a:spcAft>
+              <a:defRPr sz="3600">
+                <a:solidFill>
+                  <a:schemeClr val="tx1"/>
+                </a:solidFill>
+                <a:latin typeface="Lato Light" pitchFamily="34" charset="0"/>
+              </a:defRPr>
+            </a:lvl6pPr>
+            <a:lvl7pPr marL="2971800" indent="-228600" defTabSz="1827213" fontAlgn="base">
+              <a:spcBef>
+                <a:spcPct val="0"/>
+              </a:spcBef>
+              <a:spcAft>
+                <a:spcPct val="0"/>
+              </a:spcAft>
+              <a:defRPr sz="3600">
+                <a:solidFill>
+                  <a:schemeClr val="tx1"/>
+                </a:solidFill>
+                <a:latin typeface="Lato Light" pitchFamily="34" charset="0"/>
+              </a:defRPr>
+            </a:lvl7pPr>
+            <a:lvl8pPr marL="3429000" indent="-228600" defTabSz="1827213" fontAlgn="base">
+              <a:spcBef>
+                <a:spcPct val="0"/>
+              </a:spcBef>
+              <a:spcAft>
+                <a:spcPct val="0"/>
+              </a:spcAft>
+              <a:defRPr sz="3600">
+                <a:solidFill>
+                  <a:schemeClr val="tx1"/>
+                </a:solidFill>
+                <a:latin typeface="Lato Light" pitchFamily="34" charset="0"/>
+              </a:defRPr>
+            </a:lvl8pPr>
+            <a:lvl9pPr marL="3886200" indent="-228600" defTabSz="1827213" fontAlgn="base">
+              <a:spcBef>
+                <a:spcPct val="0"/>
+              </a:spcBef>
+              <a:spcAft>
+                <a:spcPct val="0"/>
+              </a:spcAft>
+              <a:defRPr sz="3600">
+                <a:solidFill>
+                  <a:schemeClr val="tx1"/>
+                </a:solidFill>
+                <a:latin typeface="Lato Light" pitchFamily="34" charset="0"/>
+              </a:defRPr>
+            </a:lvl9pPr>
+          </a:lstStyle>
+          <a:p>
+            <a:pPr eaLnBrk="1" hangingPunct="1">
+              <a:lnSpc>
+                <a:spcPct val="150000"/>
+              </a:lnSpc>
+            </a:pPr>
+            <a:r>
+              <a:rPr lang="en-US" altLang="ko-KR" sz="2800" b="1" dirty="0" smtClean="0">
+                <a:latin typeface="나눔스퀘어 Bold" panose="020B0600000101010101" pitchFamily="50" charset="-127"/>
+                <a:ea typeface="나눔스퀘어 Bold" panose="020B0600000101010101" pitchFamily="50" charset="-127"/>
+                <a:cs typeface="Calibri" panose="020F0502020204030204" pitchFamily="34" charset="0"/>
+              </a:rPr>
+              <a:t>Motivation</a:t>
+            </a:r>
+            <a:endParaRPr lang="ru-RU" altLang="ko-KR" sz="2800" b="1" dirty="0">
+              <a:latin typeface="나눔스퀘어 Bold" panose="020B0600000101010101" pitchFamily="50" charset="-127"/>
+              <a:ea typeface="나눔스퀘어 Bold" panose="020B0600000101010101" pitchFamily="50" charset="-127"/>
+              <a:cs typeface="Calibri" panose="020F0502020204030204" pitchFamily="34" charset="0"/>
+            </a:endParaRPr>
+          </a:p>
+        </p:txBody>
+      </p:sp>
+      <p:sp>
+        <p:nvSpPr>
+          <p:cNvPr id="10" name="Shape 388"/>
+          <p:cNvSpPr/>
+          <p:nvPr/>
+        </p:nvSpPr>
+        <p:spPr>
+          <a:xfrm>
+            <a:off x="2469103" y="2135723"/>
+            <a:ext cx="8951372" cy="3936831"/>
+          </a:xfrm>
+          <a:prstGeom prst="rect">
+            <a:avLst/>
+          </a:prstGeom>
+          <a:ln w="3175">
+            <a:miter lim="400000"/>
+          </a:ln>
+          <a:extLst>
+            <a:ext uri="{C572A759-6A51-4108-AA02-DFA0A04FC94B}">
+              <ma14:wrappingTextBoxFlag xmlns:ma14="http://schemas.microsoft.com/office/mac/drawingml/2011/main" xmlns="" val="1"/>
+            </a:ext>
+          </a:extLst>
+        </p:spPr>
+        <p:txBody>
+          <a:bodyPr lIns="38100" tIns="38100" rIns="38100" bIns="38100">
+            <a:normAutofit/>
+          </a:bodyPr>
+          <a:lstStyle/>
+          <a:p>
+            <a:pPr marL="285750" indent="-285750" fontAlgn="base">
+              <a:lnSpc>
+                <a:spcPct val="150000"/>
+              </a:lnSpc>
+              <a:buFontTx/>
+              <a:buChar char="-"/>
+            </a:pPr>
+            <a:r>
+              <a:rPr lang="ko-KR" altLang="en-US" dirty="0" smtClean="0">
+                <a:latin typeface="나눔고딕 Light" pitchFamily="50" charset="-127"/>
+                <a:ea typeface="나눔고딕 Light" pitchFamily="50" charset="-127"/>
+              </a:rPr>
+              <a:t>현대 사회에서 시각</a:t>
+            </a:r>
+            <a:r>
+              <a:rPr lang="en-US" altLang="ko-KR" dirty="0" smtClean="0">
+                <a:latin typeface="나눔고딕 Light" pitchFamily="50" charset="-127"/>
+                <a:ea typeface="나눔고딕 Light" pitchFamily="50" charset="-127"/>
+              </a:rPr>
+              <a:t> </a:t>
+            </a:r>
+            <a:r>
+              <a:rPr lang="ko-KR" altLang="en-US" dirty="0" smtClean="0">
+                <a:latin typeface="나눔고딕 Light" pitchFamily="50" charset="-127"/>
+                <a:ea typeface="나눔고딕 Light" pitchFamily="50" charset="-127"/>
+              </a:rPr>
+              <a:t>및 청각 장애인에 대한 배려가 매우 부족</a:t>
+            </a:r>
+            <a:endParaRPr lang="en-US" altLang="ko-KR" dirty="0" smtClean="0">
+              <a:latin typeface="나눔고딕 Light" pitchFamily="50" charset="-127"/>
+              <a:ea typeface="나눔고딕 Light" pitchFamily="50" charset="-127"/>
+            </a:endParaRPr>
+          </a:p>
+          <a:p>
+            <a:pPr marL="285750" indent="-285750" fontAlgn="base">
+              <a:lnSpc>
+                <a:spcPct val="150000"/>
+              </a:lnSpc>
+              <a:buFontTx/>
+              <a:buChar char="-"/>
+            </a:pPr>
+            <a:endParaRPr lang="en-US" altLang="ko-KR" dirty="0" smtClean="0">
+              <a:latin typeface="나눔고딕 Light" pitchFamily="50" charset="-127"/>
+              <a:ea typeface="나눔고딕 Light" pitchFamily="50" charset="-127"/>
+            </a:endParaRPr>
+          </a:p>
+          <a:p>
+            <a:pPr marL="285750" indent="-285750" fontAlgn="base">
+              <a:lnSpc>
+                <a:spcPct val="150000"/>
+              </a:lnSpc>
+              <a:buFontTx/>
+              <a:buChar char="-"/>
+            </a:pPr>
+            <a:r>
+              <a:rPr lang="ko-KR" altLang="en-US" dirty="0" smtClean="0">
+                <a:latin typeface="나눔고딕 Light" pitchFamily="50" charset="-127"/>
+                <a:ea typeface="나눔고딕 Light" pitchFamily="50" charset="-127"/>
+              </a:rPr>
+              <a:t>특히 파손된 </a:t>
+            </a:r>
+            <a:r>
+              <a:rPr lang="ko-KR" altLang="en-US" dirty="0" err="1" smtClean="0">
+                <a:latin typeface="나눔고딕 Light" pitchFamily="50" charset="-127"/>
+                <a:ea typeface="나눔고딕 Light" pitchFamily="50" charset="-127"/>
+              </a:rPr>
+              <a:t>점자블럭</a:t>
+            </a:r>
+            <a:r>
+              <a:rPr lang="en-US" altLang="ko-KR" dirty="0" smtClean="0">
+                <a:latin typeface="나눔고딕 Light" pitchFamily="50" charset="-127"/>
+                <a:ea typeface="나눔고딕 Light" pitchFamily="50" charset="-127"/>
+              </a:rPr>
+              <a:t>, </a:t>
+            </a:r>
+            <a:r>
+              <a:rPr lang="ko-KR" altLang="en-US" dirty="0" smtClean="0">
+                <a:latin typeface="나눔고딕 Light" pitchFamily="50" charset="-127"/>
+                <a:ea typeface="나눔고딕 Light" pitchFamily="50" charset="-127"/>
+              </a:rPr>
+              <a:t>올바르지 않은 </a:t>
+            </a:r>
+            <a:r>
+              <a:rPr lang="ko-KR" altLang="en-US" dirty="0" err="1" smtClean="0">
+                <a:latin typeface="나눔고딕 Light" pitchFamily="50" charset="-127"/>
+                <a:ea typeface="나눔고딕 Light" pitchFamily="50" charset="-127"/>
+              </a:rPr>
+              <a:t>점자블럭</a:t>
+            </a:r>
+            <a:r>
+              <a:rPr lang="ko-KR" altLang="en-US" dirty="0" smtClean="0">
+                <a:latin typeface="나눔고딕 Light" pitchFamily="50" charset="-127"/>
+                <a:ea typeface="나눔고딕 Light" pitchFamily="50" charset="-127"/>
+              </a:rPr>
+              <a:t> 등의 문제로 시각 장애인은 보행이 어려움</a:t>
+            </a:r>
+            <a:endParaRPr lang="en-US" altLang="ko-KR" dirty="0" smtClean="0">
+              <a:latin typeface="나눔고딕 Light" pitchFamily="50" charset="-127"/>
+              <a:ea typeface="나눔고딕 Light" pitchFamily="50" charset="-127"/>
+            </a:endParaRPr>
+          </a:p>
+          <a:p>
+            <a:pPr marL="285750" indent="-285750" fontAlgn="base">
+              <a:lnSpc>
+                <a:spcPct val="150000"/>
+              </a:lnSpc>
+              <a:buFontTx/>
+              <a:buChar char="-"/>
+            </a:pPr>
+            <a:endParaRPr lang="en-US" altLang="ko-KR" dirty="0" smtClean="0">
+              <a:latin typeface="나눔고딕 Light" pitchFamily="50" charset="-127"/>
+              <a:ea typeface="나눔고딕 Light" pitchFamily="50" charset="-127"/>
+            </a:endParaRPr>
+          </a:p>
+          <a:p>
+            <a:pPr marL="285750" indent="-285750" fontAlgn="base">
+              <a:lnSpc>
+                <a:spcPct val="150000"/>
+              </a:lnSpc>
+              <a:buFontTx/>
+              <a:buChar char="-"/>
+            </a:pPr>
+            <a:r>
+              <a:rPr lang="ko-KR" altLang="en-US" dirty="0" smtClean="0">
+                <a:latin typeface="나눔고딕 Light" pitchFamily="50" charset="-127"/>
+                <a:ea typeface="나눔고딕 Light" pitchFamily="50" charset="-127"/>
+              </a:rPr>
+              <a:t>청각 장애인 또한 보행 시 여러 가지 위협에 무방비 하게 노출</a:t>
+            </a:r>
+            <a:endParaRPr lang="en-US" altLang="ko-KR" dirty="0" smtClean="0">
+              <a:latin typeface="나눔고딕 Light" pitchFamily="50" charset="-127"/>
+              <a:ea typeface="나눔고딕 Light" pitchFamily="50" charset="-127"/>
+            </a:endParaRPr>
+          </a:p>
+          <a:p>
+            <a:pPr marL="285750" indent="-285750" fontAlgn="base">
+              <a:lnSpc>
+                <a:spcPct val="150000"/>
+              </a:lnSpc>
+              <a:buFontTx/>
+              <a:buChar char="-"/>
+            </a:pPr>
+            <a:endParaRPr lang="en-US" altLang="ko-KR" dirty="0" smtClean="0">
+              <a:latin typeface="나눔고딕 Light" pitchFamily="50" charset="-127"/>
+              <a:ea typeface="나눔고딕 Light" pitchFamily="50" charset="-127"/>
+            </a:endParaRPr>
+          </a:p>
+          <a:p>
+            <a:pPr marL="285750" indent="-285750" fontAlgn="base">
+              <a:lnSpc>
+                <a:spcPct val="150000"/>
+              </a:lnSpc>
+              <a:buFontTx/>
+              <a:buChar char="-"/>
+            </a:pPr>
+            <a:r>
+              <a:rPr lang="ko-KR" altLang="en-US" dirty="0" smtClean="0">
+                <a:latin typeface="나눔고딕 Light" pitchFamily="50" charset="-127"/>
+                <a:ea typeface="나눔고딕 Light" pitchFamily="50" charset="-127"/>
+              </a:rPr>
+              <a:t>이에 따라 시각 및 청각 장애인들이 평소 보행 시 느낄 수 있는 불편함을 해소하기 위하여 시각 및 청각 장애인들을 도와주는 자율주행 도우미 로봇을 제작하고자 결정</a:t>
+            </a:r>
+            <a:endParaRPr lang="en-US" altLang="ko-KR" dirty="0" smtClean="0">
+              <a:latin typeface="나눔고딕 Light" pitchFamily="50" charset="-127"/>
+              <a:ea typeface="나눔고딕 Light" pitchFamily="50" charset="-127"/>
+            </a:endParaRPr>
+          </a:p>
+          <a:p>
+            <a:pPr fontAlgn="base">
+              <a:lnSpc>
+                <a:spcPct val="120000"/>
+              </a:lnSpc>
+            </a:pPr>
+            <a:r>
+              <a:rPr lang="ko-KR" altLang="en-US" dirty="0" smtClean="0">
+                <a:latin typeface="나눔고딕 Light" pitchFamily="50" charset="-127"/>
+                <a:ea typeface="나눔고딕 Light" pitchFamily="50" charset="-127"/>
+              </a:rPr>
+              <a:t> </a:t>
+            </a:r>
+          </a:p>
+        </p:txBody>
+      </p:sp>
+      <p:grpSp>
+        <p:nvGrpSpPr>
+          <p:cNvPr id="11" name="Group 392"/>
+          <p:cNvGrpSpPr/>
+          <p:nvPr/>
+        </p:nvGrpSpPr>
+        <p:grpSpPr>
+          <a:xfrm>
+            <a:off x="2469103" y="1587290"/>
+            <a:ext cx="8675147" cy="127210"/>
+            <a:chOff x="0" y="0"/>
+            <a:chExt cx="11657498" cy="0"/>
+          </a:xfrm>
+        </p:grpSpPr>
+        <p:sp>
+          <p:nvSpPr>
+            <p:cNvPr id="12" name="Shape 390"/>
+            <p:cNvSpPr/>
+            <p:nvPr/>
+          </p:nvSpPr>
+          <p:spPr>
+            <a:xfrm>
+              <a:off x="0" y="0"/>
+              <a:ext cx="11657498" cy="0"/>
+            </a:xfrm>
+            <a:prstGeom prst="line">
+              <a:avLst/>
+            </a:prstGeom>
+            <a:noFill/>
+            <a:ln w="25400" cap="flat">
+              <a:solidFill>
+                <a:srgbClr val="E5E5E5"/>
+              </a:solidFill>
+              <a:prstDash val="solid"/>
+              <a:miter lim="400000"/>
+            </a:ln>
+            <a:effectLst/>
+          </p:spPr>
+          <p:txBody>
+            <a:bodyPr wrap="square" lIns="38100" tIns="38100" rIns="38100" bIns="38100" numCol="1" anchor="ctr">
+              <a:noAutofit/>
+            </a:bodyPr>
+            <a:lstStyle/>
+            <a:p>
+              <a:pPr algn="ctr">
+                <a:defRPr sz="3000">
+                  <a:solidFill>
+                    <a:srgbClr val="000000"/>
+                  </a:solidFill>
+                  <a:latin typeface="Helvetica Light"/>
+                  <a:ea typeface="Helvetica Light"/>
+                  <a:cs typeface="Helvetica Light"/>
+                  <a:sym typeface="Helvetica Light"/>
+                </a:defRPr>
+              </a:pPr>
+              <a:endParaRPr/>
+            </a:p>
+          </p:txBody>
+        </p:sp>
+        <p:sp>
+          <p:nvSpPr>
+            <p:cNvPr id="13" name="Shape 391"/>
+            <p:cNvSpPr/>
+            <p:nvPr/>
+          </p:nvSpPr>
+          <p:spPr>
+            <a:xfrm>
+              <a:off x="12700" y="0"/>
+              <a:ext cx="1456385" cy="0"/>
+            </a:xfrm>
+            <a:prstGeom prst="line">
+              <a:avLst/>
+            </a:prstGeom>
+            <a:noFill/>
+            <a:ln w="25400" cap="flat">
+              <a:solidFill>
+                <a:srgbClr val="000000"/>
+              </a:solidFill>
+              <a:prstDash val="solid"/>
+              <a:miter lim="400000"/>
+            </a:ln>
+            <a:effectLst/>
+          </p:spPr>
+          <p:txBody>
+            <a:bodyPr wrap="square" lIns="38100" tIns="38100" rIns="38100" bIns="38100" numCol="1" anchor="ctr">
+              <a:noAutofit/>
+            </a:bodyPr>
+            <a:lstStyle/>
+            <a:p>
+              <a:pPr algn="ctr">
+                <a:defRPr sz="3000">
+                  <a:solidFill>
+                    <a:srgbClr val="000000"/>
+                  </a:solidFill>
+                  <a:latin typeface="Helvetica Light"/>
+                  <a:ea typeface="Helvetica Light"/>
+                  <a:cs typeface="Helvetica Light"/>
+                  <a:sym typeface="Helvetica Light"/>
+                </a:defRPr>
+              </a:pPr>
+              <a:endParaRPr/>
+            </a:p>
+          </p:txBody>
+        </p:sp>
+      </p:grpSp>
+    </p:spTree>
+    <p:extLst>
+      <p:ext uri="{BB962C8B-B14F-4D97-AF65-F5344CB8AC3E}">
+        <p14:creationId xmlns:p14="http://schemas.microsoft.com/office/powerpoint/2010/main" val="656902497"/>
+      </p:ext>
+    </p:extLst>
+  </p:cSld>
+  <p:clrMapOvr>
+    <a:masterClrMapping/>
+  </p:clrMapOvr>
+  <p:timing>
+    <p:tnLst>
+      <p:par>
+        <p:cTn id="1" dur="indefinite" restart="never" nodeType="tmRoot"/>
+      </p:par>
+    </p:tnLst>
+  </p:timing>
+</p:sld>
+</file>
+
+<file path=ppt/slides/slide20.xml><?xml version="1.0" encoding="utf-8"?>
 <p:sld xmlns:a="http://schemas.openxmlformats.org/drawingml/2006/main" xmlns:r="http://schemas.openxmlformats.org/officeDocument/2006/relationships" xmlns:p="http://schemas.openxmlformats.org/presentationml/2006/main" show="0">
   <p:cSld>
     <p:bg>
@@ -9974,584 +11897,7 @@
 </p:sld>
 </file>
 
-<file path=ppt/slides/slide2.xml><?xml version="1.0" encoding="utf-8"?>
-<p:sld xmlns:a="http://schemas.openxmlformats.org/drawingml/2006/main" xmlns:r="http://schemas.openxmlformats.org/officeDocument/2006/relationships" xmlns:p="http://schemas.openxmlformats.org/presentationml/2006/main">
-  <p:cSld>
-    <p:bg>
-      <p:bgPr>
-        <a:solidFill>
-          <a:schemeClr val="bg1">
-            <a:lumMod val="95000"/>
-          </a:schemeClr>
-        </a:solidFill>
-        <a:effectLst/>
-      </p:bgPr>
-    </p:bg>
-    <p:spTree>
-      <p:nvGrpSpPr>
-        <p:cNvPr id="1" name=""/>
-        <p:cNvGrpSpPr/>
-        <p:nvPr/>
-      </p:nvGrpSpPr>
-      <p:grpSpPr>
-        <a:xfrm>
-          <a:off x="0" y="0"/>
-          <a:ext cx="0" cy="0"/>
-          <a:chOff x="0" y="0"/>
-          <a:chExt cx="0" cy="0"/>
-        </a:xfrm>
-      </p:grpSpPr>
-      <p:sp>
-        <p:nvSpPr>
-          <p:cNvPr id="4" name="직사각형 3"/>
-          <p:cNvSpPr/>
-          <p:nvPr/>
-        </p:nvSpPr>
-        <p:spPr>
-          <a:xfrm>
-            <a:off x="0" y="-16001"/>
-            <a:ext cx="1657350" cy="6238875"/>
-          </a:xfrm>
-          <a:prstGeom prst="rect">
-            <a:avLst/>
-          </a:prstGeom>
-          <a:solidFill>
-            <a:srgbClr val="EDD0BE"/>
-          </a:solidFill>
-          <a:ln>
-            <a:noFill/>
-          </a:ln>
-        </p:spPr>
-        <p:style>
-          <a:lnRef idx="2">
-            <a:schemeClr val="accent1">
-              <a:shade val="50000"/>
-            </a:schemeClr>
-          </a:lnRef>
-          <a:fillRef idx="1">
-            <a:schemeClr val="accent1"/>
-          </a:fillRef>
-          <a:effectRef idx="0">
-            <a:schemeClr val="accent1"/>
-          </a:effectRef>
-          <a:fontRef idx="minor">
-            <a:schemeClr val="lt1"/>
-          </a:fontRef>
-        </p:style>
-        <p:txBody>
-          <a:bodyPr rtlCol="0" anchor="ctr"/>
-          <a:lstStyle/>
-          <a:p>
-            <a:pPr algn="ctr"/>
-            <a:endParaRPr lang="ko-KR" altLang="en-US" dirty="0">
-              <a:latin typeface="나눔고딕 Light" pitchFamily="50" charset="-127"/>
-              <a:ea typeface="나눔고딕 Light" pitchFamily="50" charset="-127"/>
-            </a:endParaRPr>
-          </a:p>
-        </p:txBody>
-      </p:sp>
-      <p:sp>
-        <p:nvSpPr>
-          <p:cNvPr id="5" name="TextBox 7"/>
-          <p:cNvSpPr txBox="1">
-            <a:spLocks noChangeArrowheads="1"/>
-          </p:cNvSpPr>
-          <p:nvPr/>
-        </p:nvSpPr>
-        <p:spPr bwMode="auto">
-          <a:xfrm>
-            <a:off x="2406377" y="608585"/>
-            <a:ext cx="4352674" cy="676532"/>
-          </a:xfrm>
-          <a:prstGeom prst="rect">
-            <a:avLst/>
-          </a:prstGeom>
-          <a:noFill/>
-          <a:ln>
-            <a:noFill/>
-          </a:ln>
-          <a:extLst>
-            <a:ext uri="{909E8E84-426E-40DD-AFC4-6F175D3DCCD1}">
-              <a14:hiddenFill xmlns:a14="http://schemas.microsoft.com/office/drawing/2010/main">
-                <a:solidFill>
-                  <a:srgbClr val="FFFFFF"/>
-                </a:solidFill>
-              </a14:hiddenFill>
-            </a:ext>
-            <a:ext uri="{91240B29-F687-4F45-9708-019B960494DF}">
-              <a14:hiddenLine xmlns:a14="http://schemas.microsoft.com/office/drawing/2010/main" w="9525">
-                <a:solidFill>
-                  <a:srgbClr val="000000"/>
-                </a:solidFill>
-                <a:miter lim="800000"/>
-                <a:headEnd/>
-                <a:tailEnd/>
-              </a14:hiddenLine>
-            </a:ext>
-          </a:extLst>
-        </p:spPr>
-        <p:txBody>
-          <a:bodyPr wrap="square">
-            <a:spAutoFit/>
-          </a:bodyPr>
-          <a:lstStyle>
-            <a:lvl1pPr>
-              <a:defRPr sz="3600">
-                <a:solidFill>
-                  <a:schemeClr val="tx1"/>
-                </a:solidFill>
-                <a:latin typeface="Lato Light" pitchFamily="34" charset="0"/>
-              </a:defRPr>
-            </a:lvl1pPr>
-            <a:lvl2pPr marL="742950" indent="-285750">
-              <a:defRPr sz="3600">
-                <a:solidFill>
-                  <a:schemeClr val="tx1"/>
-                </a:solidFill>
-                <a:latin typeface="Lato Light" pitchFamily="34" charset="0"/>
-              </a:defRPr>
-            </a:lvl2pPr>
-            <a:lvl3pPr marL="1143000" indent="-228600">
-              <a:defRPr sz="3600">
-                <a:solidFill>
-                  <a:schemeClr val="tx1"/>
-                </a:solidFill>
-                <a:latin typeface="Lato Light" pitchFamily="34" charset="0"/>
-              </a:defRPr>
-            </a:lvl3pPr>
-            <a:lvl4pPr marL="1600200" indent="-228600">
-              <a:defRPr sz="3600">
-                <a:solidFill>
-                  <a:schemeClr val="tx1"/>
-                </a:solidFill>
-                <a:latin typeface="Lato Light" pitchFamily="34" charset="0"/>
-              </a:defRPr>
-            </a:lvl4pPr>
-            <a:lvl5pPr marL="2057400" indent="-228600">
-              <a:defRPr sz="3600">
-                <a:solidFill>
-                  <a:schemeClr val="tx1"/>
-                </a:solidFill>
-                <a:latin typeface="Lato Light" pitchFamily="34" charset="0"/>
-              </a:defRPr>
-            </a:lvl5pPr>
-            <a:lvl6pPr marL="2514600" indent="-228600" defTabSz="1827213" fontAlgn="base">
-              <a:spcBef>
-                <a:spcPct val="0"/>
-              </a:spcBef>
-              <a:spcAft>
-                <a:spcPct val="0"/>
-              </a:spcAft>
-              <a:defRPr sz="3600">
-                <a:solidFill>
-                  <a:schemeClr val="tx1"/>
-                </a:solidFill>
-                <a:latin typeface="Lato Light" pitchFamily="34" charset="0"/>
-              </a:defRPr>
-            </a:lvl6pPr>
-            <a:lvl7pPr marL="2971800" indent="-228600" defTabSz="1827213" fontAlgn="base">
-              <a:spcBef>
-                <a:spcPct val="0"/>
-              </a:spcBef>
-              <a:spcAft>
-                <a:spcPct val="0"/>
-              </a:spcAft>
-              <a:defRPr sz="3600">
-                <a:solidFill>
-                  <a:schemeClr val="tx1"/>
-                </a:solidFill>
-                <a:latin typeface="Lato Light" pitchFamily="34" charset="0"/>
-              </a:defRPr>
-            </a:lvl7pPr>
-            <a:lvl8pPr marL="3429000" indent="-228600" defTabSz="1827213" fontAlgn="base">
-              <a:spcBef>
-                <a:spcPct val="0"/>
-              </a:spcBef>
-              <a:spcAft>
-                <a:spcPct val="0"/>
-              </a:spcAft>
-              <a:defRPr sz="3600">
-                <a:solidFill>
-                  <a:schemeClr val="tx1"/>
-                </a:solidFill>
-                <a:latin typeface="Lato Light" pitchFamily="34" charset="0"/>
-              </a:defRPr>
-            </a:lvl8pPr>
-            <a:lvl9pPr marL="3886200" indent="-228600" defTabSz="1827213" fontAlgn="base">
-              <a:spcBef>
-                <a:spcPct val="0"/>
-              </a:spcBef>
-              <a:spcAft>
-                <a:spcPct val="0"/>
-              </a:spcAft>
-              <a:defRPr sz="3600">
-                <a:solidFill>
-                  <a:schemeClr val="tx1"/>
-                </a:solidFill>
-                <a:latin typeface="Lato Light" pitchFamily="34" charset="0"/>
-              </a:defRPr>
-            </a:lvl9pPr>
-          </a:lstStyle>
-          <a:p>
-            <a:pPr eaLnBrk="1" hangingPunct="1">
-              <a:lnSpc>
-                <a:spcPct val="150000"/>
-              </a:lnSpc>
-            </a:pPr>
-            <a:r>
-              <a:rPr lang="en-US" altLang="ko-KR" sz="2800" b="1" dirty="0" smtClean="0">
-                <a:latin typeface="나눔스퀘어 Bold" panose="020B0600000101010101" pitchFamily="50" charset="-127"/>
-                <a:ea typeface="나눔스퀘어 Bold" panose="020B0600000101010101" pitchFamily="50" charset="-127"/>
-                <a:cs typeface="Calibri" panose="020F0502020204030204" pitchFamily="34" charset="0"/>
-              </a:rPr>
-              <a:t>Motivation</a:t>
-            </a:r>
-            <a:endParaRPr lang="ru-RU" altLang="ko-KR" sz="2800" b="1" dirty="0">
-              <a:latin typeface="나눔스퀘어 Bold" panose="020B0600000101010101" pitchFamily="50" charset="-127"/>
-              <a:ea typeface="나눔스퀘어 Bold" panose="020B0600000101010101" pitchFamily="50" charset="-127"/>
-              <a:cs typeface="Calibri" panose="020F0502020204030204" pitchFamily="34" charset="0"/>
-            </a:endParaRPr>
-          </a:p>
-        </p:txBody>
-      </p:sp>
-      <p:sp>
-        <p:nvSpPr>
-          <p:cNvPr id="10" name="Shape 388"/>
-          <p:cNvSpPr/>
-          <p:nvPr/>
-        </p:nvSpPr>
-        <p:spPr>
-          <a:xfrm>
-            <a:off x="2469103" y="2135723"/>
-            <a:ext cx="8951372" cy="3936831"/>
-          </a:xfrm>
-          <a:prstGeom prst="rect">
-            <a:avLst/>
-          </a:prstGeom>
-          <a:ln w="3175">
-            <a:miter lim="400000"/>
-          </a:ln>
-          <a:extLst>
-            <a:ext uri="{C572A759-6A51-4108-AA02-DFA0A04FC94B}">
-              <ma14:wrappingTextBoxFlag xmlns:ma14="http://schemas.microsoft.com/office/mac/drawingml/2011/main" xmlns="" val="1"/>
-            </a:ext>
-          </a:extLst>
-        </p:spPr>
-        <p:txBody>
-          <a:bodyPr lIns="38100" tIns="38100" rIns="38100" bIns="38100">
-            <a:normAutofit lnSpcReduction="10000"/>
-          </a:bodyPr>
-          <a:lstStyle/>
-          <a:p>
-            <a:pPr marL="285750" indent="-285750" fontAlgn="base">
-              <a:lnSpc>
-                <a:spcPct val="150000"/>
-              </a:lnSpc>
-              <a:buFontTx/>
-              <a:buChar char="-"/>
-            </a:pPr>
-            <a:r>
-              <a:rPr lang="ko-KR" altLang="en-US" dirty="0" smtClean="0">
-                <a:latin typeface="나눔고딕 Light" pitchFamily="50" charset="-127"/>
-                <a:ea typeface="나눔고딕 Light" pitchFamily="50" charset="-127"/>
-              </a:rPr>
-              <a:t>현대 사회에서 시각</a:t>
-            </a:r>
-            <a:r>
-              <a:rPr lang="en-US" altLang="ko-KR" dirty="0" smtClean="0">
-                <a:latin typeface="나눔고딕 Light" pitchFamily="50" charset="-127"/>
-                <a:ea typeface="나눔고딕 Light" pitchFamily="50" charset="-127"/>
-              </a:rPr>
-              <a:t> </a:t>
-            </a:r>
-            <a:r>
-              <a:rPr lang="ko-KR" altLang="en-US" dirty="0" smtClean="0">
-                <a:latin typeface="나눔고딕 Light" pitchFamily="50" charset="-127"/>
-                <a:ea typeface="나눔고딕 Light" pitchFamily="50" charset="-127"/>
-              </a:rPr>
-              <a:t>및 청각 장애인에 대한 배려가 매우 부족</a:t>
-            </a:r>
-            <a:endParaRPr lang="en-US" altLang="ko-KR" dirty="0" smtClean="0">
-              <a:latin typeface="나눔고딕 Light" pitchFamily="50" charset="-127"/>
-              <a:ea typeface="나눔고딕 Light" pitchFamily="50" charset="-127"/>
-            </a:endParaRPr>
-          </a:p>
-          <a:p>
-            <a:pPr marL="285750" indent="-285750" fontAlgn="base">
-              <a:lnSpc>
-                <a:spcPct val="150000"/>
-              </a:lnSpc>
-              <a:buFontTx/>
-              <a:buChar char="-"/>
-            </a:pPr>
-            <a:endParaRPr lang="en-US" altLang="ko-KR" dirty="0" smtClean="0">
-              <a:latin typeface="나눔고딕 Light" pitchFamily="50" charset="-127"/>
-              <a:ea typeface="나눔고딕 Light" pitchFamily="50" charset="-127"/>
-            </a:endParaRPr>
-          </a:p>
-          <a:p>
-            <a:pPr marL="285750" indent="-285750" fontAlgn="base">
-              <a:lnSpc>
-                <a:spcPct val="150000"/>
-              </a:lnSpc>
-              <a:buFontTx/>
-              <a:buChar char="-"/>
-            </a:pPr>
-            <a:r>
-              <a:rPr lang="ko-KR" altLang="en-US" dirty="0" smtClean="0">
-                <a:latin typeface="나눔고딕 Light" pitchFamily="50" charset="-127"/>
-                <a:ea typeface="나눔고딕 Light" pitchFamily="50" charset="-127"/>
-              </a:rPr>
-              <a:t>특히 파손된 </a:t>
-            </a:r>
-            <a:r>
-              <a:rPr lang="ko-KR" altLang="en-US" dirty="0" err="1" smtClean="0">
-                <a:latin typeface="나눔고딕 Light" pitchFamily="50" charset="-127"/>
-                <a:ea typeface="나눔고딕 Light" pitchFamily="50" charset="-127"/>
-              </a:rPr>
-              <a:t>점자블럭</a:t>
-            </a:r>
-            <a:r>
-              <a:rPr lang="en-US" altLang="ko-KR" dirty="0" smtClean="0">
-                <a:latin typeface="나눔고딕 Light" pitchFamily="50" charset="-127"/>
-                <a:ea typeface="나눔고딕 Light" pitchFamily="50" charset="-127"/>
-              </a:rPr>
-              <a:t>, </a:t>
-            </a:r>
-            <a:r>
-              <a:rPr lang="ko-KR" altLang="en-US" dirty="0" smtClean="0">
-                <a:latin typeface="나눔고딕 Light" pitchFamily="50" charset="-127"/>
-                <a:ea typeface="나눔고딕 Light" pitchFamily="50" charset="-127"/>
-              </a:rPr>
-              <a:t>올바르지 않은 </a:t>
-            </a:r>
-            <a:r>
-              <a:rPr lang="ko-KR" altLang="en-US" dirty="0" err="1" smtClean="0">
-                <a:latin typeface="나눔고딕 Light" pitchFamily="50" charset="-127"/>
-                <a:ea typeface="나눔고딕 Light" pitchFamily="50" charset="-127"/>
-              </a:rPr>
-              <a:t>점자블럭</a:t>
-            </a:r>
-            <a:r>
-              <a:rPr lang="ko-KR" altLang="en-US" dirty="0" smtClean="0">
-                <a:latin typeface="나눔고딕 Light" pitchFamily="50" charset="-127"/>
-                <a:ea typeface="나눔고딕 Light" pitchFamily="50" charset="-127"/>
-              </a:rPr>
-              <a:t> 등의 문제로 시각 장애인은 보행이 어려움</a:t>
-            </a:r>
-            <a:endParaRPr lang="en-US" altLang="ko-KR" dirty="0" smtClean="0">
-              <a:latin typeface="나눔고딕 Light" pitchFamily="50" charset="-127"/>
-              <a:ea typeface="나눔고딕 Light" pitchFamily="50" charset="-127"/>
-            </a:endParaRPr>
-          </a:p>
-          <a:p>
-            <a:pPr marL="285750" indent="-285750" fontAlgn="base">
-              <a:lnSpc>
-                <a:spcPct val="150000"/>
-              </a:lnSpc>
-              <a:buFontTx/>
-              <a:buChar char="-"/>
-            </a:pPr>
-            <a:endParaRPr lang="en-US" altLang="ko-KR" dirty="0" smtClean="0">
-              <a:latin typeface="나눔고딕 Light" pitchFamily="50" charset="-127"/>
-              <a:ea typeface="나눔고딕 Light" pitchFamily="50" charset="-127"/>
-            </a:endParaRPr>
-          </a:p>
-          <a:p>
-            <a:pPr marL="285750" indent="-285750" fontAlgn="base">
-              <a:lnSpc>
-                <a:spcPct val="150000"/>
-              </a:lnSpc>
-              <a:buFontTx/>
-              <a:buChar char="-"/>
-            </a:pPr>
-            <a:r>
-              <a:rPr lang="ko-KR" altLang="en-US" dirty="0" smtClean="0">
-                <a:latin typeface="나눔고딕 Light" pitchFamily="50" charset="-127"/>
-                <a:ea typeface="나눔고딕 Light" pitchFamily="50" charset="-127"/>
-              </a:rPr>
-              <a:t>청각 장애인 또한 보행 시 여러 가지 위협에 무방비 하게 노출</a:t>
-            </a:r>
-            <a:endParaRPr lang="en-US" altLang="ko-KR" dirty="0" smtClean="0">
-              <a:latin typeface="나눔고딕 Light" pitchFamily="50" charset="-127"/>
-              <a:ea typeface="나눔고딕 Light" pitchFamily="50" charset="-127"/>
-            </a:endParaRPr>
-          </a:p>
-          <a:p>
-            <a:pPr marL="285750" indent="-285750" fontAlgn="base">
-              <a:lnSpc>
-                <a:spcPct val="150000"/>
-              </a:lnSpc>
-              <a:buFontTx/>
-              <a:buChar char="-"/>
-            </a:pPr>
-            <a:endParaRPr lang="en-US" altLang="ko-KR" dirty="0" smtClean="0">
-              <a:latin typeface="나눔고딕 Light" pitchFamily="50" charset="-127"/>
-              <a:ea typeface="나눔고딕 Light" pitchFamily="50" charset="-127"/>
-            </a:endParaRPr>
-          </a:p>
-          <a:p>
-            <a:pPr marL="285750" indent="-285750" fontAlgn="base">
-              <a:lnSpc>
-                <a:spcPct val="150000"/>
-              </a:lnSpc>
-              <a:buFontTx/>
-              <a:buChar char="-"/>
-            </a:pPr>
-            <a:r>
-              <a:rPr lang="ko-KR" altLang="en-US" dirty="0" smtClean="0">
-                <a:latin typeface="나눔고딕 Light" pitchFamily="50" charset="-127"/>
-                <a:ea typeface="나눔고딕 Light" pitchFamily="50" charset="-127"/>
-              </a:rPr>
-              <a:t>이에 따라 시각 및 청각 장애인들이 평소 보행 시 느낄 수 있는 불편함을 해소하기 위하여 시각 및 청각 장애인들을 도와주는 자율주행 도우미 로봇을 제작하고자 결정</a:t>
-            </a:r>
-            <a:endParaRPr lang="en-US" altLang="ko-KR" dirty="0" smtClean="0">
-              <a:latin typeface="나눔고딕 Light" pitchFamily="50" charset="-127"/>
-              <a:ea typeface="나눔고딕 Light" pitchFamily="50" charset="-127"/>
-            </a:endParaRPr>
-          </a:p>
-          <a:p>
-            <a:pPr fontAlgn="base">
-              <a:lnSpc>
-                <a:spcPct val="120000"/>
-              </a:lnSpc>
-            </a:pPr>
-            <a:r>
-              <a:rPr lang="ko-KR" altLang="en-US" dirty="0" smtClean="0">
-                <a:latin typeface="나눔고딕 Light" pitchFamily="50" charset="-127"/>
-                <a:ea typeface="나눔고딕 Light" pitchFamily="50" charset="-127"/>
-              </a:rPr>
-              <a:t> </a:t>
-            </a:r>
-          </a:p>
-        </p:txBody>
-      </p:sp>
-      <p:grpSp>
-        <p:nvGrpSpPr>
-          <p:cNvPr id="11" name="Group 392"/>
-          <p:cNvGrpSpPr/>
-          <p:nvPr/>
-        </p:nvGrpSpPr>
-        <p:grpSpPr>
-          <a:xfrm>
-            <a:off x="2469103" y="1587290"/>
-            <a:ext cx="8675147" cy="127210"/>
-            <a:chOff x="0" y="0"/>
-            <a:chExt cx="11657498" cy="0"/>
-          </a:xfrm>
-        </p:grpSpPr>
-        <p:sp>
-          <p:nvSpPr>
-            <p:cNvPr id="12" name="Shape 390"/>
-            <p:cNvSpPr/>
-            <p:nvPr/>
-          </p:nvSpPr>
-          <p:spPr>
-            <a:xfrm>
-              <a:off x="0" y="0"/>
-              <a:ext cx="11657498" cy="0"/>
-            </a:xfrm>
-            <a:prstGeom prst="line">
-              <a:avLst/>
-            </a:prstGeom>
-            <a:noFill/>
-            <a:ln w="25400" cap="flat">
-              <a:solidFill>
-                <a:srgbClr val="E5E5E5"/>
-              </a:solidFill>
-              <a:prstDash val="solid"/>
-              <a:miter lim="400000"/>
-            </a:ln>
-            <a:effectLst/>
-          </p:spPr>
-          <p:txBody>
-            <a:bodyPr wrap="square" lIns="38100" tIns="38100" rIns="38100" bIns="38100" numCol="1" anchor="ctr">
-              <a:noAutofit/>
-            </a:bodyPr>
-            <a:lstStyle/>
-            <a:p>
-              <a:pPr algn="ctr">
-                <a:defRPr sz="3000">
-                  <a:solidFill>
-                    <a:srgbClr val="000000"/>
-                  </a:solidFill>
-                  <a:latin typeface="Helvetica Light"/>
-                  <a:ea typeface="Helvetica Light"/>
-                  <a:cs typeface="Helvetica Light"/>
-                  <a:sym typeface="Helvetica Light"/>
-                </a:defRPr>
-              </a:pPr>
-              <a:endParaRPr/>
-            </a:p>
-          </p:txBody>
-        </p:sp>
-        <p:sp>
-          <p:nvSpPr>
-            <p:cNvPr id="13" name="Shape 391"/>
-            <p:cNvSpPr/>
-            <p:nvPr/>
-          </p:nvSpPr>
-          <p:spPr>
-            <a:xfrm>
-              <a:off x="12700" y="0"/>
-              <a:ext cx="1456385" cy="0"/>
-            </a:xfrm>
-            <a:prstGeom prst="line">
-              <a:avLst/>
-            </a:prstGeom>
-            <a:noFill/>
-            <a:ln w="25400" cap="flat">
-              <a:solidFill>
-                <a:srgbClr val="000000"/>
-              </a:solidFill>
-              <a:prstDash val="solid"/>
-              <a:miter lim="400000"/>
-            </a:ln>
-            <a:effectLst/>
-          </p:spPr>
-          <p:txBody>
-            <a:bodyPr wrap="square" lIns="38100" tIns="38100" rIns="38100" bIns="38100" numCol="1" anchor="ctr">
-              <a:noAutofit/>
-            </a:bodyPr>
-            <a:lstStyle/>
-            <a:p>
-              <a:pPr algn="ctr">
-                <a:defRPr sz="3000">
-                  <a:solidFill>
-                    <a:srgbClr val="000000"/>
-                  </a:solidFill>
-                  <a:latin typeface="Helvetica Light"/>
-                  <a:ea typeface="Helvetica Light"/>
-                  <a:cs typeface="Helvetica Light"/>
-                  <a:sym typeface="Helvetica Light"/>
-                </a:defRPr>
-              </a:pPr>
-              <a:endParaRPr/>
-            </a:p>
-          </p:txBody>
-        </p:sp>
-      </p:grpSp>
-    </p:spTree>
-    <p:extLst>
-      <p:ext uri="{BB962C8B-B14F-4D97-AF65-F5344CB8AC3E}">
-        <p14:creationId xmlns:p14="http://schemas.microsoft.com/office/powerpoint/2010/main" val="656902497"/>
-      </p:ext>
-    </p:extLst>
-  </p:cSld>
-  <p:clrMapOvr>
-    <a:masterClrMapping/>
-  </p:clrMapOvr>
-  <p:timing>
-    <p:tnLst>
-      <p:par>
-        <p:cTn id="1" dur="indefinite" restart="never" nodeType="tmRoot"/>
-      </p:par>
-    </p:tnLst>
-  </p:timing>
-</p:sld>
-</file>
-
-<file path=ppt/slides/slide20.xml><?xml version="1.0" encoding="utf-8"?>
+<file path=ppt/slides/slide21.xml><?xml version="1.0" encoding="utf-8"?>
 <p:sld xmlns:a="http://schemas.openxmlformats.org/drawingml/2006/main" xmlns:r="http://schemas.openxmlformats.org/officeDocument/2006/relationships" xmlns:p="http://schemas.openxmlformats.org/presentationml/2006/main">
   <p:cSld>
     <p:bg>
@@ -11089,7 +12435,7 @@
 </p:sld>
 </file>
 
-<file path=ppt/slides/slide21.xml><?xml version="1.0" encoding="utf-8"?>
+<file path=ppt/slides/slide22.xml><?xml version="1.0" encoding="utf-8"?>
 <p:sld xmlns:a="http://schemas.openxmlformats.org/drawingml/2006/main" xmlns:r="http://schemas.openxmlformats.org/officeDocument/2006/relationships" xmlns:p="http://schemas.openxmlformats.org/presentationml/2006/main" show="0">
   <p:cSld>
     <p:bg>
@@ -11941,7 +13287,7 @@
 </p:sld>
 </file>
 
-<file path=ppt/slides/slide22.xml><?xml version="1.0" encoding="utf-8"?>
+<file path=ppt/slides/slide23.xml><?xml version="1.0" encoding="utf-8"?>
 <p:sld xmlns:a="http://schemas.openxmlformats.org/drawingml/2006/main" xmlns:r="http://schemas.openxmlformats.org/officeDocument/2006/relationships" xmlns:p="http://schemas.openxmlformats.org/presentationml/2006/main">
   <p:cSld>
     <p:bg>
@@ -12377,8 +13723,8 @@
 </p:sld>
 </file>
 
-<file path=ppt/slides/slide23.xml><?xml version="1.0" encoding="utf-8"?>
-<p:sld xmlns:a="http://schemas.openxmlformats.org/drawingml/2006/main" xmlns:r="http://schemas.openxmlformats.org/officeDocument/2006/relationships" xmlns:p="http://schemas.openxmlformats.org/presentationml/2006/main">
+<file path=ppt/slides/slide24.xml><?xml version="1.0" encoding="utf-8"?>
+<p:sld xmlns:a="http://schemas.openxmlformats.org/drawingml/2006/main" xmlns:r="http://schemas.openxmlformats.org/officeDocument/2006/relationships" xmlns:p="http://schemas.openxmlformats.org/presentationml/2006/main" show="0">
   <p:cSld>
     <p:bg>
       <p:bgPr>
@@ -13589,7 +14935,7 @@
         </p:spPr>
         <p:txBody>
           <a:bodyPr lIns="38100" tIns="38100" rIns="38100" bIns="38100">
-            <a:normAutofit fontScale="92500"/>
+            <a:normAutofit/>
           </a:bodyPr>
           <a:lstStyle/>
           <a:p>
@@ -13733,7 +15079,7 @@
         </p:spPr>
         <p:txBody>
           <a:bodyPr lIns="38100" tIns="38100" rIns="38100" bIns="38100">
-            <a:normAutofit fontScale="85000" lnSpcReduction="10000"/>
+            <a:normAutofit/>
           </a:bodyPr>
           <a:lstStyle/>
           <a:p>
@@ -13780,1234 +15126,14 @@
   <p:clrMapOvr>
     <a:masterClrMapping/>
   </p:clrMapOvr>
-  <p:timing>
-    <p:tnLst>
-      <p:par>
-        <p:cTn id="1" dur="indefinite" restart="never" nodeType="tmRoot"/>
-      </p:par>
-    </p:tnLst>
-  </p:timing>
-</p:sld>
-</file>
-
-<file path=ppt/slides/slide24.xml><?xml version="1.0" encoding="utf-8"?>
-<p:sld xmlns:a="http://schemas.openxmlformats.org/drawingml/2006/main" xmlns:r="http://schemas.openxmlformats.org/officeDocument/2006/relationships" xmlns:p="http://schemas.openxmlformats.org/presentationml/2006/main">
-  <p:cSld>
-    <p:spTree>
-      <p:nvGrpSpPr>
-        <p:cNvPr id="1" name=""/>
-        <p:cNvGrpSpPr/>
-        <p:nvPr/>
-      </p:nvGrpSpPr>
-      <p:grpSpPr>
-        <a:xfrm>
-          <a:off x="0" y="0"/>
-          <a:ext cx="0" cy="0"/>
-          <a:chOff x="0" y="0"/>
-          <a:chExt cx="0" cy="0"/>
-        </a:xfrm>
-      </p:grpSpPr>
-      <p:sp>
-        <p:nvSpPr>
-          <p:cNvPr id="4" name="모서리가 둥근 직사각형 3"/>
-          <p:cNvSpPr/>
-          <p:nvPr/>
-        </p:nvSpPr>
-        <p:spPr>
-          <a:xfrm>
-            <a:off x="167272" y="157942"/>
-            <a:ext cx="5760000" cy="6480000"/>
-          </a:xfrm>
-          <a:prstGeom prst="roundRect">
-            <a:avLst/>
-          </a:prstGeom>
-          <a:noFill/>
-        </p:spPr>
-        <p:style>
-          <a:lnRef idx="2">
-            <a:schemeClr val="accent1">
-              <a:shade val="50000"/>
-            </a:schemeClr>
-          </a:lnRef>
-          <a:fillRef idx="1">
-            <a:schemeClr val="accent1"/>
-          </a:fillRef>
-          <a:effectRef idx="0">
-            <a:schemeClr val="accent1"/>
-          </a:effectRef>
-          <a:fontRef idx="minor">
-            <a:schemeClr val="lt1"/>
-          </a:fontRef>
-        </p:style>
-        <p:txBody>
-          <a:bodyPr rtlCol="0" anchor="t" anchorCtr="0"/>
-          <a:lstStyle/>
-          <a:p>
-            <a:pPr algn="ctr"/>
-            <a:r>
-              <a:rPr lang="en-US" altLang="ko-KR" dirty="0" smtClean="0">
-                <a:solidFill>
-                  <a:schemeClr val="tx1"/>
-                </a:solidFill>
-              </a:rPr>
-              <a:t>RC Car</a:t>
-            </a:r>
-            <a:endParaRPr lang="ko-KR" altLang="en-US" dirty="0">
-              <a:solidFill>
-                <a:schemeClr val="tx1"/>
-              </a:solidFill>
-            </a:endParaRPr>
-          </a:p>
-        </p:txBody>
-      </p:sp>
-      <p:sp>
-        <p:nvSpPr>
-          <p:cNvPr id="5" name="모서리가 둥근 직사각형 4"/>
-          <p:cNvSpPr/>
-          <p:nvPr/>
-        </p:nvSpPr>
-        <p:spPr>
-          <a:xfrm>
-            <a:off x="6258465" y="157942"/>
-            <a:ext cx="5760000" cy="6480000"/>
-          </a:xfrm>
-          <a:prstGeom prst="roundRect">
-            <a:avLst/>
-          </a:prstGeom>
-          <a:noFill/>
-        </p:spPr>
-        <p:style>
-          <a:lnRef idx="2">
-            <a:schemeClr val="accent1">
-              <a:shade val="50000"/>
-            </a:schemeClr>
-          </a:lnRef>
-          <a:fillRef idx="1">
-            <a:schemeClr val="accent1"/>
-          </a:fillRef>
-          <a:effectRef idx="0">
-            <a:schemeClr val="accent1"/>
-          </a:effectRef>
-          <a:fontRef idx="minor">
-            <a:schemeClr val="lt1"/>
-          </a:fontRef>
-        </p:style>
-        <p:txBody>
-          <a:bodyPr rtlCol="0" anchor="t" anchorCtr="0"/>
-          <a:lstStyle/>
-          <a:p>
-            <a:pPr algn="ctr"/>
-            <a:r>
-              <a:rPr lang="en-US" altLang="ko-KR" dirty="0" smtClean="0">
-                <a:solidFill>
-                  <a:schemeClr val="tx1"/>
-                </a:solidFill>
-              </a:rPr>
-              <a:t>Server</a:t>
-            </a:r>
-            <a:endParaRPr lang="ko-KR" altLang="en-US" dirty="0">
-              <a:solidFill>
-                <a:schemeClr val="tx1"/>
-              </a:solidFill>
-            </a:endParaRPr>
-          </a:p>
-        </p:txBody>
-      </p:sp>
-      <p:sp>
-        <p:nvSpPr>
-          <p:cNvPr id="6" name="직사각형 5"/>
-          <p:cNvSpPr/>
-          <p:nvPr/>
-        </p:nvSpPr>
-        <p:spPr>
-          <a:xfrm>
-            <a:off x="2327272" y="1054359"/>
-            <a:ext cx="1440000" cy="720000"/>
-          </a:xfrm>
-          <a:prstGeom prst="rect">
-            <a:avLst/>
-          </a:prstGeom>
-          <a:noFill/>
-        </p:spPr>
-        <p:style>
-          <a:lnRef idx="2">
-            <a:schemeClr val="accent1">
-              <a:shade val="50000"/>
-            </a:schemeClr>
-          </a:lnRef>
-          <a:fillRef idx="1">
-            <a:schemeClr val="accent1"/>
-          </a:fillRef>
-          <a:effectRef idx="0">
-            <a:schemeClr val="accent1"/>
-          </a:effectRef>
-          <a:fontRef idx="minor">
-            <a:schemeClr val="lt1"/>
-          </a:fontRef>
-        </p:style>
-        <p:txBody>
-          <a:bodyPr rtlCol="0" anchor="ctr"/>
-          <a:lstStyle/>
-          <a:p>
-            <a:pPr algn="ctr"/>
-            <a:r>
-              <a:rPr lang="en-US" altLang="ko-KR" dirty="0" smtClean="0">
-                <a:solidFill>
-                  <a:schemeClr val="tx1"/>
-                </a:solidFill>
-              </a:rPr>
-              <a:t>Video Data Input</a:t>
-            </a:r>
-            <a:endParaRPr lang="ko-KR" altLang="en-US" dirty="0">
-              <a:solidFill>
-                <a:schemeClr val="tx1"/>
-              </a:solidFill>
-            </a:endParaRPr>
-          </a:p>
-        </p:txBody>
-      </p:sp>
-      <p:sp>
-        <p:nvSpPr>
-          <p:cNvPr id="7" name="직사각형 6"/>
-          <p:cNvSpPr/>
-          <p:nvPr/>
-        </p:nvSpPr>
-        <p:spPr>
-          <a:xfrm>
-            <a:off x="8418465" y="1054359"/>
-            <a:ext cx="1440000" cy="720000"/>
-          </a:xfrm>
-          <a:prstGeom prst="rect">
-            <a:avLst/>
-          </a:prstGeom>
-          <a:noFill/>
-        </p:spPr>
-        <p:style>
-          <a:lnRef idx="2">
-            <a:schemeClr val="accent1">
-              <a:shade val="50000"/>
-            </a:schemeClr>
-          </a:lnRef>
-          <a:fillRef idx="1">
-            <a:schemeClr val="accent1"/>
-          </a:fillRef>
-          <a:effectRef idx="0">
-            <a:schemeClr val="accent1"/>
-          </a:effectRef>
-          <a:fontRef idx="minor">
-            <a:schemeClr val="lt1"/>
-          </a:fontRef>
-        </p:style>
-        <p:txBody>
-          <a:bodyPr rtlCol="0" anchor="ctr"/>
-          <a:lstStyle/>
-          <a:p>
-            <a:pPr algn="ctr"/>
-            <a:r>
-              <a:rPr lang="en-US" altLang="ko-KR" dirty="0" smtClean="0">
-                <a:solidFill>
-                  <a:schemeClr val="tx1"/>
-                </a:solidFill>
-              </a:rPr>
-              <a:t>CNN</a:t>
-            </a:r>
-            <a:endParaRPr lang="ko-KR" altLang="en-US" dirty="0">
-              <a:solidFill>
-                <a:schemeClr val="tx1"/>
-              </a:solidFill>
-            </a:endParaRPr>
-          </a:p>
-        </p:txBody>
-      </p:sp>
-      <p:sp>
-        <p:nvSpPr>
-          <p:cNvPr id="8" name="직사각형 7"/>
-          <p:cNvSpPr/>
-          <p:nvPr/>
-        </p:nvSpPr>
-        <p:spPr>
-          <a:xfrm>
-            <a:off x="8418465" y="2383373"/>
-            <a:ext cx="1440000" cy="720000"/>
-          </a:xfrm>
-          <a:prstGeom prst="rect">
-            <a:avLst/>
-          </a:prstGeom>
-          <a:noFill/>
-        </p:spPr>
-        <p:style>
-          <a:lnRef idx="2">
-            <a:schemeClr val="accent1">
-              <a:shade val="50000"/>
-            </a:schemeClr>
-          </a:lnRef>
-          <a:fillRef idx="1">
-            <a:schemeClr val="accent1"/>
-          </a:fillRef>
-          <a:effectRef idx="0">
-            <a:schemeClr val="accent1"/>
-          </a:effectRef>
-          <a:fontRef idx="minor">
-            <a:schemeClr val="lt1"/>
-          </a:fontRef>
-        </p:style>
-        <p:txBody>
-          <a:bodyPr rtlCol="0" anchor="ctr"/>
-          <a:lstStyle/>
-          <a:p>
-            <a:pPr algn="ctr"/>
-            <a:r>
-              <a:rPr lang="en-US" altLang="ko-KR" dirty="0" err="1" smtClean="0">
-                <a:solidFill>
-                  <a:schemeClr val="tx1"/>
-                </a:solidFill>
-              </a:rPr>
-              <a:t>ReLU</a:t>
-            </a:r>
-            <a:endParaRPr lang="ko-KR" altLang="en-US" dirty="0">
-              <a:solidFill>
-                <a:schemeClr val="tx1"/>
-              </a:solidFill>
-            </a:endParaRPr>
-          </a:p>
-        </p:txBody>
-      </p:sp>
-      <p:sp>
-        <p:nvSpPr>
-          <p:cNvPr id="9" name="직사각형 8"/>
-          <p:cNvSpPr/>
-          <p:nvPr/>
-        </p:nvSpPr>
-        <p:spPr>
-          <a:xfrm>
-            <a:off x="8418465" y="3688186"/>
-            <a:ext cx="1440000" cy="720000"/>
-          </a:xfrm>
-          <a:prstGeom prst="rect">
-            <a:avLst/>
-          </a:prstGeom>
-          <a:noFill/>
-        </p:spPr>
-        <p:style>
-          <a:lnRef idx="2">
-            <a:schemeClr val="accent1">
-              <a:shade val="50000"/>
-            </a:schemeClr>
-          </a:lnRef>
-          <a:fillRef idx="1">
-            <a:schemeClr val="accent1"/>
-          </a:fillRef>
-          <a:effectRef idx="0">
-            <a:schemeClr val="accent1"/>
-          </a:effectRef>
-          <a:fontRef idx="minor">
-            <a:schemeClr val="lt1"/>
-          </a:fontRef>
-        </p:style>
-        <p:txBody>
-          <a:bodyPr rtlCol="0" anchor="ctr"/>
-          <a:lstStyle/>
-          <a:p>
-            <a:pPr algn="ctr"/>
-            <a:r>
-              <a:rPr lang="en-US" altLang="ko-KR" dirty="0" smtClean="0">
-                <a:solidFill>
-                  <a:schemeClr val="tx1"/>
-                </a:solidFill>
-              </a:rPr>
-              <a:t>FC</a:t>
-            </a:r>
-            <a:endParaRPr lang="ko-KR" altLang="en-US" dirty="0">
-              <a:solidFill>
-                <a:schemeClr val="tx1"/>
-              </a:solidFill>
-            </a:endParaRPr>
-          </a:p>
-        </p:txBody>
-      </p:sp>
-      <p:sp>
-        <p:nvSpPr>
-          <p:cNvPr id="10" name="직사각형 9"/>
-          <p:cNvSpPr/>
-          <p:nvPr/>
-        </p:nvSpPr>
-        <p:spPr>
-          <a:xfrm>
-            <a:off x="8418465" y="5017200"/>
-            <a:ext cx="1440000" cy="720000"/>
-          </a:xfrm>
-          <a:prstGeom prst="rect">
-            <a:avLst/>
-          </a:prstGeom>
-          <a:noFill/>
-        </p:spPr>
-        <p:style>
-          <a:lnRef idx="2">
-            <a:schemeClr val="accent1">
-              <a:shade val="50000"/>
-            </a:schemeClr>
-          </a:lnRef>
-          <a:fillRef idx="1">
-            <a:schemeClr val="accent1"/>
-          </a:fillRef>
-          <a:effectRef idx="0">
-            <a:schemeClr val="accent1"/>
-          </a:effectRef>
-          <a:fontRef idx="minor">
-            <a:schemeClr val="lt1"/>
-          </a:fontRef>
-        </p:style>
-        <p:txBody>
-          <a:bodyPr rtlCol="0" anchor="ctr"/>
-          <a:lstStyle/>
-          <a:p>
-            <a:pPr algn="ctr"/>
-            <a:r>
-              <a:rPr lang="en-US" altLang="ko-KR" dirty="0" smtClean="0">
-                <a:solidFill>
-                  <a:schemeClr val="tx1"/>
-                </a:solidFill>
-              </a:rPr>
-              <a:t>RNN</a:t>
-            </a:r>
-            <a:endParaRPr lang="ko-KR" altLang="en-US" dirty="0">
-              <a:solidFill>
-                <a:schemeClr val="tx1"/>
-              </a:solidFill>
-            </a:endParaRPr>
-          </a:p>
-        </p:txBody>
-      </p:sp>
-      <p:cxnSp>
-        <p:nvCxnSpPr>
-          <p:cNvPr id="3" name="직선 화살표 연결선 2"/>
-          <p:cNvCxnSpPr>
-            <a:stCxn id="6" idx="3"/>
-            <a:endCxn id="7" idx="1"/>
-          </p:cNvCxnSpPr>
-          <p:nvPr/>
-        </p:nvCxnSpPr>
-        <p:spPr>
-          <a:xfrm>
-            <a:off x="3767272" y="1414359"/>
-            <a:ext cx="4651193" cy="0"/>
-          </a:xfrm>
-          <a:prstGeom prst="straightConnector1">
-            <a:avLst/>
-          </a:prstGeom>
-          <a:ln>
-            <a:tailEnd type="triangle"/>
-          </a:ln>
-        </p:spPr>
-        <p:style>
-          <a:lnRef idx="1">
-            <a:schemeClr val="accent1"/>
-          </a:lnRef>
-          <a:fillRef idx="0">
-            <a:schemeClr val="accent1"/>
-          </a:fillRef>
-          <a:effectRef idx="0">
-            <a:schemeClr val="accent1"/>
-          </a:effectRef>
-          <a:fontRef idx="minor">
-            <a:schemeClr val="tx1"/>
-          </a:fontRef>
-        </p:style>
-      </p:cxnSp>
-      <p:cxnSp>
-        <p:nvCxnSpPr>
-          <p:cNvPr id="13" name="직선 화살표 연결선 12"/>
-          <p:cNvCxnSpPr>
-            <a:stCxn id="7" idx="2"/>
-            <a:endCxn id="8" idx="0"/>
-          </p:cNvCxnSpPr>
-          <p:nvPr/>
-        </p:nvCxnSpPr>
-        <p:spPr>
-          <a:xfrm>
-            <a:off x="9138465" y="1774359"/>
-            <a:ext cx="0" cy="609014"/>
-          </a:xfrm>
-          <a:prstGeom prst="straightConnector1">
-            <a:avLst/>
-          </a:prstGeom>
-          <a:ln>
-            <a:tailEnd type="triangle"/>
-          </a:ln>
-        </p:spPr>
-        <p:style>
-          <a:lnRef idx="1">
-            <a:schemeClr val="accent1"/>
-          </a:lnRef>
-          <a:fillRef idx="0">
-            <a:schemeClr val="accent1"/>
-          </a:fillRef>
-          <a:effectRef idx="0">
-            <a:schemeClr val="accent1"/>
-          </a:effectRef>
-          <a:fontRef idx="minor">
-            <a:schemeClr val="tx1"/>
-          </a:fontRef>
-        </p:style>
-      </p:cxnSp>
-      <p:cxnSp>
-        <p:nvCxnSpPr>
-          <p:cNvPr id="15" name="직선 화살표 연결선 14"/>
-          <p:cNvCxnSpPr>
-            <a:stCxn id="8" idx="2"/>
-            <a:endCxn id="9" idx="0"/>
-          </p:cNvCxnSpPr>
-          <p:nvPr/>
-        </p:nvCxnSpPr>
-        <p:spPr>
-          <a:xfrm>
-            <a:off x="9138465" y="3103373"/>
-            <a:ext cx="0" cy="584813"/>
-          </a:xfrm>
-          <a:prstGeom prst="straightConnector1">
-            <a:avLst/>
-          </a:prstGeom>
-          <a:ln>
-            <a:tailEnd type="triangle"/>
-          </a:ln>
-        </p:spPr>
-        <p:style>
-          <a:lnRef idx="1">
-            <a:schemeClr val="accent1"/>
-          </a:lnRef>
-          <a:fillRef idx="0">
-            <a:schemeClr val="accent1"/>
-          </a:fillRef>
-          <a:effectRef idx="0">
-            <a:schemeClr val="accent1"/>
-          </a:effectRef>
-          <a:fontRef idx="minor">
-            <a:schemeClr val="tx1"/>
-          </a:fontRef>
-        </p:style>
-      </p:cxnSp>
-      <p:cxnSp>
-        <p:nvCxnSpPr>
-          <p:cNvPr id="17" name="직선 화살표 연결선 16"/>
-          <p:cNvCxnSpPr>
-            <a:stCxn id="9" idx="2"/>
-            <a:endCxn id="10" idx="0"/>
-          </p:cNvCxnSpPr>
-          <p:nvPr/>
-        </p:nvCxnSpPr>
-        <p:spPr>
-          <a:xfrm>
-            <a:off x="9138465" y="4408186"/>
-            <a:ext cx="0" cy="609014"/>
-          </a:xfrm>
-          <a:prstGeom prst="straightConnector1">
-            <a:avLst/>
-          </a:prstGeom>
-          <a:ln>
-            <a:tailEnd type="triangle"/>
-          </a:ln>
-        </p:spPr>
-        <p:style>
-          <a:lnRef idx="1">
-            <a:schemeClr val="accent1"/>
-          </a:lnRef>
-          <a:fillRef idx="0">
-            <a:schemeClr val="accent1"/>
-          </a:fillRef>
-          <a:effectRef idx="0">
-            <a:schemeClr val="accent1"/>
-          </a:effectRef>
-          <a:fontRef idx="minor">
-            <a:schemeClr val="tx1"/>
-          </a:fontRef>
-        </p:style>
-      </p:cxnSp>
-      <p:cxnSp>
-        <p:nvCxnSpPr>
-          <p:cNvPr id="19" name="직선 화살표 연결선 18"/>
-          <p:cNvCxnSpPr>
-            <a:stCxn id="10" idx="1"/>
-            <a:endCxn id="16" idx="3"/>
-          </p:cNvCxnSpPr>
-          <p:nvPr/>
-        </p:nvCxnSpPr>
-        <p:spPr>
-          <a:xfrm flipH="1">
-            <a:off x="3767272" y="5377200"/>
-            <a:ext cx="4651193" cy="0"/>
-          </a:xfrm>
-          <a:prstGeom prst="straightConnector1">
-            <a:avLst/>
-          </a:prstGeom>
-          <a:ln>
-            <a:tailEnd type="triangle"/>
-          </a:ln>
-        </p:spPr>
-        <p:style>
-          <a:lnRef idx="1">
-            <a:schemeClr val="accent1"/>
-          </a:lnRef>
-          <a:fillRef idx="0">
-            <a:schemeClr val="accent1"/>
-          </a:fillRef>
-          <a:effectRef idx="0">
-            <a:schemeClr val="accent1"/>
-          </a:effectRef>
-          <a:fontRef idx="minor">
-            <a:schemeClr val="tx1"/>
-          </a:fontRef>
-        </p:style>
-      </p:cxnSp>
-      <p:sp>
-        <p:nvSpPr>
-          <p:cNvPr id="16" name="직사각형 15"/>
-          <p:cNvSpPr/>
-          <p:nvPr/>
-        </p:nvSpPr>
-        <p:spPr>
-          <a:xfrm>
-            <a:off x="2327272" y="5197200"/>
-            <a:ext cx="1440000" cy="360000"/>
-          </a:xfrm>
-          <a:prstGeom prst="rect">
-            <a:avLst/>
-          </a:prstGeom>
-          <a:noFill/>
-        </p:spPr>
-        <p:style>
-          <a:lnRef idx="2">
-            <a:schemeClr val="accent1">
-              <a:shade val="50000"/>
-            </a:schemeClr>
-          </a:lnRef>
-          <a:fillRef idx="1">
-            <a:schemeClr val="accent1"/>
-          </a:fillRef>
-          <a:effectRef idx="0">
-            <a:schemeClr val="accent1"/>
-          </a:effectRef>
-          <a:fontRef idx="minor">
-            <a:schemeClr val="lt1"/>
-          </a:fontRef>
-        </p:style>
-        <p:txBody>
-          <a:bodyPr rtlCol="0" anchor="ctr"/>
-          <a:lstStyle/>
-          <a:p>
-            <a:pPr algn="ctr"/>
-            <a:r>
-              <a:rPr lang="en-US" altLang="ko-KR" dirty="0" smtClean="0">
-                <a:solidFill>
-                  <a:schemeClr val="tx1"/>
-                </a:solidFill>
-              </a:rPr>
-              <a:t>Left</a:t>
-            </a:r>
-            <a:endParaRPr lang="ko-KR" altLang="en-US" dirty="0">
-              <a:solidFill>
-                <a:schemeClr val="tx1"/>
-              </a:solidFill>
-            </a:endParaRPr>
-          </a:p>
-        </p:txBody>
-      </p:sp>
-      <p:sp>
-        <p:nvSpPr>
-          <p:cNvPr id="18" name="직사각형 17"/>
-          <p:cNvSpPr/>
-          <p:nvPr/>
-        </p:nvSpPr>
-        <p:spPr>
-          <a:xfrm>
-            <a:off x="2327272" y="5653091"/>
-            <a:ext cx="1440000" cy="360000"/>
-          </a:xfrm>
-          <a:prstGeom prst="rect">
-            <a:avLst/>
-          </a:prstGeom>
-          <a:noFill/>
-        </p:spPr>
-        <p:style>
-          <a:lnRef idx="2">
-            <a:schemeClr val="accent1">
-              <a:shade val="50000"/>
-            </a:schemeClr>
-          </a:lnRef>
-          <a:fillRef idx="1">
-            <a:schemeClr val="accent1"/>
-          </a:fillRef>
-          <a:effectRef idx="0">
-            <a:schemeClr val="accent1"/>
-          </a:effectRef>
-          <a:fontRef idx="minor">
-            <a:schemeClr val="lt1"/>
-          </a:fontRef>
-        </p:style>
-        <p:txBody>
-          <a:bodyPr rtlCol="0" anchor="ctr"/>
-          <a:lstStyle/>
-          <a:p>
-            <a:pPr algn="ctr"/>
-            <a:r>
-              <a:rPr lang="en-US" altLang="ko-KR" dirty="0" smtClean="0">
-                <a:solidFill>
-                  <a:schemeClr val="tx1"/>
-                </a:solidFill>
-              </a:rPr>
-              <a:t>Right</a:t>
-            </a:r>
-            <a:endParaRPr lang="ko-KR" altLang="en-US" dirty="0">
-              <a:solidFill>
-                <a:schemeClr val="tx1"/>
-              </a:solidFill>
-            </a:endParaRPr>
-          </a:p>
-        </p:txBody>
-      </p:sp>
-      <p:sp>
-        <p:nvSpPr>
-          <p:cNvPr id="20" name="직사각형 19"/>
-          <p:cNvSpPr/>
-          <p:nvPr/>
-        </p:nvSpPr>
-        <p:spPr>
-          <a:xfrm>
-            <a:off x="2327272" y="4275544"/>
-            <a:ext cx="1440000" cy="360000"/>
-          </a:xfrm>
-          <a:prstGeom prst="rect">
-            <a:avLst/>
-          </a:prstGeom>
-          <a:noFill/>
-        </p:spPr>
-        <p:style>
-          <a:lnRef idx="2">
-            <a:schemeClr val="accent1">
-              <a:shade val="50000"/>
-            </a:schemeClr>
-          </a:lnRef>
-          <a:fillRef idx="1">
-            <a:schemeClr val="accent1"/>
-          </a:fillRef>
-          <a:effectRef idx="0">
-            <a:schemeClr val="accent1"/>
-          </a:effectRef>
-          <a:fontRef idx="minor">
-            <a:schemeClr val="lt1"/>
-          </a:fontRef>
-        </p:style>
-        <p:txBody>
-          <a:bodyPr rtlCol="0" anchor="ctr"/>
-          <a:lstStyle/>
-          <a:p>
-            <a:pPr algn="ctr"/>
-            <a:r>
-              <a:rPr lang="en-US" altLang="ko-KR" dirty="0" smtClean="0">
-                <a:solidFill>
-                  <a:schemeClr val="tx1"/>
-                </a:solidFill>
-              </a:rPr>
-              <a:t>Forward</a:t>
-            </a:r>
-            <a:endParaRPr lang="ko-KR" altLang="en-US" dirty="0">
-              <a:solidFill>
-                <a:schemeClr val="tx1"/>
-              </a:solidFill>
-            </a:endParaRPr>
-          </a:p>
-        </p:txBody>
-      </p:sp>
-      <p:sp>
-        <p:nvSpPr>
-          <p:cNvPr id="21" name="직사각형 20"/>
-          <p:cNvSpPr/>
-          <p:nvPr/>
-        </p:nvSpPr>
-        <p:spPr>
-          <a:xfrm>
-            <a:off x="2327272" y="4736372"/>
-            <a:ext cx="1440000" cy="360000"/>
-          </a:xfrm>
-          <a:prstGeom prst="rect">
-            <a:avLst/>
-          </a:prstGeom>
-          <a:noFill/>
-        </p:spPr>
-        <p:style>
-          <a:lnRef idx="2">
-            <a:schemeClr val="accent1">
-              <a:shade val="50000"/>
-            </a:schemeClr>
-          </a:lnRef>
-          <a:fillRef idx="1">
-            <a:schemeClr val="accent1"/>
-          </a:fillRef>
-          <a:effectRef idx="0">
-            <a:schemeClr val="accent1"/>
-          </a:effectRef>
-          <a:fontRef idx="minor">
-            <a:schemeClr val="lt1"/>
-          </a:fontRef>
-        </p:style>
-        <p:txBody>
-          <a:bodyPr rtlCol="0" anchor="ctr"/>
-          <a:lstStyle/>
-          <a:p>
-            <a:pPr algn="ctr"/>
-            <a:r>
-              <a:rPr lang="en-US" altLang="ko-KR" dirty="0" smtClean="0">
-                <a:solidFill>
-                  <a:schemeClr val="tx1"/>
-                </a:solidFill>
-              </a:rPr>
-              <a:t>Back</a:t>
-            </a:r>
-            <a:endParaRPr lang="ko-KR" altLang="en-US" dirty="0">
-              <a:solidFill>
-                <a:schemeClr val="tx1"/>
-              </a:solidFill>
-            </a:endParaRPr>
-          </a:p>
-        </p:txBody>
-      </p:sp>
-      <p:sp>
-        <p:nvSpPr>
-          <p:cNvPr id="22" name="직사각형 21"/>
-          <p:cNvSpPr/>
-          <p:nvPr/>
-        </p:nvSpPr>
-        <p:spPr>
-          <a:xfrm>
-            <a:off x="2327272" y="6108982"/>
-            <a:ext cx="1440000" cy="360000"/>
-          </a:xfrm>
-          <a:prstGeom prst="rect">
-            <a:avLst/>
-          </a:prstGeom>
-          <a:noFill/>
-        </p:spPr>
-        <p:style>
-          <a:lnRef idx="2">
-            <a:schemeClr val="accent1">
-              <a:shade val="50000"/>
-            </a:schemeClr>
-          </a:lnRef>
-          <a:fillRef idx="1">
-            <a:schemeClr val="accent1"/>
-          </a:fillRef>
-          <a:effectRef idx="0">
-            <a:schemeClr val="accent1"/>
-          </a:effectRef>
-          <a:fontRef idx="minor">
-            <a:schemeClr val="lt1"/>
-          </a:fontRef>
-        </p:style>
-        <p:txBody>
-          <a:bodyPr rtlCol="0" anchor="ctr"/>
-          <a:lstStyle/>
-          <a:p>
-            <a:pPr algn="ctr"/>
-            <a:r>
-              <a:rPr lang="en-US" altLang="ko-KR" dirty="0" smtClean="0">
-                <a:solidFill>
-                  <a:schemeClr val="tx1"/>
-                </a:solidFill>
-              </a:rPr>
-              <a:t>Stop</a:t>
-            </a:r>
-            <a:endParaRPr lang="ko-KR" altLang="en-US" dirty="0">
-              <a:solidFill>
-                <a:schemeClr val="tx1"/>
-              </a:solidFill>
-            </a:endParaRPr>
-          </a:p>
-        </p:txBody>
-      </p:sp>
-      <p:cxnSp>
-        <p:nvCxnSpPr>
-          <p:cNvPr id="26" name="꺾인 연결선 25"/>
-          <p:cNvCxnSpPr>
-            <a:stCxn id="10" idx="1"/>
-            <a:endCxn id="21" idx="3"/>
-          </p:cNvCxnSpPr>
-          <p:nvPr/>
-        </p:nvCxnSpPr>
-        <p:spPr>
-          <a:xfrm rot="10800000">
-            <a:off x="3767273" y="4916372"/>
-            <a:ext cx="4651193" cy="460828"/>
-          </a:xfrm>
-          <a:prstGeom prst="bentConnector3">
-            <a:avLst/>
-          </a:prstGeom>
-          <a:ln>
-            <a:tailEnd type="triangle"/>
-          </a:ln>
-        </p:spPr>
-        <p:style>
-          <a:lnRef idx="1">
-            <a:schemeClr val="accent1"/>
-          </a:lnRef>
-          <a:fillRef idx="0">
-            <a:schemeClr val="accent1"/>
-          </a:fillRef>
-          <a:effectRef idx="0">
-            <a:schemeClr val="accent1"/>
-          </a:effectRef>
-          <a:fontRef idx="minor">
-            <a:schemeClr val="tx1"/>
-          </a:fontRef>
-        </p:style>
-      </p:cxnSp>
-      <p:cxnSp>
-        <p:nvCxnSpPr>
-          <p:cNvPr id="28" name="꺾인 연결선 27"/>
-          <p:cNvCxnSpPr>
-            <a:stCxn id="10" idx="1"/>
-            <a:endCxn id="20" idx="3"/>
-          </p:cNvCxnSpPr>
-          <p:nvPr/>
-        </p:nvCxnSpPr>
-        <p:spPr>
-          <a:xfrm rot="10800000">
-            <a:off x="3767273" y="4455544"/>
-            <a:ext cx="4651193" cy="921656"/>
-          </a:xfrm>
-          <a:prstGeom prst="bentConnector3">
-            <a:avLst/>
-          </a:prstGeom>
-          <a:ln>
-            <a:tailEnd type="triangle"/>
-          </a:ln>
-        </p:spPr>
-        <p:style>
-          <a:lnRef idx="1">
-            <a:schemeClr val="accent1"/>
-          </a:lnRef>
-          <a:fillRef idx="0">
-            <a:schemeClr val="accent1"/>
-          </a:fillRef>
-          <a:effectRef idx="0">
-            <a:schemeClr val="accent1"/>
-          </a:effectRef>
-          <a:fontRef idx="minor">
-            <a:schemeClr val="tx1"/>
-          </a:fontRef>
-        </p:style>
-      </p:cxnSp>
-      <p:cxnSp>
-        <p:nvCxnSpPr>
-          <p:cNvPr id="30" name="꺾인 연결선 29"/>
-          <p:cNvCxnSpPr>
-            <a:stCxn id="10" idx="1"/>
-            <a:endCxn id="18" idx="3"/>
-          </p:cNvCxnSpPr>
-          <p:nvPr/>
-        </p:nvCxnSpPr>
-        <p:spPr>
-          <a:xfrm rot="10800000" flipV="1">
-            <a:off x="3767273" y="5377199"/>
-            <a:ext cx="4651193" cy="455891"/>
-          </a:xfrm>
-          <a:prstGeom prst="bentConnector3">
-            <a:avLst/>
-          </a:prstGeom>
-          <a:ln>
-            <a:tailEnd type="triangle"/>
-          </a:ln>
-        </p:spPr>
-        <p:style>
-          <a:lnRef idx="1">
-            <a:schemeClr val="accent1"/>
-          </a:lnRef>
-          <a:fillRef idx="0">
-            <a:schemeClr val="accent1"/>
-          </a:fillRef>
-          <a:effectRef idx="0">
-            <a:schemeClr val="accent1"/>
-          </a:effectRef>
-          <a:fontRef idx="minor">
-            <a:schemeClr val="tx1"/>
-          </a:fontRef>
-        </p:style>
-      </p:cxnSp>
-      <p:cxnSp>
-        <p:nvCxnSpPr>
-          <p:cNvPr id="32" name="꺾인 연결선 31"/>
-          <p:cNvCxnSpPr>
-            <a:stCxn id="10" idx="1"/>
-            <a:endCxn id="22" idx="3"/>
-          </p:cNvCxnSpPr>
-          <p:nvPr/>
-        </p:nvCxnSpPr>
-        <p:spPr>
-          <a:xfrm rot="10800000" flipV="1">
-            <a:off x="3767273" y="5377200"/>
-            <a:ext cx="4651193" cy="911782"/>
-          </a:xfrm>
-          <a:prstGeom prst="bentConnector3">
-            <a:avLst/>
-          </a:prstGeom>
-          <a:ln>
-            <a:tailEnd type="triangle"/>
-          </a:ln>
-        </p:spPr>
-        <p:style>
-          <a:lnRef idx="1">
-            <a:schemeClr val="accent1"/>
-          </a:lnRef>
-          <a:fillRef idx="0">
-            <a:schemeClr val="accent1"/>
-          </a:fillRef>
-          <a:effectRef idx="0">
-            <a:schemeClr val="accent1"/>
-          </a:effectRef>
-          <a:fontRef idx="minor">
-            <a:schemeClr val="tx1"/>
-          </a:fontRef>
-        </p:style>
-      </p:cxnSp>
-      <p:sp>
-        <p:nvSpPr>
-          <p:cNvPr id="38" name="직사각형 37"/>
-          <p:cNvSpPr/>
-          <p:nvPr/>
-        </p:nvSpPr>
-        <p:spPr>
-          <a:xfrm>
-            <a:off x="556079" y="4837200"/>
-            <a:ext cx="1440000" cy="720000"/>
-          </a:xfrm>
-          <a:prstGeom prst="rect">
-            <a:avLst/>
-          </a:prstGeom>
-          <a:noFill/>
-        </p:spPr>
-        <p:style>
-          <a:lnRef idx="2">
-            <a:schemeClr val="accent1">
-              <a:shade val="50000"/>
-            </a:schemeClr>
-          </a:lnRef>
-          <a:fillRef idx="1">
-            <a:schemeClr val="accent1"/>
-          </a:fillRef>
-          <a:effectRef idx="0">
-            <a:schemeClr val="accent1"/>
-          </a:effectRef>
-          <a:fontRef idx="minor">
-            <a:schemeClr val="lt1"/>
-          </a:fontRef>
-        </p:style>
-        <p:txBody>
-          <a:bodyPr rtlCol="0" anchor="ctr"/>
-          <a:lstStyle/>
-          <a:p>
-            <a:pPr algn="ctr"/>
-            <a:r>
-              <a:rPr lang="en-US" altLang="ko-KR" dirty="0" smtClean="0">
-                <a:solidFill>
-                  <a:schemeClr val="tx1"/>
-                </a:solidFill>
-              </a:rPr>
-              <a:t>Short Beep Two Times</a:t>
-            </a:r>
-            <a:endParaRPr lang="ko-KR" altLang="en-US" dirty="0">
-              <a:solidFill>
-                <a:schemeClr val="tx1"/>
-              </a:solidFill>
-            </a:endParaRPr>
-          </a:p>
-        </p:txBody>
-      </p:sp>
-      <p:sp>
-        <p:nvSpPr>
-          <p:cNvPr id="39" name="직사각형 38"/>
-          <p:cNvSpPr/>
-          <p:nvPr/>
-        </p:nvSpPr>
-        <p:spPr>
-          <a:xfrm>
-            <a:off x="556079" y="5653091"/>
-            <a:ext cx="1440000" cy="720000"/>
-          </a:xfrm>
-          <a:prstGeom prst="rect">
-            <a:avLst/>
-          </a:prstGeom>
-          <a:noFill/>
-        </p:spPr>
-        <p:style>
-          <a:lnRef idx="2">
-            <a:schemeClr val="accent1">
-              <a:shade val="50000"/>
-            </a:schemeClr>
-          </a:lnRef>
-          <a:fillRef idx="1">
-            <a:schemeClr val="accent1"/>
-          </a:fillRef>
-          <a:effectRef idx="0">
-            <a:schemeClr val="accent1"/>
-          </a:effectRef>
-          <a:fontRef idx="minor">
-            <a:schemeClr val="lt1"/>
-          </a:fontRef>
-        </p:style>
-        <p:txBody>
-          <a:bodyPr rtlCol="0" anchor="ctr"/>
-          <a:lstStyle/>
-          <a:p>
-            <a:pPr algn="ctr"/>
-            <a:r>
-              <a:rPr lang="en-US" altLang="ko-KR" dirty="0" smtClean="0">
-                <a:solidFill>
-                  <a:schemeClr val="tx1"/>
-                </a:solidFill>
-              </a:rPr>
-              <a:t>Long Beep Two Times</a:t>
-            </a:r>
-            <a:endParaRPr lang="ko-KR" altLang="en-US" dirty="0">
-              <a:solidFill>
-                <a:schemeClr val="tx1"/>
-              </a:solidFill>
-            </a:endParaRPr>
-          </a:p>
-        </p:txBody>
-      </p:sp>
-      <p:cxnSp>
-        <p:nvCxnSpPr>
-          <p:cNvPr id="41" name="꺾인 연결선 40"/>
-          <p:cNvCxnSpPr>
-            <a:stCxn id="16" idx="1"/>
-            <a:endCxn id="38" idx="3"/>
-          </p:cNvCxnSpPr>
-          <p:nvPr/>
-        </p:nvCxnSpPr>
-        <p:spPr>
-          <a:xfrm rot="10800000">
-            <a:off x="1996080" y="5197200"/>
-            <a:ext cx="331193" cy="180000"/>
-          </a:xfrm>
-          <a:prstGeom prst="bentConnector3">
-            <a:avLst/>
-          </a:prstGeom>
-          <a:ln>
-            <a:tailEnd type="triangle"/>
-          </a:ln>
-        </p:spPr>
-        <p:style>
-          <a:lnRef idx="1">
-            <a:schemeClr val="accent1"/>
-          </a:lnRef>
-          <a:fillRef idx="0">
-            <a:schemeClr val="accent1"/>
-          </a:fillRef>
-          <a:effectRef idx="0">
-            <a:schemeClr val="accent1"/>
-          </a:effectRef>
-          <a:fontRef idx="minor">
-            <a:schemeClr val="tx1"/>
-          </a:fontRef>
-        </p:style>
-      </p:cxnSp>
-      <p:cxnSp>
-        <p:nvCxnSpPr>
-          <p:cNvPr id="43" name="꺾인 연결선 42"/>
-          <p:cNvCxnSpPr>
-            <a:stCxn id="18" idx="1"/>
-            <a:endCxn id="39" idx="3"/>
-          </p:cNvCxnSpPr>
-          <p:nvPr/>
-        </p:nvCxnSpPr>
-        <p:spPr>
-          <a:xfrm rot="10800000" flipV="1">
-            <a:off x="1996080" y="5833091"/>
-            <a:ext cx="331193" cy="180000"/>
-          </a:xfrm>
-          <a:prstGeom prst="bentConnector3">
-            <a:avLst/>
-          </a:prstGeom>
-          <a:ln>
-            <a:tailEnd type="triangle"/>
-          </a:ln>
-        </p:spPr>
-        <p:style>
-          <a:lnRef idx="1">
-            <a:schemeClr val="accent1"/>
-          </a:lnRef>
-          <a:fillRef idx="0">
-            <a:schemeClr val="accent1"/>
-          </a:fillRef>
-          <a:effectRef idx="0">
-            <a:schemeClr val="accent1"/>
-          </a:effectRef>
-          <a:fontRef idx="minor">
-            <a:schemeClr val="tx1"/>
-          </a:fontRef>
-        </p:style>
-      </p:cxnSp>
-      <p:sp>
-        <p:nvSpPr>
-          <p:cNvPr id="45" name="직사각형 44"/>
-          <p:cNvSpPr/>
-          <p:nvPr/>
-        </p:nvSpPr>
-        <p:spPr>
-          <a:xfrm>
-            <a:off x="2327272" y="2585780"/>
-            <a:ext cx="1440000" cy="720000"/>
-          </a:xfrm>
-          <a:prstGeom prst="rect">
-            <a:avLst/>
-          </a:prstGeom>
-          <a:noFill/>
-        </p:spPr>
-        <p:style>
-          <a:lnRef idx="2">
-            <a:schemeClr val="accent1">
-              <a:shade val="50000"/>
-            </a:schemeClr>
-          </a:lnRef>
-          <a:fillRef idx="1">
-            <a:schemeClr val="accent1"/>
-          </a:fillRef>
-          <a:effectRef idx="0">
-            <a:schemeClr val="accent1"/>
-          </a:effectRef>
-          <a:fontRef idx="minor">
-            <a:schemeClr val="lt1"/>
-          </a:fontRef>
-        </p:style>
-        <p:txBody>
-          <a:bodyPr rtlCol="0" anchor="ctr"/>
-          <a:lstStyle/>
-          <a:p>
-            <a:pPr algn="ctr"/>
-            <a:r>
-              <a:rPr lang="en-US" altLang="ko-KR" dirty="0" smtClean="0">
-                <a:solidFill>
-                  <a:schemeClr val="tx1"/>
-                </a:solidFill>
-              </a:rPr>
-              <a:t>Beep While Driving</a:t>
-            </a:r>
-            <a:endParaRPr lang="ko-KR" altLang="en-US" dirty="0">
-              <a:solidFill>
-                <a:schemeClr val="tx1"/>
-              </a:solidFill>
-            </a:endParaRPr>
-          </a:p>
-        </p:txBody>
-      </p:sp>
-    </p:spTree>
-    <p:extLst>
-      <p:ext uri="{BB962C8B-B14F-4D97-AF65-F5344CB8AC3E}">
-        <p14:creationId xmlns:p14="http://schemas.microsoft.com/office/powerpoint/2010/main" val="60269919"/>
-      </p:ext>
-    </p:extLst>
-  </p:cSld>
-  <p:clrMapOvr>
-    <a:masterClrMapping/>
-  </p:clrMapOvr>
+  <mc:AlternateContent xmlns:mc="http://schemas.openxmlformats.org/markup-compatibility/2006">
+    <mc:Choice xmlns:p14="http://schemas.microsoft.com/office/powerpoint/2010/main" Requires="p14">
+      <p:transition spd="slow" p14:dur="2000"/>
+    </mc:Choice>
+    <mc:Fallback>
+      <p:transition spd="slow"/>
+    </mc:Fallback>
+  </mc:AlternateContent>
   <p:timing>
     <p:tnLst>
       <p:par>
@@ -15019,7 +15145,7 @@
 </file>
 
 <file path=ppt/slides/slide25.xml><?xml version="1.0" encoding="utf-8"?>
-<p:sld xmlns:a="http://schemas.openxmlformats.org/drawingml/2006/main" xmlns:r="http://schemas.openxmlformats.org/officeDocument/2006/relationships" xmlns:p="http://schemas.openxmlformats.org/presentationml/2006/main" show="0">
+<p:sld xmlns:a="http://schemas.openxmlformats.org/drawingml/2006/main" xmlns:r="http://schemas.openxmlformats.org/officeDocument/2006/relationships" xmlns:p="http://schemas.openxmlformats.org/presentationml/2006/main">
   <p:cSld>
     <p:spTree>
       <p:nvGrpSpPr>
@@ -15766,11 +15892,11 @@
   <p:clrMapOvr>
     <a:masterClrMapping/>
   </p:clrMapOvr>
-  <mc:AlternateContent xmlns:mc="http://schemas.openxmlformats.org/markup-compatibility/2006" xmlns:p14="http://schemas.microsoft.com/office/powerpoint/2010/main">
-    <mc:Choice Requires="p14">
+  <mc:AlternateContent xmlns:mc="http://schemas.openxmlformats.org/markup-compatibility/2006">
+    <mc:Choice xmlns:p14="http://schemas.microsoft.com/office/powerpoint/2010/main" Requires="p14">
       <p:transition spd="slow" p14:dur="2000"/>
     </mc:Choice>
-    <mc:Fallback xmlns="">
+    <mc:Fallback>
       <p:transition spd="slow"/>
     </mc:Fallback>
   </mc:AlternateContent>
@@ -15785,7 +15911,7 @@
 </file>
 
 <file path=ppt/slides/slide26.xml><?xml version="1.0" encoding="utf-8"?>
-<p:sld xmlns:a="http://schemas.openxmlformats.org/drawingml/2006/main" xmlns:r="http://schemas.openxmlformats.org/officeDocument/2006/relationships" xmlns:p="http://schemas.openxmlformats.org/presentationml/2006/main" show="0">
+<p:sld xmlns:a="http://schemas.openxmlformats.org/drawingml/2006/main" xmlns:r="http://schemas.openxmlformats.org/officeDocument/2006/relationships" xmlns:p="http://schemas.openxmlformats.org/presentationml/2006/main">
   <p:cSld>
     <p:spTree>
       <p:nvGrpSpPr>
@@ -16084,7 +16210,7 @@
           </p:spPr>
           <p:txBody>
             <a:bodyPr wrap="square" lIns="38100" tIns="38100" rIns="38100" bIns="38100" numCol="1" anchor="t">
-              <a:normAutofit/>
+              <a:normAutofit fontScale="85000" lnSpcReduction="10000"/>
             </a:bodyPr>
             <a:lstStyle>
               <a:lvl1pPr algn="l">
@@ -16101,13 +16227,13 @@
             </a:lstStyle>
             <a:p>
               <a:r>
-                <a:rPr lang="ko-KR" altLang="en-US" sz="2000" dirty="0" smtClean="0">
+                <a:rPr lang="en-US" altLang="ko-KR" sz="2000" dirty="0">
                   <a:latin typeface="나눔스퀘어 Bold" panose="020B0600000101010101" pitchFamily="50" charset="-127"/>
                   <a:ea typeface="나눔스퀘어 Bold" panose="020B0600000101010101" pitchFamily="50" charset="-127"/>
                 </a:rPr>
-                <a:t>얘랑 통신</a:t>
+                <a:t>Receiving Camera Data</a:t>
               </a:r>
-              <a:endParaRPr sz="2000" dirty="0">
+              <a:endParaRPr lang="en-US" altLang="ko-KR" sz="2000" dirty="0">
                 <a:latin typeface="나눔스퀘어 Bold" panose="020B0600000101010101" pitchFamily="50" charset="-127"/>
                 <a:ea typeface="나눔스퀘어 Bold" panose="020B0600000101010101" pitchFamily="50" charset="-127"/>
               </a:endParaRPr>
@@ -16152,13 +16278,24 @@
                 </a:lnSpc>
               </a:pPr>
               <a:r>
-                <a:rPr lang="ko-KR" altLang="en-US" sz="1200" dirty="0" smtClean="0">
+                <a:rPr lang="en-US" altLang="ko-KR" sz="1400" dirty="0">
                   <a:latin typeface="나눔고딕 Light" pitchFamily="50" charset="-127"/>
-                  <a:ea typeface="나눔고딕 Light" pitchFamily="50" charset="-127"/>
                 </a:rPr>
-                <a:t>여기에 내용을 입력해주세요 여기에 내용을 입력해주세요</a:t>
+                <a:t>The server PC receives camera data </a:t>
               </a:r>
-              <a:endParaRPr sz="1200" dirty="0">
+              <a:r>
+                <a:rPr lang="en-US" altLang="ko-KR" sz="1400" dirty="0" smtClean="0">
+                  <a:latin typeface="나눔고딕 Light" pitchFamily="50" charset="-127"/>
+                </a:rPr>
+                <a:t>from </a:t>
+              </a:r>
+              <a:r>
+                <a:rPr lang="en-US" altLang="ko-KR" sz="1400" dirty="0">
+                  <a:latin typeface="나눔고딕 Light" pitchFamily="50" charset="-127"/>
+                </a:rPr>
+                <a:t>Raspberry Pi via network </a:t>
+              </a:r>
+              <a:endParaRPr lang="en-US" altLang="ko-KR" sz="1400" dirty="0">
                 <a:latin typeface="나눔고딕 Light" pitchFamily="50" charset="-127"/>
               </a:endParaRPr>
             </a:p>
@@ -16400,11 +16537,11 @@
             </a:lstStyle>
             <a:p>
               <a:r>
-                <a:rPr lang="ko-KR" altLang="en-US" sz="2000" dirty="0" smtClean="0">
+                <a:rPr lang="en-US" altLang="ko-KR" sz="2000" dirty="0" smtClean="0">
                   <a:latin typeface="나눔스퀘어 Bold" panose="020B0600000101010101" pitchFamily="50" charset="-127"/>
                   <a:ea typeface="나눔스퀘어 Bold" panose="020B0600000101010101" pitchFamily="50" charset="-127"/>
                 </a:rPr>
-                <a:t>여기랑 통신</a:t>
+                <a:t>Network Socket</a:t>
               </a:r>
               <a:endParaRPr sz="2000" dirty="0">
                 <a:latin typeface="나눔스퀘어 Bold" panose="020B0600000101010101" pitchFamily="50" charset="-127"/>
@@ -16441,7 +16578,7 @@
           </p:spPr>
           <p:txBody>
             <a:bodyPr wrap="square" lIns="38100" tIns="38100" rIns="38100" bIns="38100" numCol="1" anchor="t">
-              <a:normAutofit/>
+              <a:noAutofit/>
             </a:bodyPr>
             <a:lstStyle/>
             <a:p>
@@ -16451,13 +16588,12 @@
                 </a:lnSpc>
               </a:pPr>
               <a:r>
-                <a:rPr lang="ko-KR" altLang="en-US" sz="1200" dirty="0" smtClean="0">
+                <a:rPr lang="en-US" sz="1400" dirty="0" smtClean="0">
                   <a:latin typeface="나눔고딕 Light" pitchFamily="50" charset="-127"/>
-                  <a:ea typeface="나눔고딕 Light" pitchFamily="50" charset="-127"/>
                 </a:rPr>
-                <a:t>여기에 내용을 입력해주세요 여기에 내용을 입력해주세요</a:t>
+                <a:t>We used network sockets on Python for the communication between the server PC and Raspberry Pi</a:t>
               </a:r>
-              <a:endParaRPr sz="1200" dirty="0">
+              <a:endParaRPr sz="1400" dirty="0">
                 <a:latin typeface="나눔고딕 Light" pitchFamily="50" charset="-127"/>
               </a:endParaRPr>
             </a:p>
@@ -16650,14 +16786,9 @@
   <p:clrMapOvr>
     <a:masterClrMapping/>
   </p:clrMapOvr>
-  <mc:AlternateContent xmlns:mc="http://schemas.openxmlformats.org/markup-compatibility/2006" xmlns:p14="http://schemas.microsoft.com/office/powerpoint/2010/main">
-    <mc:Choice Requires="p14">
-      <p:transition spd="slow" p14:dur="2000"/>
-    </mc:Choice>
-    <mc:Fallback xmlns="">
-      <p:transition spd="slow"/>
-    </mc:Fallback>
-  </mc:AlternateContent>
+  <p:transition spd="slow">
+    <p:push dir="u"/>
+  </p:transition>
   <p:timing>
     <p:tnLst>
       <p:par>
@@ -16669,7 +16800,7 @@
 </file>
 
 <file path=ppt/slides/slide27.xml><?xml version="1.0" encoding="utf-8"?>
-<p:sld xmlns:a="http://schemas.openxmlformats.org/drawingml/2006/main" xmlns:r="http://schemas.openxmlformats.org/officeDocument/2006/relationships" xmlns:p="http://schemas.openxmlformats.org/presentationml/2006/main" show="0">
+<p:sld xmlns:a="http://schemas.openxmlformats.org/drawingml/2006/main" xmlns:r="http://schemas.openxmlformats.org/officeDocument/2006/relationships" xmlns:p="http://schemas.openxmlformats.org/presentationml/2006/main">
   <p:cSld>
     <p:spTree>
       <p:nvGrpSpPr>
@@ -16751,7 +16882,7 @@
         </p:nvSpPr>
         <p:spPr>
           <a:xfrm>
-            <a:off x="3642134" y="-224143"/>
+            <a:off x="3616008" y="-224143"/>
             <a:ext cx="2301466" cy="7109254"/>
           </a:xfrm>
           <a:custGeom>
@@ -16968,7 +17099,7 @@
           </p:spPr>
           <p:txBody>
             <a:bodyPr wrap="square" lIns="38100" tIns="38100" rIns="38100" bIns="38100" numCol="1" anchor="t">
-              <a:normAutofit fontScale="85000" lnSpcReduction="10000"/>
+              <a:normAutofit/>
             </a:bodyPr>
             <a:lstStyle>
               <a:lvl1pPr algn="l">
@@ -16985,11 +17116,11 @@
             </a:lstStyle>
             <a:p>
               <a:r>
-                <a:rPr lang="ko-KR" altLang="en-US" sz="2000" dirty="0" smtClean="0">
+                <a:rPr lang="en-US" altLang="ko-KR" sz="2000" dirty="0" smtClean="0">
                   <a:latin typeface="나눔스퀘어 Bold" panose="020B0600000101010101" pitchFamily="50" charset="-127"/>
                   <a:ea typeface="나눔스퀘어 Bold" panose="020B0600000101010101" pitchFamily="50" charset="-127"/>
                 </a:rPr>
-                <a:t>타이틀을 입력해주세요</a:t>
+                <a:t>Steering</a:t>
               </a:r>
               <a:endParaRPr sz="2000" dirty="0">
                 <a:latin typeface="나눔스퀘어 Bold" panose="020B0600000101010101" pitchFamily="50" charset="-127"/>
@@ -17026,7 +17157,7 @@
           </p:spPr>
           <p:txBody>
             <a:bodyPr wrap="square" lIns="38100" tIns="38100" rIns="38100" bIns="38100" numCol="1" anchor="t">
-              <a:normAutofit/>
+              <a:noAutofit/>
             </a:bodyPr>
             <a:lstStyle/>
             <a:p>
@@ -17036,13 +17167,13 @@
                 </a:lnSpc>
               </a:pPr>
               <a:r>
-                <a:rPr lang="ko-KR" altLang="en-US" sz="1200" dirty="0" smtClean="0">
+                <a:rPr lang="en-US" sz="1400" dirty="0" smtClean="0">
                   <a:latin typeface="나눔고딕 Light" pitchFamily="50" charset="-127"/>
                   <a:ea typeface="나눔고딕 Light" pitchFamily="50" charset="-127"/>
                 </a:rPr>
-                <a:t>여기에 내용을 입력해주세요 여기에 내용을 입력해주세요</a:t>
+                <a:t>Raspberry Pi receives the direction data from the server PC, and it autonomously steers the motors</a:t>
               </a:r>
-              <a:endParaRPr sz="1200" dirty="0">
+              <a:endParaRPr sz="1400" dirty="0">
                 <a:latin typeface="나눔고딕 Light" pitchFamily="50" charset="-127"/>
               </a:endParaRPr>
             </a:p>
@@ -17267,7 +17398,7 @@
           </p:spPr>
           <p:txBody>
             <a:bodyPr wrap="square" lIns="38100" tIns="38100" rIns="38100" bIns="38100" numCol="1" anchor="t">
-              <a:normAutofit fontScale="85000" lnSpcReduction="10000"/>
+              <a:normAutofit/>
             </a:bodyPr>
             <a:lstStyle>
               <a:lvl1pPr algn="l">
@@ -17284,13 +17415,13 @@
             </a:lstStyle>
             <a:p>
               <a:r>
-                <a:rPr lang="ko-KR" altLang="en-US" sz="2000" dirty="0" smtClean="0">
+                <a:rPr lang="en-US" altLang="ko-KR" sz="2000" dirty="0">
                   <a:latin typeface="나눔스퀘어 Bold" panose="020B0600000101010101" pitchFamily="50" charset="-127"/>
                   <a:ea typeface="나눔스퀘어 Bold" panose="020B0600000101010101" pitchFamily="50" charset="-127"/>
                 </a:rPr>
-                <a:t>타이틀을 입력해주세요</a:t>
+                <a:t>Neural Network</a:t>
               </a:r>
-              <a:endParaRPr sz="2000" dirty="0">
+              <a:endParaRPr lang="en-US" altLang="ko-KR" sz="2000" dirty="0">
                 <a:latin typeface="나눔스퀘어 Bold" panose="020B0600000101010101" pitchFamily="50" charset="-127"/>
                 <a:ea typeface="나눔스퀘어 Bold" panose="020B0600000101010101" pitchFamily="50" charset="-127"/>
               </a:endParaRPr>
@@ -17325,7 +17456,7 @@
           </p:spPr>
           <p:txBody>
             <a:bodyPr wrap="square" lIns="38100" tIns="38100" rIns="38100" bIns="38100" numCol="1" anchor="t">
-              <a:normAutofit/>
+              <a:noAutofit/>
             </a:bodyPr>
             <a:lstStyle/>
             <a:p>
@@ -17335,13 +17466,12 @@
                 </a:lnSpc>
               </a:pPr>
               <a:r>
-                <a:rPr lang="ko-KR" altLang="en-US" sz="1200" dirty="0" smtClean="0">
+                <a:rPr lang="en-US" altLang="ko-KR" sz="1400" dirty="0">
                   <a:latin typeface="나눔고딕 Light" pitchFamily="50" charset="-127"/>
-                  <a:ea typeface="나눔고딕 Light" pitchFamily="50" charset="-127"/>
                 </a:rPr>
-                <a:t>여기에 내용을 입력해주세요 여기에 내용을 입력해주세요</a:t>
+                <a:t>The server pc runs some neural networks to determine the direction</a:t>
               </a:r>
-              <a:endParaRPr sz="1200" dirty="0">
+              <a:endParaRPr lang="en-US" altLang="ko-KR" sz="1400" dirty="0">
                 <a:latin typeface="나눔고딕 Light" pitchFamily="50" charset="-127"/>
               </a:endParaRPr>
             </a:p>
@@ -17534,14 +17664,9 @@
   <p:clrMapOvr>
     <a:masterClrMapping/>
   </p:clrMapOvr>
-  <mc:AlternateContent xmlns:mc="http://schemas.openxmlformats.org/markup-compatibility/2006" xmlns:p14="http://schemas.microsoft.com/office/powerpoint/2010/main">
-    <mc:Choice Requires="p14">
-      <p:transition spd="slow" p14:dur="2000"/>
-    </mc:Choice>
-    <mc:Fallback xmlns="">
-      <p:transition spd="slow"/>
-    </mc:Fallback>
-  </mc:AlternateContent>
+  <p:transition spd="slow">
+    <p:push dir="u"/>
+  </p:transition>
   <p:timing>
     <p:tnLst>
       <p:par>
@@ -17553,7 +17678,7 @@
 </file>
 
 <file path=ppt/slides/slide28.xml><?xml version="1.0" encoding="utf-8"?>
-<p:sld xmlns:a="http://schemas.openxmlformats.org/drawingml/2006/main" xmlns:r="http://schemas.openxmlformats.org/officeDocument/2006/relationships" xmlns:p="http://schemas.openxmlformats.org/presentationml/2006/main" show="0">
+<p:sld xmlns:a="http://schemas.openxmlformats.org/drawingml/2006/main" xmlns:r="http://schemas.openxmlformats.org/officeDocument/2006/relationships" xmlns:p="http://schemas.openxmlformats.org/presentationml/2006/main">
   <p:cSld>
     <p:spTree>
       <p:nvGrpSpPr>
@@ -18307,14 +18432,9 @@
   <p:clrMapOvr>
     <a:masterClrMapping/>
   </p:clrMapOvr>
-  <mc:AlternateContent xmlns:mc="http://schemas.openxmlformats.org/markup-compatibility/2006" xmlns:p14="http://schemas.microsoft.com/office/powerpoint/2010/main">
-    <mc:Choice Requires="p14">
-      <p:transition spd="slow" p14:dur="2000"/>
-    </mc:Choice>
-    <mc:Fallback xmlns="">
-      <p:transition spd="slow"/>
-    </mc:Fallback>
-  </mc:AlternateContent>
+  <p:transition spd="slow">
+    <p:push dir="u"/>
+  </p:transition>
   <p:timing>
     <p:tnLst>
       <p:par>
@@ -19779,56 +19899,31 @@
           </a:bodyPr>
           <a:lstStyle/>
           <a:p>
-            <a:pPr marL="285750" indent="-285750" fontAlgn="base">
+            <a:pPr fontAlgn="base">
               <a:lnSpc>
                 <a:spcPct val="150000"/>
               </a:lnSpc>
-              <a:buFontTx/>
-              <a:buChar char="-"/>
             </a:pPr>
             <a:r>
-              <a:rPr lang="ko-KR" altLang="en-US" dirty="0" err="1" smtClean="0">
-                <a:latin typeface="나눔고딕 Light" pitchFamily="50" charset="-127"/>
-                <a:ea typeface="나눔고딕 Light" pitchFamily="50" charset="-127"/>
-              </a:rPr>
-              <a:t>라즈베리파이</a:t>
-            </a:r>
-            <a:r>
-              <a:rPr lang="ko-KR" altLang="en-US" dirty="0" smtClean="0">
-                <a:latin typeface="나눔고딕 Light" pitchFamily="50" charset="-127"/>
-                <a:ea typeface="나눔고딕 Light" pitchFamily="50" charset="-127"/>
-              </a:rPr>
-              <a:t> 기반 </a:t>
-            </a:r>
-            <a:r>
-              <a:rPr lang="en-US" altLang="ko-KR" dirty="0" smtClean="0">
-                <a:latin typeface="나눔고딕 Light" pitchFamily="50" charset="-127"/>
-                <a:ea typeface="나눔고딕 Light" pitchFamily="50" charset="-127"/>
-              </a:rPr>
-              <a:t>RC</a:t>
-            </a:r>
-            <a:r>
-              <a:rPr lang="ko-KR" altLang="en-US" dirty="0" smtClean="0">
-                <a:latin typeface="나눔고딕 Light" pitchFamily="50" charset="-127"/>
-                <a:ea typeface="나눔고딕 Light" pitchFamily="50" charset="-127"/>
-              </a:rPr>
-              <a:t>카</a:t>
-            </a:r>
-            <a:r>
-              <a:rPr lang="en-US" altLang="ko-KR" dirty="0" smtClean="0">
-                <a:latin typeface="나눔고딕 Light" pitchFamily="50" charset="-127"/>
-                <a:ea typeface="나눔고딕 Light" pitchFamily="50" charset="-127"/>
-              </a:rPr>
-              <a:t>: Alpha Bot</a:t>
-            </a:r>
-          </a:p>
-          <a:p>
-            <a:pPr marL="285750" indent="-285750" fontAlgn="base">
+              <a:rPr lang="en-US" altLang="ko-KR" b="1" dirty="0" err="1" smtClean="0">
+                <a:latin typeface="나눔고딕 Light" pitchFamily="50" charset="-127"/>
+                <a:ea typeface="나눔고딕 Light" pitchFamily="50" charset="-127"/>
+              </a:rPr>
+              <a:t>AlphaBot</a:t>
+            </a:r>
+            <a:r>
+              <a:rPr lang="en-US" altLang="ko-KR" b="1" dirty="0" smtClean="0">
+                <a:latin typeface="나눔고딕 Light" pitchFamily="50" charset="-127"/>
+                <a:ea typeface="나눔고딕 Light" pitchFamily="50" charset="-127"/>
+              </a:rPr>
+              <a:t> 3</a:t>
+            </a:r>
+          </a:p>
+          <a:p>
+            <a:pPr fontAlgn="base">
               <a:lnSpc>
                 <a:spcPct val="150000"/>
               </a:lnSpc>
-              <a:buFontTx/>
-              <a:buChar char="-"/>
             </a:pPr>
             <a:endParaRPr lang="en-US" altLang="ko-KR" dirty="0">
               <a:latin typeface="나눔고딕 Light" pitchFamily="50" charset="-127"/>
@@ -20441,132 +20536,109 @@
           <a:lstStyle/>
           <a:p>
             <a:r>
-              <a:rPr lang="en-US" altLang="ko-KR" dirty="0" smtClean="0">
+              <a:rPr lang="ko-KR" altLang="en-US" b="1" dirty="0" err="1" smtClean="0">
                 <a:solidFill>
                   <a:srgbClr val="000000"/>
                 </a:solidFill>
-                <a:latin typeface="Tahoma" panose="020B0604030504040204" pitchFamily="34" charset="0"/>
-              </a:rPr>
-              <a:t>-</a:t>
-            </a:r>
-            <a:r>
-              <a:rPr lang="ko-KR" altLang="en-US" dirty="0" err="1" smtClean="0">
+                <a:latin typeface="나눔고딕 Light" panose="020D0904000000000000" pitchFamily="50" charset="-127"/>
+                <a:ea typeface="나눔고딕 Light" panose="020D0904000000000000" pitchFamily="50" charset="-127"/>
+              </a:rPr>
+              <a:t>라스타</a:t>
+            </a:r>
+            <a:r>
+              <a:rPr lang="ko-KR" altLang="en-US" b="1" dirty="0" smtClean="0">
                 <a:solidFill>
                   <a:srgbClr val="000000"/>
                 </a:solidFill>
-                <a:latin typeface="Tahoma" panose="020B0604030504040204" pitchFamily="34" charset="0"/>
-              </a:rPr>
-              <a:t>라스타</a:t>
-            </a:r>
-            <a:r>
-              <a:rPr lang="ko-KR" altLang="en-US" dirty="0" smtClean="0">
+                <a:latin typeface="나눔고딕 Light" panose="020D0904000000000000" pitchFamily="50" charset="-127"/>
+                <a:ea typeface="나눔고딕 Light" panose="020D0904000000000000" pitchFamily="50" charset="-127"/>
+              </a:rPr>
+              <a:t> </a:t>
+            </a:r>
+            <a:r>
+              <a:rPr lang="ko-KR" altLang="en-US" b="1" dirty="0">
                 <a:solidFill>
                   <a:srgbClr val="000000"/>
                 </a:solidFill>
-                <a:latin typeface="Tahoma" panose="020B0604030504040204" pitchFamily="34" charset="0"/>
+                <a:latin typeface="나눔고딕 Light" panose="020D0904000000000000" pitchFamily="50" charset="-127"/>
+                <a:ea typeface="나눔고딕 Light" panose="020D0904000000000000" pitchFamily="50" charset="-127"/>
+              </a:rPr>
+              <a:t>랜드로버 </a:t>
+            </a:r>
+            <a:r>
+              <a:rPr lang="en-US" altLang="ko-KR" b="1" dirty="0" err="1">
+                <a:solidFill>
+                  <a:srgbClr val="000000"/>
+                </a:solidFill>
+                <a:latin typeface="나눔고딕 Light" panose="020D0904000000000000" pitchFamily="50" charset="-127"/>
+                <a:ea typeface="나눔고딕 Light" panose="020D0904000000000000" pitchFamily="50" charset="-127"/>
+              </a:rPr>
+              <a:t>rc</a:t>
+            </a:r>
+            <a:r>
+              <a:rPr lang="ko-KR" altLang="en-US" b="1" dirty="0">
+                <a:solidFill>
+                  <a:srgbClr val="000000"/>
+                </a:solidFill>
+                <a:latin typeface="나눔고딕 Light" panose="020D0904000000000000" pitchFamily="50" charset="-127"/>
+                <a:ea typeface="나눔고딕 Light" panose="020D0904000000000000" pitchFamily="50" charset="-127"/>
+              </a:rPr>
+              <a:t>카 </a:t>
+            </a:r>
+            <a:r>
+              <a:rPr lang="ko-KR" altLang="en-US" b="1" dirty="0" err="1">
+                <a:solidFill>
+                  <a:srgbClr val="000000"/>
+                </a:solidFill>
+                <a:latin typeface="나눔고딕 Light" panose="020D0904000000000000" pitchFamily="50" charset="-127"/>
+                <a:ea typeface="나눔고딕 Light" panose="020D0904000000000000" pitchFamily="50" charset="-127"/>
+              </a:rPr>
+              <a:t>레인지로버</a:t>
+            </a:r>
+            <a:r>
+              <a:rPr lang="ko-KR" altLang="en-US" b="1" dirty="0">
+                <a:solidFill>
+                  <a:srgbClr val="000000"/>
+                </a:solidFill>
+                <a:latin typeface="나눔고딕 Light" panose="020D0904000000000000" pitchFamily="50" charset="-127"/>
+                <a:ea typeface="나눔고딕 Light" panose="020D0904000000000000" pitchFamily="50" charset="-127"/>
               </a:rPr>
               <a:t> </a:t>
             </a:r>
             <a:r>
-              <a:rPr lang="ko-KR" altLang="en-US" dirty="0">
+              <a:rPr lang="ko-KR" altLang="en-US" b="1" dirty="0" err="1">
                 <a:solidFill>
                   <a:srgbClr val="000000"/>
                 </a:solidFill>
-                <a:latin typeface="Tahoma" panose="020B0604030504040204" pitchFamily="34" charset="0"/>
-              </a:rPr>
-              <a:t>랜드로버 </a:t>
-            </a:r>
-            <a:r>
-              <a:rPr lang="en-US" altLang="ko-KR" dirty="0" err="1">
+                <a:latin typeface="나눔고딕 Light" panose="020D0904000000000000" pitchFamily="50" charset="-127"/>
+                <a:ea typeface="나눔고딕 Light" panose="020D0904000000000000" pitchFamily="50" charset="-127"/>
+              </a:rPr>
+              <a:t>이보크</a:t>
+            </a:r>
+            <a:r>
+              <a:rPr lang="ko-KR" altLang="en-US" b="1" dirty="0">
                 <a:solidFill>
                   <a:srgbClr val="000000"/>
                 </a:solidFill>
-                <a:latin typeface="Tahoma" panose="020B0604030504040204" pitchFamily="34" charset="0"/>
-              </a:rPr>
-              <a:t>rc</a:t>
-            </a:r>
-            <a:r>
-              <a:rPr lang="ko-KR" altLang="en-US" dirty="0">
-                <a:solidFill>
-                  <a:srgbClr val="000000"/>
-                </a:solidFill>
-                <a:latin typeface="Tahoma" panose="020B0604030504040204" pitchFamily="34" charset="0"/>
-              </a:rPr>
-              <a:t>카 </a:t>
-            </a:r>
-            <a:r>
-              <a:rPr lang="ko-KR" altLang="en-US" dirty="0" err="1">
-                <a:solidFill>
-                  <a:srgbClr val="000000"/>
-                </a:solidFill>
-                <a:latin typeface="Tahoma" panose="020B0604030504040204" pitchFamily="34" charset="0"/>
-              </a:rPr>
-              <a:t>레인지로버</a:t>
-            </a:r>
-            <a:r>
-              <a:rPr lang="ko-KR" altLang="en-US" dirty="0">
-                <a:solidFill>
-                  <a:srgbClr val="000000"/>
-                </a:solidFill>
-                <a:latin typeface="Tahoma" panose="020B0604030504040204" pitchFamily="34" charset="0"/>
+                <a:latin typeface="나눔고딕 Light" panose="020D0904000000000000" pitchFamily="50" charset="-127"/>
+                <a:ea typeface="나눔고딕 Light" panose="020D0904000000000000" pitchFamily="50" charset="-127"/>
               </a:rPr>
               <a:t> </a:t>
             </a:r>
-            <a:r>
-              <a:rPr lang="ko-KR" altLang="en-US" dirty="0" err="1">
-                <a:solidFill>
-                  <a:srgbClr val="000000"/>
-                </a:solidFill>
-                <a:latin typeface="Tahoma" panose="020B0604030504040204" pitchFamily="34" charset="0"/>
-              </a:rPr>
-              <a:t>이보크</a:t>
-            </a:r>
-            <a:r>
-              <a:rPr lang="ko-KR" altLang="en-US" dirty="0">
-                <a:solidFill>
-                  <a:srgbClr val="000000"/>
-                </a:solidFill>
-                <a:latin typeface="Tahoma" panose="020B0604030504040204" pitchFamily="34" charset="0"/>
-              </a:rPr>
-              <a:t> </a:t>
-            </a:r>
-            <a:r>
-              <a:rPr lang="en-US" altLang="ko-KR" dirty="0">
-                <a:solidFill>
-                  <a:srgbClr val="000000"/>
-                </a:solidFill>
-                <a:latin typeface="Tahoma" panose="020B0604030504040204" pitchFamily="34" charset="0"/>
-              </a:rPr>
-              <a:t>(1:14</a:t>
-            </a:r>
-            <a:r>
-              <a:rPr lang="en-US" altLang="ko-KR" dirty="0" smtClean="0">
-                <a:solidFill>
-                  <a:srgbClr val="000000"/>
-                </a:solidFill>
-                <a:latin typeface="Tahoma" panose="020B0604030504040204" pitchFamily="34" charset="0"/>
-              </a:rPr>
-              <a:t>) from </a:t>
-            </a:r>
-            <a:r>
-              <a:rPr lang="en-US" altLang="ko-KR" dirty="0" err="1">
-                <a:solidFill>
-                  <a:srgbClr val="000000"/>
-                </a:solidFill>
-                <a:latin typeface="Tahoma" panose="020B0604030504040204" pitchFamily="34" charset="0"/>
-              </a:rPr>
-              <a:t>G</a:t>
-            </a:r>
-            <a:r>
-              <a:rPr lang="en-US" altLang="ko-KR" dirty="0" err="1" smtClean="0">
-                <a:solidFill>
-                  <a:srgbClr val="000000"/>
-                </a:solidFill>
-                <a:latin typeface="Tahoma" panose="020B0604030504040204" pitchFamily="34" charset="0"/>
-              </a:rPr>
-              <a:t>market</a:t>
-            </a:r>
-            <a:endParaRPr lang="en-US" altLang="ko-KR" dirty="0">
+            <a:endParaRPr lang="en-US" altLang="ko-KR" b="1" dirty="0" smtClean="0">
+              <a:solidFill>
+                <a:srgbClr val="000000"/>
+              </a:solidFill>
+              <a:latin typeface="나눔고딕 Light" panose="020D0904000000000000" pitchFamily="50" charset="-127"/>
+              <a:ea typeface="나눔고딕 Light" panose="020D0904000000000000" pitchFamily="50" charset="-127"/>
+            </a:endParaRPr>
+          </a:p>
+          <a:p>
+            <a:pPr marL="285750" indent="-285750">
+              <a:buFontTx/>
+              <a:buChar char="-"/>
+            </a:pPr>
+            <a:endParaRPr lang="en-US" altLang="ko-KR" dirty="0" smtClean="0">
               <a:latin typeface="나눔고딕 Light" pitchFamily="50" charset="-127"/>
               <a:ea typeface="나눔고딕 Light" pitchFamily="50" charset="-127"/>
             </a:endParaRPr>
@@ -20584,126 +20656,133 @@
                 <a:latin typeface="나눔고딕 Light" pitchFamily="50" charset="-127"/>
                 <a:ea typeface="나눔고딕 Light" pitchFamily="50" charset="-127"/>
               </a:rPr>
-              <a:t>선택 </a:t>
+              <a:t>선택 이유</a:t>
+            </a:r>
+            <a:r>
+              <a:rPr lang="en-US" altLang="ko-KR" dirty="0" smtClean="0">
+                <a:latin typeface="나눔고딕 Light" pitchFamily="50" charset="-127"/>
+                <a:ea typeface="나눔고딕 Light" pitchFamily="50" charset="-127"/>
+              </a:rPr>
+              <a:t>: </a:t>
             </a:r>
             <a:r>
               <a:rPr lang="ko-KR" altLang="en-US" dirty="0" smtClean="0">
                 <a:latin typeface="나눔고딕 Light" pitchFamily="50" charset="-127"/>
                 <a:ea typeface="나눔고딕 Light" pitchFamily="50" charset="-127"/>
               </a:rPr>
-              <a:t>이유</a:t>
+              <a:t>처음엔 </a:t>
+            </a:r>
+            <a:r>
+              <a:rPr lang="ko-KR" altLang="en-US" dirty="0" err="1" smtClean="0">
+                <a:latin typeface="나눔고딕 Light" pitchFamily="50" charset="-127"/>
+                <a:ea typeface="나눔고딕 Light" pitchFamily="50" charset="-127"/>
+              </a:rPr>
+              <a:t>라즈베리파이</a:t>
+            </a:r>
+            <a:r>
+              <a:rPr lang="ko-KR" altLang="en-US" dirty="0" smtClean="0">
+                <a:latin typeface="나눔고딕 Light" pitchFamily="50" charset="-127"/>
+                <a:ea typeface="나눔고딕 Light" pitchFamily="50" charset="-127"/>
+              </a:rPr>
+              <a:t> </a:t>
+            </a:r>
+            <a:r>
+              <a:rPr lang="ko-KR" altLang="en-US" dirty="0" err="1" smtClean="0">
+                <a:latin typeface="나눔고딕 Light" pitchFamily="50" charset="-127"/>
+                <a:ea typeface="나눔고딕 Light" pitchFamily="50" charset="-127"/>
+              </a:rPr>
+              <a:t>알파봇으로</a:t>
+            </a:r>
+            <a:r>
+              <a:rPr lang="ko-KR" altLang="en-US" dirty="0" smtClean="0">
+                <a:latin typeface="나눔고딕 Light" pitchFamily="50" charset="-127"/>
+                <a:ea typeface="나눔고딕 Light" pitchFamily="50" charset="-127"/>
+              </a:rPr>
+              <a:t> 자율주행 </a:t>
             </a:r>
             <a:r>
               <a:rPr lang="en-US" altLang="ko-KR" dirty="0" smtClean="0">
                 <a:latin typeface="나눔고딕 Light" pitchFamily="50" charset="-127"/>
                 <a:ea typeface="나눔고딕 Light" pitchFamily="50" charset="-127"/>
               </a:rPr>
-              <a:t>: </a:t>
+              <a:t>RC</a:t>
             </a:r>
             <a:r>
               <a:rPr lang="ko-KR" altLang="en-US" dirty="0" smtClean="0">
                 <a:latin typeface="나눔고딕 Light" pitchFamily="50" charset="-127"/>
                 <a:ea typeface="나눔고딕 Light" pitchFamily="50" charset="-127"/>
               </a:rPr>
-              <a:t>처음엔 </a:t>
+              <a:t>카를 만들려고 하였으나</a:t>
+            </a:r>
+            <a:r>
+              <a:rPr lang="en-US" altLang="ko-KR" dirty="0" smtClean="0">
+                <a:latin typeface="나눔고딕 Light" pitchFamily="50" charset="-127"/>
+                <a:ea typeface="나눔고딕 Light" pitchFamily="50" charset="-127"/>
+              </a:rPr>
+              <a:t>, </a:t>
+            </a:r>
+            <a:r>
+              <a:rPr lang="ko-KR" altLang="en-US" dirty="0" smtClean="0">
+                <a:latin typeface="나눔고딕 Light" pitchFamily="50" charset="-127"/>
+                <a:ea typeface="나눔고딕 Light" pitchFamily="50" charset="-127"/>
+              </a:rPr>
+              <a:t>양쪽 모터의 </a:t>
+            </a:r>
+            <a:r>
+              <a:rPr lang="en-US" altLang="ko-KR" dirty="0" smtClean="0">
+                <a:latin typeface="나눔고딕 Light" pitchFamily="50" charset="-127"/>
+                <a:ea typeface="나눔고딕 Light" pitchFamily="50" charset="-127"/>
+              </a:rPr>
+              <a:t>RPM</a:t>
+            </a:r>
+            <a:r>
+              <a:rPr lang="ko-KR" altLang="en-US" dirty="0" smtClean="0">
+                <a:latin typeface="나눔고딕 Light" pitchFamily="50" charset="-127"/>
+                <a:ea typeface="나눔고딕 Light" pitchFamily="50" charset="-127"/>
+              </a:rPr>
+              <a:t>이 달라 전진을 올바르게 하지 못하는 상황이 발생하여 시중의 </a:t>
+            </a:r>
+            <a:r>
+              <a:rPr lang="en-US" altLang="ko-KR" dirty="0" smtClean="0">
+                <a:latin typeface="나눔고딕 Light" pitchFamily="50" charset="-127"/>
+                <a:ea typeface="나눔고딕 Light" pitchFamily="50" charset="-127"/>
+              </a:rPr>
+              <a:t>RC</a:t>
+            </a:r>
+            <a:r>
+              <a:rPr lang="ko-KR" altLang="en-US" dirty="0" smtClean="0">
+                <a:latin typeface="나눔고딕 Light" pitchFamily="50" charset="-127"/>
+                <a:ea typeface="나눔고딕 Light" pitchFamily="50" charset="-127"/>
+              </a:rPr>
+              <a:t>카를 </a:t>
+            </a:r>
+            <a:r>
+              <a:rPr lang="ko-KR" altLang="en-US" dirty="0" smtClean="0">
+                <a:latin typeface="나눔고딕 Light" pitchFamily="50" charset="-127"/>
+                <a:ea typeface="나눔고딕 Light" pitchFamily="50" charset="-127"/>
+              </a:rPr>
+              <a:t> </a:t>
             </a:r>
             <a:r>
               <a:rPr lang="ko-KR" altLang="en-US" dirty="0" err="1" smtClean="0">
                 <a:latin typeface="나눔고딕 Light" pitchFamily="50" charset="-127"/>
                 <a:ea typeface="나눔고딕 Light" pitchFamily="50" charset="-127"/>
               </a:rPr>
-              <a:t>라즈베리파이</a:t>
+              <a:t>라즈베리</a:t>
             </a:r>
             <a:r>
               <a:rPr lang="ko-KR" altLang="en-US" dirty="0" smtClean="0">
                 <a:latin typeface="나눔고딕 Light" pitchFamily="50" charset="-127"/>
                 <a:ea typeface="나눔고딕 Light" pitchFamily="50" charset="-127"/>
               </a:rPr>
-              <a:t> </a:t>
-            </a:r>
-            <a:r>
-              <a:rPr lang="ko-KR" altLang="en-US" dirty="0" err="1" smtClean="0">
-                <a:latin typeface="나눔고딕 Light" pitchFamily="50" charset="-127"/>
-                <a:ea typeface="나눔고딕 Light" pitchFamily="50" charset="-127"/>
-              </a:rPr>
-              <a:t>알파봇으로</a:t>
+              <a:t> 파이와 </a:t>
             </a:r>
             <a:r>
               <a:rPr lang="ko-KR" altLang="en-US" dirty="0" smtClean="0">
                 <a:latin typeface="나눔고딕 Light" pitchFamily="50" charset="-127"/>
                 <a:ea typeface="나눔고딕 Light" pitchFamily="50" charset="-127"/>
               </a:rPr>
-              <a:t> 자율주행 </a:t>
-            </a:r>
-            <a:r>
-              <a:rPr lang="en-US" altLang="ko-KR" dirty="0" smtClean="0">
-                <a:latin typeface="나눔고딕 Light" pitchFamily="50" charset="-127"/>
-                <a:ea typeface="나눔고딕 Light" pitchFamily="50" charset="-127"/>
-              </a:rPr>
-              <a:t>RC</a:t>
-            </a:r>
-            <a:r>
-              <a:rPr lang="ko-KR" altLang="en-US" dirty="0" smtClean="0">
-                <a:latin typeface="나눔고딕 Light" pitchFamily="50" charset="-127"/>
-                <a:ea typeface="나눔고딕 Light" pitchFamily="50" charset="-127"/>
-              </a:rPr>
-              <a:t>카를 만들려고 하였으나</a:t>
-            </a:r>
-            <a:r>
-              <a:rPr lang="en-US" altLang="ko-KR" dirty="0" smtClean="0">
-                <a:latin typeface="나눔고딕 Light" pitchFamily="50" charset="-127"/>
-                <a:ea typeface="나눔고딕 Light" pitchFamily="50" charset="-127"/>
-              </a:rPr>
-              <a:t>, </a:t>
-            </a:r>
-            <a:r>
-              <a:rPr lang="ko-KR" altLang="en-US" dirty="0" smtClean="0">
-                <a:latin typeface="나눔고딕 Light" pitchFamily="50" charset="-127"/>
-                <a:ea typeface="나눔고딕 Light" pitchFamily="50" charset="-127"/>
-              </a:rPr>
-              <a:t>양쪽 모터의 </a:t>
-            </a:r>
-            <a:r>
-              <a:rPr lang="en-US" altLang="ko-KR" dirty="0" smtClean="0">
-                <a:latin typeface="나눔고딕 Light" pitchFamily="50" charset="-127"/>
-                <a:ea typeface="나눔고딕 Light" pitchFamily="50" charset="-127"/>
-              </a:rPr>
-              <a:t>RPM</a:t>
-            </a:r>
-            <a:r>
-              <a:rPr lang="ko-KR" altLang="en-US" dirty="0" smtClean="0">
-                <a:latin typeface="나눔고딕 Light" pitchFamily="50" charset="-127"/>
-                <a:ea typeface="나눔고딕 Light" pitchFamily="50" charset="-127"/>
-              </a:rPr>
-              <a:t>이 달라 전진을 올바르게 하지 못하는 상황이 발생하여 시중의 </a:t>
-            </a:r>
-            <a:r>
-              <a:rPr lang="en-US" altLang="ko-KR" dirty="0" smtClean="0">
-                <a:latin typeface="나눔고딕 Light" pitchFamily="50" charset="-127"/>
-                <a:ea typeface="나눔고딕 Light" pitchFamily="50" charset="-127"/>
-              </a:rPr>
-              <a:t>RC</a:t>
-            </a:r>
-            <a:r>
-              <a:rPr lang="ko-KR" altLang="en-US" dirty="0" smtClean="0">
-                <a:latin typeface="나눔고딕 Light" pitchFamily="50" charset="-127"/>
-                <a:ea typeface="나눔고딕 Light" pitchFamily="50" charset="-127"/>
-              </a:rPr>
-              <a:t>카를 사서 </a:t>
-            </a:r>
-            <a:r>
-              <a:rPr lang="ko-KR" altLang="en-US" dirty="0" err="1" smtClean="0">
-                <a:latin typeface="나눔고딕 Light" pitchFamily="50" charset="-127"/>
-                <a:ea typeface="나눔고딕 Light" pitchFamily="50" charset="-127"/>
-              </a:rPr>
-              <a:t>라즈베리파이와</a:t>
-            </a:r>
-            <a:r>
-              <a:rPr lang="ko-KR" altLang="en-US" dirty="0" smtClean="0">
-                <a:latin typeface="나눔고딕 Light" pitchFamily="50" charset="-127"/>
-                <a:ea typeface="나눔고딕 Light" pitchFamily="50" charset="-127"/>
-              </a:rPr>
-              <a:t> 연결하였다</a:t>
+              <a:t>연결하였다</a:t>
             </a:r>
             <a:r>
               <a:rPr lang="en-US" altLang="ko-KR" dirty="0" smtClean="0">
@@ -21128,14 +21207,19 @@
           <a:lstStyle/>
           <a:p>
             <a:r>
-              <a:rPr lang="en-US" altLang="ko-KR" dirty="0" err="1"/>
+              <a:rPr lang="en-US" altLang="ko-KR" b="1" dirty="0" err="1">
+                <a:latin typeface="나눔고딕 Light" panose="020D0904000000000000" pitchFamily="50" charset="-127"/>
+                <a:ea typeface="나눔고딕 Light" panose="020D0904000000000000" pitchFamily="50" charset="-127"/>
+              </a:rPr>
               <a:t>RPi</a:t>
             </a:r>
             <a:r>
-              <a:rPr lang="en-US" altLang="ko-KR" dirty="0"/>
+              <a:rPr lang="en-US" altLang="ko-KR" b="1" dirty="0">
+                <a:latin typeface="나눔고딕 Light" panose="020D0904000000000000" pitchFamily="50" charset="-127"/>
+                <a:ea typeface="나눔고딕 Light" panose="020D0904000000000000" pitchFamily="50" charset="-127"/>
+              </a:rPr>
               <a:t> Camera (B)</a:t>
             </a:r>
-            <a:endParaRPr lang="en-US" altLang="ko-KR" dirty="0"/>
           </a:p>
         </p:txBody>
       </p:sp>
@@ -21574,40 +21658,17 @@
           </a:bodyPr>
           <a:lstStyle/>
           <a:p>
-            <a:pPr marL="285750" indent="-285750" fontAlgn="base">
+            <a:pPr fontAlgn="base">
               <a:lnSpc>
                 <a:spcPct val="150000"/>
               </a:lnSpc>
-              <a:buFontTx/>
-              <a:buChar char="-"/>
             </a:pPr>
             <a:r>
-              <a:rPr lang="ko-KR" altLang="en-US" dirty="0" smtClean="0">
-                <a:latin typeface="나눔고딕 Light" pitchFamily="50" charset="-127"/>
-                <a:ea typeface="나눔고딕 Light" pitchFamily="50" charset="-127"/>
-              </a:rPr>
-              <a:t>사용</a:t>
-            </a:r>
-            <a:r>
-              <a:rPr lang="en-US" altLang="ko-KR" dirty="0" smtClean="0">
-                <a:latin typeface="나눔고딕 Light" pitchFamily="50" charset="-127"/>
-                <a:ea typeface="나눔고딕 Light" pitchFamily="50" charset="-127"/>
-              </a:rPr>
-              <a:t> </a:t>
-            </a:r>
-            <a:r>
-              <a:rPr lang="ko-KR" altLang="en-US" dirty="0" smtClean="0">
-                <a:latin typeface="나눔고딕 Light" pitchFamily="50" charset="-127"/>
-                <a:ea typeface="나눔고딕 Light" pitchFamily="50" charset="-127"/>
-              </a:rPr>
-              <a:t>보드</a:t>
-            </a:r>
-            <a:r>
-              <a:rPr lang="en-US" altLang="ko-KR" dirty="0" smtClean="0">
-                <a:latin typeface="나눔고딕 Light" pitchFamily="50" charset="-127"/>
-                <a:ea typeface="나눔고딕 Light" pitchFamily="50" charset="-127"/>
-              </a:rPr>
-              <a:t>: Raspberry Pi 3 model B</a:t>
+              <a:rPr lang="en-US" altLang="ko-KR" b="1" dirty="0" smtClean="0">
+                <a:latin typeface="나눔고딕 Light" pitchFamily="50" charset="-127"/>
+                <a:ea typeface="나눔고딕 Light" pitchFamily="50" charset="-127"/>
+              </a:rPr>
+              <a:t>Raspberry Pi 3 model B</a:t>
             </a:r>
           </a:p>
           <a:p>
